--- a/03/009x_31.pptx
+++ b/03/009x_31.pptx
@@ -268,7 +268,7 @@
           <a:p>
             <a:fld id="{0412B963-281D-0642-81B7-06A60C2985AD}" type="datetime1">
               <a:rPr kumimoji="1" lang="ja-JP" altLang="en-US" smtClean="0"/>
-              <a:t>2017/3/19</a:t>
+              <a:t>2017/3/26</a:t>
             </a:fld>
             <a:endParaRPr kumimoji="1" lang="ja-JP" altLang="en-US"/>
           </a:p>
@@ -458,7 +458,7 @@
             </a:pPr>
             <a:fld id="{0EE9D497-FB4E-3041-93C1-90E0C07422CD}" type="datetime1">
               <a:rPr lang="ja-JP" altLang="en-US" smtClean="0"/>
-              <a:t>2017/3/19</a:t>
+              <a:t>2017/3/26</a:t>
             </a:fld>
             <a:endParaRPr lang="en-US"/>
           </a:p>
@@ -3590,7 +3590,7 @@
             </a:pPr>
             <a:fld id="{A023B52E-C3FC-A848-B8A7-4DBA8B1017FE}" type="datetime1">
               <a:rPr lang="ja-JP" altLang="en-US" smtClean="0"/>
-              <a:t>2017/3/19</a:t>
+              <a:t>2017/3/26</a:t>
             </a:fld>
             <a:endParaRPr lang="en-US"/>
           </a:p>
@@ -3847,7 +3847,7 @@
             </a:pPr>
             <a:fld id="{2DE75801-1A6B-394A-B005-5786EC074A9B}" type="datetime1">
               <a:rPr lang="ja-JP" altLang="en-US" smtClean="0"/>
-              <a:t>2017/3/19</a:t>
+              <a:t>2017/3/26</a:t>
             </a:fld>
             <a:endParaRPr lang="en-US"/>
           </a:p>
@@ -4082,7 +4082,7 @@
             </a:pPr>
             <a:fld id="{073DB193-1D39-D94F-8E40-C5EC80DBC0CC}" type="datetime1">
               <a:rPr lang="ja-JP" altLang="en-US" smtClean="0"/>
-              <a:t>2017/3/19</a:t>
+              <a:t>2017/3/26</a:t>
             </a:fld>
             <a:endParaRPr lang="en-US"/>
           </a:p>
@@ -4587,7 +4587,7 @@
             </a:pPr>
             <a:fld id="{7D58C5EB-780A-E642-8BB9-48AF6B9A0C93}" type="datetime1">
               <a:rPr lang="ja-JP" altLang="en-US" smtClean="0"/>
-              <a:t>2017/3/19</a:t>
+              <a:t>2017/3/26</a:t>
             </a:fld>
             <a:endParaRPr lang="en-US"/>
           </a:p>
@@ -4895,7 +4895,7 @@
             </a:pPr>
             <a:fld id="{EC559CBC-7087-6D41-8C71-6B6BCC6E0EE3}" type="datetime1">
               <a:rPr lang="ja-JP" altLang="en-US" smtClean="0"/>
-              <a:t>2017/3/19</a:t>
+              <a:t>2017/3/26</a:t>
             </a:fld>
             <a:endParaRPr lang="en-US"/>
           </a:p>
@@ -5557,7 +5557,7 @@
             </a:pPr>
             <a:fld id="{342E31EE-E339-0841-B520-05F3A10B4FBF}" type="datetime1">
               <a:rPr lang="ja-JP" altLang="en-US" smtClean="0"/>
-              <a:t>2017/3/19</a:t>
+              <a:t>2017/3/26</a:t>
             </a:fld>
             <a:endParaRPr lang="en-US"/>
           </a:p>
@@ -6349,7 +6349,7 @@
             </a:pPr>
             <a:fld id="{9C45F164-7935-224C-A922-3217B740A4E7}" type="datetime1">
               <a:rPr lang="ja-JP" altLang="en-US" smtClean="0"/>
-              <a:t>2017/3/19</a:t>
+              <a:t>2017/3/26</a:t>
             </a:fld>
             <a:endParaRPr lang="en-US"/>
           </a:p>
@@ -6786,7 +6786,7 @@
             </a:pPr>
             <a:fld id="{84905C6B-2FEB-1741-BBF6-BD111E1D4EA0}" type="datetime1">
               <a:rPr lang="ja-JP" altLang="en-US" smtClean="0"/>
-              <a:t>2017/3/19</a:t>
+              <a:t>2017/3/26</a:t>
             </a:fld>
             <a:endParaRPr lang="en-US"/>
           </a:p>
@@ -7117,7 +7117,7 @@
             </a:pPr>
             <a:fld id="{331FF03F-3229-1D47-9BC7-23D3C122EEFB}" type="datetime1">
               <a:rPr lang="ja-JP" altLang="en-US" smtClean="0"/>
-              <a:t>2017/3/19</a:t>
+              <a:t>2017/3/26</a:t>
             </a:fld>
             <a:endParaRPr lang="en-US"/>
           </a:p>
@@ -7467,7 +7467,7 @@
             </a:pPr>
             <a:fld id="{9B242E05-CAC7-5E43-8B86-8A3E0256E9A3}" type="datetime1">
               <a:rPr lang="ja-JP" altLang="en-US" smtClean="0"/>
-              <a:t>2017/3/19</a:t>
+              <a:t>2017/3/26</a:t>
             </a:fld>
             <a:endParaRPr lang="en-US"/>
           </a:p>
@@ -7750,7 +7750,7 @@
             </a:pPr>
             <a:fld id="{60626716-BD6C-D348-A5AA-41DF31DB35E1}" type="datetime1">
               <a:rPr lang="ja-JP" altLang="en-US" smtClean="0"/>
-              <a:t>2017/3/19</a:t>
+              <a:t>2017/3/26</a:t>
             </a:fld>
             <a:endParaRPr lang="en-US"/>
           </a:p>
@@ -8041,7 +8041,7 @@
             </a:pPr>
             <a:fld id="{2062BAB6-2670-A84E-B27B-9C88D5D27877}" type="datetime1">
               <a:rPr lang="ja-JP" altLang="en-US" smtClean="0"/>
-              <a:t>2017/3/19</a:t>
+              <a:t>2017/3/26</a:t>
             </a:fld>
             <a:endParaRPr lang="en-US"/>
           </a:p>
@@ -8990,12 +8990,12 @@
           <a:graphicData uri="http://schemas.openxmlformats.org/presentationml/2006/ole">
             <mc:AlternateContent xmlns:mc="http://schemas.openxmlformats.org/markup-compatibility/2006">
               <mc:Choice xmlns:v="urn:schemas-microsoft-com:vml" Requires="v">
-                <p:oleObj spid="_x0000_s33228" name="文書" r:id="rId4" imgW="4495800" imgH="596900" progId="Word.Document.12">
+                <p:oleObj spid="_x0000_s33239" name="文書" r:id="rId5" imgW="4495800" imgH="596900" progId="Word.Document.12">
                   <p:embed/>
                 </p:oleObj>
               </mc:Choice>
               <mc:Fallback>
-                <p:oleObj name="文書" r:id="rId4" imgW="4495800" imgH="596900" progId="Word.Document.12">
+                <p:oleObj name="文書" r:id="rId5" imgW="4495800" imgH="596900" progId="Word.Document.12">
                   <p:embed/>
                   <p:pic>
                     <p:nvPicPr>
@@ -9004,7 +9004,7 @@
                       <p:nvPr/>
                     </p:nvPicPr>
                     <p:blipFill>
-                      <a:blip r:embed="rId5"/>
+                      <a:blip r:embed="rId6"/>
                       <a:stretch>
                         <a:fillRect/>
                       </a:stretch>
@@ -9139,12 +9139,12 @@
           <a:graphicData uri="http://schemas.openxmlformats.org/presentationml/2006/ole">
             <mc:AlternateContent xmlns:mc="http://schemas.openxmlformats.org/markup-compatibility/2006">
               <mc:Choice xmlns:v="urn:schemas-microsoft-com:vml" Requires="v">
-                <p:oleObj spid="_x0000_s33229" name="Equation" r:id="rId6" imgW="190500" imgH="241300" progId="Equation.DSMT4">
+                <p:oleObj spid="_x0000_s33240" name="Equation" r:id="rId7" imgW="190500" imgH="241300" progId="Equation.DSMT4">
                   <p:embed/>
                 </p:oleObj>
               </mc:Choice>
               <mc:Fallback>
-                <p:oleObj name="Equation" r:id="rId6" imgW="190500" imgH="241300" progId="Equation.DSMT4">
+                <p:oleObj name="Equation" r:id="rId7" imgW="190500" imgH="241300" progId="Equation.DSMT4">
                   <p:embed/>
                   <p:pic>
                     <p:nvPicPr>
@@ -9153,7 +9153,7 @@
                       <p:nvPr/>
                     </p:nvPicPr>
                     <p:blipFill>
-                      <a:blip r:embed="rId7"/>
+                      <a:blip r:embed="rId8"/>
                       <a:stretch>
                         <a:fillRect/>
                       </a:stretch>
@@ -9196,12 +9196,12 @@
           <a:graphicData uri="http://schemas.openxmlformats.org/presentationml/2006/ole">
             <mc:AlternateContent xmlns:mc="http://schemas.openxmlformats.org/markup-compatibility/2006">
               <mc:Choice xmlns:v="urn:schemas-microsoft-com:vml" Requires="v">
-                <p:oleObj spid="_x0000_s33230" name="Equation" r:id="rId8" imgW="88900" imgH="139700" progId="Equation.DSMT4">
+                <p:oleObj spid="_x0000_s33241" name="Equation" r:id="rId9" imgW="88900" imgH="139700" progId="Equation.DSMT4">
                   <p:embed/>
                 </p:oleObj>
               </mc:Choice>
               <mc:Fallback>
-                <p:oleObj name="Equation" r:id="rId8" imgW="88900" imgH="139700" progId="Equation.DSMT4">
+                <p:oleObj name="Equation" r:id="rId9" imgW="88900" imgH="139700" progId="Equation.DSMT4">
                   <p:embed/>
                   <p:pic>
                     <p:nvPicPr>
@@ -9210,7 +9210,7 @@
                       <p:nvPr/>
                     </p:nvPicPr>
                     <p:blipFill>
-                      <a:blip r:embed="rId9"/>
+                      <a:blip r:embed="rId10"/>
                       <a:stretch>
                         <a:fillRect/>
                       </a:stretch>
@@ -9347,12 +9347,12 @@
           <a:graphicData uri="http://schemas.openxmlformats.org/presentationml/2006/ole">
             <mc:AlternateContent xmlns:mc="http://schemas.openxmlformats.org/markup-compatibility/2006">
               <mc:Choice xmlns:v="urn:schemas-microsoft-com:vml" Requires="v">
-                <p:oleObj spid="_x0000_s33231" name="Equation" r:id="rId10" imgW="812800" imgH="292100" progId="Equation.DSMT4">
+                <p:oleObj spid="_x0000_s33242" name="Equation" r:id="rId11" imgW="812800" imgH="292100" progId="Equation.DSMT4">
                   <p:embed/>
                 </p:oleObj>
               </mc:Choice>
               <mc:Fallback>
-                <p:oleObj name="Equation" r:id="rId10" imgW="812800" imgH="292100" progId="Equation.DSMT4">
+                <p:oleObj name="Equation" r:id="rId11" imgW="812800" imgH="292100" progId="Equation.DSMT4">
                   <p:embed/>
                   <p:pic>
                     <p:nvPicPr>
@@ -9361,7 +9361,7 @@
                       <p:nvPr/>
                     </p:nvPicPr>
                     <p:blipFill>
-                      <a:blip r:embed="rId11"/>
+                      <a:blip r:embed="rId12"/>
                       <a:stretch>
                         <a:fillRect/>
                       </a:stretch>
@@ -9598,12 +9598,12 @@
           <a:graphicData uri="http://schemas.openxmlformats.org/presentationml/2006/ole">
             <mc:AlternateContent xmlns:mc="http://schemas.openxmlformats.org/markup-compatibility/2006">
               <mc:Choice xmlns:v="urn:schemas-microsoft-com:vml" Requires="v">
-                <p:oleObj spid="_x0000_s33232" name="Equation" r:id="rId12" imgW="139700" imgH="152400" progId="Equation.DSMT4">
+                <p:oleObj spid="_x0000_s33243" name="Equation" r:id="rId13" imgW="139700" imgH="152400" progId="Equation.DSMT4">
                   <p:embed/>
                 </p:oleObj>
               </mc:Choice>
               <mc:Fallback>
-                <p:oleObj name="Equation" r:id="rId12" imgW="139700" imgH="152400" progId="Equation.DSMT4">
+                <p:oleObj name="Equation" r:id="rId13" imgW="139700" imgH="152400" progId="Equation.DSMT4">
                   <p:embed/>
                   <p:pic>
                     <p:nvPicPr>
@@ -9612,7 +9612,7 @@
                       <p:nvPr/>
                     </p:nvPicPr>
                     <p:blipFill>
-                      <a:blip r:embed="rId13"/>
+                      <a:blip r:embed="rId14"/>
                       <a:stretch>
                         <a:fillRect/>
                       </a:stretch>
@@ -9651,12 +9651,12 @@
           <a:graphicData uri="http://schemas.openxmlformats.org/presentationml/2006/ole">
             <mc:AlternateContent xmlns:mc="http://schemas.openxmlformats.org/markup-compatibility/2006">
               <mc:Choice xmlns:v="urn:schemas-microsoft-com:vml" Requires="v">
-                <p:oleObj spid="_x0000_s33233" name="Equation" r:id="rId14" imgW="304800" imgH="152400" progId="Equation.DSMT4">
+                <p:oleObj spid="_x0000_s33244" name="Equation" r:id="rId15" imgW="304800" imgH="152400" progId="Equation.DSMT4">
                   <p:embed/>
                 </p:oleObj>
               </mc:Choice>
               <mc:Fallback>
-                <p:oleObj name="Equation" r:id="rId14" imgW="304800" imgH="152400" progId="Equation.DSMT4">
+                <p:oleObj name="Equation" r:id="rId15" imgW="304800" imgH="152400" progId="Equation.DSMT4">
                   <p:embed/>
                   <p:pic>
                     <p:nvPicPr>
@@ -9665,7 +9665,7 @@
                       <p:nvPr/>
                     </p:nvPicPr>
                     <p:blipFill>
-                      <a:blip r:embed="rId15"/>
+                      <a:blip r:embed="rId16"/>
                       <a:stretch>
                         <a:fillRect/>
                       </a:stretch>
@@ -9704,12 +9704,12 @@
           <a:graphicData uri="http://schemas.openxmlformats.org/presentationml/2006/ole">
             <mc:AlternateContent xmlns:mc="http://schemas.openxmlformats.org/markup-compatibility/2006">
               <mc:Choice xmlns:v="urn:schemas-microsoft-com:vml" Requires="v">
-                <p:oleObj spid="_x0000_s33234" name="Equation" r:id="rId16" imgW="368300" imgH="241300" progId="Equation.DSMT4">
+                <p:oleObj spid="_x0000_s33245" name="Equation" r:id="rId17" imgW="368300" imgH="241300" progId="Equation.DSMT4">
                   <p:embed/>
                 </p:oleObj>
               </mc:Choice>
               <mc:Fallback>
-                <p:oleObj name="Equation" r:id="rId16" imgW="368300" imgH="241300" progId="Equation.DSMT4">
+                <p:oleObj name="Equation" r:id="rId17" imgW="368300" imgH="241300" progId="Equation.DSMT4">
                   <p:embed/>
                   <p:pic>
                     <p:nvPicPr>
@@ -9718,7 +9718,7 @@
                       <p:nvPr/>
                     </p:nvPicPr>
                     <p:blipFill>
-                      <a:blip r:embed="rId17"/>
+                      <a:blip r:embed="rId18"/>
                       <a:stretch>
                         <a:fillRect/>
                       </a:stretch>
@@ -9757,12 +9757,12 @@
           <a:graphicData uri="http://schemas.openxmlformats.org/presentationml/2006/ole">
             <mc:AlternateContent xmlns:mc="http://schemas.openxmlformats.org/markup-compatibility/2006">
               <mc:Choice xmlns:v="urn:schemas-microsoft-com:vml" Requires="v">
-                <p:oleObj spid="_x0000_s33235" name="Equation" r:id="rId18" imgW="127000" imgH="139700" progId="Equation.DSMT4">
+                <p:oleObj spid="_x0000_s33246" name="Equation" r:id="rId19" imgW="127000" imgH="139700" progId="Equation.DSMT4">
                   <p:embed/>
                 </p:oleObj>
               </mc:Choice>
               <mc:Fallback>
-                <p:oleObj name="Equation" r:id="rId18" imgW="127000" imgH="139700" progId="Equation.DSMT4">
+                <p:oleObj name="Equation" r:id="rId19" imgW="127000" imgH="139700" progId="Equation.DSMT4">
                   <p:embed/>
                   <p:pic>
                     <p:nvPicPr>
@@ -9771,7 +9771,7 @@
                       <p:nvPr/>
                     </p:nvPicPr>
                     <p:blipFill>
-                      <a:blip r:embed="rId19"/>
+                      <a:blip r:embed="rId20"/>
                       <a:stretch>
                         <a:fillRect/>
                       </a:stretch>
@@ -9810,12 +9810,12 @@
           <a:graphicData uri="http://schemas.openxmlformats.org/presentationml/2006/ole">
             <mc:AlternateContent xmlns:mc="http://schemas.openxmlformats.org/markup-compatibility/2006">
               <mc:Choice xmlns:v="urn:schemas-microsoft-com:vml" Requires="v">
-                <p:oleObj spid="_x0000_s33236" name="Equation" r:id="rId20" imgW="558800" imgH="241300" progId="Equation.DSMT4">
+                <p:oleObj spid="_x0000_s33247" name="Equation" r:id="rId21" imgW="558800" imgH="241300" progId="Equation.DSMT4">
                   <p:embed/>
                 </p:oleObj>
               </mc:Choice>
               <mc:Fallback>
-                <p:oleObj name="Equation" r:id="rId20" imgW="558800" imgH="241300" progId="Equation.DSMT4">
+                <p:oleObj name="Equation" r:id="rId21" imgW="558800" imgH="241300" progId="Equation.DSMT4">
                   <p:embed/>
                   <p:pic>
                     <p:nvPicPr>
@@ -9824,7 +9824,7 @@
                       <p:nvPr/>
                     </p:nvPicPr>
                     <p:blipFill>
-                      <a:blip r:embed="rId21"/>
+                      <a:blip r:embed="rId22"/>
                       <a:stretch>
                         <a:fillRect/>
                       </a:stretch>
@@ -10269,12 +10269,12 @@
           <a:graphicData uri="http://schemas.openxmlformats.org/presentationml/2006/ole">
             <mc:AlternateContent xmlns:mc="http://schemas.openxmlformats.org/markup-compatibility/2006">
               <mc:Choice xmlns:v="urn:schemas-microsoft-com:vml" Requires="v">
-                <p:oleObj spid="_x0000_s33237" name="Equation" r:id="rId22" imgW="88900" imgH="139700" progId="Equation.DSMT4">
+                <p:oleObj spid="_x0000_s33248" name="Equation" r:id="rId23" imgW="88900" imgH="139700" progId="Equation.DSMT4">
                   <p:embed/>
                 </p:oleObj>
               </mc:Choice>
               <mc:Fallback>
-                <p:oleObj name="Equation" r:id="rId22" imgW="88900" imgH="139700" progId="Equation.DSMT4">
+                <p:oleObj name="Equation" r:id="rId23" imgW="88900" imgH="139700" progId="Equation.DSMT4">
                   <p:embed/>
                   <p:pic>
                     <p:nvPicPr>
@@ -10283,7 +10283,7 @@
                       <p:nvPr/>
                     </p:nvPicPr>
                     <p:blipFill>
-                      <a:blip r:embed="rId23"/>
+                      <a:blip r:embed="rId24"/>
                       <a:stretch>
                         <a:fillRect/>
                       </a:stretch>
@@ -10485,12 +10485,12 @@
           <a:graphicData uri="http://schemas.openxmlformats.org/presentationml/2006/ole">
             <mc:AlternateContent xmlns:mc="http://schemas.openxmlformats.org/markup-compatibility/2006">
               <mc:Choice xmlns:v="urn:schemas-microsoft-com:vml" Requires="v">
-                <p:oleObj spid="_x0000_s27071" name="文書" r:id="rId4" imgW="4495800" imgH="1905000" progId="Word.Document.12">
+                <p:oleObj spid="_x0000_s27078" name="文書" r:id="rId5" imgW="4495800" imgH="1905000" progId="Word.Document.12">
                   <p:embed/>
                 </p:oleObj>
               </mc:Choice>
               <mc:Fallback>
-                <p:oleObj name="文書" r:id="rId4" imgW="4495800" imgH="1905000" progId="Word.Document.12">
+                <p:oleObj name="文書" r:id="rId5" imgW="4495800" imgH="1905000" progId="Word.Document.12">
                   <p:embed/>
                   <p:pic>
                     <p:nvPicPr>
@@ -10499,7 +10499,7 @@
                       <p:nvPr/>
                     </p:nvPicPr>
                     <p:blipFill>
-                      <a:blip r:embed="rId5"/>
+                      <a:blip r:embed="rId6"/>
                       <a:stretch>
                         <a:fillRect/>
                       </a:stretch>
@@ -10555,7 +10555,7 @@
           <p:nvPr/>
         </p:nvPicPr>
         <p:blipFill>
-          <a:blip r:embed="rId6"/>
+          <a:blip r:embed="rId7"/>
           <a:stretch>
             <a:fillRect/>
           </a:stretch>
@@ -10628,12 +10628,12 @@
           <a:graphicData uri="http://schemas.openxmlformats.org/presentationml/2006/ole">
             <mc:AlternateContent xmlns:mc="http://schemas.openxmlformats.org/markup-compatibility/2006">
               <mc:Choice xmlns:v="urn:schemas-microsoft-com:vml" Requires="v">
-                <p:oleObj spid="_x0000_s27072" name="Equation" r:id="rId7" imgW="88900" imgH="139700" progId="Equation.DSMT4">
+                <p:oleObj spid="_x0000_s27079" name="Equation" r:id="rId8" imgW="88900" imgH="139700" progId="Equation.DSMT4">
                   <p:embed/>
                 </p:oleObj>
               </mc:Choice>
               <mc:Fallback>
-                <p:oleObj name="Equation" r:id="rId7" imgW="88900" imgH="139700" progId="Equation.DSMT4">
+                <p:oleObj name="Equation" r:id="rId8" imgW="88900" imgH="139700" progId="Equation.DSMT4">
                   <p:embed/>
                   <p:pic>
                     <p:nvPicPr>
@@ -10642,7 +10642,7 @@
                       <p:nvPr/>
                     </p:nvPicPr>
                     <p:blipFill>
-                      <a:blip r:embed="rId8"/>
+                      <a:blip r:embed="rId9"/>
                       <a:stretch>
                         <a:fillRect/>
                       </a:stretch>
@@ -10793,12 +10793,12 @@
           <a:graphicData uri="http://schemas.openxmlformats.org/presentationml/2006/ole">
             <mc:AlternateContent xmlns:mc="http://schemas.openxmlformats.org/markup-compatibility/2006">
               <mc:Choice xmlns:v="urn:schemas-microsoft-com:vml" Requires="v">
-                <p:oleObj spid="_x0000_s27073" name="Equation" r:id="rId9" imgW="203200" imgH="254000" progId="Equation.DSMT4">
+                <p:oleObj spid="_x0000_s27080" name="Equation" r:id="rId10" imgW="203200" imgH="254000" progId="Equation.DSMT4">
                   <p:embed/>
                 </p:oleObj>
               </mc:Choice>
               <mc:Fallback>
-                <p:oleObj name="Equation" r:id="rId9" imgW="203200" imgH="254000" progId="Equation.DSMT4">
+                <p:oleObj name="Equation" r:id="rId10" imgW="203200" imgH="254000" progId="Equation.DSMT4">
                   <p:embed/>
                   <p:pic>
                     <p:nvPicPr>
@@ -10807,7 +10807,7 @@
                       <p:nvPr/>
                     </p:nvPicPr>
                     <p:blipFill>
-                      <a:blip r:embed="rId10"/>
+                      <a:blip r:embed="rId11"/>
                       <a:stretch>
                         <a:fillRect/>
                       </a:stretch>
@@ -10850,12 +10850,12 @@
           <a:graphicData uri="http://schemas.openxmlformats.org/presentationml/2006/ole">
             <mc:AlternateContent xmlns:mc="http://schemas.openxmlformats.org/markup-compatibility/2006">
               <mc:Choice xmlns:v="urn:schemas-microsoft-com:vml" Requires="v">
-                <p:oleObj spid="_x0000_s27074" name="Equation" r:id="rId11" imgW="88900" imgH="139700" progId="Equation.DSMT4">
+                <p:oleObj spid="_x0000_s27081" name="Equation" r:id="rId12" imgW="88900" imgH="139700" progId="Equation.DSMT4">
                   <p:embed/>
                 </p:oleObj>
               </mc:Choice>
               <mc:Fallback>
-                <p:oleObj name="Equation" r:id="rId11" imgW="88900" imgH="139700" progId="Equation.DSMT4">
+                <p:oleObj name="Equation" r:id="rId12" imgW="88900" imgH="139700" progId="Equation.DSMT4">
                   <p:embed/>
                   <p:pic>
                     <p:nvPicPr>
@@ -10864,7 +10864,7 @@
                       <p:nvPr/>
                     </p:nvPicPr>
                     <p:blipFill>
-                      <a:blip r:embed="rId12"/>
+                      <a:blip r:embed="rId13"/>
                       <a:stretch>
                         <a:fillRect/>
                       </a:stretch>
@@ -10907,12 +10907,12 @@
           <a:graphicData uri="http://schemas.openxmlformats.org/presentationml/2006/ole">
             <mc:AlternateContent xmlns:mc="http://schemas.openxmlformats.org/markup-compatibility/2006">
               <mc:Choice xmlns:v="urn:schemas-microsoft-com:vml" Requires="v">
-                <p:oleObj spid="_x0000_s27075" name="Equation" r:id="rId13" imgW="241300" imgH="165100" progId="Equation.DSMT4">
+                <p:oleObj spid="_x0000_s27082" name="Equation" r:id="rId14" imgW="241300" imgH="165100" progId="Equation.DSMT4">
                   <p:embed/>
                 </p:oleObj>
               </mc:Choice>
               <mc:Fallback>
-                <p:oleObj name="Equation" r:id="rId13" imgW="241300" imgH="165100" progId="Equation.DSMT4">
+                <p:oleObj name="Equation" r:id="rId14" imgW="241300" imgH="165100" progId="Equation.DSMT4">
                   <p:embed/>
                   <p:pic>
                     <p:nvPicPr>
@@ -10921,7 +10921,7 @@
                       <p:nvPr/>
                     </p:nvPicPr>
                     <p:blipFill>
-                      <a:blip r:embed="rId14"/>
+                      <a:blip r:embed="rId15"/>
                       <a:stretch>
                         <a:fillRect/>
                       </a:stretch>
@@ -10964,12 +10964,12 @@
           <a:graphicData uri="http://schemas.openxmlformats.org/presentationml/2006/ole">
             <mc:AlternateContent xmlns:mc="http://schemas.openxmlformats.org/markup-compatibility/2006">
               <mc:Choice xmlns:v="urn:schemas-microsoft-com:vml" Requires="v">
-                <p:oleObj spid="_x0000_s27076" name="Equation" r:id="rId15" imgW="241300" imgH="165100" progId="Equation.DSMT4">
+                <p:oleObj spid="_x0000_s27083" name="Equation" r:id="rId16" imgW="241300" imgH="165100" progId="Equation.DSMT4">
                   <p:embed/>
                 </p:oleObj>
               </mc:Choice>
               <mc:Fallback>
-                <p:oleObj name="Equation" r:id="rId15" imgW="241300" imgH="165100" progId="Equation.DSMT4">
+                <p:oleObj name="Equation" r:id="rId16" imgW="241300" imgH="165100" progId="Equation.DSMT4">
                   <p:embed/>
                   <p:pic>
                     <p:nvPicPr>
@@ -10978,7 +10978,7 @@
                       <p:nvPr/>
                     </p:nvPicPr>
                     <p:blipFill>
-                      <a:blip r:embed="rId16"/>
+                      <a:blip r:embed="rId17"/>
                       <a:stretch>
                         <a:fillRect/>
                       </a:stretch>
@@ -11140,12 +11140,12 @@
           <a:graphicData uri="http://schemas.openxmlformats.org/presentationml/2006/ole">
             <mc:AlternateContent xmlns:mc="http://schemas.openxmlformats.org/markup-compatibility/2006">
               <mc:Choice xmlns:v="urn:schemas-microsoft-com:vml" Requires="v">
-                <p:oleObj spid="_x0000_s28023" name="文書" r:id="rId4" imgW="4495800" imgH="1905000" progId="Word.Document.12">
+                <p:oleObj spid="_x0000_s28029" name="文書" r:id="rId5" imgW="4495800" imgH="1905000" progId="Word.Document.12">
                   <p:embed/>
                 </p:oleObj>
               </mc:Choice>
               <mc:Fallback>
-                <p:oleObj name="文書" r:id="rId4" imgW="4495800" imgH="1905000" progId="Word.Document.12">
+                <p:oleObj name="文書" r:id="rId5" imgW="4495800" imgH="1905000" progId="Word.Document.12">
                   <p:embed/>
                   <p:pic>
                     <p:nvPicPr>
@@ -11154,7 +11154,7 @@
                       <p:nvPr/>
                     </p:nvPicPr>
                     <p:blipFill>
-                      <a:blip r:embed="rId5"/>
+                      <a:blip r:embed="rId6"/>
                       <a:stretch>
                         <a:fillRect/>
                       </a:stretch>
@@ -11210,7 +11210,7 @@
           <p:nvPr/>
         </p:nvPicPr>
         <p:blipFill rotWithShape="1">
-          <a:blip r:embed="rId6"/>
+          <a:blip r:embed="rId7"/>
           <a:srcRect l="9410" t="7762" r="8487" b="9850"/>
           <a:stretch/>
         </p:blipFill>
@@ -11282,12 +11282,12 @@
           <a:graphicData uri="http://schemas.openxmlformats.org/presentationml/2006/ole">
             <mc:AlternateContent xmlns:mc="http://schemas.openxmlformats.org/markup-compatibility/2006">
               <mc:Choice xmlns:v="urn:schemas-microsoft-com:vml" Requires="v">
-                <p:oleObj spid="_x0000_s28024" name="Equation" r:id="rId7" imgW="88900" imgH="139700" progId="Equation.DSMT4">
+                <p:oleObj spid="_x0000_s28030" name="Equation" r:id="rId8" imgW="88900" imgH="139700" progId="Equation.DSMT4">
                   <p:embed/>
                 </p:oleObj>
               </mc:Choice>
               <mc:Fallback>
-                <p:oleObj name="Equation" r:id="rId7" imgW="88900" imgH="139700" progId="Equation.DSMT4">
+                <p:oleObj name="Equation" r:id="rId8" imgW="88900" imgH="139700" progId="Equation.DSMT4">
                   <p:embed/>
                   <p:pic>
                     <p:nvPicPr>
@@ -11296,7 +11296,7 @@
                       <p:nvPr/>
                     </p:nvPicPr>
                     <p:blipFill>
-                      <a:blip r:embed="rId8"/>
+                      <a:blip r:embed="rId9"/>
                       <a:stretch>
                         <a:fillRect/>
                       </a:stretch>
@@ -11447,12 +11447,12 @@
           <a:graphicData uri="http://schemas.openxmlformats.org/presentationml/2006/ole">
             <mc:AlternateContent xmlns:mc="http://schemas.openxmlformats.org/markup-compatibility/2006">
               <mc:Choice xmlns:v="urn:schemas-microsoft-com:vml" Requires="v">
-                <p:oleObj spid="_x0000_s28025" name="Equation" r:id="rId9" imgW="88900" imgH="139700" progId="Equation.DSMT4">
+                <p:oleObj spid="_x0000_s28031" name="Equation" r:id="rId10" imgW="88900" imgH="139700" progId="Equation.DSMT4">
                   <p:embed/>
                 </p:oleObj>
               </mc:Choice>
               <mc:Fallback>
-                <p:oleObj name="Equation" r:id="rId9" imgW="88900" imgH="139700" progId="Equation.DSMT4">
+                <p:oleObj name="Equation" r:id="rId10" imgW="88900" imgH="139700" progId="Equation.DSMT4">
                   <p:embed/>
                   <p:pic>
                     <p:nvPicPr>
@@ -11461,7 +11461,7 @@
                       <p:nvPr/>
                     </p:nvPicPr>
                     <p:blipFill>
-                      <a:blip r:embed="rId10"/>
+                      <a:blip r:embed="rId11"/>
                       <a:stretch>
                         <a:fillRect/>
                       </a:stretch>
@@ -11540,12 +11540,12 @@
           <a:graphicData uri="http://schemas.openxmlformats.org/presentationml/2006/ole">
             <mc:AlternateContent xmlns:mc="http://schemas.openxmlformats.org/markup-compatibility/2006">
               <mc:Choice xmlns:v="urn:schemas-microsoft-com:vml" Requires="v">
-                <p:oleObj spid="_x0000_s28026" name="Equation" r:id="rId11" imgW="241300" imgH="165100" progId="Equation.DSMT4">
+                <p:oleObj spid="_x0000_s28032" name="Equation" r:id="rId12" imgW="241300" imgH="165100" progId="Equation.DSMT4">
                   <p:embed/>
                 </p:oleObj>
               </mc:Choice>
               <mc:Fallback>
-                <p:oleObj name="Equation" r:id="rId11" imgW="241300" imgH="165100" progId="Equation.DSMT4">
+                <p:oleObj name="Equation" r:id="rId12" imgW="241300" imgH="165100" progId="Equation.DSMT4">
                   <p:embed/>
                   <p:pic>
                     <p:nvPicPr>
@@ -11554,7 +11554,7 @@
                       <p:nvPr/>
                     </p:nvPicPr>
                     <p:blipFill>
-                      <a:blip r:embed="rId12"/>
+                      <a:blip r:embed="rId13"/>
                       <a:stretch>
                         <a:fillRect/>
                       </a:stretch>
@@ -11597,12 +11597,12 @@
           <a:graphicData uri="http://schemas.openxmlformats.org/presentationml/2006/ole">
             <mc:AlternateContent xmlns:mc="http://schemas.openxmlformats.org/markup-compatibility/2006">
               <mc:Choice xmlns:v="urn:schemas-microsoft-com:vml" Requires="v">
-                <p:oleObj spid="_x0000_s28027" name="Equation" r:id="rId13" imgW="241300" imgH="165100" progId="Equation.DSMT4">
+                <p:oleObj spid="_x0000_s28033" name="Equation" r:id="rId14" imgW="241300" imgH="165100" progId="Equation.DSMT4">
                   <p:embed/>
                 </p:oleObj>
               </mc:Choice>
               <mc:Fallback>
-                <p:oleObj name="Equation" r:id="rId13" imgW="241300" imgH="165100" progId="Equation.DSMT4">
+                <p:oleObj name="Equation" r:id="rId14" imgW="241300" imgH="165100" progId="Equation.DSMT4">
                   <p:embed/>
                   <p:pic>
                     <p:nvPicPr>
@@ -11611,7 +11611,7 @@
                       <p:nvPr/>
                     </p:nvPicPr>
                     <p:blipFill>
-                      <a:blip r:embed="rId14"/>
+                      <a:blip r:embed="rId15"/>
                       <a:stretch>
                         <a:fillRect/>
                       </a:stretch>
@@ -11773,12 +11773,12 @@
           <a:graphicData uri="http://schemas.openxmlformats.org/presentationml/2006/ole">
             <mc:AlternateContent xmlns:mc="http://schemas.openxmlformats.org/markup-compatibility/2006">
               <mc:Choice xmlns:v="urn:schemas-microsoft-com:vml" Requires="v">
-                <p:oleObj spid="_x0000_s5266" name="文書" r:id="rId4" imgW="4495800" imgH="1968500" progId="Word.Document.12">
+                <p:oleObj spid="_x0000_s5268" name="文書" r:id="rId5" imgW="4495800" imgH="1968500" progId="Word.Document.12">
                   <p:embed/>
                 </p:oleObj>
               </mc:Choice>
               <mc:Fallback>
-                <p:oleObj name="文書" r:id="rId4" imgW="4495800" imgH="1968500" progId="Word.Document.12">
+                <p:oleObj name="文書" r:id="rId5" imgW="4495800" imgH="1968500" progId="Word.Document.12">
                   <p:embed/>
                   <p:pic>
                     <p:nvPicPr>
@@ -11787,7 +11787,7 @@
                       <p:nvPr/>
                     </p:nvPicPr>
                     <p:blipFill>
-                      <a:blip r:embed="rId5"/>
+                      <a:blip r:embed="rId6"/>
                       <a:stretch>
                         <a:fillRect/>
                       </a:stretch>
@@ -11975,12 +11975,12 @@
           <a:graphicData uri="http://schemas.openxmlformats.org/presentationml/2006/ole">
             <mc:AlternateContent xmlns:mc="http://schemas.openxmlformats.org/markup-compatibility/2006">
               <mc:Choice xmlns:v="urn:schemas-microsoft-com:vml" Requires="v">
-                <p:oleObj spid="_x0000_s7313" name="文書" r:id="rId4" imgW="4495800" imgH="2260600" progId="Word.Document.12">
+                <p:oleObj spid="_x0000_s7315" name="文書" r:id="rId5" imgW="4495800" imgH="2260600" progId="Word.Document.12">
                   <p:embed/>
                 </p:oleObj>
               </mc:Choice>
               <mc:Fallback>
-                <p:oleObj name="文書" r:id="rId4" imgW="4495800" imgH="2260600" progId="Word.Document.12">
+                <p:oleObj name="文書" r:id="rId5" imgW="4495800" imgH="2260600" progId="Word.Document.12">
                   <p:embed/>
                   <p:pic>
                     <p:nvPicPr>
@@ -11989,7 +11989,7 @@
                       <p:nvPr/>
                     </p:nvPicPr>
                     <p:blipFill>
-                      <a:blip r:embed="rId5"/>
+                      <a:blip r:embed="rId6"/>
                       <a:stretch>
                         <a:fillRect/>
                       </a:stretch>
@@ -12177,12 +12177,12 @@
           <a:graphicData uri="http://schemas.openxmlformats.org/presentationml/2006/ole">
             <mc:AlternateContent xmlns:mc="http://schemas.openxmlformats.org/markup-compatibility/2006">
               <mc:Choice xmlns:v="urn:schemas-microsoft-com:vml" Requires="v">
-                <p:oleObj spid="_x0000_s1476" name="文書" r:id="rId4" imgW="4495800" imgH="457200" progId="Word.Document.12">
+                <p:oleObj spid="_x0000_s1483" name="文書" r:id="rId5" imgW="4495800" imgH="457200" progId="Word.Document.12">
                   <p:embed/>
                 </p:oleObj>
               </mc:Choice>
               <mc:Fallback>
-                <p:oleObj name="文書" r:id="rId4" imgW="4495800" imgH="457200" progId="Word.Document.12">
+                <p:oleObj name="文書" r:id="rId5" imgW="4495800" imgH="457200" progId="Word.Document.12">
                   <p:embed/>
                   <p:pic>
                     <p:nvPicPr>
@@ -12191,7 +12191,7 @@
                       <p:nvPr/>
                     </p:nvPicPr>
                     <p:blipFill>
-                      <a:blip r:embed="rId5"/>
+                      <a:blip r:embed="rId6"/>
                       <a:stretch>
                         <a:fillRect/>
                       </a:stretch>
@@ -12505,12 +12505,12 @@
           <a:graphicData uri="http://schemas.openxmlformats.org/presentationml/2006/ole">
             <mc:AlternateContent xmlns:mc="http://schemas.openxmlformats.org/markup-compatibility/2006">
               <mc:Choice xmlns:v="urn:schemas-microsoft-com:vml" Requires="v">
-                <p:oleObj spid="_x0000_s1477" name="Equation" r:id="rId6" imgW="177800" imgH="152400" progId="Equation.DSMT4">
+                <p:oleObj spid="_x0000_s1484" name="Equation" r:id="rId7" imgW="177800" imgH="152400" progId="Equation.DSMT4">
                   <p:embed/>
                 </p:oleObj>
               </mc:Choice>
               <mc:Fallback>
-                <p:oleObj name="Equation" r:id="rId6" imgW="177800" imgH="152400" progId="Equation.DSMT4">
+                <p:oleObj name="Equation" r:id="rId7" imgW="177800" imgH="152400" progId="Equation.DSMT4">
                   <p:embed/>
                   <p:pic>
                     <p:nvPicPr>
@@ -12519,7 +12519,7 @@
                       <p:nvPr/>
                     </p:nvPicPr>
                     <p:blipFill>
-                      <a:blip r:embed="rId7"/>
+                      <a:blip r:embed="rId8"/>
                       <a:stretch>
                         <a:fillRect/>
                       </a:stretch>
@@ -12562,12 +12562,12 @@
           <a:graphicData uri="http://schemas.openxmlformats.org/presentationml/2006/ole">
             <mc:AlternateContent xmlns:mc="http://schemas.openxmlformats.org/markup-compatibility/2006">
               <mc:Choice xmlns:v="urn:schemas-microsoft-com:vml" Requires="v">
-                <p:oleObj spid="_x0000_s1478" name="Equation" r:id="rId8" imgW="88900" imgH="139700" progId="Equation.DSMT4">
+                <p:oleObj spid="_x0000_s1485" name="Equation" r:id="rId9" imgW="88900" imgH="139700" progId="Equation.DSMT4">
                   <p:embed/>
                 </p:oleObj>
               </mc:Choice>
               <mc:Fallback>
-                <p:oleObj name="Equation" r:id="rId8" imgW="88900" imgH="139700" progId="Equation.DSMT4">
+                <p:oleObj name="Equation" r:id="rId9" imgW="88900" imgH="139700" progId="Equation.DSMT4">
                   <p:embed/>
                   <p:pic>
                     <p:nvPicPr>
@@ -12576,7 +12576,7 @@
                       <p:nvPr/>
                     </p:nvPicPr>
                     <p:blipFill>
-                      <a:blip r:embed="rId9"/>
+                      <a:blip r:embed="rId10"/>
                       <a:stretch>
                         <a:fillRect/>
                       </a:stretch>
@@ -12619,12 +12619,12 @@
           <a:graphicData uri="http://schemas.openxmlformats.org/presentationml/2006/ole">
             <mc:AlternateContent xmlns:mc="http://schemas.openxmlformats.org/markup-compatibility/2006">
               <mc:Choice xmlns:v="urn:schemas-microsoft-com:vml" Requires="v">
-                <p:oleObj spid="_x0000_s1479" name="Equation" r:id="rId10" imgW="165100" imgH="241300" progId="Equation.DSMT4">
+                <p:oleObj spid="_x0000_s1486" name="Equation" r:id="rId11" imgW="165100" imgH="241300" progId="Equation.DSMT4">
                   <p:embed/>
                 </p:oleObj>
               </mc:Choice>
               <mc:Fallback>
-                <p:oleObj name="Equation" r:id="rId10" imgW="165100" imgH="241300" progId="Equation.DSMT4">
+                <p:oleObj name="Equation" r:id="rId11" imgW="165100" imgH="241300" progId="Equation.DSMT4">
                   <p:embed/>
                   <p:pic>
                     <p:nvPicPr>
@@ -12633,7 +12633,7 @@
                       <p:nvPr/>
                     </p:nvPicPr>
                     <p:blipFill>
-                      <a:blip r:embed="rId11"/>
+                      <a:blip r:embed="rId12"/>
                       <a:stretch>
                         <a:fillRect/>
                       </a:stretch>
@@ -12676,12 +12676,12 @@
           <a:graphicData uri="http://schemas.openxmlformats.org/presentationml/2006/ole">
             <mc:AlternateContent xmlns:mc="http://schemas.openxmlformats.org/markup-compatibility/2006">
               <mc:Choice xmlns:v="urn:schemas-microsoft-com:vml" Requires="v">
-                <p:oleObj spid="_x0000_s1480" name="Equation" r:id="rId12" imgW="127000" imgH="241300" progId="Equation.DSMT4">
+                <p:oleObj spid="_x0000_s1487" name="Equation" r:id="rId13" imgW="127000" imgH="241300" progId="Equation.DSMT4">
                   <p:embed/>
                 </p:oleObj>
               </mc:Choice>
               <mc:Fallback>
-                <p:oleObj name="Equation" r:id="rId12" imgW="127000" imgH="241300" progId="Equation.DSMT4">
+                <p:oleObj name="Equation" r:id="rId13" imgW="127000" imgH="241300" progId="Equation.DSMT4">
                   <p:embed/>
                   <p:pic>
                     <p:nvPicPr>
@@ -12690,7 +12690,7 @@
                       <p:nvPr/>
                     </p:nvPicPr>
                     <p:blipFill>
-                      <a:blip r:embed="rId13"/>
+                      <a:blip r:embed="rId14"/>
                       <a:stretch>
                         <a:fillRect/>
                       </a:stretch>
@@ -12733,12 +12733,12 @@
           <a:graphicData uri="http://schemas.openxmlformats.org/presentationml/2006/ole">
             <mc:AlternateContent xmlns:mc="http://schemas.openxmlformats.org/markup-compatibility/2006">
               <mc:Choice xmlns:v="urn:schemas-microsoft-com:vml" Requires="v">
-                <p:oleObj spid="_x0000_s1481" name="Equation" r:id="rId14" imgW="965200" imgH="203200" progId="Equation.DSMT4">
+                <p:oleObj spid="_x0000_s1488" name="Equation" r:id="rId15" imgW="965200" imgH="203200" progId="Equation.DSMT4">
                   <p:embed/>
                 </p:oleObj>
               </mc:Choice>
               <mc:Fallback>
-                <p:oleObj name="Equation" r:id="rId14" imgW="965200" imgH="203200" progId="Equation.DSMT4">
+                <p:oleObj name="Equation" r:id="rId15" imgW="965200" imgH="203200" progId="Equation.DSMT4">
                   <p:embed/>
                   <p:pic>
                     <p:nvPicPr>
@@ -12747,7 +12747,7 @@
                       <p:nvPr/>
                     </p:nvPicPr>
                     <p:blipFill>
-                      <a:blip r:embed="rId15"/>
+                      <a:blip r:embed="rId16"/>
                       <a:stretch>
                         <a:fillRect/>
                       </a:stretch>
@@ -12909,12 +12909,12 @@
           <a:graphicData uri="http://schemas.openxmlformats.org/presentationml/2006/ole">
             <mc:AlternateContent xmlns:mc="http://schemas.openxmlformats.org/markup-compatibility/2006">
               <mc:Choice xmlns:v="urn:schemas-microsoft-com:vml" Requires="v">
-                <p:oleObj spid="_x0000_s2586" name="文書" r:id="rId4" imgW="4495800" imgH="419100" progId="Word.Document.12">
+                <p:oleObj spid="_x0000_s2594" name="文書" r:id="rId5" imgW="4495800" imgH="419100" progId="Word.Document.12">
                   <p:embed/>
                 </p:oleObj>
               </mc:Choice>
               <mc:Fallback>
-                <p:oleObj name="文書" r:id="rId4" imgW="4495800" imgH="419100" progId="Word.Document.12">
+                <p:oleObj name="文書" r:id="rId5" imgW="4495800" imgH="419100" progId="Word.Document.12">
                   <p:embed/>
                   <p:pic>
                     <p:nvPicPr>
@@ -12923,7 +12923,7 @@
                       <p:nvPr/>
                     </p:nvPicPr>
                     <p:blipFill>
-                      <a:blip r:embed="rId5"/>
+                      <a:blip r:embed="rId6"/>
                       <a:stretch>
                         <a:fillRect/>
                       </a:stretch>
@@ -13197,12 +13197,12 @@
           <a:graphicData uri="http://schemas.openxmlformats.org/presentationml/2006/ole">
             <mc:AlternateContent xmlns:mc="http://schemas.openxmlformats.org/markup-compatibility/2006">
               <mc:Choice xmlns:v="urn:schemas-microsoft-com:vml" Requires="v">
-                <p:oleObj spid="_x0000_s2587" name="Equation" r:id="rId6" imgW="139700" imgH="152400" progId="Equation.DSMT4">
+                <p:oleObj spid="_x0000_s2595" name="Equation" r:id="rId7" imgW="139700" imgH="152400" progId="Equation.DSMT4">
                   <p:embed/>
                 </p:oleObj>
               </mc:Choice>
               <mc:Fallback>
-                <p:oleObj name="Equation" r:id="rId6" imgW="139700" imgH="152400" progId="Equation.DSMT4">
+                <p:oleObj name="Equation" r:id="rId7" imgW="139700" imgH="152400" progId="Equation.DSMT4">
                   <p:embed/>
                   <p:pic>
                     <p:nvPicPr>
@@ -13211,7 +13211,7 @@
                       <p:nvPr/>
                     </p:nvPicPr>
                     <p:blipFill>
-                      <a:blip r:embed="rId7"/>
+                      <a:blip r:embed="rId8"/>
                       <a:stretch>
                         <a:fillRect/>
                       </a:stretch>
@@ -13254,12 +13254,12 @@
           <a:graphicData uri="http://schemas.openxmlformats.org/presentationml/2006/ole">
             <mc:AlternateContent xmlns:mc="http://schemas.openxmlformats.org/markup-compatibility/2006">
               <mc:Choice xmlns:v="urn:schemas-microsoft-com:vml" Requires="v">
-                <p:oleObj spid="_x0000_s2588" name="Equation" r:id="rId8" imgW="177800" imgH="241300" progId="Equation.DSMT4">
+                <p:oleObj spid="_x0000_s2596" name="Equation" r:id="rId9" imgW="177800" imgH="241300" progId="Equation.DSMT4">
                   <p:embed/>
                 </p:oleObj>
               </mc:Choice>
               <mc:Fallback>
-                <p:oleObj name="Equation" r:id="rId8" imgW="177800" imgH="241300" progId="Equation.DSMT4">
+                <p:oleObj name="Equation" r:id="rId9" imgW="177800" imgH="241300" progId="Equation.DSMT4">
                   <p:embed/>
                   <p:pic>
                     <p:nvPicPr>
@@ -13268,7 +13268,7 @@
                       <p:nvPr/>
                     </p:nvPicPr>
                     <p:blipFill>
-                      <a:blip r:embed="rId9"/>
+                      <a:blip r:embed="rId10"/>
                       <a:stretch>
                         <a:fillRect/>
                       </a:stretch>
@@ -13311,12 +13311,12 @@
           <a:graphicData uri="http://schemas.openxmlformats.org/presentationml/2006/ole">
             <mc:AlternateContent xmlns:mc="http://schemas.openxmlformats.org/markup-compatibility/2006">
               <mc:Choice xmlns:v="urn:schemas-microsoft-com:vml" Requires="v">
-                <p:oleObj spid="_x0000_s2589" name="Equation" r:id="rId10" imgW="127000" imgH="241300" progId="Equation.DSMT4">
+                <p:oleObj spid="_x0000_s2597" name="Equation" r:id="rId11" imgW="127000" imgH="241300" progId="Equation.DSMT4">
                   <p:embed/>
                 </p:oleObj>
               </mc:Choice>
               <mc:Fallback>
-                <p:oleObj name="Equation" r:id="rId10" imgW="127000" imgH="241300" progId="Equation.DSMT4">
+                <p:oleObj name="Equation" r:id="rId11" imgW="127000" imgH="241300" progId="Equation.DSMT4">
                   <p:embed/>
                   <p:pic>
                     <p:nvPicPr>
@@ -13325,7 +13325,7 @@
                       <p:nvPr/>
                     </p:nvPicPr>
                     <p:blipFill>
-                      <a:blip r:embed="rId11"/>
+                      <a:blip r:embed="rId12"/>
                       <a:stretch>
                         <a:fillRect/>
                       </a:stretch>
@@ -13705,12 +13705,12 @@
           <a:graphicData uri="http://schemas.openxmlformats.org/presentationml/2006/ole">
             <mc:AlternateContent xmlns:mc="http://schemas.openxmlformats.org/markup-compatibility/2006">
               <mc:Choice xmlns:v="urn:schemas-microsoft-com:vml" Requires="v">
-                <p:oleObj spid="_x0000_s2590" name="Equation" r:id="rId12" imgW="1003300" imgH="241300" progId="Equation.DSMT4">
+                <p:oleObj spid="_x0000_s2598" name="Equation" r:id="rId13" imgW="1003300" imgH="241300" progId="Equation.DSMT4">
                   <p:embed/>
                 </p:oleObj>
               </mc:Choice>
               <mc:Fallback>
-                <p:oleObj name="Equation" r:id="rId12" imgW="1003300" imgH="241300" progId="Equation.DSMT4">
+                <p:oleObj name="Equation" r:id="rId13" imgW="1003300" imgH="241300" progId="Equation.DSMT4">
                   <p:embed/>
                   <p:pic>
                     <p:nvPicPr>
@@ -13719,7 +13719,7 @@
                       <p:nvPr/>
                     </p:nvPicPr>
                     <p:blipFill>
-                      <a:blip r:embed="rId13"/>
+                      <a:blip r:embed="rId14"/>
                       <a:stretch>
                         <a:fillRect/>
                       </a:stretch>
@@ -13803,7 +13803,7 @@
             <p:nvPr/>
           </p:nvPicPr>
           <p:blipFill rotWithShape="1">
-            <a:blip r:embed="rId14"/>
+            <a:blip r:embed="rId15"/>
             <a:srcRect l="12179" t="28805" r="36465" b="11280"/>
             <a:stretch/>
           </p:blipFill>
@@ -13829,7 +13829,7 @@
             <p:nvPr/>
           </p:nvPicPr>
           <p:blipFill rotWithShape="1">
-            <a:blip r:embed="rId14"/>
+            <a:blip r:embed="rId15"/>
             <a:srcRect l="12179" t="28805" r="36465" b="11280"/>
             <a:stretch/>
           </p:blipFill>
@@ -13908,12 +13908,12 @@
           <a:graphicData uri="http://schemas.openxmlformats.org/presentationml/2006/ole">
             <mc:AlternateContent xmlns:mc="http://schemas.openxmlformats.org/markup-compatibility/2006">
               <mc:Choice xmlns:v="urn:schemas-microsoft-com:vml" Requires="v">
-                <p:oleObj spid="_x0000_s2591" name="Equation" r:id="rId15" imgW="139700" imgH="165100" progId="Equation.DSMT4">
+                <p:oleObj spid="_x0000_s2599" name="Equation" r:id="rId16" imgW="139700" imgH="165100" progId="Equation.DSMT4">
                   <p:embed/>
                 </p:oleObj>
               </mc:Choice>
               <mc:Fallback>
-                <p:oleObj name="Equation" r:id="rId15" imgW="139700" imgH="165100" progId="Equation.DSMT4">
+                <p:oleObj name="Equation" r:id="rId16" imgW="139700" imgH="165100" progId="Equation.DSMT4">
                   <p:embed/>
                   <p:pic>
                     <p:nvPicPr>
@@ -13922,7 +13922,7 @@
                       <p:nvPr/>
                     </p:nvPicPr>
                     <p:blipFill>
-                      <a:blip r:embed="rId16"/>
+                      <a:blip r:embed="rId17"/>
                       <a:stretch>
                         <a:fillRect/>
                       </a:stretch>
@@ -13965,12 +13965,12 @@
           <a:graphicData uri="http://schemas.openxmlformats.org/presentationml/2006/ole">
             <mc:AlternateContent xmlns:mc="http://schemas.openxmlformats.org/markup-compatibility/2006">
               <mc:Choice xmlns:v="urn:schemas-microsoft-com:vml" Requires="v">
-                <p:oleObj spid="_x0000_s2592" name="Equation" r:id="rId17" imgW="88900" imgH="139700" progId="Equation.DSMT4">
+                <p:oleObj spid="_x0000_s2600" name="Equation" r:id="rId18" imgW="88900" imgH="139700" progId="Equation.DSMT4">
                   <p:embed/>
                 </p:oleObj>
               </mc:Choice>
               <mc:Fallback>
-                <p:oleObj name="Equation" r:id="rId17" imgW="88900" imgH="139700" progId="Equation.DSMT4">
+                <p:oleObj name="Equation" r:id="rId18" imgW="88900" imgH="139700" progId="Equation.DSMT4">
                   <p:embed/>
                   <p:pic>
                     <p:nvPicPr>
@@ -13979,7 +13979,7 @@
                       <p:nvPr/>
                     </p:nvPicPr>
                     <p:blipFill>
-                      <a:blip r:embed="rId18"/>
+                      <a:blip r:embed="rId19"/>
                       <a:stretch>
                         <a:fillRect/>
                       </a:stretch>
@@ -14137,12 +14137,12 @@
           <a:graphicData uri="http://schemas.openxmlformats.org/presentationml/2006/ole">
             <mc:AlternateContent xmlns:mc="http://schemas.openxmlformats.org/markup-compatibility/2006">
               <mc:Choice xmlns:v="urn:schemas-microsoft-com:vml" Requires="v">
-                <p:oleObj spid="_x0000_s32105" name="文書" r:id="rId4" imgW="4495800" imgH="419100" progId="Word.Document.12">
+                <p:oleObj spid="_x0000_s32114" name="文書" r:id="rId5" imgW="4495800" imgH="419100" progId="Word.Document.12">
                   <p:embed/>
                 </p:oleObj>
               </mc:Choice>
               <mc:Fallback>
-                <p:oleObj name="文書" r:id="rId4" imgW="4495800" imgH="419100" progId="Word.Document.12">
+                <p:oleObj name="文書" r:id="rId5" imgW="4495800" imgH="419100" progId="Word.Document.12">
                   <p:embed/>
                   <p:pic>
                     <p:nvPicPr>
@@ -14151,7 +14151,7 @@
                       <p:nvPr/>
                     </p:nvPicPr>
                     <p:blipFill>
-                      <a:blip r:embed="rId5"/>
+                      <a:blip r:embed="rId6"/>
                       <a:stretch>
                         <a:fillRect/>
                       </a:stretch>
@@ -14194,12 +14194,12 @@
           <a:graphicData uri="http://schemas.openxmlformats.org/presentationml/2006/ole">
             <mc:AlternateContent xmlns:mc="http://schemas.openxmlformats.org/markup-compatibility/2006">
               <mc:Choice xmlns:v="urn:schemas-microsoft-com:vml" Requires="v">
-                <p:oleObj spid="_x0000_s32106" name="文書" r:id="rId6" imgW="4495800" imgH="419100" progId="Word.Document.12">
+                <p:oleObj spid="_x0000_s32115" name="文書" r:id="rId8" imgW="4495800" imgH="419100" progId="Word.Document.12">
                   <p:embed/>
                 </p:oleObj>
               </mc:Choice>
               <mc:Fallback>
-                <p:oleObj name="文書" r:id="rId6" imgW="4495800" imgH="419100" progId="Word.Document.12">
+                <p:oleObj name="文書" r:id="rId8" imgW="4495800" imgH="419100" progId="Word.Document.12">
                   <p:embed/>
                   <p:pic>
                     <p:nvPicPr>
@@ -14208,7 +14208,7 @@
                       <p:nvPr/>
                     </p:nvPicPr>
                     <p:blipFill>
-                      <a:blip r:embed="rId7"/>
+                      <a:blip r:embed="rId9"/>
                       <a:stretch>
                         <a:fillRect/>
                       </a:stretch>
@@ -14478,12 +14478,12 @@
           <a:graphicData uri="http://schemas.openxmlformats.org/presentationml/2006/ole">
             <mc:AlternateContent xmlns:mc="http://schemas.openxmlformats.org/markup-compatibility/2006">
               <mc:Choice xmlns:v="urn:schemas-microsoft-com:vml" Requires="v">
-                <p:oleObj spid="_x0000_s32107" name="Equation" r:id="rId8" imgW="139700" imgH="152400" progId="Equation.DSMT4">
+                <p:oleObj spid="_x0000_s32116" name="Equation" r:id="rId10" imgW="139700" imgH="152400" progId="Equation.DSMT4">
                   <p:embed/>
                 </p:oleObj>
               </mc:Choice>
               <mc:Fallback>
-                <p:oleObj name="Equation" r:id="rId8" imgW="139700" imgH="152400" progId="Equation.DSMT4">
+                <p:oleObj name="Equation" r:id="rId10" imgW="139700" imgH="152400" progId="Equation.DSMT4">
                   <p:embed/>
                   <p:pic>
                     <p:nvPicPr>
@@ -14492,7 +14492,7 @@
                       <p:nvPr/>
                     </p:nvPicPr>
                     <p:blipFill>
-                      <a:blip r:embed="rId9"/>
+                      <a:blip r:embed="rId11"/>
                       <a:stretch>
                         <a:fillRect/>
                       </a:stretch>
@@ -14531,12 +14531,12 @@
           <a:graphicData uri="http://schemas.openxmlformats.org/presentationml/2006/ole">
             <mc:AlternateContent xmlns:mc="http://schemas.openxmlformats.org/markup-compatibility/2006">
               <mc:Choice xmlns:v="urn:schemas-microsoft-com:vml" Requires="v">
-                <p:oleObj spid="_x0000_s32108" name="Equation" r:id="rId10" imgW="177800" imgH="241300" progId="Equation.DSMT4">
+                <p:oleObj spid="_x0000_s32117" name="Equation" r:id="rId12" imgW="177800" imgH="241300" progId="Equation.DSMT4">
                   <p:embed/>
                 </p:oleObj>
               </mc:Choice>
               <mc:Fallback>
-                <p:oleObj name="Equation" r:id="rId10" imgW="177800" imgH="241300" progId="Equation.DSMT4">
+                <p:oleObj name="Equation" r:id="rId12" imgW="177800" imgH="241300" progId="Equation.DSMT4">
                   <p:embed/>
                   <p:pic>
                     <p:nvPicPr>
@@ -14545,7 +14545,7 @@
                       <p:nvPr/>
                     </p:nvPicPr>
                     <p:blipFill>
-                      <a:blip r:embed="rId11"/>
+                      <a:blip r:embed="rId13"/>
                       <a:stretch>
                         <a:fillRect/>
                       </a:stretch>
@@ -14588,12 +14588,12 @@
           <a:graphicData uri="http://schemas.openxmlformats.org/presentationml/2006/ole">
             <mc:AlternateContent xmlns:mc="http://schemas.openxmlformats.org/markup-compatibility/2006">
               <mc:Choice xmlns:v="urn:schemas-microsoft-com:vml" Requires="v">
-                <p:oleObj spid="_x0000_s32109" name="Equation" r:id="rId12" imgW="355600" imgH="241300" progId="Equation.DSMT4">
+                <p:oleObj spid="_x0000_s32118" name="Equation" r:id="rId14" imgW="355600" imgH="241300" progId="Equation.DSMT4">
                   <p:embed/>
                 </p:oleObj>
               </mc:Choice>
               <mc:Fallback>
-                <p:oleObj name="Equation" r:id="rId12" imgW="355600" imgH="241300" progId="Equation.DSMT4">
+                <p:oleObj name="Equation" r:id="rId14" imgW="355600" imgH="241300" progId="Equation.DSMT4">
                   <p:embed/>
                   <p:pic>
                     <p:nvPicPr>
@@ -14602,7 +14602,7 @@
                       <p:nvPr/>
                     </p:nvPicPr>
                     <p:blipFill>
-                      <a:blip r:embed="rId13"/>
+                      <a:blip r:embed="rId15"/>
                       <a:stretch>
                         <a:fillRect/>
                       </a:stretch>
@@ -14645,12 +14645,12 @@
           <a:graphicData uri="http://schemas.openxmlformats.org/presentationml/2006/ole">
             <mc:AlternateContent xmlns:mc="http://schemas.openxmlformats.org/markup-compatibility/2006">
               <mc:Choice xmlns:v="urn:schemas-microsoft-com:vml" Requires="v">
-                <p:oleObj spid="_x0000_s32110" name="Equation" r:id="rId14" imgW="1435100" imgH="241300" progId="Equation.DSMT4">
+                <p:oleObj spid="_x0000_s32119" name="Equation" r:id="rId16" imgW="1435100" imgH="241300" progId="Equation.DSMT4">
                   <p:embed/>
                 </p:oleObj>
               </mc:Choice>
               <mc:Fallback>
-                <p:oleObj name="Equation" r:id="rId14" imgW="1435100" imgH="241300" progId="Equation.DSMT4">
+                <p:oleObj name="Equation" r:id="rId16" imgW="1435100" imgH="241300" progId="Equation.DSMT4">
                   <p:embed/>
                   <p:pic>
                     <p:nvPicPr>
@@ -14659,7 +14659,7 @@
                       <p:nvPr/>
                     </p:nvPicPr>
                     <p:blipFill>
-                      <a:blip r:embed="rId15"/>
+                      <a:blip r:embed="rId17"/>
                       <a:stretch>
                         <a:fillRect/>
                       </a:stretch>
@@ -15080,7 +15080,7 @@
             <p:nvPr/>
           </p:nvPicPr>
           <p:blipFill rotWithShape="1">
-            <a:blip r:embed="rId16"/>
+            <a:blip r:embed="rId18"/>
             <a:srcRect l="12179" t="28805" r="36465" b="11280"/>
             <a:stretch/>
           </p:blipFill>
@@ -15106,7 +15106,7 @@
             <p:nvPr/>
           </p:nvPicPr>
           <p:blipFill rotWithShape="1">
-            <a:blip r:embed="rId16"/>
+            <a:blip r:embed="rId18"/>
             <a:srcRect l="12179" t="28805" r="36465" b="11280"/>
             <a:stretch/>
           </p:blipFill>
@@ -15185,12 +15185,12 @@
           <a:graphicData uri="http://schemas.openxmlformats.org/presentationml/2006/ole">
             <mc:AlternateContent xmlns:mc="http://schemas.openxmlformats.org/markup-compatibility/2006">
               <mc:Choice xmlns:v="urn:schemas-microsoft-com:vml" Requires="v">
-                <p:oleObj spid="_x0000_s32111" name="Equation" r:id="rId17" imgW="139700" imgH="165100" progId="Equation.DSMT4">
+                <p:oleObj spid="_x0000_s32120" name="Equation" r:id="rId19" imgW="139700" imgH="165100" progId="Equation.DSMT4">
                   <p:embed/>
                 </p:oleObj>
               </mc:Choice>
               <mc:Fallback>
-                <p:oleObj name="Equation" r:id="rId17" imgW="139700" imgH="165100" progId="Equation.DSMT4">
+                <p:oleObj name="Equation" r:id="rId19" imgW="139700" imgH="165100" progId="Equation.DSMT4">
                   <p:embed/>
                   <p:pic>
                     <p:nvPicPr>
@@ -15199,7 +15199,7 @@
                       <p:nvPr/>
                     </p:nvPicPr>
                     <p:blipFill>
-                      <a:blip r:embed="rId18"/>
+                      <a:blip r:embed="rId20"/>
                       <a:stretch>
                         <a:fillRect/>
                       </a:stretch>
@@ -15242,12 +15242,12 @@
           <a:graphicData uri="http://schemas.openxmlformats.org/presentationml/2006/ole">
             <mc:AlternateContent xmlns:mc="http://schemas.openxmlformats.org/markup-compatibility/2006">
               <mc:Choice xmlns:v="urn:schemas-microsoft-com:vml" Requires="v">
-                <p:oleObj spid="_x0000_s32112" name="Equation" r:id="rId19" imgW="88900" imgH="139700" progId="Equation.DSMT4">
+                <p:oleObj spid="_x0000_s32121" name="Equation" r:id="rId21" imgW="88900" imgH="139700" progId="Equation.DSMT4">
                   <p:embed/>
                 </p:oleObj>
               </mc:Choice>
               <mc:Fallback>
-                <p:oleObj name="Equation" r:id="rId19" imgW="88900" imgH="139700" progId="Equation.DSMT4">
+                <p:oleObj name="Equation" r:id="rId21" imgW="88900" imgH="139700" progId="Equation.DSMT4">
                   <p:embed/>
                   <p:pic>
                     <p:nvPicPr>
@@ -15256,7 +15256,7 @@
                       <p:nvPr/>
                     </p:nvPicPr>
                     <p:blipFill>
-                      <a:blip r:embed="rId20"/>
+                      <a:blip r:embed="rId22"/>
                       <a:stretch>
                         <a:fillRect/>
                       </a:stretch>
@@ -15418,12 +15418,12 @@
           <a:graphicData uri="http://schemas.openxmlformats.org/presentationml/2006/ole">
             <mc:AlternateContent xmlns:mc="http://schemas.openxmlformats.org/markup-compatibility/2006">
               <mc:Choice xmlns:v="urn:schemas-microsoft-com:vml" Requires="v">
-                <p:oleObj spid="_x0000_s3217" name="文書" r:id="rId4" imgW="4495800" imgH="2197100" progId="Word.Document.12">
+                <p:oleObj spid="_x0000_s3219" name="文書" r:id="rId5" imgW="4495800" imgH="2197100" progId="Word.Document.12">
                   <p:embed/>
                 </p:oleObj>
               </mc:Choice>
               <mc:Fallback>
-                <p:oleObj name="文書" r:id="rId4" imgW="4495800" imgH="2197100" progId="Word.Document.12">
+                <p:oleObj name="文書" r:id="rId5" imgW="4495800" imgH="2197100" progId="Word.Document.12">
                   <p:embed/>
                   <p:pic>
                     <p:nvPicPr>
@@ -15432,7 +15432,7 @@
                       <p:nvPr/>
                     </p:nvPicPr>
                     <p:blipFill>
-                      <a:blip r:embed="rId5"/>
+                      <a:blip r:embed="rId6"/>
                       <a:stretch>
                         <a:fillRect/>
                       </a:stretch>
@@ -15620,12 +15620,12 @@
           <a:graphicData uri="http://schemas.openxmlformats.org/presentationml/2006/ole">
             <mc:AlternateContent xmlns:mc="http://schemas.openxmlformats.org/markup-compatibility/2006">
               <mc:Choice xmlns:v="urn:schemas-microsoft-com:vml" Requires="v">
-                <p:oleObj spid="_x0000_s4349" name="文書" r:id="rId4" imgW="4495800" imgH="596900" progId="Word.Document.12">
+                <p:oleObj spid="_x0000_s4353" name="文書" r:id="rId5" imgW="4495800" imgH="596900" progId="Word.Document.12">
                   <p:embed/>
                 </p:oleObj>
               </mc:Choice>
               <mc:Fallback>
-                <p:oleObj name="文書" r:id="rId4" imgW="4495800" imgH="596900" progId="Word.Document.12">
+                <p:oleObj name="文書" r:id="rId5" imgW="4495800" imgH="596900" progId="Word.Document.12">
                   <p:embed/>
                   <p:pic>
                     <p:nvPicPr>
@@ -15634,7 +15634,7 @@
                       <p:nvPr/>
                     </p:nvPicPr>
                     <p:blipFill>
-                      <a:blip r:embed="rId5"/>
+                      <a:blip r:embed="rId6"/>
                       <a:stretch>
                         <a:fillRect/>
                       </a:stretch>
@@ -15743,12 +15743,12 @@
           <a:graphicData uri="http://schemas.openxmlformats.org/presentationml/2006/ole">
             <mc:AlternateContent xmlns:mc="http://schemas.openxmlformats.org/markup-compatibility/2006">
               <mc:Choice xmlns:v="urn:schemas-microsoft-com:vml" Requires="v">
-                <p:oleObj spid="_x0000_s4350" name="Equation" r:id="rId6" imgW="190500" imgH="241300" progId="Equation.DSMT4">
+                <p:oleObj spid="_x0000_s4354" name="Equation" r:id="rId7" imgW="190500" imgH="241300" progId="Equation.DSMT4">
                   <p:embed/>
                 </p:oleObj>
               </mc:Choice>
               <mc:Fallback>
-                <p:oleObj name="Equation" r:id="rId6" imgW="190500" imgH="241300" progId="Equation.DSMT4">
+                <p:oleObj name="Equation" r:id="rId7" imgW="190500" imgH="241300" progId="Equation.DSMT4">
                   <p:embed/>
                   <p:pic>
                     <p:nvPicPr>
@@ -15757,7 +15757,7 @@
                       <p:nvPr/>
                     </p:nvPicPr>
                     <p:blipFill>
-                      <a:blip r:embed="rId7"/>
+                      <a:blip r:embed="rId8"/>
                       <a:stretch>
                         <a:fillRect/>
                       </a:stretch>
@@ -15800,12 +15800,12 @@
           <a:graphicData uri="http://schemas.openxmlformats.org/presentationml/2006/ole">
             <mc:AlternateContent xmlns:mc="http://schemas.openxmlformats.org/markup-compatibility/2006">
               <mc:Choice xmlns:v="urn:schemas-microsoft-com:vml" Requires="v">
-                <p:oleObj spid="_x0000_s4351" name="Equation" r:id="rId8" imgW="165100" imgH="139700" progId="Equation.DSMT4">
+                <p:oleObj spid="_x0000_s4355" name="Equation" r:id="rId9" imgW="165100" imgH="139700" progId="Equation.DSMT4">
                   <p:embed/>
                 </p:oleObj>
               </mc:Choice>
               <mc:Fallback>
-                <p:oleObj name="Equation" r:id="rId8" imgW="165100" imgH="139700" progId="Equation.DSMT4">
+                <p:oleObj name="Equation" r:id="rId9" imgW="165100" imgH="139700" progId="Equation.DSMT4">
                   <p:embed/>
                   <p:pic>
                     <p:nvPicPr>
@@ -15814,7 +15814,7 @@
                       <p:nvPr/>
                     </p:nvPicPr>
                     <p:blipFill>
-                      <a:blip r:embed="rId9"/>
+                      <a:blip r:embed="rId10"/>
                       <a:stretch>
                         <a:fillRect/>
                       </a:stretch>
@@ -16164,12 +16164,12 @@
           <a:graphicData uri="http://schemas.openxmlformats.org/presentationml/2006/ole">
             <mc:AlternateContent xmlns:mc="http://schemas.openxmlformats.org/markup-compatibility/2006">
               <mc:Choice xmlns:v="urn:schemas-microsoft-com:vml" Requires="v">
-                <p:oleObj spid="_x0000_s22034" name="文書" r:id="rId4" imgW="4495800" imgH="1905000" progId="Word.Document.12">
+                <p:oleObj spid="_x0000_s22042" name="文書" r:id="rId5" imgW="4495800" imgH="1905000" progId="Word.Document.12">
                   <p:embed/>
                 </p:oleObj>
               </mc:Choice>
               <mc:Fallback>
-                <p:oleObj name="文書" r:id="rId4" imgW="4495800" imgH="1905000" progId="Word.Document.12">
+                <p:oleObj name="文書" r:id="rId5" imgW="4495800" imgH="1905000" progId="Word.Document.12">
                   <p:embed/>
                   <p:pic>
                     <p:nvPicPr>
@@ -16178,7 +16178,7 @@
                       <p:nvPr/>
                     </p:nvPicPr>
                     <p:blipFill>
-                      <a:blip r:embed="rId5"/>
+                      <a:blip r:embed="rId6"/>
                       <a:stretch>
                         <a:fillRect/>
                       </a:stretch>
@@ -16355,12 +16355,12 @@
           <a:graphicData uri="http://schemas.openxmlformats.org/presentationml/2006/ole">
             <mc:AlternateContent xmlns:mc="http://schemas.openxmlformats.org/markup-compatibility/2006">
               <mc:Choice xmlns:v="urn:schemas-microsoft-com:vml" Requires="v">
-                <p:oleObj spid="_x0000_s22035" name="Equation" r:id="rId6" imgW="215900" imgH="254000" progId="Equation.DSMT4">
+                <p:oleObj spid="_x0000_s22043" name="Equation" r:id="rId7" imgW="215900" imgH="254000" progId="Equation.DSMT4">
                   <p:embed/>
                 </p:oleObj>
               </mc:Choice>
               <mc:Fallback>
-                <p:oleObj name="Equation" r:id="rId6" imgW="215900" imgH="254000" progId="Equation.DSMT4">
+                <p:oleObj name="Equation" r:id="rId7" imgW="215900" imgH="254000" progId="Equation.DSMT4">
                   <p:embed/>
                   <p:pic>
                     <p:nvPicPr>
@@ -16369,7 +16369,7 @@
                       <p:nvPr/>
                     </p:nvPicPr>
                     <p:blipFill>
-                      <a:blip r:embed="rId7"/>
+                      <a:blip r:embed="rId8"/>
                       <a:stretch>
                         <a:fillRect/>
                       </a:stretch>
@@ -16399,7 +16399,7 @@
           <p:nvPr/>
         </p:nvPicPr>
         <p:blipFill>
-          <a:blip r:embed="rId8"/>
+          <a:blip r:embed="rId9"/>
           <a:stretch>
             <a:fillRect/>
           </a:stretch>
@@ -16436,12 +16436,12 @@
           <a:graphicData uri="http://schemas.openxmlformats.org/presentationml/2006/ole">
             <mc:AlternateContent xmlns:mc="http://schemas.openxmlformats.org/markup-compatibility/2006">
               <mc:Choice xmlns:v="urn:schemas-microsoft-com:vml" Requires="v">
-                <p:oleObj spid="_x0000_s22036" name="Equation" r:id="rId9" imgW="165100" imgH="139700" progId="Equation.DSMT4">
+                <p:oleObj spid="_x0000_s22044" name="Equation" r:id="rId10" imgW="165100" imgH="139700" progId="Equation.DSMT4">
                   <p:embed/>
                 </p:oleObj>
               </mc:Choice>
               <mc:Fallback>
-                <p:oleObj name="Equation" r:id="rId9" imgW="165100" imgH="139700" progId="Equation.DSMT4">
+                <p:oleObj name="Equation" r:id="rId10" imgW="165100" imgH="139700" progId="Equation.DSMT4">
                   <p:embed/>
                   <p:pic>
                     <p:nvPicPr>
@@ -16450,7 +16450,7 @@
                       <p:nvPr/>
                     </p:nvPicPr>
                     <p:blipFill>
-                      <a:blip r:embed="rId10"/>
+                      <a:blip r:embed="rId11"/>
                       <a:stretch>
                         <a:fillRect/>
                       </a:stretch>
@@ -16529,12 +16529,12 @@
           <a:graphicData uri="http://schemas.openxmlformats.org/presentationml/2006/ole">
             <mc:AlternateContent xmlns:mc="http://schemas.openxmlformats.org/markup-compatibility/2006">
               <mc:Choice xmlns:v="urn:schemas-microsoft-com:vml" Requires="v">
-                <p:oleObj spid="_x0000_s22037" name="Equation" r:id="rId11" imgW="88900" imgH="139700" progId="Equation.DSMT4">
+                <p:oleObj spid="_x0000_s22045" name="Equation" r:id="rId12" imgW="88900" imgH="139700" progId="Equation.DSMT4">
                   <p:embed/>
                 </p:oleObj>
               </mc:Choice>
               <mc:Fallback>
-                <p:oleObj name="Equation" r:id="rId11" imgW="88900" imgH="139700" progId="Equation.DSMT4">
+                <p:oleObj name="Equation" r:id="rId12" imgW="88900" imgH="139700" progId="Equation.DSMT4">
                   <p:embed/>
                   <p:pic>
                     <p:nvPicPr>
@@ -16543,7 +16543,7 @@
                       <p:nvPr/>
                     </p:nvPicPr>
                     <p:blipFill>
-                      <a:blip r:embed="rId12"/>
+                      <a:blip r:embed="rId13"/>
                       <a:stretch>
                         <a:fillRect/>
                       </a:stretch>
@@ -16622,12 +16622,12 @@
           <a:graphicData uri="http://schemas.openxmlformats.org/presentationml/2006/ole">
             <mc:AlternateContent xmlns:mc="http://schemas.openxmlformats.org/markup-compatibility/2006">
               <mc:Choice xmlns:v="urn:schemas-microsoft-com:vml" Requires="v">
-                <p:oleObj spid="_x0000_s22038" name="Equation" r:id="rId13" imgW="241300" imgH="165100" progId="Equation.DSMT4">
+                <p:oleObj spid="_x0000_s22046" name="Equation" r:id="rId14" imgW="241300" imgH="165100" progId="Equation.DSMT4">
                   <p:embed/>
                 </p:oleObj>
               </mc:Choice>
               <mc:Fallback>
-                <p:oleObj name="Equation" r:id="rId13" imgW="241300" imgH="165100" progId="Equation.DSMT4">
+                <p:oleObj name="Equation" r:id="rId14" imgW="241300" imgH="165100" progId="Equation.DSMT4">
                   <p:embed/>
                   <p:pic>
                     <p:nvPicPr>
@@ -16636,7 +16636,7 @@
                       <p:nvPr/>
                     </p:nvPicPr>
                     <p:blipFill>
-                      <a:blip r:embed="rId14"/>
+                      <a:blip r:embed="rId15"/>
                       <a:stretch>
                         <a:fillRect/>
                       </a:stretch>
@@ -16679,12 +16679,12 @@
           <a:graphicData uri="http://schemas.openxmlformats.org/presentationml/2006/ole">
             <mc:AlternateContent xmlns:mc="http://schemas.openxmlformats.org/markup-compatibility/2006">
               <mc:Choice xmlns:v="urn:schemas-microsoft-com:vml" Requires="v">
-                <p:oleObj spid="_x0000_s22039" name="Equation" r:id="rId15" imgW="241300" imgH="165100" progId="Equation.DSMT4">
+                <p:oleObj spid="_x0000_s22047" name="Equation" r:id="rId16" imgW="241300" imgH="165100" progId="Equation.DSMT4">
                   <p:embed/>
                 </p:oleObj>
               </mc:Choice>
               <mc:Fallback>
-                <p:oleObj name="Equation" r:id="rId15" imgW="241300" imgH="165100" progId="Equation.DSMT4">
+                <p:oleObj name="Equation" r:id="rId16" imgW="241300" imgH="165100" progId="Equation.DSMT4">
                   <p:embed/>
                   <p:pic>
                     <p:nvPicPr>
@@ -16693,7 +16693,7 @@
                       <p:nvPr/>
                     </p:nvPicPr>
                     <p:blipFill>
-                      <a:blip r:embed="rId16"/>
+                      <a:blip r:embed="rId17"/>
                       <a:stretch>
                         <a:fillRect/>
                       </a:stretch>
@@ -16736,12 +16736,12 @@
           <a:graphicData uri="http://schemas.openxmlformats.org/presentationml/2006/ole">
             <mc:AlternateContent xmlns:mc="http://schemas.openxmlformats.org/markup-compatibility/2006">
               <mc:Choice xmlns:v="urn:schemas-microsoft-com:vml" Requires="v">
-                <p:oleObj spid="_x0000_s22040" name="Equation" r:id="rId17" imgW="190500" imgH="241300" progId="Equation.DSMT4">
+                <p:oleObj spid="_x0000_s22048" name="Equation" r:id="rId18" imgW="190500" imgH="241300" progId="Equation.DSMT4">
                   <p:embed/>
                 </p:oleObj>
               </mc:Choice>
               <mc:Fallback>
-                <p:oleObj name="Equation" r:id="rId17" imgW="190500" imgH="241300" progId="Equation.DSMT4">
+                <p:oleObj name="Equation" r:id="rId18" imgW="190500" imgH="241300" progId="Equation.DSMT4">
                   <p:embed/>
                   <p:pic>
                     <p:nvPicPr>
@@ -16750,7 +16750,7 @@
                       <p:nvPr/>
                     </p:nvPicPr>
                     <p:blipFill>
-                      <a:blip r:embed="rId18"/>
+                      <a:blip r:embed="rId19"/>
                       <a:stretch>
                         <a:fillRect/>
                       </a:stretch>
@@ -16912,12 +16912,12 @@
           <a:graphicData uri="http://schemas.openxmlformats.org/presentationml/2006/ole">
             <mc:AlternateContent xmlns:mc="http://schemas.openxmlformats.org/markup-compatibility/2006">
               <mc:Choice xmlns:v="urn:schemas-microsoft-com:vml" Requires="v">
-                <p:oleObj spid="_x0000_s26116" name="文書" r:id="rId4" imgW="4495800" imgH="1905000" progId="Word.Document.12">
+                <p:oleObj spid="_x0000_s26124" name="文書" r:id="rId5" imgW="4495800" imgH="1905000" progId="Word.Document.12">
                   <p:embed/>
                 </p:oleObj>
               </mc:Choice>
               <mc:Fallback>
-                <p:oleObj name="文書" r:id="rId4" imgW="4495800" imgH="1905000" progId="Word.Document.12">
+                <p:oleObj name="文書" r:id="rId5" imgW="4495800" imgH="1905000" progId="Word.Document.12">
                   <p:embed/>
                   <p:pic>
                     <p:nvPicPr>
@@ -16926,7 +16926,7 @@
                       <p:nvPr/>
                     </p:nvPicPr>
                     <p:blipFill>
-                      <a:blip r:embed="rId5"/>
+                      <a:blip r:embed="rId6"/>
                       <a:stretch>
                         <a:fillRect/>
                       </a:stretch>
@@ -16982,7 +16982,7 @@
           <p:nvPr/>
         </p:nvPicPr>
         <p:blipFill rotWithShape="1">
-          <a:blip r:embed="rId6"/>
+          <a:blip r:embed="rId7"/>
           <a:srcRect l="9410" t="7762" r="8487" b="9850"/>
           <a:stretch/>
         </p:blipFill>
@@ -17126,12 +17126,12 @@
           <a:graphicData uri="http://schemas.openxmlformats.org/presentationml/2006/ole">
             <mc:AlternateContent xmlns:mc="http://schemas.openxmlformats.org/markup-compatibility/2006">
               <mc:Choice xmlns:v="urn:schemas-microsoft-com:vml" Requires="v">
-                <p:oleObj spid="_x0000_s26117" name="Equation" r:id="rId7" imgW="203200" imgH="254000" progId="Equation.DSMT4">
+                <p:oleObj spid="_x0000_s26125" name="Equation" r:id="rId8" imgW="203200" imgH="254000" progId="Equation.DSMT4">
                   <p:embed/>
                 </p:oleObj>
               </mc:Choice>
               <mc:Fallback>
-                <p:oleObj name="Equation" r:id="rId7" imgW="203200" imgH="254000" progId="Equation.DSMT4">
+                <p:oleObj name="Equation" r:id="rId8" imgW="203200" imgH="254000" progId="Equation.DSMT4">
                   <p:embed/>
                   <p:pic>
                     <p:nvPicPr>
@@ -17140,7 +17140,7 @@
                       <p:nvPr/>
                     </p:nvPicPr>
                     <p:blipFill>
-                      <a:blip r:embed="rId8"/>
+                      <a:blip r:embed="rId9"/>
                       <a:stretch>
                         <a:fillRect/>
                       </a:stretch>
@@ -17183,12 +17183,12 @@
           <a:graphicData uri="http://schemas.openxmlformats.org/presentationml/2006/ole">
             <mc:AlternateContent xmlns:mc="http://schemas.openxmlformats.org/markup-compatibility/2006">
               <mc:Choice xmlns:v="urn:schemas-microsoft-com:vml" Requires="v">
-                <p:oleObj spid="_x0000_s26118" name="Equation" r:id="rId9" imgW="165100" imgH="139700" progId="Equation.DSMT4">
+                <p:oleObj spid="_x0000_s26126" name="Equation" r:id="rId10" imgW="165100" imgH="139700" progId="Equation.DSMT4">
                   <p:embed/>
                 </p:oleObj>
               </mc:Choice>
               <mc:Fallback>
-                <p:oleObj name="Equation" r:id="rId9" imgW="165100" imgH="139700" progId="Equation.DSMT4">
+                <p:oleObj name="Equation" r:id="rId10" imgW="165100" imgH="139700" progId="Equation.DSMT4">
                   <p:embed/>
                   <p:pic>
                     <p:nvPicPr>
@@ -17197,7 +17197,7 @@
                       <p:nvPr/>
                     </p:nvPicPr>
                     <p:blipFill>
-                      <a:blip r:embed="rId10"/>
+                      <a:blip r:embed="rId11"/>
                       <a:stretch>
                         <a:fillRect/>
                       </a:stretch>
@@ -17276,12 +17276,12 @@
           <a:graphicData uri="http://schemas.openxmlformats.org/presentationml/2006/ole">
             <mc:AlternateContent xmlns:mc="http://schemas.openxmlformats.org/markup-compatibility/2006">
               <mc:Choice xmlns:v="urn:schemas-microsoft-com:vml" Requires="v">
-                <p:oleObj spid="_x0000_s26119" name="Equation" r:id="rId11" imgW="88900" imgH="139700" progId="Equation.DSMT4">
+                <p:oleObj spid="_x0000_s26127" name="Equation" r:id="rId12" imgW="88900" imgH="139700" progId="Equation.DSMT4">
                   <p:embed/>
                 </p:oleObj>
               </mc:Choice>
               <mc:Fallback>
-                <p:oleObj name="Equation" r:id="rId11" imgW="88900" imgH="139700" progId="Equation.DSMT4">
+                <p:oleObj name="Equation" r:id="rId12" imgW="88900" imgH="139700" progId="Equation.DSMT4">
                   <p:embed/>
                   <p:pic>
                     <p:nvPicPr>
@@ -17290,7 +17290,7 @@
                       <p:nvPr/>
                     </p:nvPicPr>
                     <p:blipFill>
-                      <a:blip r:embed="rId12"/>
+                      <a:blip r:embed="rId13"/>
                       <a:stretch>
                         <a:fillRect/>
                       </a:stretch>
@@ -17333,12 +17333,12 @@
           <a:graphicData uri="http://schemas.openxmlformats.org/presentationml/2006/ole">
             <mc:AlternateContent xmlns:mc="http://schemas.openxmlformats.org/markup-compatibility/2006">
               <mc:Choice xmlns:v="urn:schemas-microsoft-com:vml" Requires="v">
-                <p:oleObj spid="_x0000_s26120" name="Equation" r:id="rId13" imgW="241300" imgH="165100" progId="Equation.DSMT4">
+                <p:oleObj spid="_x0000_s26128" name="Equation" r:id="rId14" imgW="241300" imgH="165100" progId="Equation.DSMT4">
                   <p:embed/>
                 </p:oleObj>
               </mc:Choice>
               <mc:Fallback>
-                <p:oleObj name="Equation" r:id="rId13" imgW="241300" imgH="165100" progId="Equation.DSMT4">
+                <p:oleObj name="Equation" r:id="rId14" imgW="241300" imgH="165100" progId="Equation.DSMT4">
                   <p:embed/>
                   <p:pic>
                     <p:nvPicPr>
@@ -17347,7 +17347,7 @@
                       <p:nvPr/>
                     </p:nvPicPr>
                     <p:blipFill>
-                      <a:blip r:embed="rId14"/>
+                      <a:blip r:embed="rId15"/>
                       <a:stretch>
                         <a:fillRect/>
                       </a:stretch>
@@ -17390,12 +17390,12 @@
           <a:graphicData uri="http://schemas.openxmlformats.org/presentationml/2006/ole">
             <mc:AlternateContent xmlns:mc="http://schemas.openxmlformats.org/markup-compatibility/2006">
               <mc:Choice xmlns:v="urn:schemas-microsoft-com:vml" Requires="v">
-                <p:oleObj spid="_x0000_s26121" name="Equation" r:id="rId15" imgW="241300" imgH="165100" progId="Equation.DSMT4">
+                <p:oleObj spid="_x0000_s26129" name="Equation" r:id="rId16" imgW="241300" imgH="165100" progId="Equation.DSMT4">
                   <p:embed/>
                 </p:oleObj>
               </mc:Choice>
               <mc:Fallback>
-                <p:oleObj name="Equation" r:id="rId15" imgW="241300" imgH="165100" progId="Equation.DSMT4">
+                <p:oleObj name="Equation" r:id="rId16" imgW="241300" imgH="165100" progId="Equation.DSMT4">
                   <p:embed/>
                   <p:pic>
                     <p:nvPicPr>
@@ -17404,7 +17404,7 @@
                       <p:nvPr/>
                     </p:nvPicPr>
                     <p:blipFill>
-                      <a:blip r:embed="rId16"/>
+                      <a:blip r:embed="rId17"/>
                       <a:stretch>
                         <a:fillRect/>
                       </a:stretch>
@@ -17447,12 +17447,12 @@
           <a:graphicData uri="http://schemas.openxmlformats.org/presentationml/2006/ole">
             <mc:AlternateContent xmlns:mc="http://schemas.openxmlformats.org/markup-compatibility/2006">
               <mc:Choice xmlns:v="urn:schemas-microsoft-com:vml" Requires="v">
-                <p:oleObj spid="_x0000_s26122" name="Equation" r:id="rId17" imgW="190500" imgH="241300" progId="Equation.DSMT4">
+                <p:oleObj spid="_x0000_s26130" name="Equation" r:id="rId18" imgW="190500" imgH="241300" progId="Equation.DSMT4">
                   <p:embed/>
                 </p:oleObj>
               </mc:Choice>
               <mc:Fallback>
-                <p:oleObj name="Equation" r:id="rId17" imgW="190500" imgH="241300" progId="Equation.DSMT4">
+                <p:oleObj name="Equation" r:id="rId18" imgW="190500" imgH="241300" progId="Equation.DSMT4">
                   <p:embed/>
                   <p:pic>
                     <p:nvPicPr>
@@ -17461,7 +17461,7 @@
                       <p:nvPr/>
                     </p:nvPicPr>
                     <p:blipFill>
-                      <a:blip r:embed="rId18"/>
+                      <a:blip r:embed="rId19"/>
                       <a:stretch>
                         <a:fillRect/>
                       </a:stretch>
@@ -17623,12 +17623,12 @@
           <a:graphicData uri="http://schemas.openxmlformats.org/presentationml/2006/ole">
             <mc:AlternateContent xmlns:mc="http://schemas.openxmlformats.org/markup-compatibility/2006">
               <mc:Choice xmlns:v="urn:schemas-microsoft-com:vml" Requires="v">
-                <p:oleObj spid="_x0000_s14824" name="文書" r:id="rId4" imgW="4495800" imgH="596900" progId="Word.Document.12">
+                <p:oleObj spid="_x0000_s14832" name="文書" r:id="rId5" imgW="4495800" imgH="596900" progId="Word.Document.12">
                   <p:embed/>
                 </p:oleObj>
               </mc:Choice>
               <mc:Fallback>
-                <p:oleObj name="文書" r:id="rId4" imgW="4495800" imgH="596900" progId="Word.Document.12">
+                <p:oleObj name="文書" r:id="rId5" imgW="4495800" imgH="596900" progId="Word.Document.12">
                   <p:embed/>
                   <p:pic>
                     <p:nvPicPr>
@@ -17637,7 +17637,7 @@
                       <p:nvPr/>
                     </p:nvPicPr>
                     <p:blipFill>
-                      <a:blip r:embed="rId5"/>
+                      <a:blip r:embed="rId6"/>
                       <a:stretch>
                         <a:fillRect/>
                       </a:stretch>
@@ -17904,12 +17904,12 @@
           <a:graphicData uri="http://schemas.openxmlformats.org/presentationml/2006/ole">
             <mc:AlternateContent xmlns:mc="http://schemas.openxmlformats.org/markup-compatibility/2006">
               <mc:Choice xmlns:v="urn:schemas-microsoft-com:vml" Requires="v">
-                <p:oleObj spid="_x0000_s14825" name="Equation" r:id="rId6" imgW="139700" imgH="152400" progId="Equation.DSMT4">
+                <p:oleObj spid="_x0000_s14833" name="Equation" r:id="rId7" imgW="139700" imgH="152400" progId="Equation.DSMT4">
                   <p:embed/>
                 </p:oleObj>
               </mc:Choice>
               <mc:Fallback>
-                <p:oleObj name="Equation" r:id="rId6" imgW="139700" imgH="152400" progId="Equation.DSMT4">
+                <p:oleObj name="Equation" r:id="rId7" imgW="139700" imgH="152400" progId="Equation.DSMT4">
                   <p:embed/>
                   <p:pic>
                     <p:nvPicPr>
@@ -17918,7 +17918,7 @@
                       <p:nvPr/>
                     </p:nvPicPr>
                     <p:blipFill>
-                      <a:blip r:embed="rId7"/>
+                      <a:blip r:embed="rId8"/>
                       <a:stretch>
                         <a:fillRect/>
                       </a:stretch>
@@ -17961,12 +17961,12 @@
           <a:graphicData uri="http://schemas.openxmlformats.org/presentationml/2006/ole">
             <mc:AlternateContent xmlns:mc="http://schemas.openxmlformats.org/markup-compatibility/2006">
               <mc:Choice xmlns:v="urn:schemas-microsoft-com:vml" Requires="v">
-                <p:oleObj spid="_x0000_s14826" name="Equation" r:id="rId8" imgW="304800" imgH="152400" progId="Equation.DSMT4">
+                <p:oleObj spid="_x0000_s14834" name="Equation" r:id="rId9" imgW="304800" imgH="152400" progId="Equation.DSMT4">
                   <p:embed/>
                 </p:oleObj>
               </mc:Choice>
               <mc:Fallback>
-                <p:oleObj name="Equation" r:id="rId8" imgW="304800" imgH="152400" progId="Equation.DSMT4">
+                <p:oleObj name="Equation" r:id="rId9" imgW="304800" imgH="152400" progId="Equation.DSMT4">
                   <p:embed/>
                   <p:pic>
                     <p:nvPicPr>
@@ -17975,7 +17975,7 @@
                       <p:nvPr/>
                     </p:nvPicPr>
                     <p:blipFill>
-                      <a:blip r:embed="rId9"/>
+                      <a:blip r:embed="rId10"/>
                       <a:stretch>
                         <a:fillRect/>
                       </a:stretch>
@@ -18018,12 +18018,12 @@
           <a:graphicData uri="http://schemas.openxmlformats.org/presentationml/2006/ole">
             <mc:AlternateContent xmlns:mc="http://schemas.openxmlformats.org/markup-compatibility/2006">
               <mc:Choice xmlns:v="urn:schemas-microsoft-com:vml" Requires="v">
-                <p:oleObj spid="_x0000_s14827" name="Equation" r:id="rId10" imgW="368300" imgH="241300" progId="Equation.DSMT4">
+                <p:oleObj spid="_x0000_s14835" name="Equation" r:id="rId11" imgW="368300" imgH="241300" progId="Equation.DSMT4">
                   <p:embed/>
                 </p:oleObj>
               </mc:Choice>
               <mc:Fallback>
-                <p:oleObj name="Equation" r:id="rId10" imgW="368300" imgH="241300" progId="Equation.DSMT4">
+                <p:oleObj name="Equation" r:id="rId11" imgW="368300" imgH="241300" progId="Equation.DSMT4">
                   <p:embed/>
                   <p:pic>
                     <p:nvPicPr>
@@ -18032,7 +18032,7 @@
                       <p:nvPr/>
                     </p:nvPicPr>
                     <p:blipFill>
-                      <a:blip r:embed="rId11"/>
+                      <a:blip r:embed="rId12"/>
                       <a:stretch>
                         <a:fillRect/>
                       </a:stretch>
@@ -18075,12 +18075,12 @@
           <a:graphicData uri="http://schemas.openxmlformats.org/presentationml/2006/ole">
             <mc:AlternateContent xmlns:mc="http://schemas.openxmlformats.org/markup-compatibility/2006">
               <mc:Choice xmlns:v="urn:schemas-microsoft-com:vml" Requires="v">
-                <p:oleObj spid="_x0000_s14828" name="Equation" r:id="rId12" imgW="127000" imgH="139700" progId="Equation.DSMT4">
+                <p:oleObj spid="_x0000_s14836" name="Equation" r:id="rId13" imgW="127000" imgH="139700" progId="Equation.DSMT4">
                   <p:embed/>
                 </p:oleObj>
               </mc:Choice>
               <mc:Fallback>
-                <p:oleObj name="Equation" r:id="rId12" imgW="127000" imgH="139700" progId="Equation.DSMT4">
+                <p:oleObj name="Equation" r:id="rId13" imgW="127000" imgH="139700" progId="Equation.DSMT4">
                   <p:embed/>
                   <p:pic>
                     <p:nvPicPr>
@@ -18089,7 +18089,7 @@
                       <p:nvPr/>
                     </p:nvPicPr>
                     <p:blipFill>
-                      <a:blip r:embed="rId13"/>
+                      <a:blip r:embed="rId14"/>
                       <a:stretch>
                         <a:fillRect/>
                       </a:stretch>
@@ -18132,12 +18132,12 @@
           <a:graphicData uri="http://schemas.openxmlformats.org/presentationml/2006/ole">
             <mc:AlternateContent xmlns:mc="http://schemas.openxmlformats.org/markup-compatibility/2006">
               <mc:Choice xmlns:v="urn:schemas-microsoft-com:vml" Requires="v">
-                <p:oleObj spid="_x0000_s14829" name="Equation" r:id="rId14" imgW="558800" imgH="241300" progId="Equation.DSMT4">
+                <p:oleObj spid="_x0000_s14837" name="Equation" r:id="rId15" imgW="558800" imgH="241300" progId="Equation.DSMT4">
                   <p:embed/>
                 </p:oleObj>
               </mc:Choice>
               <mc:Fallback>
-                <p:oleObj name="Equation" r:id="rId14" imgW="558800" imgH="241300" progId="Equation.DSMT4">
+                <p:oleObj name="Equation" r:id="rId15" imgW="558800" imgH="241300" progId="Equation.DSMT4">
                   <p:embed/>
                   <p:pic>
                     <p:nvPicPr>
@@ -18146,7 +18146,7 @@
                       <p:nvPr/>
                     </p:nvPicPr>
                     <p:blipFill>
-                      <a:blip r:embed="rId15"/>
+                      <a:blip r:embed="rId16"/>
                       <a:stretch>
                         <a:fillRect/>
                       </a:stretch>
@@ -18595,12 +18595,12 @@
           <a:graphicData uri="http://schemas.openxmlformats.org/presentationml/2006/ole">
             <mc:AlternateContent xmlns:mc="http://schemas.openxmlformats.org/markup-compatibility/2006">
               <mc:Choice xmlns:v="urn:schemas-microsoft-com:vml" Requires="v">
-                <p:oleObj spid="_x0000_s14830" name="Equation" r:id="rId16" imgW="88900" imgH="139700" progId="Equation.DSMT4">
+                <p:oleObj spid="_x0000_s14838" name="Equation" r:id="rId17" imgW="88900" imgH="139700" progId="Equation.DSMT4">
                   <p:embed/>
                 </p:oleObj>
               </mc:Choice>
               <mc:Fallback>
-                <p:oleObj name="Equation" r:id="rId16" imgW="88900" imgH="139700" progId="Equation.DSMT4">
+                <p:oleObj name="Equation" r:id="rId17" imgW="88900" imgH="139700" progId="Equation.DSMT4">
                   <p:embed/>
                   <p:pic>
                     <p:nvPicPr>
@@ -18609,7 +18609,7 @@
                       <p:nvPr/>
                     </p:nvPicPr>
                     <p:blipFill>
-                      <a:blip r:embed="rId17"/>
+                      <a:blip r:embed="rId18"/>
                       <a:stretch>
                         <a:fillRect/>
                       </a:stretch>

--- a/03/009x_31.pptx
+++ b/03/009x_31.pptx
@@ -156,7 +156,7 @@
   </p:defaultTextStyle>
   <p:extLst>
     <p:ext uri="{EFAFB233-063F-42B5-8137-9DF3F51BA10A}">
-      <p15:sldGuideLst xmlns:p15="http://schemas.microsoft.com/office/powerpoint/2012/main" xmlns="">
+      <p15:sldGuideLst xmlns="" xmlns:p15="http://schemas.microsoft.com/office/powerpoint/2012/main">
         <p15:guide id="1" orient="horz" pos="2160" userDrawn="1">
           <p15:clr>
             <a:srgbClr val="A4A3A4"/>
@@ -170,7 +170,7 @@
       </p15:sldGuideLst>
     </p:ext>
     <p:ext uri="{2D200454-40CA-4A62-9FC3-DE9A4176ACB9}">
-      <p15:notesGuideLst xmlns:p15="http://schemas.microsoft.com/office/powerpoint/2012/main" xmlns="">
+      <p15:notesGuideLst xmlns="" xmlns:p15="http://schemas.microsoft.com/office/powerpoint/2012/main">
         <p15:guide id="1" orient="horz" pos="2880">
           <p15:clr>
             <a:srgbClr val="A4A3A4"/>
@@ -269,7 +269,7 @@
           <a:p>
             <a:fld id="{0412B963-281D-0642-81B7-06A60C2985AD}" type="datetime1">
               <a:rPr kumimoji="1" lang="ja-JP" altLang="en-US" smtClean="0"/>
-              <a:t>17/04/05</a:t>
+              <a:t>17/04/21</a:t>
             </a:fld>
             <a:endParaRPr kumimoji="1" lang="ja-JP" altLang="en-US"/>
           </a:p>
@@ -459,7 +459,7 @@
             </a:pPr>
             <a:fld id="{0EE9D497-FB4E-3041-93C1-90E0C07422CD}" type="datetime1">
               <a:rPr lang="ja-JP" altLang="en-US" smtClean="0"/>
-              <a:t>17/04/05</a:t>
+              <a:t>17/04/21</a:t>
             </a:fld>
             <a:endParaRPr lang="en-US"/>
           </a:p>
@@ -3754,7 +3754,7 @@
             </a:pPr>
             <a:fld id="{A023B52E-C3FC-A848-B8A7-4DBA8B1017FE}" type="datetime1">
               <a:rPr lang="ja-JP" altLang="en-US" smtClean="0"/>
-              <a:t>17/04/05</a:t>
+              <a:t>17/04/21</a:t>
             </a:fld>
             <a:endParaRPr lang="en-US"/>
           </a:p>
@@ -4011,7 +4011,7 @@
             </a:pPr>
             <a:fld id="{2DE75801-1A6B-394A-B005-5786EC074A9B}" type="datetime1">
               <a:rPr lang="ja-JP" altLang="en-US" smtClean="0"/>
-              <a:t>17/04/05</a:t>
+              <a:t>17/04/21</a:t>
             </a:fld>
             <a:endParaRPr lang="en-US"/>
           </a:p>
@@ -4246,7 +4246,7 @@
             </a:pPr>
             <a:fld id="{073DB193-1D39-D94F-8E40-C5EC80DBC0CC}" type="datetime1">
               <a:rPr lang="ja-JP" altLang="en-US" smtClean="0"/>
-              <a:t>17/04/05</a:t>
+              <a:t>17/04/21</a:t>
             </a:fld>
             <a:endParaRPr lang="en-US"/>
           </a:p>
@@ -4751,7 +4751,7 @@
             </a:pPr>
             <a:fld id="{7D58C5EB-780A-E642-8BB9-48AF6B9A0C93}" type="datetime1">
               <a:rPr lang="ja-JP" altLang="en-US" smtClean="0"/>
-              <a:t>17/04/05</a:t>
+              <a:t>17/04/21</a:t>
             </a:fld>
             <a:endParaRPr lang="en-US"/>
           </a:p>
@@ -5059,7 +5059,7 @@
             </a:pPr>
             <a:fld id="{EC559CBC-7087-6D41-8C71-6B6BCC6E0EE3}" type="datetime1">
               <a:rPr lang="ja-JP" altLang="en-US" smtClean="0"/>
-              <a:t>17/04/05</a:t>
+              <a:t>17/04/21</a:t>
             </a:fld>
             <a:endParaRPr lang="en-US"/>
           </a:p>
@@ -5721,7 +5721,7 @@
             </a:pPr>
             <a:fld id="{342E31EE-E339-0841-B520-05F3A10B4FBF}" type="datetime1">
               <a:rPr lang="ja-JP" altLang="en-US" smtClean="0"/>
-              <a:t>17/04/05</a:t>
+              <a:t>17/04/21</a:t>
             </a:fld>
             <a:endParaRPr lang="en-US"/>
           </a:p>
@@ -6513,7 +6513,7 @@
             </a:pPr>
             <a:fld id="{9C45F164-7935-224C-A922-3217B740A4E7}" type="datetime1">
               <a:rPr lang="ja-JP" altLang="en-US" smtClean="0"/>
-              <a:t>17/04/05</a:t>
+              <a:t>17/04/21</a:t>
             </a:fld>
             <a:endParaRPr lang="en-US"/>
           </a:p>
@@ -6950,7 +6950,7 @@
             </a:pPr>
             <a:fld id="{84905C6B-2FEB-1741-BBF6-BD111E1D4EA0}" type="datetime1">
               <a:rPr lang="ja-JP" altLang="en-US" smtClean="0"/>
-              <a:t>17/04/05</a:t>
+              <a:t>17/04/21</a:t>
             </a:fld>
             <a:endParaRPr lang="en-US"/>
           </a:p>
@@ -7281,7 +7281,7 @@
             </a:pPr>
             <a:fld id="{331FF03F-3229-1D47-9BC7-23D3C122EEFB}" type="datetime1">
               <a:rPr lang="ja-JP" altLang="en-US" smtClean="0"/>
-              <a:t>17/04/05</a:t>
+              <a:t>17/04/21</a:t>
             </a:fld>
             <a:endParaRPr lang="en-US"/>
           </a:p>
@@ -7631,7 +7631,7 @@
             </a:pPr>
             <a:fld id="{9B242E05-CAC7-5E43-8B86-8A3E0256E9A3}" type="datetime1">
               <a:rPr lang="ja-JP" altLang="en-US" smtClean="0"/>
-              <a:t>17/04/05</a:t>
+              <a:t>17/04/21</a:t>
             </a:fld>
             <a:endParaRPr lang="en-US"/>
           </a:p>
@@ -7914,7 +7914,7 @@
             </a:pPr>
             <a:fld id="{60626716-BD6C-D348-A5AA-41DF31DB35E1}" type="datetime1">
               <a:rPr lang="ja-JP" altLang="en-US" smtClean="0"/>
-              <a:t>17/04/05</a:t>
+              <a:t>17/04/21</a:t>
             </a:fld>
             <a:endParaRPr lang="en-US"/>
           </a:p>
@@ -8205,7 +8205,7 @@
             </a:pPr>
             <a:fld id="{2062BAB6-2670-A84E-B27B-9C88D5D27877}" type="datetime1">
               <a:rPr lang="ja-JP" altLang="en-US" smtClean="0"/>
-              <a:t>17/04/05</a:t>
+              <a:t>17/04/21</a:t>
             </a:fld>
             <a:endParaRPr lang="en-US"/>
           </a:p>
@@ -9154,12 +9154,12 @@
           <a:graphicData uri="http://schemas.openxmlformats.org/presentationml/2006/ole">
             <mc:AlternateContent xmlns:mc="http://schemas.openxmlformats.org/markup-compatibility/2006">
               <mc:Choice xmlns:v="urn:schemas-microsoft-com:vml" Requires="v">
-                <p:oleObj spid="_x0000_s33320" name="文書" r:id="rId4" imgW="4495800" imgH="596900" progId="Word.Document.12">
+                <p:oleObj spid="_x0000_s33331" name="文書" r:id="rId5" imgW="4495800" imgH="596900" progId="Word.Document.12">
                   <p:embed/>
                 </p:oleObj>
               </mc:Choice>
               <mc:Fallback>
-                <p:oleObj name="文書" r:id="rId4" imgW="4495800" imgH="596900" progId="Word.Document.12">
+                <p:oleObj name="文書" r:id="rId5" imgW="4495800" imgH="596900" progId="Word.Document.12">
                   <p:embed/>
                   <p:pic>
                     <p:nvPicPr>
@@ -9168,7 +9168,7 @@
                       <p:nvPr/>
                     </p:nvPicPr>
                     <p:blipFill>
-                      <a:blip r:embed="rId5"/>
+                      <a:blip r:embed="rId6"/>
                       <a:stretch>
                         <a:fillRect/>
                       </a:stretch>
@@ -9303,12 +9303,12 @@
           <a:graphicData uri="http://schemas.openxmlformats.org/presentationml/2006/ole">
             <mc:AlternateContent xmlns:mc="http://schemas.openxmlformats.org/markup-compatibility/2006">
               <mc:Choice xmlns:v="urn:schemas-microsoft-com:vml" Requires="v">
-                <p:oleObj spid="_x0000_s33321" name="Equation" r:id="rId6" imgW="190500" imgH="241300" progId="Equation.DSMT4">
+                <p:oleObj spid="_x0000_s33332" name="Equation" r:id="rId7" imgW="190500" imgH="241300" progId="Equation.DSMT4">
                   <p:embed/>
                 </p:oleObj>
               </mc:Choice>
               <mc:Fallback>
-                <p:oleObj name="Equation" r:id="rId6" imgW="190500" imgH="241300" progId="Equation.DSMT4">
+                <p:oleObj name="Equation" r:id="rId7" imgW="190500" imgH="241300" progId="Equation.DSMT4">
                   <p:embed/>
                   <p:pic>
                     <p:nvPicPr>
@@ -9317,7 +9317,7 @@
                       <p:nvPr/>
                     </p:nvPicPr>
                     <p:blipFill>
-                      <a:blip r:embed="rId7"/>
+                      <a:blip r:embed="rId8"/>
                       <a:stretch>
                         <a:fillRect/>
                       </a:stretch>
@@ -9360,12 +9360,12 @@
           <a:graphicData uri="http://schemas.openxmlformats.org/presentationml/2006/ole">
             <mc:AlternateContent xmlns:mc="http://schemas.openxmlformats.org/markup-compatibility/2006">
               <mc:Choice xmlns:v="urn:schemas-microsoft-com:vml" Requires="v">
-                <p:oleObj spid="_x0000_s33322" name="Equation" r:id="rId8" imgW="88900" imgH="139700" progId="Equation.DSMT4">
+                <p:oleObj spid="_x0000_s33333" name="Equation" r:id="rId9" imgW="88900" imgH="139700" progId="Equation.DSMT4">
                   <p:embed/>
                 </p:oleObj>
               </mc:Choice>
               <mc:Fallback>
-                <p:oleObj name="Equation" r:id="rId8" imgW="88900" imgH="139700" progId="Equation.DSMT4">
+                <p:oleObj name="Equation" r:id="rId9" imgW="88900" imgH="139700" progId="Equation.DSMT4">
                   <p:embed/>
                   <p:pic>
                     <p:nvPicPr>
@@ -9374,7 +9374,7 @@
                       <p:nvPr/>
                     </p:nvPicPr>
                     <p:blipFill>
-                      <a:blip r:embed="rId9"/>
+                      <a:blip r:embed="rId10"/>
                       <a:stretch>
                         <a:fillRect/>
                       </a:stretch>
@@ -9511,12 +9511,12 @@
           <a:graphicData uri="http://schemas.openxmlformats.org/presentationml/2006/ole">
             <mc:AlternateContent xmlns:mc="http://schemas.openxmlformats.org/markup-compatibility/2006">
               <mc:Choice xmlns:v="urn:schemas-microsoft-com:vml" Requires="v">
-                <p:oleObj spid="_x0000_s33323" name="Equation" r:id="rId10" imgW="812800" imgH="292100" progId="Equation.DSMT4">
+                <p:oleObj spid="_x0000_s33334" name="Equation" r:id="rId11" imgW="812800" imgH="292100" progId="Equation.DSMT4">
                   <p:embed/>
                 </p:oleObj>
               </mc:Choice>
               <mc:Fallback>
-                <p:oleObj name="Equation" r:id="rId10" imgW="812800" imgH="292100" progId="Equation.DSMT4">
+                <p:oleObj name="Equation" r:id="rId11" imgW="812800" imgH="292100" progId="Equation.DSMT4">
                   <p:embed/>
                   <p:pic>
                     <p:nvPicPr>
@@ -9525,7 +9525,7 @@
                       <p:nvPr/>
                     </p:nvPicPr>
                     <p:blipFill>
-                      <a:blip r:embed="rId11"/>
+                      <a:blip r:embed="rId12"/>
                       <a:stretch>
                         <a:fillRect/>
                       </a:stretch>
@@ -9762,12 +9762,12 @@
           <a:graphicData uri="http://schemas.openxmlformats.org/presentationml/2006/ole">
             <mc:AlternateContent xmlns:mc="http://schemas.openxmlformats.org/markup-compatibility/2006">
               <mc:Choice xmlns:v="urn:schemas-microsoft-com:vml" Requires="v">
-                <p:oleObj spid="_x0000_s33324" name="Equation" r:id="rId12" imgW="139700" imgH="152400" progId="Equation.DSMT4">
+                <p:oleObj spid="_x0000_s33335" name="Equation" r:id="rId13" imgW="139700" imgH="152400" progId="Equation.DSMT4">
                   <p:embed/>
                 </p:oleObj>
               </mc:Choice>
               <mc:Fallback>
-                <p:oleObj name="Equation" r:id="rId12" imgW="139700" imgH="152400" progId="Equation.DSMT4">
+                <p:oleObj name="Equation" r:id="rId13" imgW="139700" imgH="152400" progId="Equation.DSMT4">
                   <p:embed/>
                   <p:pic>
                     <p:nvPicPr>
@@ -9776,7 +9776,7 @@
                       <p:nvPr/>
                     </p:nvPicPr>
                     <p:blipFill>
-                      <a:blip r:embed="rId13"/>
+                      <a:blip r:embed="rId14"/>
                       <a:stretch>
                         <a:fillRect/>
                       </a:stretch>
@@ -9815,12 +9815,12 @@
           <a:graphicData uri="http://schemas.openxmlformats.org/presentationml/2006/ole">
             <mc:AlternateContent xmlns:mc="http://schemas.openxmlformats.org/markup-compatibility/2006">
               <mc:Choice xmlns:v="urn:schemas-microsoft-com:vml" Requires="v">
-                <p:oleObj spid="_x0000_s33325" name="Equation" r:id="rId14" imgW="304800" imgH="152400" progId="Equation.DSMT4">
+                <p:oleObj spid="_x0000_s33336" name="Equation" r:id="rId15" imgW="304800" imgH="152400" progId="Equation.DSMT4">
                   <p:embed/>
                 </p:oleObj>
               </mc:Choice>
               <mc:Fallback>
-                <p:oleObj name="Equation" r:id="rId14" imgW="304800" imgH="152400" progId="Equation.DSMT4">
+                <p:oleObj name="Equation" r:id="rId15" imgW="304800" imgH="152400" progId="Equation.DSMT4">
                   <p:embed/>
                   <p:pic>
                     <p:nvPicPr>
@@ -9829,7 +9829,7 @@
                       <p:nvPr/>
                     </p:nvPicPr>
                     <p:blipFill>
-                      <a:blip r:embed="rId15"/>
+                      <a:blip r:embed="rId16"/>
                       <a:stretch>
                         <a:fillRect/>
                       </a:stretch>
@@ -9868,12 +9868,12 @@
           <a:graphicData uri="http://schemas.openxmlformats.org/presentationml/2006/ole">
             <mc:AlternateContent xmlns:mc="http://schemas.openxmlformats.org/markup-compatibility/2006">
               <mc:Choice xmlns:v="urn:schemas-microsoft-com:vml" Requires="v">
-                <p:oleObj spid="_x0000_s33326" name="Equation" r:id="rId16" imgW="368300" imgH="241300" progId="Equation.DSMT4">
+                <p:oleObj spid="_x0000_s33337" name="Equation" r:id="rId17" imgW="368300" imgH="241300" progId="Equation.DSMT4">
                   <p:embed/>
                 </p:oleObj>
               </mc:Choice>
               <mc:Fallback>
-                <p:oleObj name="Equation" r:id="rId16" imgW="368300" imgH="241300" progId="Equation.DSMT4">
+                <p:oleObj name="Equation" r:id="rId17" imgW="368300" imgH="241300" progId="Equation.DSMT4">
                   <p:embed/>
                   <p:pic>
                     <p:nvPicPr>
@@ -9882,7 +9882,7 @@
                       <p:nvPr/>
                     </p:nvPicPr>
                     <p:blipFill>
-                      <a:blip r:embed="rId17"/>
+                      <a:blip r:embed="rId18"/>
                       <a:stretch>
                         <a:fillRect/>
                       </a:stretch>
@@ -9921,12 +9921,12 @@
           <a:graphicData uri="http://schemas.openxmlformats.org/presentationml/2006/ole">
             <mc:AlternateContent xmlns:mc="http://schemas.openxmlformats.org/markup-compatibility/2006">
               <mc:Choice xmlns:v="urn:schemas-microsoft-com:vml" Requires="v">
-                <p:oleObj spid="_x0000_s33327" name="Equation" r:id="rId18" imgW="127000" imgH="139700" progId="Equation.DSMT4">
+                <p:oleObj spid="_x0000_s33338" name="Equation" r:id="rId19" imgW="127000" imgH="139700" progId="Equation.DSMT4">
                   <p:embed/>
                 </p:oleObj>
               </mc:Choice>
               <mc:Fallback>
-                <p:oleObj name="Equation" r:id="rId18" imgW="127000" imgH="139700" progId="Equation.DSMT4">
+                <p:oleObj name="Equation" r:id="rId19" imgW="127000" imgH="139700" progId="Equation.DSMT4">
                   <p:embed/>
                   <p:pic>
                     <p:nvPicPr>
@@ -9935,7 +9935,7 @@
                       <p:nvPr/>
                     </p:nvPicPr>
                     <p:blipFill>
-                      <a:blip r:embed="rId19"/>
+                      <a:blip r:embed="rId20"/>
                       <a:stretch>
                         <a:fillRect/>
                       </a:stretch>
@@ -9974,12 +9974,12 @@
           <a:graphicData uri="http://schemas.openxmlformats.org/presentationml/2006/ole">
             <mc:AlternateContent xmlns:mc="http://schemas.openxmlformats.org/markup-compatibility/2006">
               <mc:Choice xmlns:v="urn:schemas-microsoft-com:vml" Requires="v">
-                <p:oleObj spid="_x0000_s33328" name="Equation" r:id="rId20" imgW="558800" imgH="241300" progId="Equation.DSMT4">
+                <p:oleObj spid="_x0000_s33339" name="Equation" r:id="rId21" imgW="558800" imgH="241300" progId="Equation.DSMT4">
                   <p:embed/>
                 </p:oleObj>
               </mc:Choice>
               <mc:Fallback>
-                <p:oleObj name="Equation" r:id="rId20" imgW="558800" imgH="241300" progId="Equation.DSMT4">
+                <p:oleObj name="Equation" r:id="rId21" imgW="558800" imgH="241300" progId="Equation.DSMT4">
                   <p:embed/>
                   <p:pic>
                     <p:nvPicPr>
@@ -9988,7 +9988,7 @@
                       <p:nvPr/>
                     </p:nvPicPr>
                     <p:blipFill>
-                      <a:blip r:embed="rId21"/>
+                      <a:blip r:embed="rId22"/>
                       <a:stretch>
                         <a:fillRect/>
                       </a:stretch>
@@ -10433,12 +10433,12 @@
           <a:graphicData uri="http://schemas.openxmlformats.org/presentationml/2006/ole">
             <mc:AlternateContent xmlns:mc="http://schemas.openxmlformats.org/markup-compatibility/2006">
               <mc:Choice xmlns:v="urn:schemas-microsoft-com:vml" Requires="v">
-                <p:oleObj spid="_x0000_s33329" name="Equation" r:id="rId22" imgW="88900" imgH="139700" progId="Equation.DSMT4">
+                <p:oleObj spid="_x0000_s33340" name="Equation" r:id="rId23" imgW="88900" imgH="139700" progId="Equation.DSMT4">
                   <p:embed/>
                 </p:oleObj>
               </mc:Choice>
               <mc:Fallback>
-                <p:oleObj name="Equation" r:id="rId22" imgW="88900" imgH="139700" progId="Equation.DSMT4">
+                <p:oleObj name="Equation" r:id="rId23" imgW="88900" imgH="139700" progId="Equation.DSMT4">
                   <p:embed/>
                   <p:pic>
                     <p:nvPicPr>
@@ -10447,7 +10447,7 @@
                       <p:nvPr/>
                     </p:nvPicPr>
                     <p:blipFill>
-                      <a:blip r:embed="rId23"/>
+                      <a:blip r:embed="rId24"/>
                       <a:stretch>
                         <a:fillRect/>
                       </a:stretch>
@@ -10567,12 +10567,12 @@
           <a:graphicData uri="http://schemas.openxmlformats.org/presentationml/2006/ole">
             <mc:AlternateContent xmlns:mc="http://schemas.openxmlformats.org/markup-compatibility/2006">
               <mc:Choice xmlns:v="urn:schemas-microsoft-com:vml" Requires="v">
-                <p:oleObj spid="_x0000_s27126" name="文書" r:id="rId4" imgW="4495800" imgH="2082800" progId="Word.Document.12">
+                <p:oleObj spid="_x0000_s27134" name="文書" r:id="rId5" imgW="4495800" imgH="2082800" progId="Word.Document.12">
                   <p:embed/>
                 </p:oleObj>
               </mc:Choice>
               <mc:Fallback>
-                <p:oleObj name="文書" r:id="rId4" imgW="4495800" imgH="2082800" progId="Word.Document.12">
+                <p:oleObj name="文書" r:id="rId5" imgW="4495800" imgH="2082800" progId="Word.Document.12">
                   <p:embed/>
                   <p:pic>
                     <p:nvPicPr>
@@ -10581,7 +10581,7 @@
                       <p:nvPr/>
                     </p:nvPicPr>
                     <p:blipFill>
-                      <a:blip r:embed="rId5"/>
+                      <a:blip r:embed="rId6"/>
                       <a:stretch>
                         <a:fillRect/>
                       </a:stretch>
@@ -10611,7 +10611,7 @@
           <p:nvPr/>
         </p:nvPicPr>
         <p:blipFill rotWithShape="1">
-          <a:blip r:embed="rId6">
+          <a:blip r:embed="rId7">
             <a:extLst>
               <a:ext uri="{28A0092B-C50C-407E-A947-70E740481C1C}">
                 <a14:useLocalDpi xmlns:a14="http://schemas.microsoft.com/office/drawing/2010/main" val="0"/>
@@ -10748,7 +10748,7 @@
           <p:nvPr/>
         </p:nvPicPr>
         <p:blipFill>
-          <a:blip r:embed="rId7"/>
+          <a:blip r:embed="rId8"/>
           <a:stretch>
             <a:fillRect/>
           </a:stretch>
@@ -10821,12 +10821,12 @@
           <a:graphicData uri="http://schemas.openxmlformats.org/presentationml/2006/ole">
             <mc:AlternateContent xmlns:mc="http://schemas.openxmlformats.org/markup-compatibility/2006">
               <mc:Choice xmlns:v="urn:schemas-microsoft-com:vml" Requires="v">
-                <p:oleObj spid="_x0000_s27127" name="Equation" r:id="rId8" imgW="88900" imgH="139700" progId="Equation.DSMT4">
+                <p:oleObj spid="_x0000_s27135" name="Equation" r:id="rId9" imgW="88900" imgH="139700" progId="Equation.DSMT4">
                   <p:embed/>
                 </p:oleObj>
               </mc:Choice>
               <mc:Fallback>
-                <p:oleObj name="Equation" r:id="rId8" imgW="88900" imgH="139700" progId="Equation.DSMT4">
+                <p:oleObj name="Equation" r:id="rId9" imgW="88900" imgH="139700" progId="Equation.DSMT4">
                   <p:embed/>
                   <p:pic>
                     <p:nvPicPr>
@@ -10835,7 +10835,7 @@
                       <p:nvPr/>
                     </p:nvPicPr>
                     <p:blipFill>
-                      <a:blip r:embed="rId9"/>
+                      <a:blip r:embed="rId10"/>
                       <a:stretch>
                         <a:fillRect/>
                       </a:stretch>
@@ -10950,12 +10950,12 @@
           <a:graphicData uri="http://schemas.openxmlformats.org/presentationml/2006/ole">
             <mc:AlternateContent xmlns:mc="http://schemas.openxmlformats.org/markup-compatibility/2006">
               <mc:Choice xmlns:v="urn:schemas-microsoft-com:vml" Requires="v">
-                <p:oleObj spid="_x0000_s27128" name="Equation" r:id="rId10" imgW="457200" imgH="254000" progId="Equation.DSMT4">
+                <p:oleObj spid="_x0000_s27136" name="Equation" r:id="rId11" imgW="457200" imgH="254000" progId="Equation.DSMT4">
                   <p:embed/>
                 </p:oleObj>
               </mc:Choice>
               <mc:Fallback>
-                <p:oleObj name="Equation" r:id="rId10" imgW="457200" imgH="254000" progId="Equation.DSMT4">
+                <p:oleObj name="Equation" r:id="rId11" imgW="457200" imgH="254000" progId="Equation.DSMT4">
                   <p:embed/>
                   <p:pic>
                     <p:nvPicPr>
@@ -10964,7 +10964,7 @@
                       <p:nvPr/>
                     </p:nvPicPr>
                     <p:blipFill>
-                      <a:blip r:embed="rId11"/>
+                      <a:blip r:embed="rId12"/>
                       <a:stretch>
                         <a:fillRect/>
                       </a:stretch>
@@ -11007,12 +11007,12 @@
           <a:graphicData uri="http://schemas.openxmlformats.org/presentationml/2006/ole">
             <mc:AlternateContent xmlns:mc="http://schemas.openxmlformats.org/markup-compatibility/2006">
               <mc:Choice xmlns:v="urn:schemas-microsoft-com:vml" Requires="v">
-                <p:oleObj spid="_x0000_s27129" name="Equation" r:id="rId12" imgW="88900" imgH="139700" progId="Equation.DSMT4">
+                <p:oleObj spid="_x0000_s27137" name="Equation" r:id="rId13" imgW="88900" imgH="139700" progId="Equation.DSMT4">
                   <p:embed/>
                 </p:oleObj>
               </mc:Choice>
               <mc:Fallback>
-                <p:oleObj name="Equation" r:id="rId12" imgW="88900" imgH="139700" progId="Equation.DSMT4">
+                <p:oleObj name="Equation" r:id="rId13" imgW="88900" imgH="139700" progId="Equation.DSMT4">
                   <p:embed/>
                   <p:pic>
                     <p:nvPicPr>
@@ -11021,7 +11021,7 @@
                       <p:nvPr/>
                     </p:nvPicPr>
                     <p:blipFill>
-                      <a:blip r:embed="rId13"/>
+                      <a:blip r:embed="rId14"/>
                       <a:stretch>
                         <a:fillRect/>
                       </a:stretch>
@@ -11064,12 +11064,12 @@
           <a:graphicData uri="http://schemas.openxmlformats.org/presentationml/2006/ole">
             <mc:AlternateContent xmlns:mc="http://schemas.openxmlformats.org/markup-compatibility/2006">
               <mc:Choice xmlns:v="urn:schemas-microsoft-com:vml" Requires="v">
-                <p:oleObj spid="_x0000_s27130" name="Equation" r:id="rId14" imgW="241300" imgH="165100" progId="Equation.DSMT4">
+                <p:oleObj spid="_x0000_s27138" name="Equation" r:id="rId15" imgW="241300" imgH="165100" progId="Equation.DSMT4">
                   <p:embed/>
                 </p:oleObj>
               </mc:Choice>
               <mc:Fallback>
-                <p:oleObj name="Equation" r:id="rId14" imgW="241300" imgH="165100" progId="Equation.DSMT4">
+                <p:oleObj name="Equation" r:id="rId15" imgW="241300" imgH="165100" progId="Equation.DSMT4">
                   <p:embed/>
                   <p:pic>
                     <p:nvPicPr>
@@ -11078,7 +11078,7 @@
                       <p:nvPr/>
                     </p:nvPicPr>
                     <p:blipFill>
-                      <a:blip r:embed="rId15"/>
+                      <a:blip r:embed="rId16"/>
                       <a:stretch>
                         <a:fillRect/>
                       </a:stretch>
@@ -11121,12 +11121,12 @@
           <a:graphicData uri="http://schemas.openxmlformats.org/presentationml/2006/ole">
             <mc:AlternateContent xmlns:mc="http://schemas.openxmlformats.org/markup-compatibility/2006">
               <mc:Choice xmlns:v="urn:schemas-microsoft-com:vml" Requires="v">
-                <p:oleObj spid="_x0000_s27131" name="Equation" r:id="rId16" imgW="241300" imgH="165100" progId="Equation.DSMT4">
+                <p:oleObj spid="_x0000_s27139" name="Equation" r:id="rId17" imgW="241300" imgH="165100" progId="Equation.DSMT4">
                   <p:embed/>
                 </p:oleObj>
               </mc:Choice>
               <mc:Fallback>
-                <p:oleObj name="Equation" r:id="rId16" imgW="241300" imgH="165100" progId="Equation.DSMT4">
+                <p:oleObj name="Equation" r:id="rId17" imgW="241300" imgH="165100" progId="Equation.DSMT4">
                   <p:embed/>
                   <p:pic>
                     <p:nvPicPr>
@@ -11135,7 +11135,7 @@
                       <p:nvPr/>
                     </p:nvPicPr>
                     <p:blipFill>
-                      <a:blip r:embed="rId17"/>
+                      <a:blip r:embed="rId18"/>
                       <a:stretch>
                         <a:fillRect/>
                       </a:stretch>
@@ -11260,12 +11260,12 @@
           <a:graphicData uri="http://schemas.openxmlformats.org/presentationml/2006/ole">
             <mc:AlternateContent xmlns:mc="http://schemas.openxmlformats.org/markup-compatibility/2006">
               <mc:Choice xmlns:v="urn:schemas-microsoft-com:vml" Requires="v">
-                <p:oleObj spid="_x0000_s27132" name="Equation" r:id="rId18" imgW="457200" imgH="254000" progId="Equation.DSMT4">
+                <p:oleObj spid="_x0000_s27140" name="Equation" r:id="rId19" imgW="457200" imgH="254000" progId="Equation.DSMT4">
                   <p:embed/>
                 </p:oleObj>
               </mc:Choice>
               <mc:Fallback>
-                <p:oleObj name="Equation" r:id="rId18" imgW="457200" imgH="254000" progId="Equation.DSMT4">
+                <p:oleObj name="Equation" r:id="rId19" imgW="457200" imgH="254000" progId="Equation.DSMT4">
                   <p:embed/>
                   <p:pic>
                     <p:nvPicPr>
@@ -11274,7 +11274,7 @@
                       <p:nvPr/>
                     </p:nvPicPr>
                     <p:blipFill>
-                      <a:blip r:embed="rId19"/>
+                      <a:blip r:embed="rId20"/>
                       <a:stretch>
                         <a:fillRect/>
                       </a:stretch>
@@ -11305,11 +11305,11 @@
   <p:clrMapOvr>
     <a:masterClrMapping/>
   </p:clrMapOvr>
-  <mc:AlternateContent xmlns:mc="http://schemas.openxmlformats.org/markup-compatibility/2006">
-    <mc:Choice xmlns:p14="http://schemas.microsoft.com/office/powerpoint/2010/main" Requires="p14">
+  <mc:AlternateContent xmlns:mc="http://schemas.openxmlformats.org/markup-compatibility/2006" xmlns:p14="http://schemas.microsoft.com/office/powerpoint/2010/main">
+    <mc:Choice Requires="p14">
       <p:transition spd="slow" p14:dur="2000"/>
     </mc:Choice>
-    <mc:Fallback>
+    <mc:Fallback xmlns="">
       <p:transition xmlns:p14="http://schemas.microsoft.com/office/powerpoint/2010/main" spd="slow"/>
     </mc:Fallback>
   </mc:AlternateContent>
@@ -11444,12 +11444,12 @@
           <a:graphicData uri="http://schemas.openxmlformats.org/presentationml/2006/ole">
             <mc:AlternateContent xmlns:mc="http://schemas.openxmlformats.org/markup-compatibility/2006">
               <mc:Choice xmlns:v="urn:schemas-microsoft-com:vml" Requires="v">
-                <p:oleObj spid="_x0000_s5279" name="文書" r:id="rId4" imgW="4495800" imgH="2032000" progId="Word.Document.12">
+                <p:oleObj spid="_x0000_s5281" name="文書" r:id="rId5" imgW="4495800" imgH="2032000" progId="Word.Document.12">
                   <p:embed/>
                 </p:oleObj>
               </mc:Choice>
               <mc:Fallback>
-                <p:oleObj name="文書" r:id="rId4" imgW="4495800" imgH="2032000" progId="Word.Document.12">
+                <p:oleObj name="文書" r:id="rId5" imgW="4495800" imgH="2032000" progId="Word.Document.12">
                   <p:embed/>
                   <p:pic>
                     <p:nvPicPr>
@@ -11458,7 +11458,7 @@
                       <p:nvPr/>
                     </p:nvPicPr>
                     <p:blipFill>
-                      <a:blip r:embed="rId5"/>
+                      <a:blip r:embed="rId6"/>
                       <a:stretch>
                         <a:fillRect/>
                       </a:stretch>
@@ -11515,11 +11515,11 @@
   <p:clrMapOvr>
     <a:masterClrMapping/>
   </p:clrMapOvr>
-  <mc:AlternateContent xmlns:mc="http://schemas.openxmlformats.org/markup-compatibility/2006">
-    <mc:Choice xmlns:p14="http://schemas.microsoft.com/office/powerpoint/2010/main" Requires="p14">
+  <mc:AlternateContent xmlns:mc="http://schemas.openxmlformats.org/markup-compatibility/2006" xmlns:p14="http://schemas.microsoft.com/office/powerpoint/2010/main">
+    <mc:Choice Requires="p14">
       <p:transition spd="slow" p14:dur="2000"/>
     </mc:Choice>
-    <mc:Fallback>
+    <mc:Fallback xmlns="">
       <p:transition xmlns:p14="http://schemas.microsoft.com/office/powerpoint/2010/main" spd="slow"/>
     </mc:Fallback>
   </mc:AlternateContent>
@@ -11654,12 +11654,12 @@
           <a:graphicData uri="http://schemas.openxmlformats.org/presentationml/2006/ole">
             <mc:AlternateContent xmlns:mc="http://schemas.openxmlformats.org/markup-compatibility/2006">
               <mc:Choice xmlns:v="urn:schemas-microsoft-com:vml" Requires="v">
-                <p:oleObj spid="_x0000_s28065" name="文書" r:id="rId4" imgW="4495800" imgH="1905000" progId="Word.Document.12">
+                <p:oleObj spid="_x0000_s28071" name="文書" r:id="rId5" imgW="4495800" imgH="1905000" progId="Word.Document.12">
                   <p:embed/>
                 </p:oleObj>
               </mc:Choice>
               <mc:Fallback>
-                <p:oleObj name="文書" r:id="rId4" imgW="4495800" imgH="1905000" progId="Word.Document.12">
+                <p:oleObj name="文書" r:id="rId5" imgW="4495800" imgH="1905000" progId="Word.Document.12">
                   <p:embed/>
                   <p:pic>
                     <p:nvPicPr>
@@ -11668,7 +11668,7 @@
                       <p:nvPr/>
                     </p:nvPicPr>
                     <p:blipFill>
-                      <a:blip r:embed="rId5"/>
+                      <a:blip r:embed="rId6"/>
                       <a:stretch>
                         <a:fillRect/>
                       </a:stretch>
@@ -11724,7 +11724,7 @@
           <p:nvPr/>
         </p:nvPicPr>
         <p:blipFill rotWithShape="1">
-          <a:blip r:embed="rId6"/>
+          <a:blip r:embed="rId7"/>
           <a:srcRect l="9410" t="7762" r="8487" b="9850"/>
           <a:stretch/>
         </p:blipFill>
@@ -11796,12 +11796,12 @@
           <a:graphicData uri="http://schemas.openxmlformats.org/presentationml/2006/ole">
             <mc:AlternateContent xmlns:mc="http://schemas.openxmlformats.org/markup-compatibility/2006">
               <mc:Choice xmlns:v="urn:schemas-microsoft-com:vml" Requires="v">
-                <p:oleObj spid="_x0000_s28066" name="Equation" r:id="rId7" imgW="88900" imgH="139700" progId="Equation.DSMT4">
+                <p:oleObj spid="_x0000_s28072" name="Equation" r:id="rId8" imgW="88900" imgH="139700" progId="Equation.DSMT4">
                   <p:embed/>
                 </p:oleObj>
               </mc:Choice>
               <mc:Fallback>
-                <p:oleObj name="Equation" r:id="rId7" imgW="88900" imgH="139700" progId="Equation.DSMT4">
+                <p:oleObj name="Equation" r:id="rId8" imgW="88900" imgH="139700" progId="Equation.DSMT4">
                   <p:embed/>
                   <p:pic>
                     <p:nvPicPr>
@@ -11810,7 +11810,7 @@
                       <p:nvPr/>
                     </p:nvPicPr>
                     <p:blipFill>
-                      <a:blip r:embed="rId8"/>
+                      <a:blip r:embed="rId9"/>
                       <a:stretch>
                         <a:fillRect/>
                       </a:stretch>
@@ -11961,12 +11961,12 @@
           <a:graphicData uri="http://schemas.openxmlformats.org/presentationml/2006/ole">
             <mc:AlternateContent xmlns:mc="http://schemas.openxmlformats.org/markup-compatibility/2006">
               <mc:Choice xmlns:v="urn:schemas-microsoft-com:vml" Requires="v">
-                <p:oleObj spid="_x0000_s28067" name="Equation" r:id="rId9" imgW="88900" imgH="139700" progId="Equation.DSMT4">
+                <p:oleObj spid="_x0000_s28073" name="Equation" r:id="rId10" imgW="88900" imgH="139700" progId="Equation.DSMT4">
                   <p:embed/>
                 </p:oleObj>
               </mc:Choice>
               <mc:Fallback>
-                <p:oleObj name="Equation" r:id="rId9" imgW="88900" imgH="139700" progId="Equation.DSMT4">
+                <p:oleObj name="Equation" r:id="rId10" imgW="88900" imgH="139700" progId="Equation.DSMT4">
                   <p:embed/>
                   <p:pic>
                     <p:nvPicPr>
@@ -11975,7 +11975,7 @@
                       <p:nvPr/>
                     </p:nvPicPr>
                     <p:blipFill>
-                      <a:blip r:embed="rId10"/>
+                      <a:blip r:embed="rId11"/>
                       <a:stretch>
                         <a:fillRect/>
                       </a:stretch>
@@ -12054,12 +12054,12 @@
           <a:graphicData uri="http://schemas.openxmlformats.org/presentationml/2006/ole">
             <mc:AlternateContent xmlns:mc="http://schemas.openxmlformats.org/markup-compatibility/2006">
               <mc:Choice xmlns:v="urn:schemas-microsoft-com:vml" Requires="v">
-                <p:oleObj spid="_x0000_s28068" name="Equation" r:id="rId11" imgW="241300" imgH="165100" progId="Equation.DSMT4">
+                <p:oleObj spid="_x0000_s28074" name="Equation" r:id="rId12" imgW="241300" imgH="165100" progId="Equation.DSMT4">
                   <p:embed/>
                 </p:oleObj>
               </mc:Choice>
               <mc:Fallback>
-                <p:oleObj name="Equation" r:id="rId11" imgW="241300" imgH="165100" progId="Equation.DSMT4">
+                <p:oleObj name="Equation" r:id="rId12" imgW="241300" imgH="165100" progId="Equation.DSMT4">
                   <p:embed/>
                   <p:pic>
                     <p:nvPicPr>
@@ -12068,7 +12068,7 @@
                       <p:nvPr/>
                     </p:nvPicPr>
                     <p:blipFill>
-                      <a:blip r:embed="rId12"/>
+                      <a:blip r:embed="rId13"/>
                       <a:stretch>
                         <a:fillRect/>
                       </a:stretch>
@@ -12111,12 +12111,12 @@
           <a:graphicData uri="http://schemas.openxmlformats.org/presentationml/2006/ole">
             <mc:AlternateContent xmlns:mc="http://schemas.openxmlformats.org/markup-compatibility/2006">
               <mc:Choice xmlns:v="urn:schemas-microsoft-com:vml" Requires="v">
-                <p:oleObj spid="_x0000_s28069" name="Equation" r:id="rId13" imgW="241300" imgH="165100" progId="Equation.DSMT4">
+                <p:oleObj spid="_x0000_s28075" name="Equation" r:id="rId14" imgW="241300" imgH="165100" progId="Equation.DSMT4">
                   <p:embed/>
                 </p:oleObj>
               </mc:Choice>
               <mc:Fallback>
-                <p:oleObj name="Equation" r:id="rId13" imgW="241300" imgH="165100" progId="Equation.DSMT4">
+                <p:oleObj name="Equation" r:id="rId14" imgW="241300" imgH="165100" progId="Equation.DSMT4">
                   <p:embed/>
                   <p:pic>
                     <p:nvPicPr>
@@ -12125,7 +12125,7 @@
                       <p:nvPr/>
                     </p:nvPicPr>
                     <p:blipFill>
-                      <a:blip r:embed="rId14"/>
+                      <a:blip r:embed="rId15"/>
                       <a:stretch>
                         <a:fillRect/>
                       </a:stretch>
@@ -12274,25 +12274,25 @@
           <p:nvPr>
             <p:extLst>
               <p:ext uri="{D42A27DB-BD31-4B8C-83A1-F6EECF244321}">
-                <p14:modId xmlns:p14="http://schemas.microsoft.com/office/powerpoint/2010/main" val="2298012579"/>
+                <p14:modId xmlns:p14="http://schemas.microsoft.com/office/powerpoint/2010/main" val="3543587793"/>
               </p:ext>
             </p:extLst>
           </p:nvPr>
         </p:nvGraphicFramePr>
         <p:xfrm>
-          <a:off x="473124" y="1100038"/>
-          <a:ext cx="11239500" cy="4921250"/>
+          <a:off x="473075" y="1084263"/>
+          <a:ext cx="11239500" cy="4953000"/>
         </p:xfrm>
         <a:graphic>
           <a:graphicData uri="http://schemas.openxmlformats.org/presentationml/2006/ole">
             <mc:AlternateContent xmlns:mc="http://schemas.openxmlformats.org/markup-compatibility/2006">
               <mc:Choice xmlns:v="urn:schemas-microsoft-com:vml" Requires="v">
-                <p:oleObj spid="_x0000_s43012" name="文書" r:id="rId4" imgW="4495800" imgH="1968500" progId="Word.Document.12">
+                <p:oleObj spid="_x0000_s43014" name="文書" r:id="rId4" imgW="4495800" imgH="1981200" progId="Word.Document.12">
                   <p:embed/>
                 </p:oleObj>
               </mc:Choice>
               <mc:Fallback>
-                <p:oleObj name="文書" r:id="rId4" imgW="4495800" imgH="1968500" progId="Word.Document.12">
+                <p:oleObj name="文書" r:id="rId4" imgW="4495800" imgH="1981200" progId="Word.Document.12">
                   <p:embed/>
                   <p:pic>
                     <p:nvPicPr>
@@ -12308,8 +12308,8 @@
                     </p:blipFill>
                     <p:spPr>
                       <a:xfrm>
-                        <a:off x="473124" y="1100038"/>
-                        <a:ext cx="11239500" cy="4921250"/>
+                        <a:off x="473075" y="1084263"/>
+                        <a:ext cx="11239500" cy="4953000"/>
                       </a:xfrm>
                       <a:prstGeom prst="rect">
                         <a:avLst/>
@@ -12489,12 +12489,12 @@
           <a:graphicData uri="http://schemas.openxmlformats.org/presentationml/2006/ole">
             <mc:AlternateContent xmlns:mc="http://schemas.openxmlformats.org/markup-compatibility/2006">
               <mc:Choice xmlns:v="urn:schemas-microsoft-com:vml" Requires="v">
-                <p:oleObj spid="_x0000_s7323" name="文書" r:id="rId4" imgW="4495800" imgH="2260600" progId="Word.Document.12">
+                <p:oleObj spid="_x0000_s7325" name="文書" r:id="rId5" imgW="4495800" imgH="2260600" progId="Word.Document.12">
                   <p:embed/>
                 </p:oleObj>
               </mc:Choice>
               <mc:Fallback>
-                <p:oleObj name="文書" r:id="rId4" imgW="4495800" imgH="2260600" progId="Word.Document.12">
+                <p:oleObj name="文書" r:id="rId5" imgW="4495800" imgH="2260600" progId="Word.Document.12">
                   <p:embed/>
                   <p:pic>
                     <p:nvPicPr>
@@ -12503,7 +12503,7 @@
                       <p:nvPr/>
                     </p:nvPicPr>
                     <p:blipFill>
-                      <a:blip r:embed="rId5"/>
+                      <a:blip r:embed="rId6"/>
                       <a:stretch>
                         <a:fillRect/>
                       </a:stretch>
@@ -12691,12 +12691,12 @@
           <a:graphicData uri="http://schemas.openxmlformats.org/presentationml/2006/ole">
             <mc:AlternateContent xmlns:mc="http://schemas.openxmlformats.org/markup-compatibility/2006">
               <mc:Choice xmlns:v="urn:schemas-microsoft-com:vml" Requires="v">
-                <p:oleObj spid="_x0000_s1526" name="文書" r:id="rId4" imgW="4495800" imgH="457200" progId="Word.Document.12">
+                <p:oleObj spid="_x0000_s1533" name="文書" r:id="rId5" imgW="4495800" imgH="457200" progId="Word.Document.12">
                   <p:embed/>
                 </p:oleObj>
               </mc:Choice>
               <mc:Fallback>
-                <p:oleObj name="文書" r:id="rId4" imgW="4495800" imgH="457200" progId="Word.Document.12">
+                <p:oleObj name="文書" r:id="rId5" imgW="4495800" imgH="457200" progId="Word.Document.12">
                   <p:embed/>
                   <p:pic>
                     <p:nvPicPr>
@@ -12705,7 +12705,7 @@
                       <p:nvPr/>
                     </p:nvPicPr>
                     <p:blipFill>
-                      <a:blip r:embed="rId5"/>
+                      <a:blip r:embed="rId6"/>
                       <a:stretch>
                         <a:fillRect/>
                       </a:stretch>
@@ -13019,12 +13019,12 @@
           <a:graphicData uri="http://schemas.openxmlformats.org/presentationml/2006/ole">
             <mc:AlternateContent xmlns:mc="http://schemas.openxmlformats.org/markup-compatibility/2006">
               <mc:Choice xmlns:v="urn:schemas-microsoft-com:vml" Requires="v">
-                <p:oleObj spid="_x0000_s1527" name="Equation" r:id="rId6" imgW="177800" imgH="152400" progId="Equation.DSMT4">
+                <p:oleObj spid="_x0000_s1534" name="Equation" r:id="rId7" imgW="177800" imgH="152400" progId="Equation.DSMT4">
                   <p:embed/>
                 </p:oleObj>
               </mc:Choice>
               <mc:Fallback>
-                <p:oleObj name="Equation" r:id="rId6" imgW="177800" imgH="152400" progId="Equation.DSMT4">
+                <p:oleObj name="Equation" r:id="rId7" imgW="177800" imgH="152400" progId="Equation.DSMT4">
                   <p:embed/>
                   <p:pic>
                     <p:nvPicPr>
@@ -13033,7 +13033,7 @@
                       <p:nvPr/>
                     </p:nvPicPr>
                     <p:blipFill>
-                      <a:blip r:embed="rId7"/>
+                      <a:blip r:embed="rId8"/>
                       <a:stretch>
                         <a:fillRect/>
                       </a:stretch>
@@ -13076,12 +13076,12 @@
           <a:graphicData uri="http://schemas.openxmlformats.org/presentationml/2006/ole">
             <mc:AlternateContent xmlns:mc="http://schemas.openxmlformats.org/markup-compatibility/2006">
               <mc:Choice xmlns:v="urn:schemas-microsoft-com:vml" Requires="v">
-                <p:oleObj spid="_x0000_s1528" name="Equation" r:id="rId8" imgW="88900" imgH="139700" progId="Equation.DSMT4">
+                <p:oleObj spid="_x0000_s1535" name="Equation" r:id="rId9" imgW="88900" imgH="139700" progId="Equation.DSMT4">
                   <p:embed/>
                 </p:oleObj>
               </mc:Choice>
               <mc:Fallback>
-                <p:oleObj name="Equation" r:id="rId8" imgW="88900" imgH="139700" progId="Equation.DSMT4">
+                <p:oleObj name="Equation" r:id="rId9" imgW="88900" imgH="139700" progId="Equation.DSMT4">
                   <p:embed/>
                   <p:pic>
                     <p:nvPicPr>
@@ -13090,7 +13090,7 @@
                       <p:nvPr/>
                     </p:nvPicPr>
                     <p:blipFill>
-                      <a:blip r:embed="rId9"/>
+                      <a:blip r:embed="rId10"/>
                       <a:stretch>
                         <a:fillRect/>
                       </a:stretch>
@@ -13133,12 +13133,12 @@
           <a:graphicData uri="http://schemas.openxmlformats.org/presentationml/2006/ole">
             <mc:AlternateContent xmlns:mc="http://schemas.openxmlformats.org/markup-compatibility/2006">
               <mc:Choice xmlns:v="urn:schemas-microsoft-com:vml" Requires="v">
-                <p:oleObj spid="_x0000_s1529" name="Equation" r:id="rId10" imgW="165100" imgH="241300" progId="Equation.DSMT4">
+                <p:oleObj spid="_x0000_s1536" name="Equation" r:id="rId11" imgW="165100" imgH="241300" progId="Equation.DSMT4">
                   <p:embed/>
                 </p:oleObj>
               </mc:Choice>
               <mc:Fallback>
-                <p:oleObj name="Equation" r:id="rId10" imgW="165100" imgH="241300" progId="Equation.DSMT4">
+                <p:oleObj name="Equation" r:id="rId11" imgW="165100" imgH="241300" progId="Equation.DSMT4">
                   <p:embed/>
                   <p:pic>
                     <p:nvPicPr>
@@ -13147,7 +13147,7 @@
                       <p:nvPr/>
                     </p:nvPicPr>
                     <p:blipFill>
-                      <a:blip r:embed="rId11"/>
+                      <a:blip r:embed="rId12"/>
                       <a:stretch>
                         <a:fillRect/>
                       </a:stretch>
@@ -13190,12 +13190,12 @@
           <a:graphicData uri="http://schemas.openxmlformats.org/presentationml/2006/ole">
             <mc:AlternateContent xmlns:mc="http://schemas.openxmlformats.org/markup-compatibility/2006">
               <mc:Choice xmlns:v="urn:schemas-microsoft-com:vml" Requires="v">
-                <p:oleObj spid="_x0000_s1530" name="Equation" r:id="rId12" imgW="127000" imgH="241300" progId="Equation.DSMT4">
+                <p:oleObj spid="_x0000_s1537" name="Equation" r:id="rId13" imgW="127000" imgH="241300" progId="Equation.DSMT4">
                   <p:embed/>
                 </p:oleObj>
               </mc:Choice>
               <mc:Fallback>
-                <p:oleObj name="Equation" r:id="rId12" imgW="127000" imgH="241300" progId="Equation.DSMT4">
+                <p:oleObj name="Equation" r:id="rId13" imgW="127000" imgH="241300" progId="Equation.DSMT4">
                   <p:embed/>
                   <p:pic>
                     <p:nvPicPr>
@@ -13204,7 +13204,7 @@
                       <p:nvPr/>
                     </p:nvPicPr>
                     <p:blipFill>
-                      <a:blip r:embed="rId13"/>
+                      <a:blip r:embed="rId14"/>
                       <a:stretch>
                         <a:fillRect/>
                       </a:stretch>
@@ -13247,12 +13247,12 @@
           <a:graphicData uri="http://schemas.openxmlformats.org/presentationml/2006/ole">
             <mc:AlternateContent xmlns:mc="http://schemas.openxmlformats.org/markup-compatibility/2006">
               <mc:Choice xmlns:v="urn:schemas-microsoft-com:vml" Requires="v">
-                <p:oleObj spid="_x0000_s1531" name="Equation" r:id="rId14" imgW="965200" imgH="203200" progId="Equation.DSMT4">
+                <p:oleObj spid="_x0000_s1538" name="Equation" r:id="rId15" imgW="965200" imgH="203200" progId="Equation.DSMT4">
                   <p:embed/>
                 </p:oleObj>
               </mc:Choice>
               <mc:Fallback>
-                <p:oleObj name="Equation" r:id="rId14" imgW="965200" imgH="203200" progId="Equation.DSMT4">
+                <p:oleObj name="Equation" r:id="rId15" imgW="965200" imgH="203200" progId="Equation.DSMT4">
                   <p:embed/>
                   <p:pic>
                     <p:nvPicPr>
@@ -13261,7 +13261,7 @@
                       <p:nvPr/>
                     </p:nvPicPr>
                     <p:blipFill>
-                      <a:blip r:embed="rId15"/>
+                      <a:blip r:embed="rId16"/>
                       <a:stretch>
                         <a:fillRect/>
                       </a:stretch>
@@ -13423,12 +13423,12 @@
           <a:graphicData uri="http://schemas.openxmlformats.org/presentationml/2006/ole">
             <mc:AlternateContent xmlns:mc="http://schemas.openxmlformats.org/markup-compatibility/2006">
               <mc:Choice xmlns:v="urn:schemas-microsoft-com:vml" Requires="v">
-                <p:oleObj spid="_x0000_s2644" name="文書" r:id="rId4" imgW="4495800" imgH="419100" progId="Word.Document.12">
+                <p:oleObj spid="_x0000_s2652" name="文書" r:id="rId5" imgW="4495800" imgH="419100" progId="Word.Document.12">
                   <p:embed/>
                 </p:oleObj>
               </mc:Choice>
               <mc:Fallback>
-                <p:oleObj name="文書" r:id="rId4" imgW="4495800" imgH="419100" progId="Word.Document.12">
+                <p:oleObj name="文書" r:id="rId5" imgW="4495800" imgH="419100" progId="Word.Document.12">
                   <p:embed/>
                   <p:pic>
                     <p:nvPicPr>
@@ -13437,7 +13437,7 @@
                       <p:nvPr/>
                     </p:nvPicPr>
                     <p:blipFill>
-                      <a:blip r:embed="rId5"/>
+                      <a:blip r:embed="rId6"/>
                       <a:stretch>
                         <a:fillRect/>
                       </a:stretch>
@@ -13711,12 +13711,12 @@
           <a:graphicData uri="http://schemas.openxmlformats.org/presentationml/2006/ole">
             <mc:AlternateContent xmlns:mc="http://schemas.openxmlformats.org/markup-compatibility/2006">
               <mc:Choice xmlns:v="urn:schemas-microsoft-com:vml" Requires="v">
-                <p:oleObj spid="_x0000_s2645" name="Equation" r:id="rId6" imgW="139700" imgH="152400" progId="Equation.DSMT4">
+                <p:oleObj spid="_x0000_s2653" name="Equation" r:id="rId7" imgW="139700" imgH="152400" progId="Equation.DSMT4">
                   <p:embed/>
                 </p:oleObj>
               </mc:Choice>
               <mc:Fallback>
-                <p:oleObj name="Equation" r:id="rId6" imgW="139700" imgH="152400" progId="Equation.DSMT4">
+                <p:oleObj name="Equation" r:id="rId7" imgW="139700" imgH="152400" progId="Equation.DSMT4">
                   <p:embed/>
                   <p:pic>
                     <p:nvPicPr>
@@ -13725,7 +13725,7 @@
                       <p:nvPr/>
                     </p:nvPicPr>
                     <p:blipFill>
-                      <a:blip r:embed="rId7"/>
+                      <a:blip r:embed="rId8"/>
                       <a:stretch>
                         <a:fillRect/>
                       </a:stretch>
@@ -13768,12 +13768,12 @@
           <a:graphicData uri="http://schemas.openxmlformats.org/presentationml/2006/ole">
             <mc:AlternateContent xmlns:mc="http://schemas.openxmlformats.org/markup-compatibility/2006">
               <mc:Choice xmlns:v="urn:schemas-microsoft-com:vml" Requires="v">
-                <p:oleObj spid="_x0000_s2646" name="Equation" r:id="rId8" imgW="177800" imgH="241300" progId="Equation.DSMT4">
+                <p:oleObj spid="_x0000_s2654" name="Equation" r:id="rId9" imgW="177800" imgH="241300" progId="Equation.DSMT4">
                   <p:embed/>
                 </p:oleObj>
               </mc:Choice>
               <mc:Fallback>
-                <p:oleObj name="Equation" r:id="rId8" imgW="177800" imgH="241300" progId="Equation.DSMT4">
+                <p:oleObj name="Equation" r:id="rId9" imgW="177800" imgH="241300" progId="Equation.DSMT4">
                   <p:embed/>
                   <p:pic>
                     <p:nvPicPr>
@@ -13782,7 +13782,7 @@
                       <p:nvPr/>
                     </p:nvPicPr>
                     <p:blipFill>
-                      <a:blip r:embed="rId9"/>
+                      <a:blip r:embed="rId10"/>
                       <a:stretch>
                         <a:fillRect/>
                       </a:stretch>
@@ -13825,12 +13825,12 @@
           <a:graphicData uri="http://schemas.openxmlformats.org/presentationml/2006/ole">
             <mc:AlternateContent xmlns:mc="http://schemas.openxmlformats.org/markup-compatibility/2006">
               <mc:Choice xmlns:v="urn:schemas-microsoft-com:vml" Requires="v">
-                <p:oleObj spid="_x0000_s2647" name="Equation" r:id="rId10" imgW="127000" imgH="241300" progId="Equation.DSMT4">
+                <p:oleObj spid="_x0000_s2655" name="Equation" r:id="rId11" imgW="127000" imgH="241300" progId="Equation.DSMT4">
                   <p:embed/>
                 </p:oleObj>
               </mc:Choice>
               <mc:Fallback>
-                <p:oleObj name="Equation" r:id="rId10" imgW="127000" imgH="241300" progId="Equation.DSMT4">
+                <p:oleObj name="Equation" r:id="rId11" imgW="127000" imgH="241300" progId="Equation.DSMT4">
                   <p:embed/>
                   <p:pic>
                     <p:nvPicPr>
@@ -13839,7 +13839,7 @@
                       <p:nvPr/>
                     </p:nvPicPr>
                     <p:blipFill>
-                      <a:blip r:embed="rId11"/>
+                      <a:blip r:embed="rId12"/>
                       <a:stretch>
                         <a:fillRect/>
                       </a:stretch>
@@ -14219,12 +14219,12 @@
           <a:graphicData uri="http://schemas.openxmlformats.org/presentationml/2006/ole">
             <mc:AlternateContent xmlns:mc="http://schemas.openxmlformats.org/markup-compatibility/2006">
               <mc:Choice xmlns:v="urn:schemas-microsoft-com:vml" Requires="v">
-                <p:oleObj spid="_x0000_s2648" name="Equation" r:id="rId12" imgW="1003300" imgH="241300" progId="Equation.DSMT4">
+                <p:oleObj spid="_x0000_s2656" name="Equation" r:id="rId13" imgW="1003300" imgH="241300" progId="Equation.DSMT4">
                   <p:embed/>
                 </p:oleObj>
               </mc:Choice>
               <mc:Fallback>
-                <p:oleObj name="Equation" r:id="rId12" imgW="1003300" imgH="241300" progId="Equation.DSMT4">
+                <p:oleObj name="Equation" r:id="rId13" imgW="1003300" imgH="241300" progId="Equation.DSMT4">
                   <p:embed/>
                   <p:pic>
                     <p:nvPicPr>
@@ -14233,7 +14233,7 @@
                       <p:nvPr/>
                     </p:nvPicPr>
                     <p:blipFill>
-                      <a:blip r:embed="rId13"/>
+                      <a:blip r:embed="rId14"/>
                       <a:stretch>
                         <a:fillRect/>
                       </a:stretch>
@@ -14317,7 +14317,7 @@
             <p:nvPr/>
           </p:nvPicPr>
           <p:blipFill rotWithShape="1">
-            <a:blip r:embed="rId14"/>
+            <a:blip r:embed="rId15"/>
             <a:srcRect l="12179" t="28805" r="36465" b="11280"/>
             <a:stretch/>
           </p:blipFill>
@@ -14343,7 +14343,7 @@
             <p:nvPr/>
           </p:nvPicPr>
           <p:blipFill rotWithShape="1">
-            <a:blip r:embed="rId14"/>
+            <a:blip r:embed="rId15"/>
             <a:srcRect l="12179" t="28805" r="36465" b="11280"/>
             <a:stretch/>
           </p:blipFill>
@@ -14422,12 +14422,12 @@
           <a:graphicData uri="http://schemas.openxmlformats.org/presentationml/2006/ole">
             <mc:AlternateContent xmlns:mc="http://schemas.openxmlformats.org/markup-compatibility/2006">
               <mc:Choice xmlns:v="urn:schemas-microsoft-com:vml" Requires="v">
-                <p:oleObj spid="_x0000_s2649" name="Equation" r:id="rId15" imgW="139700" imgH="165100" progId="Equation.DSMT4">
+                <p:oleObj spid="_x0000_s2657" name="Equation" r:id="rId16" imgW="139700" imgH="165100" progId="Equation.DSMT4">
                   <p:embed/>
                 </p:oleObj>
               </mc:Choice>
               <mc:Fallback>
-                <p:oleObj name="Equation" r:id="rId15" imgW="139700" imgH="165100" progId="Equation.DSMT4">
+                <p:oleObj name="Equation" r:id="rId16" imgW="139700" imgH="165100" progId="Equation.DSMT4">
                   <p:embed/>
                   <p:pic>
                     <p:nvPicPr>
@@ -14436,7 +14436,7 @@
                       <p:nvPr/>
                     </p:nvPicPr>
                     <p:blipFill>
-                      <a:blip r:embed="rId16"/>
+                      <a:blip r:embed="rId17"/>
                       <a:stretch>
                         <a:fillRect/>
                       </a:stretch>
@@ -14479,12 +14479,12 @@
           <a:graphicData uri="http://schemas.openxmlformats.org/presentationml/2006/ole">
             <mc:AlternateContent xmlns:mc="http://schemas.openxmlformats.org/markup-compatibility/2006">
               <mc:Choice xmlns:v="urn:schemas-microsoft-com:vml" Requires="v">
-                <p:oleObj spid="_x0000_s2650" name="Equation" r:id="rId17" imgW="88900" imgH="139700" progId="Equation.DSMT4">
+                <p:oleObj spid="_x0000_s2658" name="Equation" r:id="rId18" imgW="88900" imgH="139700" progId="Equation.DSMT4">
                   <p:embed/>
                 </p:oleObj>
               </mc:Choice>
               <mc:Fallback>
-                <p:oleObj name="Equation" r:id="rId17" imgW="88900" imgH="139700" progId="Equation.DSMT4">
+                <p:oleObj name="Equation" r:id="rId18" imgW="88900" imgH="139700" progId="Equation.DSMT4">
                   <p:embed/>
                   <p:pic>
                     <p:nvPicPr>
@@ -14493,7 +14493,7 @@
                       <p:nvPr/>
                     </p:nvPicPr>
                     <p:blipFill>
-                      <a:blip r:embed="rId18"/>
+                      <a:blip r:embed="rId19"/>
                       <a:stretch>
                         <a:fillRect/>
                       </a:stretch>
@@ -14651,12 +14651,12 @@
           <a:graphicData uri="http://schemas.openxmlformats.org/presentationml/2006/ole">
             <mc:AlternateContent xmlns:mc="http://schemas.openxmlformats.org/markup-compatibility/2006">
               <mc:Choice xmlns:v="urn:schemas-microsoft-com:vml" Requires="v">
-                <p:oleObj spid="_x0000_s32171" name="文書" r:id="rId4" imgW="4495800" imgH="419100" progId="Word.Document.12">
+                <p:oleObj spid="_x0000_s32180" name="文書" r:id="rId5" imgW="4495800" imgH="419100" progId="Word.Document.12">
                   <p:embed/>
                 </p:oleObj>
               </mc:Choice>
               <mc:Fallback>
-                <p:oleObj name="文書" r:id="rId4" imgW="4495800" imgH="419100" progId="Word.Document.12">
+                <p:oleObj name="文書" r:id="rId5" imgW="4495800" imgH="419100" progId="Word.Document.12">
                   <p:embed/>
                   <p:pic>
                     <p:nvPicPr>
@@ -14665,7 +14665,7 @@
                       <p:nvPr/>
                     </p:nvPicPr>
                     <p:blipFill>
-                      <a:blip r:embed="rId5"/>
+                      <a:blip r:embed="rId6"/>
                       <a:stretch>
                         <a:fillRect/>
                       </a:stretch>
@@ -14708,12 +14708,12 @@
           <a:graphicData uri="http://schemas.openxmlformats.org/presentationml/2006/ole">
             <mc:AlternateContent xmlns:mc="http://schemas.openxmlformats.org/markup-compatibility/2006">
               <mc:Choice xmlns:v="urn:schemas-microsoft-com:vml" Requires="v">
-                <p:oleObj spid="_x0000_s32172" name="文書" r:id="rId6" imgW="4495800" imgH="419100" progId="Word.Document.12">
+                <p:oleObj spid="_x0000_s32181" name="文書" r:id="rId8" imgW="4495800" imgH="419100" progId="Word.Document.12">
                   <p:embed/>
                 </p:oleObj>
               </mc:Choice>
               <mc:Fallback>
-                <p:oleObj name="文書" r:id="rId6" imgW="4495800" imgH="419100" progId="Word.Document.12">
+                <p:oleObj name="文書" r:id="rId8" imgW="4495800" imgH="419100" progId="Word.Document.12">
                   <p:embed/>
                   <p:pic>
                     <p:nvPicPr>
@@ -14722,7 +14722,7 @@
                       <p:nvPr/>
                     </p:nvPicPr>
                     <p:blipFill>
-                      <a:blip r:embed="rId7"/>
+                      <a:blip r:embed="rId9"/>
                       <a:stretch>
                         <a:fillRect/>
                       </a:stretch>
@@ -14992,12 +14992,12 @@
           <a:graphicData uri="http://schemas.openxmlformats.org/presentationml/2006/ole">
             <mc:AlternateContent xmlns:mc="http://schemas.openxmlformats.org/markup-compatibility/2006">
               <mc:Choice xmlns:v="urn:schemas-microsoft-com:vml" Requires="v">
-                <p:oleObj spid="_x0000_s32173" name="Equation" r:id="rId8" imgW="139700" imgH="152400" progId="Equation.DSMT4">
+                <p:oleObj spid="_x0000_s32182" name="Equation" r:id="rId10" imgW="139700" imgH="152400" progId="Equation.DSMT4">
                   <p:embed/>
                 </p:oleObj>
               </mc:Choice>
               <mc:Fallback>
-                <p:oleObj name="Equation" r:id="rId8" imgW="139700" imgH="152400" progId="Equation.DSMT4">
+                <p:oleObj name="Equation" r:id="rId10" imgW="139700" imgH="152400" progId="Equation.DSMT4">
                   <p:embed/>
                   <p:pic>
                     <p:nvPicPr>
@@ -15006,7 +15006,7 @@
                       <p:nvPr/>
                     </p:nvPicPr>
                     <p:blipFill>
-                      <a:blip r:embed="rId9"/>
+                      <a:blip r:embed="rId11"/>
                       <a:stretch>
                         <a:fillRect/>
                       </a:stretch>
@@ -15045,12 +15045,12 @@
           <a:graphicData uri="http://schemas.openxmlformats.org/presentationml/2006/ole">
             <mc:AlternateContent xmlns:mc="http://schemas.openxmlformats.org/markup-compatibility/2006">
               <mc:Choice xmlns:v="urn:schemas-microsoft-com:vml" Requires="v">
-                <p:oleObj spid="_x0000_s32174" name="Equation" r:id="rId10" imgW="177800" imgH="241300" progId="Equation.DSMT4">
+                <p:oleObj spid="_x0000_s32183" name="Equation" r:id="rId12" imgW="177800" imgH="241300" progId="Equation.DSMT4">
                   <p:embed/>
                 </p:oleObj>
               </mc:Choice>
               <mc:Fallback>
-                <p:oleObj name="Equation" r:id="rId10" imgW="177800" imgH="241300" progId="Equation.DSMT4">
+                <p:oleObj name="Equation" r:id="rId12" imgW="177800" imgH="241300" progId="Equation.DSMT4">
                   <p:embed/>
                   <p:pic>
                     <p:nvPicPr>
@@ -15059,7 +15059,7 @@
                       <p:nvPr/>
                     </p:nvPicPr>
                     <p:blipFill>
-                      <a:blip r:embed="rId11"/>
+                      <a:blip r:embed="rId13"/>
                       <a:stretch>
                         <a:fillRect/>
                       </a:stretch>
@@ -15102,12 +15102,12 @@
           <a:graphicData uri="http://schemas.openxmlformats.org/presentationml/2006/ole">
             <mc:AlternateContent xmlns:mc="http://schemas.openxmlformats.org/markup-compatibility/2006">
               <mc:Choice xmlns:v="urn:schemas-microsoft-com:vml" Requires="v">
-                <p:oleObj spid="_x0000_s32175" name="Equation" r:id="rId12" imgW="355600" imgH="241300" progId="Equation.DSMT4">
+                <p:oleObj spid="_x0000_s32184" name="Equation" r:id="rId14" imgW="355600" imgH="241300" progId="Equation.DSMT4">
                   <p:embed/>
                 </p:oleObj>
               </mc:Choice>
               <mc:Fallback>
-                <p:oleObj name="Equation" r:id="rId12" imgW="355600" imgH="241300" progId="Equation.DSMT4">
+                <p:oleObj name="Equation" r:id="rId14" imgW="355600" imgH="241300" progId="Equation.DSMT4">
                   <p:embed/>
                   <p:pic>
                     <p:nvPicPr>
@@ -15116,7 +15116,7 @@
                       <p:nvPr/>
                     </p:nvPicPr>
                     <p:blipFill>
-                      <a:blip r:embed="rId13"/>
+                      <a:blip r:embed="rId15"/>
                       <a:stretch>
                         <a:fillRect/>
                       </a:stretch>
@@ -15159,12 +15159,12 @@
           <a:graphicData uri="http://schemas.openxmlformats.org/presentationml/2006/ole">
             <mc:AlternateContent xmlns:mc="http://schemas.openxmlformats.org/markup-compatibility/2006">
               <mc:Choice xmlns:v="urn:schemas-microsoft-com:vml" Requires="v">
-                <p:oleObj spid="_x0000_s32176" name="Equation" r:id="rId14" imgW="1435100" imgH="241300" progId="Equation.DSMT4">
+                <p:oleObj spid="_x0000_s32185" name="Equation" r:id="rId16" imgW="1435100" imgH="241300" progId="Equation.DSMT4">
                   <p:embed/>
                 </p:oleObj>
               </mc:Choice>
               <mc:Fallback>
-                <p:oleObj name="Equation" r:id="rId14" imgW="1435100" imgH="241300" progId="Equation.DSMT4">
+                <p:oleObj name="Equation" r:id="rId16" imgW="1435100" imgH="241300" progId="Equation.DSMT4">
                   <p:embed/>
                   <p:pic>
                     <p:nvPicPr>
@@ -15173,7 +15173,7 @@
                       <p:nvPr/>
                     </p:nvPicPr>
                     <p:blipFill>
-                      <a:blip r:embed="rId15"/>
+                      <a:blip r:embed="rId17"/>
                       <a:stretch>
                         <a:fillRect/>
                       </a:stretch>
@@ -15594,7 +15594,7 @@
             <p:nvPr/>
           </p:nvPicPr>
           <p:blipFill rotWithShape="1">
-            <a:blip r:embed="rId16"/>
+            <a:blip r:embed="rId18"/>
             <a:srcRect l="12179" t="28805" r="36465" b="11280"/>
             <a:stretch/>
           </p:blipFill>
@@ -15620,7 +15620,7 @@
             <p:nvPr/>
           </p:nvPicPr>
           <p:blipFill rotWithShape="1">
-            <a:blip r:embed="rId16"/>
+            <a:blip r:embed="rId18"/>
             <a:srcRect l="12179" t="28805" r="36465" b="11280"/>
             <a:stretch/>
           </p:blipFill>
@@ -15699,12 +15699,12 @@
           <a:graphicData uri="http://schemas.openxmlformats.org/presentationml/2006/ole">
             <mc:AlternateContent xmlns:mc="http://schemas.openxmlformats.org/markup-compatibility/2006">
               <mc:Choice xmlns:v="urn:schemas-microsoft-com:vml" Requires="v">
-                <p:oleObj spid="_x0000_s32177" name="Equation" r:id="rId17" imgW="139700" imgH="165100" progId="Equation.DSMT4">
+                <p:oleObj spid="_x0000_s32186" name="Equation" r:id="rId19" imgW="139700" imgH="165100" progId="Equation.DSMT4">
                   <p:embed/>
                 </p:oleObj>
               </mc:Choice>
               <mc:Fallback>
-                <p:oleObj name="Equation" r:id="rId17" imgW="139700" imgH="165100" progId="Equation.DSMT4">
+                <p:oleObj name="Equation" r:id="rId19" imgW="139700" imgH="165100" progId="Equation.DSMT4">
                   <p:embed/>
                   <p:pic>
                     <p:nvPicPr>
@@ -15713,7 +15713,7 @@
                       <p:nvPr/>
                     </p:nvPicPr>
                     <p:blipFill>
-                      <a:blip r:embed="rId18"/>
+                      <a:blip r:embed="rId20"/>
                       <a:stretch>
                         <a:fillRect/>
                       </a:stretch>
@@ -15756,12 +15756,12 @@
           <a:graphicData uri="http://schemas.openxmlformats.org/presentationml/2006/ole">
             <mc:AlternateContent xmlns:mc="http://schemas.openxmlformats.org/markup-compatibility/2006">
               <mc:Choice xmlns:v="urn:schemas-microsoft-com:vml" Requires="v">
-                <p:oleObj spid="_x0000_s32178" name="Equation" r:id="rId19" imgW="88900" imgH="139700" progId="Equation.DSMT4">
+                <p:oleObj spid="_x0000_s32187" name="Equation" r:id="rId21" imgW="88900" imgH="139700" progId="Equation.DSMT4">
                   <p:embed/>
                 </p:oleObj>
               </mc:Choice>
               <mc:Fallback>
-                <p:oleObj name="Equation" r:id="rId19" imgW="88900" imgH="139700" progId="Equation.DSMT4">
+                <p:oleObj name="Equation" r:id="rId21" imgW="88900" imgH="139700" progId="Equation.DSMT4">
                   <p:embed/>
                   <p:pic>
                     <p:nvPicPr>
@@ -15770,7 +15770,7 @@
                       <p:nvPr/>
                     </p:nvPicPr>
                     <p:blipFill>
-                      <a:blip r:embed="rId20"/>
+                      <a:blip r:embed="rId22"/>
                       <a:stretch>
                         <a:fillRect/>
                       </a:stretch>
@@ -15932,12 +15932,12 @@
           <a:graphicData uri="http://schemas.openxmlformats.org/presentationml/2006/ole">
             <mc:AlternateContent xmlns:mc="http://schemas.openxmlformats.org/markup-compatibility/2006">
               <mc:Choice xmlns:v="urn:schemas-microsoft-com:vml" Requires="v">
-                <p:oleObj spid="_x0000_s3227" name="文書" r:id="rId4" imgW="4495800" imgH="2197100" progId="Word.Document.12">
+                <p:oleObj spid="_x0000_s3229" name="文書" r:id="rId5" imgW="4495800" imgH="2197100" progId="Word.Document.12">
                   <p:embed/>
                 </p:oleObj>
               </mc:Choice>
               <mc:Fallback>
-                <p:oleObj name="文書" r:id="rId4" imgW="4495800" imgH="2197100" progId="Word.Document.12">
+                <p:oleObj name="文書" r:id="rId5" imgW="4495800" imgH="2197100" progId="Word.Document.12">
                   <p:embed/>
                   <p:pic>
                     <p:nvPicPr>
@@ -15946,7 +15946,7 @@
                       <p:nvPr/>
                     </p:nvPicPr>
                     <p:blipFill>
-                      <a:blip r:embed="rId5"/>
+                      <a:blip r:embed="rId6"/>
                       <a:stretch>
                         <a:fillRect/>
                       </a:stretch>
@@ -16134,12 +16134,12 @@
           <a:graphicData uri="http://schemas.openxmlformats.org/presentationml/2006/ole">
             <mc:AlternateContent xmlns:mc="http://schemas.openxmlformats.org/markup-compatibility/2006">
               <mc:Choice xmlns:v="urn:schemas-microsoft-com:vml" Requires="v">
-                <p:oleObj spid="_x0000_s4375" name="文書" r:id="rId4" imgW="4495800" imgH="596900" progId="Word.Document.12">
+                <p:oleObj spid="_x0000_s4379" name="文書" r:id="rId5" imgW="4495800" imgH="596900" progId="Word.Document.12">
                   <p:embed/>
                 </p:oleObj>
               </mc:Choice>
               <mc:Fallback>
-                <p:oleObj name="文書" r:id="rId4" imgW="4495800" imgH="596900" progId="Word.Document.12">
+                <p:oleObj name="文書" r:id="rId5" imgW="4495800" imgH="596900" progId="Word.Document.12">
                   <p:embed/>
                   <p:pic>
                     <p:nvPicPr>
@@ -16148,7 +16148,7 @@
                       <p:nvPr/>
                     </p:nvPicPr>
                     <p:blipFill>
-                      <a:blip r:embed="rId5"/>
+                      <a:blip r:embed="rId6"/>
                       <a:stretch>
                         <a:fillRect/>
                       </a:stretch>
@@ -16257,12 +16257,12 @@
           <a:graphicData uri="http://schemas.openxmlformats.org/presentationml/2006/ole">
             <mc:AlternateContent xmlns:mc="http://schemas.openxmlformats.org/markup-compatibility/2006">
               <mc:Choice xmlns:v="urn:schemas-microsoft-com:vml" Requires="v">
-                <p:oleObj spid="_x0000_s4376" name="Equation" r:id="rId6" imgW="190500" imgH="241300" progId="Equation.DSMT4">
+                <p:oleObj spid="_x0000_s4380" name="Equation" r:id="rId7" imgW="190500" imgH="241300" progId="Equation.DSMT4">
                   <p:embed/>
                 </p:oleObj>
               </mc:Choice>
               <mc:Fallback>
-                <p:oleObj name="Equation" r:id="rId6" imgW="190500" imgH="241300" progId="Equation.DSMT4">
+                <p:oleObj name="Equation" r:id="rId7" imgW="190500" imgH="241300" progId="Equation.DSMT4">
                   <p:embed/>
                   <p:pic>
                     <p:nvPicPr>
@@ -16271,7 +16271,7 @@
                       <p:nvPr/>
                     </p:nvPicPr>
                     <p:blipFill>
-                      <a:blip r:embed="rId7"/>
+                      <a:blip r:embed="rId8"/>
                       <a:stretch>
                         <a:fillRect/>
                       </a:stretch>
@@ -16314,12 +16314,12 @@
           <a:graphicData uri="http://schemas.openxmlformats.org/presentationml/2006/ole">
             <mc:AlternateContent xmlns:mc="http://schemas.openxmlformats.org/markup-compatibility/2006">
               <mc:Choice xmlns:v="urn:schemas-microsoft-com:vml" Requires="v">
-                <p:oleObj spid="_x0000_s4377" name="Equation" r:id="rId8" imgW="165100" imgH="139700" progId="Equation.DSMT4">
+                <p:oleObj spid="_x0000_s4381" name="Equation" r:id="rId9" imgW="165100" imgH="139700" progId="Equation.DSMT4">
                   <p:embed/>
                 </p:oleObj>
               </mc:Choice>
               <mc:Fallback>
-                <p:oleObj name="Equation" r:id="rId8" imgW="165100" imgH="139700" progId="Equation.DSMT4">
+                <p:oleObj name="Equation" r:id="rId9" imgW="165100" imgH="139700" progId="Equation.DSMT4">
                   <p:embed/>
                   <p:pic>
                     <p:nvPicPr>
@@ -16328,7 +16328,7 @@
                       <p:nvPr/>
                     </p:nvPicPr>
                     <p:blipFill>
-                      <a:blip r:embed="rId9"/>
+                      <a:blip r:embed="rId10"/>
                       <a:stretch>
                         <a:fillRect/>
                       </a:stretch>
@@ -16678,12 +16678,12 @@
           <a:graphicData uri="http://schemas.openxmlformats.org/presentationml/2006/ole">
             <mc:AlternateContent xmlns:mc="http://schemas.openxmlformats.org/markup-compatibility/2006">
               <mc:Choice xmlns:v="urn:schemas-microsoft-com:vml" Requires="v">
-                <p:oleObj spid="_x0000_s22092" name="文書" r:id="rId4" imgW="4495800" imgH="1905000" progId="Word.Document.12">
+                <p:oleObj spid="_x0000_s22100" name="文書" r:id="rId5" imgW="4495800" imgH="1905000" progId="Word.Document.12">
                   <p:embed/>
                 </p:oleObj>
               </mc:Choice>
               <mc:Fallback>
-                <p:oleObj name="文書" r:id="rId4" imgW="4495800" imgH="1905000" progId="Word.Document.12">
+                <p:oleObj name="文書" r:id="rId5" imgW="4495800" imgH="1905000" progId="Word.Document.12">
                   <p:embed/>
                   <p:pic>
                     <p:nvPicPr>
@@ -16692,7 +16692,7 @@
                       <p:nvPr/>
                     </p:nvPicPr>
                     <p:blipFill>
-                      <a:blip r:embed="rId5"/>
+                      <a:blip r:embed="rId6"/>
                       <a:stretch>
                         <a:fillRect/>
                       </a:stretch>
@@ -16869,12 +16869,12 @@
           <a:graphicData uri="http://schemas.openxmlformats.org/presentationml/2006/ole">
             <mc:AlternateContent xmlns:mc="http://schemas.openxmlformats.org/markup-compatibility/2006">
               <mc:Choice xmlns:v="urn:schemas-microsoft-com:vml" Requires="v">
-                <p:oleObj spid="_x0000_s22093" name="Equation" r:id="rId6" imgW="215900" imgH="254000" progId="Equation.DSMT4">
+                <p:oleObj spid="_x0000_s22101" name="Equation" r:id="rId7" imgW="215900" imgH="254000" progId="Equation.DSMT4">
                   <p:embed/>
                 </p:oleObj>
               </mc:Choice>
               <mc:Fallback>
-                <p:oleObj name="Equation" r:id="rId6" imgW="215900" imgH="254000" progId="Equation.DSMT4">
+                <p:oleObj name="Equation" r:id="rId7" imgW="215900" imgH="254000" progId="Equation.DSMT4">
                   <p:embed/>
                   <p:pic>
                     <p:nvPicPr>
@@ -16883,7 +16883,7 @@
                       <p:nvPr/>
                     </p:nvPicPr>
                     <p:blipFill>
-                      <a:blip r:embed="rId7"/>
+                      <a:blip r:embed="rId8"/>
                       <a:stretch>
                         <a:fillRect/>
                       </a:stretch>
@@ -16913,7 +16913,7 @@
           <p:nvPr/>
         </p:nvPicPr>
         <p:blipFill>
-          <a:blip r:embed="rId8"/>
+          <a:blip r:embed="rId9"/>
           <a:stretch>
             <a:fillRect/>
           </a:stretch>
@@ -16950,12 +16950,12 @@
           <a:graphicData uri="http://schemas.openxmlformats.org/presentationml/2006/ole">
             <mc:AlternateContent xmlns:mc="http://schemas.openxmlformats.org/markup-compatibility/2006">
               <mc:Choice xmlns:v="urn:schemas-microsoft-com:vml" Requires="v">
-                <p:oleObj spid="_x0000_s22094" name="Equation" r:id="rId9" imgW="165100" imgH="139700" progId="Equation.DSMT4">
+                <p:oleObj spid="_x0000_s22102" name="Equation" r:id="rId10" imgW="165100" imgH="139700" progId="Equation.DSMT4">
                   <p:embed/>
                 </p:oleObj>
               </mc:Choice>
               <mc:Fallback>
-                <p:oleObj name="Equation" r:id="rId9" imgW="165100" imgH="139700" progId="Equation.DSMT4">
+                <p:oleObj name="Equation" r:id="rId10" imgW="165100" imgH="139700" progId="Equation.DSMT4">
                   <p:embed/>
                   <p:pic>
                     <p:nvPicPr>
@@ -16964,7 +16964,7 @@
                       <p:nvPr/>
                     </p:nvPicPr>
                     <p:blipFill>
-                      <a:blip r:embed="rId10"/>
+                      <a:blip r:embed="rId11"/>
                       <a:stretch>
                         <a:fillRect/>
                       </a:stretch>
@@ -17043,12 +17043,12 @@
           <a:graphicData uri="http://schemas.openxmlformats.org/presentationml/2006/ole">
             <mc:AlternateContent xmlns:mc="http://schemas.openxmlformats.org/markup-compatibility/2006">
               <mc:Choice xmlns:v="urn:schemas-microsoft-com:vml" Requires="v">
-                <p:oleObj spid="_x0000_s22095" name="Equation" r:id="rId11" imgW="88900" imgH="139700" progId="Equation.DSMT4">
+                <p:oleObj spid="_x0000_s22103" name="Equation" r:id="rId12" imgW="88900" imgH="139700" progId="Equation.DSMT4">
                   <p:embed/>
                 </p:oleObj>
               </mc:Choice>
               <mc:Fallback>
-                <p:oleObj name="Equation" r:id="rId11" imgW="88900" imgH="139700" progId="Equation.DSMT4">
+                <p:oleObj name="Equation" r:id="rId12" imgW="88900" imgH="139700" progId="Equation.DSMT4">
                   <p:embed/>
                   <p:pic>
                     <p:nvPicPr>
@@ -17057,7 +17057,7 @@
                       <p:nvPr/>
                     </p:nvPicPr>
                     <p:blipFill>
-                      <a:blip r:embed="rId12"/>
+                      <a:blip r:embed="rId13"/>
                       <a:stretch>
                         <a:fillRect/>
                       </a:stretch>
@@ -17136,12 +17136,12 @@
           <a:graphicData uri="http://schemas.openxmlformats.org/presentationml/2006/ole">
             <mc:AlternateContent xmlns:mc="http://schemas.openxmlformats.org/markup-compatibility/2006">
               <mc:Choice xmlns:v="urn:schemas-microsoft-com:vml" Requires="v">
-                <p:oleObj spid="_x0000_s22096" name="Equation" r:id="rId13" imgW="241300" imgH="165100" progId="Equation.DSMT4">
+                <p:oleObj spid="_x0000_s22104" name="Equation" r:id="rId14" imgW="241300" imgH="165100" progId="Equation.DSMT4">
                   <p:embed/>
                 </p:oleObj>
               </mc:Choice>
               <mc:Fallback>
-                <p:oleObj name="Equation" r:id="rId13" imgW="241300" imgH="165100" progId="Equation.DSMT4">
+                <p:oleObj name="Equation" r:id="rId14" imgW="241300" imgH="165100" progId="Equation.DSMT4">
                   <p:embed/>
                   <p:pic>
                     <p:nvPicPr>
@@ -17150,7 +17150,7 @@
                       <p:nvPr/>
                     </p:nvPicPr>
                     <p:blipFill>
-                      <a:blip r:embed="rId14"/>
+                      <a:blip r:embed="rId15"/>
                       <a:stretch>
                         <a:fillRect/>
                       </a:stretch>
@@ -17193,12 +17193,12 @@
           <a:graphicData uri="http://schemas.openxmlformats.org/presentationml/2006/ole">
             <mc:AlternateContent xmlns:mc="http://schemas.openxmlformats.org/markup-compatibility/2006">
               <mc:Choice xmlns:v="urn:schemas-microsoft-com:vml" Requires="v">
-                <p:oleObj spid="_x0000_s22097" name="Equation" r:id="rId15" imgW="241300" imgH="165100" progId="Equation.DSMT4">
+                <p:oleObj spid="_x0000_s22105" name="Equation" r:id="rId16" imgW="241300" imgH="165100" progId="Equation.DSMT4">
                   <p:embed/>
                 </p:oleObj>
               </mc:Choice>
               <mc:Fallback>
-                <p:oleObj name="Equation" r:id="rId15" imgW="241300" imgH="165100" progId="Equation.DSMT4">
+                <p:oleObj name="Equation" r:id="rId16" imgW="241300" imgH="165100" progId="Equation.DSMT4">
                   <p:embed/>
                   <p:pic>
                     <p:nvPicPr>
@@ -17207,7 +17207,7 @@
                       <p:nvPr/>
                     </p:nvPicPr>
                     <p:blipFill>
-                      <a:blip r:embed="rId16"/>
+                      <a:blip r:embed="rId17"/>
                       <a:stretch>
                         <a:fillRect/>
                       </a:stretch>
@@ -17250,12 +17250,12 @@
           <a:graphicData uri="http://schemas.openxmlformats.org/presentationml/2006/ole">
             <mc:AlternateContent xmlns:mc="http://schemas.openxmlformats.org/markup-compatibility/2006">
               <mc:Choice xmlns:v="urn:schemas-microsoft-com:vml" Requires="v">
-                <p:oleObj spid="_x0000_s22098" name="Equation" r:id="rId17" imgW="190500" imgH="241300" progId="Equation.DSMT4">
+                <p:oleObj spid="_x0000_s22106" name="Equation" r:id="rId18" imgW="190500" imgH="241300" progId="Equation.DSMT4">
                   <p:embed/>
                 </p:oleObj>
               </mc:Choice>
               <mc:Fallback>
-                <p:oleObj name="Equation" r:id="rId17" imgW="190500" imgH="241300" progId="Equation.DSMT4">
+                <p:oleObj name="Equation" r:id="rId18" imgW="190500" imgH="241300" progId="Equation.DSMT4">
                   <p:embed/>
                   <p:pic>
                     <p:nvPicPr>
@@ -17264,7 +17264,7 @@
                       <p:nvPr/>
                     </p:nvPicPr>
                     <p:blipFill>
-                      <a:blip r:embed="rId18"/>
+                      <a:blip r:embed="rId19"/>
                       <a:stretch>
                         <a:fillRect/>
                       </a:stretch>
@@ -17426,12 +17426,12 @@
           <a:graphicData uri="http://schemas.openxmlformats.org/presentationml/2006/ole">
             <mc:AlternateContent xmlns:mc="http://schemas.openxmlformats.org/markup-compatibility/2006">
               <mc:Choice xmlns:v="urn:schemas-microsoft-com:vml" Requires="v">
-                <p:oleObj spid="_x0000_s26174" name="文書" r:id="rId4" imgW="4495800" imgH="1905000" progId="Word.Document.12">
+                <p:oleObj spid="_x0000_s26182" name="文書" r:id="rId5" imgW="4495800" imgH="1905000" progId="Word.Document.12">
                   <p:embed/>
                 </p:oleObj>
               </mc:Choice>
               <mc:Fallback>
-                <p:oleObj name="文書" r:id="rId4" imgW="4495800" imgH="1905000" progId="Word.Document.12">
+                <p:oleObj name="文書" r:id="rId5" imgW="4495800" imgH="1905000" progId="Word.Document.12">
                   <p:embed/>
                   <p:pic>
                     <p:nvPicPr>
@@ -17440,7 +17440,7 @@
                       <p:nvPr/>
                     </p:nvPicPr>
                     <p:blipFill>
-                      <a:blip r:embed="rId5"/>
+                      <a:blip r:embed="rId6"/>
                       <a:stretch>
                         <a:fillRect/>
                       </a:stretch>
@@ -17496,7 +17496,7 @@
           <p:nvPr/>
         </p:nvPicPr>
         <p:blipFill rotWithShape="1">
-          <a:blip r:embed="rId6"/>
+          <a:blip r:embed="rId7"/>
           <a:srcRect l="9410" t="7762" r="8487" b="9850"/>
           <a:stretch/>
         </p:blipFill>
@@ -17640,12 +17640,12 @@
           <a:graphicData uri="http://schemas.openxmlformats.org/presentationml/2006/ole">
             <mc:AlternateContent xmlns:mc="http://schemas.openxmlformats.org/markup-compatibility/2006">
               <mc:Choice xmlns:v="urn:schemas-microsoft-com:vml" Requires="v">
-                <p:oleObj spid="_x0000_s26175" name="Equation" r:id="rId7" imgW="203200" imgH="254000" progId="Equation.DSMT4">
+                <p:oleObj spid="_x0000_s26183" name="Equation" r:id="rId8" imgW="203200" imgH="254000" progId="Equation.DSMT4">
                   <p:embed/>
                 </p:oleObj>
               </mc:Choice>
               <mc:Fallback>
-                <p:oleObj name="Equation" r:id="rId7" imgW="203200" imgH="254000" progId="Equation.DSMT4">
+                <p:oleObj name="Equation" r:id="rId8" imgW="203200" imgH="254000" progId="Equation.DSMT4">
                   <p:embed/>
                   <p:pic>
                     <p:nvPicPr>
@@ -17654,7 +17654,7 @@
                       <p:nvPr/>
                     </p:nvPicPr>
                     <p:blipFill>
-                      <a:blip r:embed="rId8"/>
+                      <a:blip r:embed="rId9"/>
                       <a:stretch>
                         <a:fillRect/>
                       </a:stretch>
@@ -17697,12 +17697,12 @@
           <a:graphicData uri="http://schemas.openxmlformats.org/presentationml/2006/ole">
             <mc:AlternateContent xmlns:mc="http://schemas.openxmlformats.org/markup-compatibility/2006">
               <mc:Choice xmlns:v="urn:schemas-microsoft-com:vml" Requires="v">
-                <p:oleObj spid="_x0000_s26176" name="Equation" r:id="rId9" imgW="165100" imgH="139700" progId="Equation.DSMT4">
+                <p:oleObj spid="_x0000_s26184" name="Equation" r:id="rId10" imgW="165100" imgH="139700" progId="Equation.DSMT4">
                   <p:embed/>
                 </p:oleObj>
               </mc:Choice>
               <mc:Fallback>
-                <p:oleObj name="Equation" r:id="rId9" imgW="165100" imgH="139700" progId="Equation.DSMT4">
+                <p:oleObj name="Equation" r:id="rId10" imgW="165100" imgH="139700" progId="Equation.DSMT4">
                   <p:embed/>
                   <p:pic>
                     <p:nvPicPr>
@@ -17711,7 +17711,7 @@
                       <p:nvPr/>
                     </p:nvPicPr>
                     <p:blipFill>
-                      <a:blip r:embed="rId10"/>
+                      <a:blip r:embed="rId11"/>
                       <a:stretch>
                         <a:fillRect/>
                       </a:stretch>
@@ -17790,12 +17790,12 @@
           <a:graphicData uri="http://schemas.openxmlformats.org/presentationml/2006/ole">
             <mc:AlternateContent xmlns:mc="http://schemas.openxmlformats.org/markup-compatibility/2006">
               <mc:Choice xmlns:v="urn:schemas-microsoft-com:vml" Requires="v">
-                <p:oleObj spid="_x0000_s26177" name="Equation" r:id="rId11" imgW="88900" imgH="139700" progId="Equation.DSMT4">
+                <p:oleObj spid="_x0000_s26185" name="Equation" r:id="rId12" imgW="88900" imgH="139700" progId="Equation.DSMT4">
                   <p:embed/>
                 </p:oleObj>
               </mc:Choice>
               <mc:Fallback>
-                <p:oleObj name="Equation" r:id="rId11" imgW="88900" imgH="139700" progId="Equation.DSMT4">
+                <p:oleObj name="Equation" r:id="rId12" imgW="88900" imgH="139700" progId="Equation.DSMT4">
                   <p:embed/>
                   <p:pic>
                     <p:nvPicPr>
@@ -17804,7 +17804,7 @@
                       <p:nvPr/>
                     </p:nvPicPr>
                     <p:blipFill>
-                      <a:blip r:embed="rId12"/>
+                      <a:blip r:embed="rId13"/>
                       <a:stretch>
                         <a:fillRect/>
                       </a:stretch>
@@ -17847,12 +17847,12 @@
           <a:graphicData uri="http://schemas.openxmlformats.org/presentationml/2006/ole">
             <mc:AlternateContent xmlns:mc="http://schemas.openxmlformats.org/markup-compatibility/2006">
               <mc:Choice xmlns:v="urn:schemas-microsoft-com:vml" Requires="v">
-                <p:oleObj spid="_x0000_s26178" name="Equation" r:id="rId13" imgW="241300" imgH="165100" progId="Equation.DSMT4">
+                <p:oleObj spid="_x0000_s26186" name="Equation" r:id="rId14" imgW="241300" imgH="165100" progId="Equation.DSMT4">
                   <p:embed/>
                 </p:oleObj>
               </mc:Choice>
               <mc:Fallback>
-                <p:oleObj name="Equation" r:id="rId13" imgW="241300" imgH="165100" progId="Equation.DSMT4">
+                <p:oleObj name="Equation" r:id="rId14" imgW="241300" imgH="165100" progId="Equation.DSMT4">
                   <p:embed/>
                   <p:pic>
                     <p:nvPicPr>
@@ -17861,7 +17861,7 @@
                       <p:nvPr/>
                     </p:nvPicPr>
                     <p:blipFill>
-                      <a:blip r:embed="rId14"/>
+                      <a:blip r:embed="rId15"/>
                       <a:stretch>
                         <a:fillRect/>
                       </a:stretch>
@@ -17904,12 +17904,12 @@
           <a:graphicData uri="http://schemas.openxmlformats.org/presentationml/2006/ole">
             <mc:AlternateContent xmlns:mc="http://schemas.openxmlformats.org/markup-compatibility/2006">
               <mc:Choice xmlns:v="urn:schemas-microsoft-com:vml" Requires="v">
-                <p:oleObj spid="_x0000_s26179" name="Equation" r:id="rId15" imgW="241300" imgH="165100" progId="Equation.DSMT4">
+                <p:oleObj spid="_x0000_s26187" name="Equation" r:id="rId16" imgW="241300" imgH="165100" progId="Equation.DSMT4">
                   <p:embed/>
                 </p:oleObj>
               </mc:Choice>
               <mc:Fallback>
-                <p:oleObj name="Equation" r:id="rId15" imgW="241300" imgH="165100" progId="Equation.DSMT4">
+                <p:oleObj name="Equation" r:id="rId16" imgW="241300" imgH="165100" progId="Equation.DSMT4">
                   <p:embed/>
                   <p:pic>
                     <p:nvPicPr>
@@ -17918,7 +17918,7 @@
                       <p:nvPr/>
                     </p:nvPicPr>
                     <p:blipFill>
-                      <a:blip r:embed="rId16"/>
+                      <a:blip r:embed="rId17"/>
                       <a:stretch>
                         <a:fillRect/>
                       </a:stretch>
@@ -17961,12 +17961,12 @@
           <a:graphicData uri="http://schemas.openxmlformats.org/presentationml/2006/ole">
             <mc:AlternateContent xmlns:mc="http://schemas.openxmlformats.org/markup-compatibility/2006">
               <mc:Choice xmlns:v="urn:schemas-microsoft-com:vml" Requires="v">
-                <p:oleObj spid="_x0000_s26180" name="Equation" r:id="rId17" imgW="190500" imgH="241300" progId="Equation.DSMT4">
+                <p:oleObj spid="_x0000_s26188" name="Equation" r:id="rId18" imgW="190500" imgH="241300" progId="Equation.DSMT4">
                   <p:embed/>
                 </p:oleObj>
               </mc:Choice>
               <mc:Fallback>
-                <p:oleObj name="Equation" r:id="rId17" imgW="190500" imgH="241300" progId="Equation.DSMT4">
+                <p:oleObj name="Equation" r:id="rId18" imgW="190500" imgH="241300" progId="Equation.DSMT4">
                   <p:embed/>
                   <p:pic>
                     <p:nvPicPr>
@@ -17975,7 +17975,7 @@
                       <p:nvPr/>
                     </p:nvPicPr>
                     <p:blipFill>
-                      <a:blip r:embed="rId18"/>
+                      <a:blip r:embed="rId19"/>
                       <a:stretch>
                         <a:fillRect/>
                       </a:stretch>
@@ -18137,12 +18137,12 @@
           <a:graphicData uri="http://schemas.openxmlformats.org/presentationml/2006/ole">
             <mc:AlternateContent xmlns:mc="http://schemas.openxmlformats.org/markup-compatibility/2006">
               <mc:Choice xmlns:v="urn:schemas-microsoft-com:vml" Requires="v">
-                <p:oleObj spid="_x0000_s14882" name="文書" r:id="rId4" imgW="4495800" imgH="596900" progId="Word.Document.12">
+                <p:oleObj spid="_x0000_s14890" name="文書" r:id="rId5" imgW="4495800" imgH="596900" progId="Word.Document.12">
                   <p:embed/>
                 </p:oleObj>
               </mc:Choice>
               <mc:Fallback>
-                <p:oleObj name="文書" r:id="rId4" imgW="4495800" imgH="596900" progId="Word.Document.12">
+                <p:oleObj name="文書" r:id="rId5" imgW="4495800" imgH="596900" progId="Word.Document.12">
                   <p:embed/>
                   <p:pic>
                     <p:nvPicPr>
@@ -18151,7 +18151,7 @@
                       <p:nvPr/>
                     </p:nvPicPr>
                     <p:blipFill>
-                      <a:blip r:embed="rId5"/>
+                      <a:blip r:embed="rId6"/>
                       <a:stretch>
                         <a:fillRect/>
                       </a:stretch>
@@ -18418,12 +18418,12 @@
           <a:graphicData uri="http://schemas.openxmlformats.org/presentationml/2006/ole">
             <mc:AlternateContent xmlns:mc="http://schemas.openxmlformats.org/markup-compatibility/2006">
               <mc:Choice xmlns:v="urn:schemas-microsoft-com:vml" Requires="v">
-                <p:oleObj spid="_x0000_s14883" name="Equation" r:id="rId6" imgW="139700" imgH="152400" progId="Equation.DSMT4">
+                <p:oleObj spid="_x0000_s14891" name="Equation" r:id="rId7" imgW="139700" imgH="152400" progId="Equation.DSMT4">
                   <p:embed/>
                 </p:oleObj>
               </mc:Choice>
               <mc:Fallback>
-                <p:oleObj name="Equation" r:id="rId6" imgW="139700" imgH="152400" progId="Equation.DSMT4">
+                <p:oleObj name="Equation" r:id="rId7" imgW="139700" imgH="152400" progId="Equation.DSMT4">
                   <p:embed/>
                   <p:pic>
                     <p:nvPicPr>
@@ -18432,7 +18432,7 @@
                       <p:nvPr/>
                     </p:nvPicPr>
                     <p:blipFill>
-                      <a:blip r:embed="rId7"/>
+                      <a:blip r:embed="rId8"/>
                       <a:stretch>
                         <a:fillRect/>
                       </a:stretch>
@@ -18475,12 +18475,12 @@
           <a:graphicData uri="http://schemas.openxmlformats.org/presentationml/2006/ole">
             <mc:AlternateContent xmlns:mc="http://schemas.openxmlformats.org/markup-compatibility/2006">
               <mc:Choice xmlns:v="urn:schemas-microsoft-com:vml" Requires="v">
-                <p:oleObj spid="_x0000_s14884" name="Equation" r:id="rId8" imgW="304800" imgH="152400" progId="Equation.DSMT4">
+                <p:oleObj spid="_x0000_s14892" name="Equation" r:id="rId9" imgW="304800" imgH="152400" progId="Equation.DSMT4">
                   <p:embed/>
                 </p:oleObj>
               </mc:Choice>
               <mc:Fallback>
-                <p:oleObj name="Equation" r:id="rId8" imgW="304800" imgH="152400" progId="Equation.DSMT4">
+                <p:oleObj name="Equation" r:id="rId9" imgW="304800" imgH="152400" progId="Equation.DSMT4">
                   <p:embed/>
                   <p:pic>
                     <p:nvPicPr>
@@ -18489,7 +18489,7 @@
                       <p:nvPr/>
                     </p:nvPicPr>
                     <p:blipFill>
-                      <a:blip r:embed="rId9"/>
+                      <a:blip r:embed="rId10"/>
                       <a:stretch>
                         <a:fillRect/>
                       </a:stretch>
@@ -18532,12 +18532,12 @@
           <a:graphicData uri="http://schemas.openxmlformats.org/presentationml/2006/ole">
             <mc:AlternateContent xmlns:mc="http://schemas.openxmlformats.org/markup-compatibility/2006">
               <mc:Choice xmlns:v="urn:schemas-microsoft-com:vml" Requires="v">
-                <p:oleObj spid="_x0000_s14885" name="Equation" r:id="rId10" imgW="368300" imgH="241300" progId="Equation.DSMT4">
+                <p:oleObj spid="_x0000_s14893" name="Equation" r:id="rId11" imgW="368300" imgH="241300" progId="Equation.DSMT4">
                   <p:embed/>
                 </p:oleObj>
               </mc:Choice>
               <mc:Fallback>
-                <p:oleObj name="Equation" r:id="rId10" imgW="368300" imgH="241300" progId="Equation.DSMT4">
+                <p:oleObj name="Equation" r:id="rId11" imgW="368300" imgH="241300" progId="Equation.DSMT4">
                   <p:embed/>
                   <p:pic>
                     <p:nvPicPr>
@@ -18546,7 +18546,7 @@
                       <p:nvPr/>
                     </p:nvPicPr>
                     <p:blipFill>
-                      <a:blip r:embed="rId11"/>
+                      <a:blip r:embed="rId12"/>
                       <a:stretch>
                         <a:fillRect/>
                       </a:stretch>
@@ -18589,12 +18589,12 @@
           <a:graphicData uri="http://schemas.openxmlformats.org/presentationml/2006/ole">
             <mc:AlternateContent xmlns:mc="http://schemas.openxmlformats.org/markup-compatibility/2006">
               <mc:Choice xmlns:v="urn:schemas-microsoft-com:vml" Requires="v">
-                <p:oleObj spid="_x0000_s14886" name="Equation" r:id="rId12" imgW="127000" imgH="139700" progId="Equation.DSMT4">
+                <p:oleObj spid="_x0000_s14894" name="Equation" r:id="rId13" imgW="127000" imgH="139700" progId="Equation.DSMT4">
                   <p:embed/>
                 </p:oleObj>
               </mc:Choice>
               <mc:Fallback>
-                <p:oleObj name="Equation" r:id="rId12" imgW="127000" imgH="139700" progId="Equation.DSMT4">
+                <p:oleObj name="Equation" r:id="rId13" imgW="127000" imgH="139700" progId="Equation.DSMT4">
                   <p:embed/>
                   <p:pic>
                     <p:nvPicPr>
@@ -18603,7 +18603,7 @@
                       <p:nvPr/>
                     </p:nvPicPr>
                     <p:blipFill>
-                      <a:blip r:embed="rId13"/>
+                      <a:blip r:embed="rId14"/>
                       <a:stretch>
                         <a:fillRect/>
                       </a:stretch>
@@ -18646,12 +18646,12 @@
           <a:graphicData uri="http://schemas.openxmlformats.org/presentationml/2006/ole">
             <mc:AlternateContent xmlns:mc="http://schemas.openxmlformats.org/markup-compatibility/2006">
               <mc:Choice xmlns:v="urn:schemas-microsoft-com:vml" Requires="v">
-                <p:oleObj spid="_x0000_s14887" name="Equation" r:id="rId14" imgW="558800" imgH="241300" progId="Equation.DSMT4">
+                <p:oleObj spid="_x0000_s14895" name="Equation" r:id="rId15" imgW="558800" imgH="241300" progId="Equation.DSMT4">
                   <p:embed/>
                 </p:oleObj>
               </mc:Choice>
               <mc:Fallback>
-                <p:oleObj name="Equation" r:id="rId14" imgW="558800" imgH="241300" progId="Equation.DSMT4">
+                <p:oleObj name="Equation" r:id="rId15" imgW="558800" imgH="241300" progId="Equation.DSMT4">
                   <p:embed/>
                   <p:pic>
                     <p:nvPicPr>
@@ -18660,7 +18660,7 @@
                       <p:nvPr/>
                     </p:nvPicPr>
                     <p:blipFill>
-                      <a:blip r:embed="rId15"/>
+                      <a:blip r:embed="rId16"/>
                       <a:stretch>
                         <a:fillRect/>
                       </a:stretch>
@@ -19109,12 +19109,12 @@
           <a:graphicData uri="http://schemas.openxmlformats.org/presentationml/2006/ole">
             <mc:AlternateContent xmlns:mc="http://schemas.openxmlformats.org/markup-compatibility/2006">
               <mc:Choice xmlns:v="urn:schemas-microsoft-com:vml" Requires="v">
-                <p:oleObj spid="_x0000_s14888" name="Equation" r:id="rId16" imgW="88900" imgH="139700" progId="Equation.DSMT4">
+                <p:oleObj spid="_x0000_s14896" name="Equation" r:id="rId17" imgW="88900" imgH="139700" progId="Equation.DSMT4">
                   <p:embed/>
                 </p:oleObj>
               </mc:Choice>
               <mc:Fallback>
-                <p:oleObj name="Equation" r:id="rId16" imgW="88900" imgH="139700" progId="Equation.DSMT4">
+                <p:oleObj name="Equation" r:id="rId17" imgW="88900" imgH="139700" progId="Equation.DSMT4">
                   <p:embed/>
                   <p:pic>
                     <p:nvPicPr>
@@ -19123,7 +19123,7 @@
                       <p:nvPr/>
                     </p:nvPicPr>
                     <p:blipFill>
-                      <a:blip r:embed="rId17"/>
+                      <a:blip r:embed="rId18"/>
                       <a:stretch>
                         <a:fillRect/>
                       </a:stretch>
@@ -19486,7 +19486,7 @@
   <a:extraClrSchemeLst/>
   <a:extLst>
     <a:ext uri="{05A4C25C-085E-4340-85A3-A5531E510DB2}">
-      <thm15:themeFamily xmlns:thm15="http://schemas.microsoft.com/office/thememl/2012/main" xmlns="" name="プレゼンテーション7" id="{423002E4-7FD9-6640-9BE1-02790D05BA1E}" vid="{82099355-738F-7B4C-8B1D-DB529BAB30B7}"/>
+      <thm15:themeFamily xmlns="" xmlns:thm15="http://schemas.microsoft.com/office/thememl/2012/main" name="プレゼンテーション7" id="{423002E4-7FD9-6640-9BE1-02790D05BA1E}" vid="{82099355-738F-7B4C-8B1D-DB529BAB30B7}"/>
     </a:ext>
   </a:extLst>
 </a:theme>

--- a/03/009x_31.pptx
+++ b/03/009x_31.pptx
@@ -22,10 +22,10 @@
     <p:sldId id="272" r:id="rId10"/>
     <p:sldId id="279" r:id="rId11"/>
     <p:sldId id="276" r:id="rId12"/>
-    <p:sldId id="263" r:id="rId13"/>
-    <p:sldId id="277" r:id="rId14"/>
-    <p:sldId id="280" r:id="rId15"/>
-    <p:sldId id="265" r:id="rId16"/>
+    <p:sldId id="277" r:id="rId13"/>
+    <p:sldId id="280" r:id="rId14"/>
+    <p:sldId id="265" r:id="rId15"/>
+    <p:sldId id="263" r:id="rId16"/>
   </p:sldIdLst>
   <p:sldSz cx="12192000" cy="6858000"/>
   <p:notesSz cx="6858000" cy="9144000"/>
@@ -156,7 +156,7 @@
   </p:defaultTextStyle>
   <p:extLst>
     <p:ext uri="{EFAFB233-063F-42B5-8137-9DF3F51BA10A}">
-      <p15:sldGuideLst xmlns="" xmlns:p15="http://schemas.microsoft.com/office/powerpoint/2012/main">
+      <p15:sldGuideLst xmlns:p15="http://schemas.microsoft.com/office/powerpoint/2012/main">
         <p15:guide id="1" orient="horz" pos="2160" userDrawn="1">
           <p15:clr>
             <a:srgbClr val="A4A3A4"/>
@@ -170,7 +170,7 @@
       </p15:sldGuideLst>
     </p:ext>
     <p:ext uri="{2D200454-40CA-4A62-9FC3-DE9A4176ACB9}">
-      <p15:notesGuideLst xmlns="" xmlns:p15="http://schemas.microsoft.com/office/powerpoint/2012/main">
+      <p15:notesGuideLst xmlns:p15="http://schemas.microsoft.com/office/powerpoint/2012/main">
         <p15:guide id="1" orient="horz" pos="2880">
           <p15:clr>
             <a:srgbClr val="A4A3A4"/>
@@ -269,7 +269,7 @@
           <a:p>
             <a:fld id="{0412B963-281D-0642-81B7-06A60C2985AD}" type="datetime1">
               <a:rPr kumimoji="1" lang="ja-JP" altLang="en-US" smtClean="0"/>
-              <a:t>17/04/21</a:t>
+              <a:t>2017/5/24</a:t>
             </a:fld>
             <a:endParaRPr kumimoji="1" lang="ja-JP" altLang="en-US"/>
           </a:p>
@@ -459,7 +459,7 @@
             </a:pPr>
             <a:fld id="{0EE9D497-FB4E-3041-93C1-90E0C07422CD}" type="datetime1">
               <a:rPr lang="ja-JP" altLang="en-US" smtClean="0"/>
-              <a:t>17/04/21</a:t>
+              <a:t>2017/5/24</a:t>
             </a:fld>
             <a:endParaRPr lang="en-US"/>
           </a:p>
@@ -1417,12 +1417,8 @@
               <a:buChar char="•"/>
             </a:pPr>
             <a:r>
-              <a:rPr kumimoji="1" lang="en-US" altLang="ja-JP" dirty="0" smtClean="0"/>
-              <a:t>Using</a:t>
-            </a:r>
-            <a:r>
               <a:rPr kumimoji="1" lang="en-US" altLang="ja-JP" baseline="0" dirty="0" smtClean="0"/>
-              <a:t> the definition of the correlation function Eq.(9) and the inverse Fourier transform Eq.(2), we can derive the following useful theorem.</a:t>
+              <a:t>Now let us consider a more interesting case. Going back to the white noise example.</a:t>
             </a:r>
           </a:p>
           <a:p>
@@ -1432,7 +1428,7 @@
             </a:pPr>
             <a:r>
               <a:rPr kumimoji="1" lang="en-US" altLang="ja-JP" baseline="0" dirty="0" smtClean="0"/>
-              <a:t>First, we express the value of Y at time \t + \tau in terms of its Fourier components.</a:t>
+              <a:t>By definition, we know that the value of Y at any given time t, is uncorrelated with the value of Y at any other time t’.</a:t>
             </a:r>
           </a:p>
           <a:p>
@@ -1442,7 +1438,7 @@
             </a:pPr>
             <a:r>
               <a:rPr kumimoji="1" lang="en-US" altLang="ja-JP" baseline="0" dirty="0" smtClean="0"/>
-              <a:t>Second, we rearrange the integrals over \tau and \omega, and write the exponential of the sum as a product of exponentials. </a:t>
+              <a:t>In other words, knowing the value of Y at time t, does not tell me anything about future or past values of Y.</a:t>
             </a:r>
           </a:p>
           <a:p>
@@ -1452,7 +1448,7 @@
             </a:pPr>
             <a:r>
               <a:rPr kumimoji="1" lang="en-US" altLang="ja-JP" baseline="0" dirty="0" smtClean="0"/>
-              <a:t>The inner-most integral is nothing but the conjugate of the Fourier transform of Y(t) = Y(-\omega) = Y*(\omega).</a:t>
+              <a:t>This is exactly what we see when we calculate the autocorrelation function \phi(t), which is just a delta function centered at t=zero, with amplitude of A^2 .</a:t>
             </a:r>
           </a:p>
           <a:p>
@@ -1462,25 +1458,9 @@
             </a:pPr>
             <a:r>
               <a:rPr kumimoji="1" lang="en-US" altLang="ja-JP" baseline="0" dirty="0" smtClean="0"/>
-              <a:t>Finally, we identify the term in parenthesis as the power spectrum of Y(\omega), S(\omega).</a:t>
-            </a:r>
-          </a:p>
-          <a:p>
-            <a:pPr marL="171450" indent="-171450">
-              <a:buFont typeface="Arial"/>
-              <a:buChar char="•"/>
-            </a:pPr>
-            <a:endParaRPr kumimoji="1" lang="en-US" altLang="ja-JP" baseline="0" dirty="0" smtClean="0"/>
-          </a:p>
-          <a:p>
-            <a:pPr marL="171450" indent="-171450">
-              <a:buFont typeface="Arial"/>
-              <a:buChar char="•"/>
-            </a:pPr>
+              <a:t>This is what we have plotted on the right.</a:t>
+            </a:r>
             <a:endParaRPr kumimoji="1" lang="ja-JP" altLang="en-US" dirty="0" smtClean="0"/>
-          </a:p>
-          <a:p>
-            <a:endParaRPr kumimoji="1" lang="ja-JP" altLang="en-US" dirty="0"/>
           </a:p>
         </p:txBody>
       </p:sp>
@@ -1516,7 +1496,7 @@
     </p:spTree>
     <p:extLst>
       <p:ext uri="{BB962C8B-B14F-4D97-AF65-F5344CB8AC3E}">
-        <p14:creationId xmlns:p14="http://schemas.microsoft.com/office/powerpoint/2010/main" val="1747538605"/>
+        <p14:creationId xmlns:p14="http://schemas.microsoft.com/office/powerpoint/2010/main" val="541565507"/>
       </p:ext>
     </p:extLst>
   </p:cSld>
@@ -1580,8 +1560,12 @@
               <a:buChar char="•"/>
             </a:pPr>
             <a:r>
+              <a:rPr kumimoji="1" lang="en-US" altLang="ja-JP" dirty="0" smtClean="0"/>
+              <a:t>Using</a:t>
+            </a:r>
+            <a:r>
               <a:rPr kumimoji="1" lang="en-US" altLang="ja-JP" baseline="0" dirty="0" smtClean="0"/>
-              <a:t>Now let us consider a more interesting case. Going back to the white noise example.</a:t>
+              <a:t> the definition of the correlation function Eq.(9) and the inverse Fourier transform Eq.(2), we can derive the following useful theorem.</a:t>
             </a:r>
           </a:p>
           <a:p>
@@ -1591,7 +1575,7 @@
             </a:pPr>
             <a:r>
               <a:rPr kumimoji="1" lang="en-US" altLang="ja-JP" baseline="0" dirty="0" smtClean="0"/>
-              <a:t>By definition, we know that the value of Y at any given time t, is uncorrelated with the value of Y at any other time t’.</a:t>
+              <a:t>First, we express the value of Y at time \t + \tau in terms of its Fourier components.</a:t>
             </a:r>
           </a:p>
           <a:p>
@@ -1601,7 +1585,7 @@
             </a:pPr>
             <a:r>
               <a:rPr kumimoji="1" lang="en-US" altLang="ja-JP" baseline="0" dirty="0" smtClean="0"/>
-              <a:t>In other words, knowing the value of Y at time t, does not tell me anything about future or past values of Y.</a:t>
+              <a:t>Second, we rearrange the integrals over \tau and \omega, and write the exponential of the sum as a product of exponentials. </a:t>
             </a:r>
           </a:p>
           <a:p>
@@ -1611,7 +1595,7 @@
             </a:pPr>
             <a:r>
               <a:rPr kumimoji="1" lang="en-US" altLang="ja-JP" baseline="0" dirty="0" smtClean="0"/>
-              <a:t>This is exactly what we see when we calculate the autocorrelation function \phi(t), which is just a delta function centered at t=zero, with amplitude of A^2 .</a:t>
+              <a:t>The inner-most integral is nothing but the conjugate of the Fourier transform of Y(t) = Y(-\omega) = Y*(\omega).</a:t>
             </a:r>
           </a:p>
           <a:p>
@@ -1621,9 +1605,25 @@
             </a:pPr>
             <a:r>
               <a:rPr kumimoji="1" lang="en-US" altLang="ja-JP" baseline="0" dirty="0" smtClean="0"/>
-              <a:t>This is what we have plotted on the right.</a:t>
-            </a:r>
+              <a:t>Finally, we identify the term in parenthesis as the power spectrum of Y(\omega), S(\omega).</a:t>
+            </a:r>
+          </a:p>
+          <a:p>
+            <a:pPr marL="171450" indent="-171450">
+              <a:buFont typeface="Arial"/>
+              <a:buChar char="•"/>
+            </a:pPr>
+            <a:endParaRPr kumimoji="1" lang="en-US" altLang="ja-JP" baseline="0" dirty="0" smtClean="0"/>
+          </a:p>
+          <a:p>
+            <a:pPr marL="171450" indent="-171450">
+              <a:buFont typeface="Arial"/>
+              <a:buChar char="•"/>
+            </a:pPr>
             <a:endParaRPr kumimoji="1" lang="ja-JP" altLang="en-US" dirty="0" smtClean="0"/>
+          </a:p>
+          <a:p>
+            <a:endParaRPr kumimoji="1" lang="ja-JP" altLang="en-US" dirty="0"/>
           </a:p>
         </p:txBody>
       </p:sp>
@@ -1659,7 +1659,7 @@
     </p:spTree>
     <p:extLst>
       <p:ext uri="{BB962C8B-B14F-4D97-AF65-F5344CB8AC3E}">
-        <p14:creationId xmlns:p14="http://schemas.microsoft.com/office/powerpoint/2010/main" val="541565507"/>
+        <p14:creationId xmlns:p14="http://schemas.microsoft.com/office/powerpoint/2010/main" val="1747538605"/>
       </p:ext>
     </p:extLst>
   </p:cSld>
@@ -1724,11 +1724,11 @@
             </a:pPr>
             <a:r>
               <a:rPr kumimoji="1" lang="en-US" altLang="ja-JP" dirty="0" smtClean="0"/>
-              <a:t>Using</a:t>
+              <a:t>Thus, from Eq.(14)</a:t>
             </a:r>
             <a:r>
               <a:rPr kumimoji="1" lang="en-US" altLang="ja-JP" baseline="0" dirty="0" smtClean="0"/>
-              <a:t> the definition of the correlation function Eq.(9) and the inverse Fourier transform Eq.(2), we can derive the following useful theorem.</a:t>
+              <a:t> we immediately identify S(w) as the Fourier transform of the correlation function \phi(t).</a:t>
             </a:r>
           </a:p>
           <a:p>
@@ -1737,8 +1737,20 @@
               <a:buChar char="•"/>
             </a:pPr>
             <a:r>
+              <a:rPr kumimoji="1" lang="en-US" altLang="ja-JP" dirty="0" smtClean="0"/>
+              <a:t>This is an example of the famous Wiener</a:t>
+            </a:r>
+            <a:r>
               <a:rPr kumimoji="1" lang="en-US" altLang="ja-JP" baseline="0" dirty="0" smtClean="0"/>
-              <a:t>First, we express the value of Y at time \t + \tau in terms of its Fourier components.</a:t>
+              <a:t>-</a:t>
+            </a:r>
+            <a:r>
+              <a:rPr kumimoji="1" lang="en-US" altLang="ja-JP" baseline="0" dirty="0" err="1" smtClean="0"/>
+              <a:t>Khintchine</a:t>
+            </a:r>
+            <a:r>
+              <a:rPr kumimoji="1" lang="en-US" altLang="ja-JP" baseline="0" dirty="0" smtClean="0"/>
+              <a:t> theorem, which states that “The autocorrelation function of a stationary stochastic process is related to the spectral density or power spectrum of this process through a Fourier transform“.</a:t>
             </a:r>
           </a:p>
           <a:p>
@@ -1748,7 +1760,7 @@
             </a:pPr>
             <a:r>
               <a:rPr kumimoji="1" lang="en-US" altLang="ja-JP" baseline="0" dirty="0" smtClean="0"/>
-              <a:t>Second, we rearrange the integrals over \tau and \omega, and write the exponential of the sum as a product of exponentials. </a:t>
+              <a:t>Inspection of equations (14) and (15) allows us to derive the following simple expressions for the correlation function and power spectrum at zero time and frequency, represented by equations (16) and (17) respectively.</a:t>
             </a:r>
           </a:p>
           <a:p>
@@ -1758,32 +1770,8 @@
             </a:pPr>
             <a:r>
               <a:rPr kumimoji="1" lang="en-US" altLang="ja-JP" baseline="0" dirty="0" smtClean="0"/>
-              <a:t>The inner-most integral is nothing but the conjugate of the Fourier transform of Y(t) = Y(-\omega) = Y*(\omega).</a:t>
-            </a:r>
-          </a:p>
-          <a:p>
-            <a:pPr marL="171450" indent="-171450">
-              <a:buFont typeface="Arial"/>
-              <a:buChar char="•"/>
-            </a:pPr>
-            <a:r>
-              <a:rPr kumimoji="1" lang="en-US" altLang="ja-JP" baseline="0" dirty="0" smtClean="0"/>
-              <a:t>Finally, we identify the term in parenthesis as the power spectrum of Y(\omega), S(\omega).</a:t>
-            </a:r>
-          </a:p>
-          <a:p>
-            <a:pPr marL="171450" indent="-171450">
-              <a:buFont typeface="Arial"/>
-              <a:buChar char="•"/>
-            </a:pPr>
-            <a:endParaRPr kumimoji="1" lang="en-US" altLang="ja-JP" baseline="0" dirty="0" smtClean="0"/>
-          </a:p>
-          <a:p>
-            <a:pPr marL="171450" indent="-171450">
-              <a:buFont typeface="Arial"/>
-              <a:buChar char="•"/>
-            </a:pPr>
-            <a:endParaRPr kumimoji="1" lang="ja-JP" altLang="en-US" dirty="0" smtClean="0"/>
+              <a:t>These are called sum rules.</a:t>
+            </a:r>
           </a:p>
           <a:p>
             <a:endParaRPr kumimoji="1" lang="ja-JP" altLang="en-US" dirty="0"/>
@@ -1887,11 +1875,11 @@
             </a:pPr>
             <a:r>
               <a:rPr kumimoji="1" lang="en-US" altLang="ja-JP" dirty="0" smtClean="0"/>
-              <a:t>Thus, from Eq.(14)</a:t>
+              <a:t>Using</a:t>
             </a:r>
             <a:r>
               <a:rPr kumimoji="1" lang="en-US" altLang="ja-JP" baseline="0" dirty="0" smtClean="0"/>
-              <a:t> we immediately identify S(w) as the Fourier transform of the correlation function \phi(t).</a:t>
+              <a:t> the definition of the correlation function Eq.(9) and the inverse Fourier transform Eq.(2), we can derive the following useful theorem.</a:t>
             </a:r>
           </a:p>
           <a:p>
@@ -1900,20 +1888,8 @@
               <a:buChar char="•"/>
             </a:pPr>
             <a:r>
-              <a:rPr kumimoji="1" lang="en-US" altLang="ja-JP" dirty="0" smtClean="0"/>
-              <a:t>This is an example of the famous Wiener</a:t>
-            </a:r>
-            <a:r>
               <a:rPr kumimoji="1" lang="en-US" altLang="ja-JP" baseline="0" dirty="0" smtClean="0"/>
-              <a:t>-</a:t>
-            </a:r>
-            <a:r>
-              <a:rPr kumimoji="1" lang="en-US" altLang="ja-JP" baseline="0" dirty="0" err="1" smtClean="0"/>
-              <a:t>Khintchine</a:t>
-            </a:r>
-            <a:r>
-              <a:rPr kumimoji="1" lang="en-US" altLang="ja-JP" baseline="0" dirty="0" smtClean="0"/>
-              <a:t> theorem, which states that “The autocorrelation function of a stationary stochastic process is related to the spectral density or power spectrum of this process through a Fourier transform“.</a:t>
+              <a:t>First, we express the value of Y at time \t + \tau in terms of its Fourier components.</a:t>
             </a:r>
           </a:p>
           <a:p>
@@ -1923,7 +1899,7 @@
             </a:pPr>
             <a:r>
               <a:rPr kumimoji="1" lang="en-US" altLang="ja-JP" baseline="0" dirty="0" smtClean="0"/>
-              <a:t>Inspection of equations (14) and (15) allows us to derive the following simple expressions for the correlation function and power spectrum at zero time and frequency, represented by equations (16) and (17) respectively.</a:t>
+              <a:t>Second, we rearrange the integrals over \tau and \omega, and write the exponential of the sum as a product of exponentials. </a:t>
             </a:r>
           </a:p>
           <a:p>
@@ -1933,8 +1909,32 @@
             </a:pPr>
             <a:r>
               <a:rPr kumimoji="1" lang="en-US" altLang="ja-JP" baseline="0" dirty="0" smtClean="0"/>
-              <a:t>These are called sum rules.</a:t>
-            </a:r>
+              <a:t>The inner-most integral is nothing but the conjugate of the Fourier transform of Y(t) = Y(-\omega) = Y*(\omega).</a:t>
+            </a:r>
+          </a:p>
+          <a:p>
+            <a:pPr marL="171450" indent="-171450">
+              <a:buFont typeface="Arial"/>
+              <a:buChar char="•"/>
+            </a:pPr>
+            <a:r>
+              <a:rPr kumimoji="1" lang="en-US" altLang="ja-JP" baseline="0" dirty="0" smtClean="0"/>
+              <a:t>Finally, we identify the term in parenthesis as the power spectrum of Y(\omega), S(\omega).</a:t>
+            </a:r>
+          </a:p>
+          <a:p>
+            <a:pPr marL="171450" indent="-171450">
+              <a:buFont typeface="Arial"/>
+              <a:buChar char="•"/>
+            </a:pPr>
+            <a:endParaRPr kumimoji="1" lang="en-US" altLang="ja-JP" baseline="0" dirty="0" smtClean="0"/>
+          </a:p>
+          <a:p>
+            <a:pPr marL="171450" indent="-171450">
+              <a:buFont typeface="Arial"/>
+              <a:buChar char="•"/>
+            </a:pPr>
+            <a:endParaRPr kumimoji="1" lang="ja-JP" altLang="en-US" dirty="0" smtClean="0"/>
           </a:p>
           <a:p>
             <a:endParaRPr kumimoji="1" lang="ja-JP" altLang="en-US" dirty="0"/>
@@ -3754,7 +3754,7 @@
             </a:pPr>
             <a:fld id="{A023B52E-C3FC-A848-B8A7-4DBA8B1017FE}" type="datetime1">
               <a:rPr lang="ja-JP" altLang="en-US" smtClean="0"/>
-              <a:t>17/04/21</a:t>
+              <a:t>2017/5/24</a:t>
             </a:fld>
             <a:endParaRPr lang="en-US"/>
           </a:p>
@@ -4011,7 +4011,7 @@
             </a:pPr>
             <a:fld id="{2DE75801-1A6B-394A-B005-5786EC074A9B}" type="datetime1">
               <a:rPr lang="ja-JP" altLang="en-US" smtClean="0"/>
-              <a:t>17/04/21</a:t>
+              <a:t>2017/5/24</a:t>
             </a:fld>
             <a:endParaRPr lang="en-US"/>
           </a:p>
@@ -4246,7 +4246,7 @@
             </a:pPr>
             <a:fld id="{073DB193-1D39-D94F-8E40-C5EC80DBC0CC}" type="datetime1">
               <a:rPr lang="ja-JP" altLang="en-US" smtClean="0"/>
-              <a:t>17/04/21</a:t>
+              <a:t>2017/5/24</a:t>
             </a:fld>
             <a:endParaRPr lang="en-US"/>
           </a:p>
@@ -4751,7 +4751,7 @@
             </a:pPr>
             <a:fld id="{7D58C5EB-780A-E642-8BB9-48AF6B9A0C93}" type="datetime1">
               <a:rPr lang="ja-JP" altLang="en-US" smtClean="0"/>
-              <a:t>17/04/21</a:t>
+              <a:t>2017/5/24</a:t>
             </a:fld>
             <a:endParaRPr lang="en-US"/>
           </a:p>
@@ -4860,7 +4860,7 @@
   <p:timing>
     <p:tnLst>
       <p:par>
-        <p:cTn xmlns:p14="http://schemas.microsoft.com/office/powerpoint/2010/main" id="1" dur="indefinite" restart="never" nodeType="tmRoot"/>
+        <p:cTn id="1" dur="indefinite" restart="never" nodeType="tmRoot"/>
       </p:par>
     </p:tnLst>
   </p:timing>
@@ -5059,7 +5059,7 @@
             </a:pPr>
             <a:fld id="{EC559CBC-7087-6D41-8C71-6B6BCC6E0EE3}" type="datetime1">
               <a:rPr lang="ja-JP" altLang="en-US" smtClean="0"/>
-              <a:t>17/04/21</a:t>
+              <a:t>2017/5/24</a:t>
             </a:fld>
             <a:endParaRPr lang="en-US"/>
           </a:p>
@@ -5721,7 +5721,7 @@
             </a:pPr>
             <a:fld id="{342E31EE-E339-0841-B520-05F3A10B4FBF}" type="datetime1">
               <a:rPr lang="ja-JP" altLang="en-US" smtClean="0"/>
-              <a:t>17/04/21</a:t>
+              <a:t>2017/5/24</a:t>
             </a:fld>
             <a:endParaRPr lang="en-US"/>
           </a:p>
@@ -6513,7 +6513,7 @@
             </a:pPr>
             <a:fld id="{9C45F164-7935-224C-A922-3217B740A4E7}" type="datetime1">
               <a:rPr lang="ja-JP" altLang="en-US" smtClean="0"/>
-              <a:t>17/04/21</a:t>
+              <a:t>2017/5/24</a:t>
             </a:fld>
             <a:endParaRPr lang="en-US"/>
           </a:p>
@@ -6950,7 +6950,7 @@
             </a:pPr>
             <a:fld id="{84905C6B-2FEB-1741-BBF6-BD111E1D4EA0}" type="datetime1">
               <a:rPr lang="ja-JP" altLang="en-US" smtClean="0"/>
-              <a:t>17/04/21</a:t>
+              <a:t>2017/5/24</a:t>
             </a:fld>
             <a:endParaRPr lang="en-US"/>
           </a:p>
@@ -7281,7 +7281,7 @@
             </a:pPr>
             <a:fld id="{331FF03F-3229-1D47-9BC7-23D3C122EEFB}" type="datetime1">
               <a:rPr lang="ja-JP" altLang="en-US" smtClean="0"/>
-              <a:t>17/04/21</a:t>
+              <a:t>2017/5/24</a:t>
             </a:fld>
             <a:endParaRPr lang="en-US"/>
           </a:p>
@@ -7631,7 +7631,7 @@
             </a:pPr>
             <a:fld id="{9B242E05-CAC7-5E43-8B86-8A3E0256E9A3}" type="datetime1">
               <a:rPr lang="ja-JP" altLang="en-US" smtClean="0"/>
-              <a:t>17/04/21</a:t>
+              <a:t>2017/5/24</a:t>
             </a:fld>
             <a:endParaRPr lang="en-US"/>
           </a:p>
@@ -7914,7 +7914,7 @@
             </a:pPr>
             <a:fld id="{60626716-BD6C-D348-A5AA-41DF31DB35E1}" type="datetime1">
               <a:rPr lang="ja-JP" altLang="en-US" smtClean="0"/>
-              <a:t>17/04/21</a:t>
+              <a:t>2017/5/24</a:t>
             </a:fld>
             <a:endParaRPr lang="en-US"/>
           </a:p>
@@ -8205,7 +8205,7 @@
             </a:pPr>
             <a:fld id="{2062BAB6-2670-A84E-B27B-9C88D5D27877}" type="datetime1">
               <a:rPr lang="ja-JP" altLang="en-US" smtClean="0"/>
-              <a:t>17/04/21</a:t>
+              <a:t>2017/5/24</a:t>
             </a:fld>
             <a:endParaRPr lang="en-US"/>
           </a:p>
@@ -8887,7 +8887,7 @@
   <p:timing>
     <p:tnLst>
       <p:par>
-        <p:cTn xmlns:p14="http://schemas.microsoft.com/office/powerpoint/2010/main" id="1" dur="indefinite" restart="never" nodeType="tmRoot"/>
+        <p:cTn id="1" dur="indefinite" restart="never" nodeType="tmRoot"/>
       </p:par>
     </p:tnLst>
   </p:timing>
@@ -9154,12 +9154,12 @@
           <a:graphicData uri="http://schemas.openxmlformats.org/presentationml/2006/ole">
             <mc:AlternateContent xmlns:mc="http://schemas.openxmlformats.org/markup-compatibility/2006">
               <mc:Choice xmlns:v="urn:schemas-microsoft-com:vml" Requires="v">
-                <p:oleObj spid="_x0000_s33331" name="文書" r:id="rId5" imgW="4495800" imgH="596900" progId="Word.Document.12">
+                <p:oleObj spid="_x0000_s33352" name="文書" r:id="rId4" imgW="4495800" imgH="596900" progId="Word.Document.12">
                   <p:embed/>
                 </p:oleObj>
               </mc:Choice>
               <mc:Fallback>
-                <p:oleObj name="文書" r:id="rId5" imgW="4495800" imgH="596900" progId="Word.Document.12">
+                <p:oleObj name="文書" r:id="rId4" imgW="4495800" imgH="596900" progId="Word.Document.12">
                   <p:embed/>
                   <p:pic>
                     <p:nvPicPr>
@@ -9168,7 +9168,7 @@
                       <p:nvPr/>
                     </p:nvPicPr>
                     <p:blipFill>
-                      <a:blip r:embed="rId6"/>
+                      <a:blip r:embed="rId5"/>
                       <a:stretch>
                         <a:fillRect/>
                       </a:stretch>
@@ -9303,12 +9303,12 @@
           <a:graphicData uri="http://schemas.openxmlformats.org/presentationml/2006/ole">
             <mc:AlternateContent xmlns:mc="http://schemas.openxmlformats.org/markup-compatibility/2006">
               <mc:Choice xmlns:v="urn:schemas-microsoft-com:vml" Requires="v">
-                <p:oleObj spid="_x0000_s33332" name="Equation" r:id="rId7" imgW="190500" imgH="241300" progId="Equation.DSMT4">
+                <p:oleObj spid="_x0000_s33353" name="Equation" r:id="rId6" imgW="190500" imgH="241300" progId="Equation.DSMT4">
                   <p:embed/>
                 </p:oleObj>
               </mc:Choice>
               <mc:Fallback>
-                <p:oleObj name="Equation" r:id="rId7" imgW="190500" imgH="241300" progId="Equation.DSMT4">
+                <p:oleObj name="Equation" r:id="rId6" imgW="190500" imgH="241300" progId="Equation.DSMT4">
                   <p:embed/>
                   <p:pic>
                     <p:nvPicPr>
@@ -9317,7 +9317,7 @@
                       <p:nvPr/>
                     </p:nvPicPr>
                     <p:blipFill>
-                      <a:blip r:embed="rId8"/>
+                      <a:blip r:embed="rId7"/>
                       <a:stretch>
                         <a:fillRect/>
                       </a:stretch>
@@ -9360,12 +9360,12 @@
           <a:graphicData uri="http://schemas.openxmlformats.org/presentationml/2006/ole">
             <mc:AlternateContent xmlns:mc="http://schemas.openxmlformats.org/markup-compatibility/2006">
               <mc:Choice xmlns:v="urn:schemas-microsoft-com:vml" Requires="v">
-                <p:oleObj spid="_x0000_s33333" name="Equation" r:id="rId9" imgW="88900" imgH="139700" progId="Equation.DSMT4">
+                <p:oleObj spid="_x0000_s33354" name="Equation" r:id="rId8" imgW="88900" imgH="139700" progId="Equation.DSMT4">
                   <p:embed/>
                 </p:oleObj>
               </mc:Choice>
               <mc:Fallback>
-                <p:oleObj name="Equation" r:id="rId9" imgW="88900" imgH="139700" progId="Equation.DSMT4">
+                <p:oleObj name="Equation" r:id="rId8" imgW="88900" imgH="139700" progId="Equation.DSMT4">
                   <p:embed/>
                   <p:pic>
                     <p:nvPicPr>
@@ -9374,7 +9374,7 @@
                       <p:nvPr/>
                     </p:nvPicPr>
                     <p:blipFill>
-                      <a:blip r:embed="rId10"/>
+                      <a:blip r:embed="rId9"/>
                       <a:stretch>
                         <a:fillRect/>
                       </a:stretch>
@@ -9511,12 +9511,12 @@
           <a:graphicData uri="http://schemas.openxmlformats.org/presentationml/2006/ole">
             <mc:AlternateContent xmlns:mc="http://schemas.openxmlformats.org/markup-compatibility/2006">
               <mc:Choice xmlns:v="urn:schemas-microsoft-com:vml" Requires="v">
-                <p:oleObj spid="_x0000_s33334" name="Equation" r:id="rId11" imgW="812800" imgH="292100" progId="Equation.DSMT4">
+                <p:oleObj spid="_x0000_s33355" name="Equation" r:id="rId10" imgW="812800" imgH="292100" progId="Equation.DSMT4">
                   <p:embed/>
                 </p:oleObj>
               </mc:Choice>
               <mc:Fallback>
-                <p:oleObj name="Equation" r:id="rId11" imgW="812800" imgH="292100" progId="Equation.DSMT4">
+                <p:oleObj name="Equation" r:id="rId10" imgW="812800" imgH="292100" progId="Equation.DSMT4">
                   <p:embed/>
                   <p:pic>
                     <p:nvPicPr>
@@ -9525,7 +9525,7 @@
                       <p:nvPr/>
                     </p:nvPicPr>
                     <p:blipFill>
-                      <a:blip r:embed="rId12"/>
+                      <a:blip r:embed="rId11"/>
                       <a:stretch>
                         <a:fillRect/>
                       </a:stretch>
@@ -9762,12 +9762,12 @@
           <a:graphicData uri="http://schemas.openxmlformats.org/presentationml/2006/ole">
             <mc:AlternateContent xmlns:mc="http://schemas.openxmlformats.org/markup-compatibility/2006">
               <mc:Choice xmlns:v="urn:schemas-microsoft-com:vml" Requires="v">
-                <p:oleObj spid="_x0000_s33335" name="Equation" r:id="rId13" imgW="139700" imgH="152400" progId="Equation.DSMT4">
+                <p:oleObj spid="_x0000_s33356" name="Equation" r:id="rId12" imgW="139700" imgH="152400" progId="Equation.DSMT4">
                   <p:embed/>
                 </p:oleObj>
               </mc:Choice>
               <mc:Fallback>
-                <p:oleObj name="Equation" r:id="rId13" imgW="139700" imgH="152400" progId="Equation.DSMT4">
+                <p:oleObj name="Equation" r:id="rId12" imgW="139700" imgH="152400" progId="Equation.DSMT4">
                   <p:embed/>
                   <p:pic>
                     <p:nvPicPr>
@@ -9776,7 +9776,7 @@
                       <p:nvPr/>
                     </p:nvPicPr>
                     <p:blipFill>
-                      <a:blip r:embed="rId14"/>
+                      <a:blip r:embed="rId13"/>
                       <a:stretch>
                         <a:fillRect/>
                       </a:stretch>
@@ -9815,12 +9815,12 @@
           <a:graphicData uri="http://schemas.openxmlformats.org/presentationml/2006/ole">
             <mc:AlternateContent xmlns:mc="http://schemas.openxmlformats.org/markup-compatibility/2006">
               <mc:Choice xmlns:v="urn:schemas-microsoft-com:vml" Requires="v">
-                <p:oleObj spid="_x0000_s33336" name="Equation" r:id="rId15" imgW="304800" imgH="152400" progId="Equation.DSMT4">
+                <p:oleObj spid="_x0000_s33357" name="Equation" r:id="rId14" imgW="304800" imgH="152400" progId="Equation.DSMT4">
                   <p:embed/>
                 </p:oleObj>
               </mc:Choice>
               <mc:Fallback>
-                <p:oleObj name="Equation" r:id="rId15" imgW="304800" imgH="152400" progId="Equation.DSMT4">
+                <p:oleObj name="Equation" r:id="rId14" imgW="304800" imgH="152400" progId="Equation.DSMT4">
                   <p:embed/>
                   <p:pic>
                     <p:nvPicPr>
@@ -9829,7 +9829,7 @@
                       <p:nvPr/>
                     </p:nvPicPr>
                     <p:blipFill>
-                      <a:blip r:embed="rId16"/>
+                      <a:blip r:embed="rId15"/>
                       <a:stretch>
                         <a:fillRect/>
                       </a:stretch>
@@ -9868,12 +9868,12 @@
           <a:graphicData uri="http://schemas.openxmlformats.org/presentationml/2006/ole">
             <mc:AlternateContent xmlns:mc="http://schemas.openxmlformats.org/markup-compatibility/2006">
               <mc:Choice xmlns:v="urn:schemas-microsoft-com:vml" Requires="v">
-                <p:oleObj spid="_x0000_s33337" name="Equation" r:id="rId17" imgW="368300" imgH="241300" progId="Equation.DSMT4">
+                <p:oleObj spid="_x0000_s33358" name="Equation" r:id="rId16" imgW="368300" imgH="241300" progId="Equation.DSMT4">
                   <p:embed/>
                 </p:oleObj>
               </mc:Choice>
               <mc:Fallback>
-                <p:oleObj name="Equation" r:id="rId17" imgW="368300" imgH="241300" progId="Equation.DSMT4">
+                <p:oleObj name="Equation" r:id="rId16" imgW="368300" imgH="241300" progId="Equation.DSMT4">
                   <p:embed/>
                   <p:pic>
                     <p:nvPicPr>
@@ -9882,7 +9882,7 @@
                       <p:nvPr/>
                     </p:nvPicPr>
                     <p:blipFill>
-                      <a:blip r:embed="rId18"/>
+                      <a:blip r:embed="rId17"/>
                       <a:stretch>
                         <a:fillRect/>
                       </a:stretch>
@@ -9921,12 +9921,12 @@
           <a:graphicData uri="http://schemas.openxmlformats.org/presentationml/2006/ole">
             <mc:AlternateContent xmlns:mc="http://schemas.openxmlformats.org/markup-compatibility/2006">
               <mc:Choice xmlns:v="urn:schemas-microsoft-com:vml" Requires="v">
-                <p:oleObj spid="_x0000_s33338" name="Equation" r:id="rId19" imgW="127000" imgH="139700" progId="Equation.DSMT4">
+                <p:oleObj spid="_x0000_s33359" name="Equation" r:id="rId18" imgW="127000" imgH="139700" progId="Equation.DSMT4">
                   <p:embed/>
                 </p:oleObj>
               </mc:Choice>
               <mc:Fallback>
-                <p:oleObj name="Equation" r:id="rId19" imgW="127000" imgH="139700" progId="Equation.DSMT4">
+                <p:oleObj name="Equation" r:id="rId18" imgW="127000" imgH="139700" progId="Equation.DSMT4">
                   <p:embed/>
                   <p:pic>
                     <p:nvPicPr>
@@ -9935,7 +9935,7 @@
                       <p:nvPr/>
                     </p:nvPicPr>
                     <p:blipFill>
-                      <a:blip r:embed="rId20"/>
+                      <a:blip r:embed="rId19"/>
                       <a:stretch>
                         <a:fillRect/>
                       </a:stretch>
@@ -9974,12 +9974,12 @@
           <a:graphicData uri="http://schemas.openxmlformats.org/presentationml/2006/ole">
             <mc:AlternateContent xmlns:mc="http://schemas.openxmlformats.org/markup-compatibility/2006">
               <mc:Choice xmlns:v="urn:schemas-microsoft-com:vml" Requires="v">
-                <p:oleObj spid="_x0000_s33339" name="Equation" r:id="rId21" imgW="558800" imgH="241300" progId="Equation.DSMT4">
+                <p:oleObj spid="_x0000_s33360" name="Equation" r:id="rId20" imgW="558800" imgH="241300" progId="Equation.DSMT4">
                   <p:embed/>
                 </p:oleObj>
               </mc:Choice>
               <mc:Fallback>
-                <p:oleObj name="Equation" r:id="rId21" imgW="558800" imgH="241300" progId="Equation.DSMT4">
+                <p:oleObj name="Equation" r:id="rId20" imgW="558800" imgH="241300" progId="Equation.DSMT4">
                   <p:embed/>
                   <p:pic>
                     <p:nvPicPr>
@@ -9988,7 +9988,7 @@
                       <p:nvPr/>
                     </p:nvPicPr>
                     <p:blipFill>
-                      <a:blip r:embed="rId22"/>
+                      <a:blip r:embed="rId21"/>
                       <a:stretch>
                         <a:fillRect/>
                       </a:stretch>
@@ -10433,12 +10433,12 @@
           <a:graphicData uri="http://schemas.openxmlformats.org/presentationml/2006/ole">
             <mc:AlternateContent xmlns:mc="http://schemas.openxmlformats.org/markup-compatibility/2006">
               <mc:Choice xmlns:v="urn:schemas-microsoft-com:vml" Requires="v">
-                <p:oleObj spid="_x0000_s33340" name="Equation" r:id="rId23" imgW="88900" imgH="139700" progId="Equation.DSMT4">
+                <p:oleObj spid="_x0000_s33361" name="Equation" r:id="rId22" imgW="88900" imgH="139700" progId="Equation.DSMT4">
                   <p:embed/>
                 </p:oleObj>
               </mc:Choice>
               <mc:Fallback>
-                <p:oleObj name="Equation" r:id="rId23" imgW="88900" imgH="139700" progId="Equation.DSMT4">
+                <p:oleObj name="Equation" r:id="rId22" imgW="88900" imgH="139700" progId="Equation.DSMT4">
                   <p:embed/>
                   <p:pic>
                     <p:nvPicPr>
@@ -10447,7 +10447,7 @@
                       <p:nvPr/>
                     </p:nvPicPr>
                     <p:blipFill>
-                      <a:blip r:embed="rId24"/>
+                      <a:blip r:embed="rId23"/>
                       <a:stretch>
                         <a:fillRect/>
                       </a:stretch>
@@ -10521,7 +10521,7 @@
   <p:timing>
     <p:tnLst>
       <p:par>
-        <p:cTn xmlns:p14="http://schemas.microsoft.com/office/powerpoint/2010/main" id="1" dur="indefinite" restart="never" nodeType="tmRoot"/>
+        <p:cTn id="1" dur="indefinite" restart="never" nodeType="tmRoot"/>
       </p:par>
     </p:tnLst>
   </p:timing>
@@ -10567,12 +10567,12 @@
           <a:graphicData uri="http://schemas.openxmlformats.org/presentationml/2006/ole">
             <mc:AlternateContent xmlns:mc="http://schemas.openxmlformats.org/markup-compatibility/2006">
               <mc:Choice xmlns:v="urn:schemas-microsoft-com:vml" Requires="v">
-                <p:oleObj spid="_x0000_s27134" name="文書" r:id="rId5" imgW="4495800" imgH="2082800" progId="Word.Document.12">
+                <p:oleObj spid="_x0000_s27149" name="文書" r:id="rId4" imgW="4495800" imgH="2082800" progId="Word.Document.12">
                   <p:embed/>
                 </p:oleObj>
               </mc:Choice>
               <mc:Fallback>
-                <p:oleObj name="文書" r:id="rId5" imgW="4495800" imgH="2082800" progId="Word.Document.12">
+                <p:oleObj name="文書" r:id="rId4" imgW="4495800" imgH="2082800" progId="Word.Document.12">
                   <p:embed/>
                   <p:pic>
                     <p:nvPicPr>
@@ -10581,7 +10581,7 @@
                       <p:nvPr/>
                     </p:nvPicPr>
                     <p:blipFill>
-                      <a:blip r:embed="rId6"/>
+                      <a:blip r:embed="rId5"/>
                       <a:stretch>
                         <a:fillRect/>
                       </a:stretch>
@@ -10611,7 +10611,7 @@
           <p:nvPr/>
         </p:nvPicPr>
         <p:blipFill rotWithShape="1">
-          <a:blip r:embed="rId7">
+          <a:blip r:embed="rId6">
             <a:extLst>
               <a:ext uri="{28A0092B-C50C-407E-A947-70E740481C1C}">
                 <a14:useLocalDpi xmlns:a14="http://schemas.microsoft.com/office/drawing/2010/main" val="0"/>
@@ -10748,7 +10748,7 @@
           <p:nvPr/>
         </p:nvPicPr>
         <p:blipFill>
-          <a:blip r:embed="rId8"/>
+          <a:blip r:embed="rId7"/>
           <a:stretch>
             <a:fillRect/>
           </a:stretch>
@@ -10821,12 +10821,12 @@
           <a:graphicData uri="http://schemas.openxmlformats.org/presentationml/2006/ole">
             <mc:AlternateContent xmlns:mc="http://schemas.openxmlformats.org/markup-compatibility/2006">
               <mc:Choice xmlns:v="urn:schemas-microsoft-com:vml" Requires="v">
-                <p:oleObj spid="_x0000_s27135" name="Equation" r:id="rId9" imgW="88900" imgH="139700" progId="Equation.DSMT4">
+                <p:oleObj spid="_x0000_s27150" name="Equation" r:id="rId8" imgW="88900" imgH="139700" progId="Equation.DSMT4">
                   <p:embed/>
                 </p:oleObj>
               </mc:Choice>
               <mc:Fallback>
-                <p:oleObj name="Equation" r:id="rId9" imgW="88900" imgH="139700" progId="Equation.DSMT4">
+                <p:oleObj name="Equation" r:id="rId8" imgW="88900" imgH="139700" progId="Equation.DSMT4">
                   <p:embed/>
                   <p:pic>
                     <p:nvPicPr>
@@ -10835,7 +10835,7 @@
                       <p:nvPr/>
                     </p:nvPicPr>
                     <p:blipFill>
-                      <a:blip r:embed="rId10"/>
+                      <a:blip r:embed="rId9"/>
                       <a:stretch>
                         <a:fillRect/>
                       </a:stretch>
@@ -10950,12 +10950,12 @@
           <a:graphicData uri="http://schemas.openxmlformats.org/presentationml/2006/ole">
             <mc:AlternateContent xmlns:mc="http://schemas.openxmlformats.org/markup-compatibility/2006">
               <mc:Choice xmlns:v="urn:schemas-microsoft-com:vml" Requires="v">
-                <p:oleObj spid="_x0000_s27136" name="Equation" r:id="rId11" imgW="457200" imgH="254000" progId="Equation.DSMT4">
+                <p:oleObj spid="_x0000_s27151" name="Equation" r:id="rId10" imgW="457200" imgH="254000" progId="Equation.DSMT4">
                   <p:embed/>
                 </p:oleObj>
               </mc:Choice>
               <mc:Fallback>
-                <p:oleObj name="Equation" r:id="rId11" imgW="457200" imgH="254000" progId="Equation.DSMT4">
+                <p:oleObj name="Equation" r:id="rId10" imgW="457200" imgH="254000" progId="Equation.DSMT4">
                   <p:embed/>
                   <p:pic>
                     <p:nvPicPr>
@@ -10964,7 +10964,7 @@
                       <p:nvPr/>
                     </p:nvPicPr>
                     <p:blipFill>
-                      <a:blip r:embed="rId12"/>
+                      <a:blip r:embed="rId11"/>
                       <a:stretch>
                         <a:fillRect/>
                       </a:stretch>
@@ -11007,12 +11007,12 @@
           <a:graphicData uri="http://schemas.openxmlformats.org/presentationml/2006/ole">
             <mc:AlternateContent xmlns:mc="http://schemas.openxmlformats.org/markup-compatibility/2006">
               <mc:Choice xmlns:v="urn:schemas-microsoft-com:vml" Requires="v">
-                <p:oleObj spid="_x0000_s27137" name="Equation" r:id="rId13" imgW="88900" imgH="139700" progId="Equation.DSMT4">
+                <p:oleObj spid="_x0000_s27152" name="Equation" r:id="rId12" imgW="88900" imgH="139700" progId="Equation.DSMT4">
                   <p:embed/>
                 </p:oleObj>
               </mc:Choice>
               <mc:Fallback>
-                <p:oleObj name="Equation" r:id="rId13" imgW="88900" imgH="139700" progId="Equation.DSMT4">
+                <p:oleObj name="Equation" r:id="rId12" imgW="88900" imgH="139700" progId="Equation.DSMT4">
                   <p:embed/>
                   <p:pic>
                     <p:nvPicPr>
@@ -11021,7 +11021,7 @@
                       <p:nvPr/>
                     </p:nvPicPr>
                     <p:blipFill>
-                      <a:blip r:embed="rId14"/>
+                      <a:blip r:embed="rId13"/>
                       <a:stretch>
                         <a:fillRect/>
                       </a:stretch>
@@ -11064,12 +11064,12 @@
           <a:graphicData uri="http://schemas.openxmlformats.org/presentationml/2006/ole">
             <mc:AlternateContent xmlns:mc="http://schemas.openxmlformats.org/markup-compatibility/2006">
               <mc:Choice xmlns:v="urn:schemas-microsoft-com:vml" Requires="v">
-                <p:oleObj spid="_x0000_s27138" name="Equation" r:id="rId15" imgW="241300" imgH="165100" progId="Equation.DSMT4">
+                <p:oleObj spid="_x0000_s27153" name="Equation" r:id="rId14" imgW="241300" imgH="165100" progId="Equation.DSMT4">
                   <p:embed/>
                 </p:oleObj>
               </mc:Choice>
               <mc:Fallback>
-                <p:oleObj name="Equation" r:id="rId15" imgW="241300" imgH="165100" progId="Equation.DSMT4">
+                <p:oleObj name="Equation" r:id="rId14" imgW="241300" imgH="165100" progId="Equation.DSMT4">
                   <p:embed/>
                   <p:pic>
                     <p:nvPicPr>
@@ -11078,7 +11078,7 @@
                       <p:nvPr/>
                     </p:nvPicPr>
                     <p:blipFill>
-                      <a:blip r:embed="rId16"/>
+                      <a:blip r:embed="rId15"/>
                       <a:stretch>
                         <a:fillRect/>
                       </a:stretch>
@@ -11121,12 +11121,12 @@
           <a:graphicData uri="http://schemas.openxmlformats.org/presentationml/2006/ole">
             <mc:AlternateContent xmlns:mc="http://schemas.openxmlformats.org/markup-compatibility/2006">
               <mc:Choice xmlns:v="urn:schemas-microsoft-com:vml" Requires="v">
-                <p:oleObj spid="_x0000_s27139" name="Equation" r:id="rId17" imgW="241300" imgH="165100" progId="Equation.DSMT4">
+                <p:oleObj spid="_x0000_s27154" name="Equation" r:id="rId16" imgW="241300" imgH="165100" progId="Equation.DSMT4">
                   <p:embed/>
                 </p:oleObj>
               </mc:Choice>
               <mc:Fallback>
-                <p:oleObj name="Equation" r:id="rId17" imgW="241300" imgH="165100" progId="Equation.DSMT4">
+                <p:oleObj name="Equation" r:id="rId16" imgW="241300" imgH="165100" progId="Equation.DSMT4">
                   <p:embed/>
                   <p:pic>
                     <p:nvPicPr>
@@ -11135,7 +11135,7 @@
                       <p:nvPr/>
                     </p:nvPicPr>
                     <p:blipFill>
-                      <a:blip r:embed="rId18"/>
+                      <a:blip r:embed="rId17"/>
                       <a:stretch>
                         <a:fillRect/>
                       </a:stretch>
@@ -11260,12 +11260,12 @@
           <a:graphicData uri="http://schemas.openxmlformats.org/presentationml/2006/ole">
             <mc:AlternateContent xmlns:mc="http://schemas.openxmlformats.org/markup-compatibility/2006">
               <mc:Choice xmlns:v="urn:schemas-microsoft-com:vml" Requires="v">
-                <p:oleObj spid="_x0000_s27140" name="Equation" r:id="rId19" imgW="457200" imgH="254000" progId="Equation.DSMT4">
+                <p:oleObj spid="_x0000_s27155" name="Equation" r:id="rId18" imgW="457200" imgH="254000" progId="Equation.DSMT4">
                   <p:embed/>
                 </p:oleObj>
               </mc:Choice>
               <mc:Fallback>
-                <p:oleObj name="Equation" r:id="rId19" imgW="457200" imgH="254000" progId="Equation.DSMT4">
+                <p:oleObj name="Equation" r:id="rId18" imgW="457200" imgH="254000" progId="Equation.DSMT4">
                   <p:embed/>
                   <p:pic>
                     <p:nvPicPr>
@@ -11274,7 +11274,7 @@
                       <p:nvPr/>
                     </p:nvPicPr>
                     <p:blipFill>
-                      <a:blip r:embed="rId20"/>
+                      <a:blip r:embed="rId19"/>
                       <a:stretch>
                         <a:fillRect/>
                       </a:stretch>
@@ -11316,7 +11316,7 @@
   <p:timing>
     <p:tnLst>
       <p:par>
-        <p:cTn xmlns:p14="http://schemas.microsoft.com/office/powerpoint/2010/main" id="1" dur="indefinite" restart="never" nodeType="tmRoot"/>
+        <p:cTn id="1" dur="indefinite" restart="never" nodeType="tmRoot"/>
       </p:par>
     </p:tnLst>
   </p:timing>
@@ -11431,216 +11431,6 @@
           <p:nvPr>
             <p:extLst>
               <p:ext uri="{D42A27DB-BD31-4B8C-83A1-F6EECF244321}">
-                <p14:modId xmlns:p14="http://schemas.microsoft.com/office/powerpoint/2010/main" val="2165773464"/>
-              </p:ext>
-            </p:extLst>
-          </p:nvPr>
-        </p:nvGraphicFramePr>
-        <p:xfrm>
-          <a:off x="473075" y="1039813"/>
-          <a:ext cx="11239500" cy="5080000"/>
-        </p:xfrm>
-        <a:graphic>
-          <a:graphicData uri="http://schemas.openxmlformats.org/presentationml/2006/ole">
-            <mc:AlternateContent xmlns:mc="http://schemas.openxmlformats.org/markup-compatibility/2006">
-              <mc:Choice xmlns:v="urn:schemas-microsoft-com:vml" Requires="v">
-                <p:oleObj spid="_x0000_s5281" name="文書" r:id="rId5" imgW="4495800" imgH="2032000" progId="Word.Document.12">
-                  <p:embed/>
-                </p:oleObj>
-              </mc:Choice>
-              <mc:Fallback>
-                <p:oleObj name="文書" r:id="rId5" imgW="4495800" imgH="2032000" progId="Word.Document.12">
-                  <p:embed/>
-                  <p:pic>
-                    <p:nvPicPr>
-                      <p:cNvPr id="0" name=""/>
-                      <p:cNvPicPr/>
-                      <p:nvPr/>
-                    </p:nvPicPr>
-                    <p:blipFill>
-                      <a:blip r:embed="rId6"/>
-                      <a:stretch>
-                        <a:fillRect/>
-                      </a:stretch>
-                    </p:blipFill>
-                    <p:spPr>
-                      <a:xfrm>
-                        <a:off x="473075" y="1039813"/>
-                        <a:ext cx="11239500" cy="5080000"/>
-                      </a:xfrm>
-                      <a:prstGeom prst="rect">
-                        <a:avLst/>
-                      </a:prstGeom>
-                    </p:spPr>
-                  </p:pic>
-                </p:oleObj>
-              </mc:Fallback>
-            </mc:AlternateContent>
-          </a:graphicData>
-        </a:graphic>
-      </p:graphicFrame>
-      <p:sp>
-        <p:nvSpPr>
-          <p:cNvPr id="2" name="テキスト ボックス 1"/>
-          <p:cNvSpPr txBox="1"/>
-          <p:nvPr/>
-        </p:nvSpPr>
-        <p:spPr>
-          <a:xfrm>
-            <a:off x="1424510" y="4839427"/>
-            <a:ext cx="184666" cy="369332"/>
-          </a:xfrm>
-          <a:prstGeom prst="rect">
-            <a:avLst/>
-          </a:prstGeom>
-          <a:noFill/>
-        </p:spPr>
-        <p:txBody>
-          <a:bodyPr wrap="none" rtlCol="0">
-            <a:spAutoFit/>
-          </a:bodyPr>
-          <a:lstStyle/>
-          <a:p>
-            <a:endParaRPr kumimoji="1" lang="ja-JP" altLang="en-US" dirty="0"/>
-          </a:p>
-        </p:txBody>
-      </p:sp>
-    </p:spTree>
-    <p:extLst>
-      <p:ext uri="{BB962C8B-B14F-4D97-AF65-F5344CB8AC3E}">
-        <p14:creationId xmlns:p14="http://schemas.microsoft.com/office/powerpoint/2010/main" val="1858960184"/>
-      </p:ext>
-    </p:extLst>
-  </p:cSld>
-  <p:clrMapOvr>
-    <a:masterClrMapping/>
-  </p:clrMapOvr>
-  <mc:AlternateContent xmlns:mc="http://schemas.openxmlformats.org/markup-compatibility/2006" xmlns:p14="http://schemas.microsoft.com/office/powerpoint/2010/main">
-    <mc:Choice Requires="p14">
-      <p:transition spd="slow" p14:dur="2000"/>
-    </mc:Choice>
-    <mc:Fallback xmlns="">
-      <p:transition xmlns:p14="http://schemas.microsoft.com/office/powerpoint/2010/main" spd="slow"/>
-    </mc:Fallback>
-  </mc:AlternateContent>
-  <p:timing>
-    <p:tnLst>
-      <p:par>
-        <p:cTn xmlns:p14="http://schemas.microsoft.com/office/powerpoint/2010/main" id="1" dur="indefinite" restart="never" nodeType="tmRoot"/>
-      </p:par>
-    </p:tnLst>
-  </p:timing>
-</p:sld>
-</file>
-
-<file path=ppt/slides/slide13.xml><?xml version="1.0" encoding="utf-8"?>
-<p:sld xmlns:a="http://schemas.openxmlformats.org/drawingml/2006/main" xmlns:r="http://schemas.openxmlformats.org/officeDocument/2006/relationships" xmlns:p="http://schemas.openxmlformats.org/presentationml/2006/main">
-  <p:cSld>
-    <p:spTree>
-      <p:nvGrpSpPr>
-        <p:cNvPr id="1" name=""/>
-        <p:cNvGrpSpPr/>
-        <p:nvPr/>
-      </p:nvGrpSpPr>
-      <p:grpSpPr>
-        <a:xfrm>
-          <a:off x="0" y="0"/>
-          <a:ext cx="0" cy="0"/>
-          <a:chOff x="0" y="0"/>
-          <a:chExt cx="0" cy="0"/>
-        </a:xfrm>
-      </p:grpSpPr>
-      <p:sp>
-        <p:nvSpPr>
-          <p:cNvPr id="3" name="タイトル 2"/>
-          <p:cNvSpPr>
-            <a:spLocks noGrp="1"/>
-          </p:cNvSpPr>
-          <p:nvPr>
-            <p:ph type="title"/>
-          </p:nvPr>
-        </p:nvSpPr>
-        <p:spPr/>
-        <p:txBody>
-          <a:bodyPr/>
-          <a:lstStyle/>
-          <a:p>
-            <a:r>
-              <a:rPr lang="en-US" altLang="ja-JP" dirty="0" smtClean="0"/>
-              <a:t>Stochastic </a:t>
-            </a:r>
-            <a:r>
-              <a:rPr lang="en-US" altLang="ja-JP" dirty="0"/>
-              <a:t>process</a:t>
-            </a:r>
-            <a:endParaRPr lang="ja-JP" altLang="en-US" dirty="0"/>
-          </a:p>
-        </p:txBody>
-      </p:sp>
-      <p:sp>
-        <p:nvSpPr>
-          <p:cNvPr id="5" name="スライド番号プレースホルダー 4"/>
-          <p:cNvSpPr>
-            <a:spLocks noGrp="1"/>
-          </p:cNvSpPr>
-          <p:nvPr>
-            <p:ph type="sldNum" sz="quarter" idx="12"/>
-          </p:nvPr>
-        </p:nvSpPr>
-        <p:spPr/>
-        <p:txBody>
-          <a:bodyPr/>
-          <a:lstStyle/>
-          <a:p>
-            <a:pPr>
-              <a:defRPr/>
-            </a:pPr>
-            <a:fld id="{5BC7FEBF-A170-470C-A369-F0D066FB58E5}" type="slidenum">
-              <a:rPr lang="en-US" smtClean="0"/>
-              <a:pPr>
-                <a:defRPr/>
-              </a:pPr>
-              <a:t>13</a:t>
-            </a:fld>
-            <a:endParaRPr lang="en-US"/>
-          </a:p>
-        </p:txBody>
-      </p:sp>
-      <p:sp>
-        <p:nvSpPr>
-          <p:cNvPr id="6" name="フッター プレースホルダー 5"/>
-          <p:cNvSpPr>
-            <a:spLocks noGrp="1"/>
-          </p:cNvSpPr>
-          <p:nvPr>
-            <p:ph type="ftr" sz="quarter" idx="11"/>
-          </p:nvPr>
-        </p:nvSpPr>
-        <p:spPr/>
-        <p:txBody>
-          <a:bodyPr/>
-          <a:lstStyle/>
-          <a:p>
-            <a:pPr algn="r">
-              <a:defRPr/>
-            </a:pPr>
-            <a:r>
-              <a:rPr lang="en-US" dirty="0" smtClean="0"/>
-              <a:t>R. Yamamoto, Kyoto University</a:t>
-            </a:r>
-            <a:endParaRPr lang="en-US" dirty="0"/>
-          </a:p>
-        </p:txBody>
-      </p:sp>
-      <p:graphicFrame>
-        <p:nvGraphicFramePr>
-          <p:cNvPr id="8" name="オブジェクト 7"/>
-          <p:cNvGraphicFramePr>
-            <a:graphicFrameLocks noChangeAspect="1"/>
-          </p:cNvGraphicFramePr>
-          <p:nvPr>
-            <p:extLst>
-              <p:ext uri="{D42A27DB-BD31-4B8C-83A1-F6EECF244321}">
                 <p14:modId xmlns:p14="http://schemas.microsoft.com/office/powerpoint/2010/main" val="2503119611"/>
               </p:ext>
             </p:extLst>
@@ -11654,12 +11444,12 @@
           <a:graphicData uri="http://schemas.openxmlformats.org/presentationml/2006/ole">
             <mc:AlternateContent xmlns:mc="http://schemas.openxmlformats.org/markup-compatibility/2006">
               <mc:Choice xmlns:v="urn:schemas-microsoft-com:vml" Requires="v">
-                <p:oleObj spid="_x0000_s28071" name="文書" r:id="rId5" imgW="4495800" imgH="1905000" progId="Word.Document.12">
+                <p:oleObj spid="_x0000_s28082" name="文書" r:id="rId4" imgW="4495800" imgH="1905000" progId="Word.Document.12">
                   <p:embed/>
                 </p:oleObj>
               </mc:Choice>
               <mc:Fallback>
-                <p:oleObj name="文書" r:id="rId5" imgW="4495800" imgH="1905000" progId="Word.Document.12">
+                <p:oleObj name="文書" r:id="rId4" imgW="4495800" imgH="1905000" progId="Word.Document.12">
                   <p:embed/>
                   <p:pic>
                     <p:nvPicPr>
@@ -11668,7 +11458,7 @@
                       <p:nvPr/>
                     </p:nvPicPr>
                     <p:blipFill>
-                      <a:blip r:embed="rId6"/>
+                      <a:blip r:embed="rId5"/>
                       <a:stretch>
                         <a:fillRect/>
                       </a:stretch>
@@ -11724,7 +11514,7 @@
           <p:nvPr/>
         </p:nvPicPr>
         <p:blipFill rotWithShape="1">
-          <a:blip r:embed="rId7"/>
+          <a:blip r:embed="rId6"/>
           <a:srcRect l="9410" t="7762" r="8487" b="9850"/>
           <a:stretch/>
         </p:blipFill>
@@ -11796,12 +11586,12 @@
           <a:graphicData uri="http://schemas.openxmlformats.org/presentationml/2006/ole">
             <mc:AlternateContent xmlns:mc="http://schemas.openxmlformats.org/markup-compatibility/2006">
               <mc:Choice xmlns:v="urn:schemas-microsoft-com:vml" Requires="v">
-                <p:oleObj spid="_x0000_s28072" name="Equation" r:id="rId8" imgW="88900" imgH="139700" progId="Equation.DSMT4">
+                <p:oleObj spid="_x0000_s28083" name="Equation" r:id="rId7" imgW="88900" imgH="139700" progId="Equation.DSMT4">
                   <p:embed/>
                 </p:oleObj>
               </mc:Choice>
               <mc:Fallback>
-                <p:oleObj name="Equation" r:id="rId8" imgW="88900" imgH="139700" progId="Equation.DSMT4">
+                <p:oleObj name="Equation" r:id="rId7" imgW="88900" imgH="139700" progId="Equation.DSMT4">
                   <p:embed/>
                   <p:pic>
                     <p:nvPicPr>
@@ -11810,7 +11600,7 @@
                       <p:nvPr/>
                     </p:nvPicPr>
                     <p:blipFill>
-                      <a:blip r:embed="rId9"/>
+                      <a:blip r:embed="rId8"/>
                       <a:stretch>
                         <a:fillRect/>
                       </a:stretch>
@@ -11961,12 +11751,12 @@
           <a:graphicData uri="http://schemas.openxmlformats.org/presentationml/2006/ole">
             <mc:AlternateContent xmlns:mc="http://schemas.openxmlformats.org/markup-compatibility/2006">
               <mc:Choice xmlns:v="urn:schemas-microsoft-com:vml" Requires="v">
-                <p:oleObj spid="_x0000_s28073" name="Equation" r:id="rId10" imgW="88900" imgH="139700" progId="Equation.DSMT4">
+                <p:oleObj spid="_x0000_s28084" name="Equation" r:id="rId9" imgW="88900" imgH="139700" progId="Equation.DSMT4">
                   <p:embed/>
                 </p:oleObj>
               </mc:Choice>
               <mc:Fallback>
-                <p:oleObj name="Equation" r:id="rId10" imgW="88900" imgH="139700" progId="Equation.DSMT4">
+                <p:oleObj name="Equation" r:id="rId9" imgW="88900" imgH="139700" progId="Equation.DSMT4">
                   <p:embed/>
                   <p:pic>
                     <p:nvPicPr>
@@ -11975,7 +11765,7 @@
                       <p:nvPr/>
                     </p:nvPicPr>
                     <p:blipFill>
-                      <a:blip r:embed="rId11"/>
+                      <a:blip r:embed="rId10"/>
                       <a:stretch>
                         <a:fillRect/>
                       </a:stretch>
@@ -12054,12 +11844,12 @@
           <a:graphicData uri="http://schemas.openxmlformats.org/presentationml/2006/ole">
             <mc:AlternateContent xmlns:mc="http://schemas.openxmlformats.org/markup-compatibility/2006">
               <mc:Choice xmlns:v="urn:schemas-microsoft-com:vml" Requires="v">
-                <p:oleObj spid="_x0000_s28074" name="Equation" r:id="rId12" imgW="241300" imgH="165100" progId="Equation.DSMT4">
+                <p:oleObj spid="_x0000_s28085" name="Equation" r:id="rId11" imgW="241300" imgH="165100" progId="Equation.DSMT4">
                   <p:embed/>
                 </p:oleObj>
               </mc:Choice>
               <mc:Fallback>
-                <p:oleObj name="Equation" r:id="rId12" imgW="241300" imgH="165100" progId="Equation.DSMT4">
+                <p:oleObj name="Equation" r:id="rId11" imgW="241300" imgH="165100" progId="Equation.DSMT4">
                   <p:embed/>
                   <p:pic>
                     <p:nvPicPr>
@@ -12068,7 +11858,7 @@
                       <p:nvPr/>
                     </p:nvPicPr>
                     <p:blipFill>
-                      <a:blip r:embed="rId13"/>
+                      <a:blip r:embed="rId12"/>
                       <a:stretch>
                         <a:fillRect/>
                       </a:stretch>
@@ -12111,12 +11901,12 @@
           <a:graphicData uri="http://schemas.openxmlformats.org/presentationml/2006/ole">
             <mc:AlternateContent xmlns:mc="http://schemas.openxmlformats.org/markup-compatibility/2006">
               <mc:Choice xmlns:v="urn:schemas-microsoft-com:vml" Requires="v">
-                <p:oleObj spid="_x0000_s28075" name="Equation" r:id="rId14" imgW="241300" imgH="165100" progId="Equation.DSMT4">
+                <p:oleObj spid="_x0000_s28086" name="Equation" r:id="rId13" imgW="241300" imgH="165100" progId="Equation.DSMT4">
                   <p:embed/>
                 </p:oleObj>
               </mc:Choice>
               <mc:Fallback>
-                <p:oleObj name="Equation" r:id="rId14" imgW="241300" imgH="165100" progId="Equation.DSMT4">
+                <p:oleObj name="Equation" r:id="rId13" imgW="241300" imgH="165100" progId="Equation.DSMT4">
                   <p:embed/>
                   <p:pic>
                     <p:nvPicPr>
@@ -12125,7 +11915,7 @@
                       <p:nvPr/>
                     </p:nvPicPr>
                     <p:blipFill>
-                      <a:blip r:embed="rId15"/>
+                      <a:blip r:embed="rId14"/>
                       <a:stretch>
                         <a:fillRect/>
                       </a:stretch>
@@ -12159,14 +11949,14 @@
   <p:timing>
     <p:tnLst>
       <p:par>
-        <p:cTn xmlns:p14="http://schemas.microsoft.com/office/powerpoint/2010/main" id="1" dur="indefinite" restart="never" nodeType="tmRoot"/>
+        <p:cTn id="1" dur="indefinite" restart="never" nodeType="tmRoot"/>
       </p:par>
     </p:tnLst>
   </p:timing>
 </p:sld>
 </file>
 
-<file path=ppt/slides/slide14.xml><?xml version="1.0" encoding="utf-8"?>
+<file path=ppt/slides/slide13.xml><?xml version="1.0" encoding="utf-8"?>
 <p:sld xmlns:a="http://schemas.openxmlformats.org/drawingml/2006/main" xmlns:r="http://schemas.openxmlformats.org/officeDocument/2006/relationships" xmlns:p="http://schemas.openxmlformats.org/presentationml/2006/main">
   <p:cSld>
     <p:spTree>
@@ -12233,7 +12023,7 @@
               <a:pPr>
                 <a:defRPr/>
               </a:pPr>
-              <a:t>14</a:t>
+              <a:t>13</a:t>
             </a:fld>
             <a:endParaRPr lang="en-US"/>
           </a:p>
@@ -12287,7 +12077,7 @@
           <a:graphicData uri="http://schemas.openxmlformats.org/presentationml/2006/ole">
             <mc:AlternateContent xmlns:mc="http://schemas.openxmlformats.org/markup-compatibility/2006">
               <mc:Choice xmlns:v="urn:schemas-microsoft-com:vml" Requires="v">
-                <p:oleObj spid="_x0000_s43014" name="文書" r:id="rId4" imgW="4495800" imgH="1981200" progId="Word.Document.12">
+                <p:oleObj spid="_x0000_s43017" name="文書" r:id="rId4" imgW="4495800" imgH="1981200" progId="Word.Document.12">
                   <p:embed/>
                 </p:oleObj>
               </mc:Choice>
@@ -12361,7 +12151,209 @@
   <p:timing>
     <p:tnLst>
       <p:par>
-        <p:cTn xmlns:p14="http://schemas.microsoft.com/office/powerpoint/2010/main" id="1" dur="indefinite" restart="never" nodeType="tmRoot"/>
+        <p:cTn id="1" dur="indefinite" restart="never" nodeType="tmRoot"/>
+      </p:par>
+    </p:tnLst>
+  </p:timing>
+</p:sld>
+</file>
+
+<file path=ppt/slides/slide14.xml><?xml version="1.0" encoding="utf-8"?>
+<p:sld xmlns:a="http://schemas.openxmlformats.org/drawingml/2006/main" xmlns:r="http://schemas.openxmlformats.org/officeDocument/2006/relationships" xmlns:p="http://schemas.openxmlformats.org/presentationml/2006/main">
+  <p:cSld>
+    <p:spTree>
+      <p:nvGrpSpPr>
+        <p:cNvPr id="1" name=""/>
+        <p:cNvGrpSpPr/>
+        <p:nvPr/>
+      </p:nvGrpSpPr>
+      <p:grpSpPr>
+        <a:xfrm>
+          <a:off x="0" y="0"/>
+          <a:ext cx="0" cy="0"/>
+          <a:chOff x="0" y="0"/>
+          <a:chExt cx="0" cy="0"/>
+        </a:xfrm>
+      </p:grpSpPr>
+      <p:sp>
+        <p:nvSpPr>
+          <p:cNvPr id="3" name="タイトル 2"/>
+          <p:cNvSpPr>
+            <a:spLocks noGrp="1"/>
+          </p:cNvSpPr>
+          <p:nvPr>
+            <p:ph type="title"/>
+          </p:nvPr>
+        </p:nvSpPr>
+        <p:spPr/>
+        <p:txBody>
+          <a:bodyPr/>
+          <a:lstStyle/>
+          <a:p>
+            <a:r>
+              <a:rPr lang="en-US" altLang="ja-JP" dirty="0" smtClean="0"/>
+              <a:t>Stochastic </a:t>
+            </a:r>
+            <a:r>
+              <a:rPr lang="en-US" altLang="ja-JP" dirty="0"/>
+              <a:t>process</a:t>
+            </a:r>
+            <a:endParaRPr lang="ja-JP" altLang="en-US" dirty="0"/>
+          </a:p>
+        </p:txBody>
+      </p:sp>
+      <p:sp>
+        <p:nvSpPr>
+          <p:cNvPr id="5" name="スライド番号プレースホルダー 4"/>
+          <p:cNvSpPr>
+            <a:spLocks noGrp="1"/>
+          </p:cNvSpPr>
+          <p:nvPr>
+            <p:ph type="sldNum" sz="quarter" idx="12"/>
+          </p:nvPr>
+        </p:nvSpPr>
+        <p:spPr/>
+        <p:txBody>
+          <a:bodyPr/>
+          <a:lstStyle/>
+          <a:p>
+            <a:pPr>
+              <a:defRPr/>
+            </a:pPr>
+            <a:fld id="{5BC7FEBF-A170-470C-A369-F0D066FB58E5}" type="slidenum">
+              <a:rPr lang="en-US" smtClean="0"/>
+              <a:pPr>
+                <a:defRPr/>
+              </a:pPr>
+              <a:t>14</a:t>
+            </a:fld>
+            <a:endParaRPr lang="en-US"/>
+          </a:p>
+        </p:txBody>
+      </p:sp>
+      <p:sp>
+        <p:nvSpPr>
+          <p:cNvPr id="6" name="フッター プレースホルダー 5"/>
+          <p:cNvSpPr>
+            <a:spLocks noGrp="1"/>
+          </p:cNvSpPr>
+          <p:nvPr>
+            <p:ph type="ftr" sz="quarter" idx="11"/>
+          </p:nvPr>
+        </p:nvSpPr>
+        <p:spPr/>
+        <p:txBody>
+          <a:bodyPr/>
+          <a:lstStyle/>
+          <a:p>
+            <a:pPr algn="r">
+              <a:defRPr/>
+            </a:pPr>
+            <a:r>
+              <a:rPr lang="en-US" dirty="0" smtClean="0"/>
+              <a:t>R. Yamamoto, Kyoto University</a:t>
+            </a:r>
+            <a:endParaRPr lang="en-US" dirty="0"/>
+          </a:p>
+        </p:txBody>
+      </p:sp>
+      <p:graphicFrame>
+        <p:nvGraphicFramePr>
+          <p:cNvPr id="8" name="オブジェクト 7"/>
+          <p:cNvGraphicFramePr>
+            <a:graphicFrameLocks noChangeAspect="1"/>
+          </p:cNvGraphicFramePr>
+          <p:nvPr>
+            <p:extLst>
+              <p:ext uri="{D42A27DB-BD31-4B8C-83A1-F6EECF244321}">
+                <p14:modId xmlns:p14="http://schemas.microsoft.com/office/powerpoint/2010/main" val="3361920713"/>
+              </p:ext>
+            </p:extLst>
+          </p:nvPr>
+        </p:nvGraphicFramePr>
+        <p:xfrm>
+          <a:off x="479425" y="849313"/>
+          <a:ext cx="11239500" cy="5651500"/>
+        </p:xfrm>
+        <a:graphic>
+          <a:graphicData uri="http://schemas.openxmlformats.org/presentationml/2006/ole">
+            <mc:AlternateContent xmlns:mc="http://schemas.openxmlformats.org/markup-compatibility/2006">
+              <mc:Choice xmlns:v="urn:schemas-microsoft-com:vml" Requires="v">
+                <p:oleObj spid="_x0000_s7328" name="文書" r:id="rId4" imgW="4495800" imgH="2260600" progId="Word.Document.12">
+                  <p:embed/>
+                </p:oleObj>
+              </mc:Choice>
+              <mc:Fallback>
+                <p:oleObj name="文書" r:id="rId4" imgW="4495800" imgH="2260600" progId="Word.Document.12">
+                  <p:embed/>
+                  <p:pic>
+                    <p:nvPicPr>
+                      <p:cNvPr id="0" name=""/>
+                      <p:cNvPicPr/>
+                      <p:nvPr/>
+                    </p:nvPicPr>
+                    <p:blipFill>
+                      <a:blip r:embed="rId5"/>
+                      <a:stretch>
+                        <a:fillRect/>
+                      </a:stretch>
+                    </p:blipFill>
+                    <p:spPr>
+                      <a:xfrm>
+                        <a:off x="479425" y="849313"/>
+                        <a:ext cx="11239500" cy="5651500"/>
+                      </a:xfrm>
+                      <a:prstGeom prst="rect">
+                        <a:avLst/>
+                      </a:prstGeom>
+                    </p:spPr>
+                  </p:pic>
+                </p:oleObj>
+              </mc:Fallback>
+            </mc:AlternateContent>
+          </a:graphicData>
+        </a:graphic>
+      </p:graphicFrame>
+      <p:sp>
+        <p:nvSpPr>
+          <p:cNvPr id="2" name="テキスト ボックス 1"/>
+          <p:cNvSpPr txBox="1"/>
+          <p:nvPr/>
+        </p:nvSpPr>
+        <p:spPr>
+          <a:xfrm>
+            <a:off x="1424510" y="4839427"/>
+            <a:ext cx="184666" cy="369332"/>
+          </a:xfrm>
+          <a:prstGeom prst="rect">
+            <a:avLst/>
+          </a:prstGeom>
+          <a:noFill/>
+        </p:spPr>
+        <p:txBody>
+          <a:bodyPr wrap="none" rtlCol="0">
+            <a:spAutoFit/>
+          </a:bodyPr>
+          <a:lstStyle/>
+          <a:p>
+            <a:endParaRPr kumimoji="1" lang="ja-JP" altLang="en-US" dirty="0"/>
+          </a:p>
+        </p:txBody>
+      </p:sp>
+    </p:spTree>
+    <p:extLst>
+      <p:ext uri="{BB962C8B-B14F-4D97-AF65-F5344CB8AC3E}">
+        <p14:creationId xmlns:p14="http://schemas.microsoft.com/office/powerpoint/2010/main" val="1858960184"/>
+      </p:ext>
+    </p:extLst>
+  </p:cSld>
+  <p:clrMapOvr>
+    <a:masterClrMapping/>
+  </p:clrMapOvr>
+  <p:timing>
+    <p:tnLst>
+      <p:par>
+        <p:cTn id="1" dur="indefinite" restart="never" nodeType="tmRoot"/>
       </p:par>
     </p:tnLst>
   </p:timing>
@@ -12476,25 +12468,25 @@
           <p:nvPr>
             <p:extLst>
               <p:ext uri="{D42A27DB-BD31-4B8C-83A1-F6EECF244321}">
-                <p14:modId xmlns:p14="http://schemas.microsoft.com/office/powerpoint/2010/main" val="3361920713"/>
+                <p14:modId xmlns:p14="http://schemas.microsoft.com/office/powerpoint/2010/main" val="711711802"/>
               </p:ext>
             </p:extLst>
           </p:nvPr>
         </p:nvGraphicFramePr>
         <p:xfrm>
-          <a:off x="479425" y="849313"/>
-          <a:ext cx="11239500" cy="5651500"/>
+          <a:off x="473075" y="1301328"/>
+          <a:ext cx="11239500" cy="5080000"/>
         </p:xfrm>
         <a:graphic>
           <a:graphicData uri="http://schemas.openxmlformats.org/presentationml/2006/ole">
             <mc:AlternateContent xmlns:mc="http://schemas.openxmlformats.org/markup-compatibility/2006">
               <mc:Choice xmlns:v="urn:schemas-microsoft-com:vml" Requires="v">
-                <p:oleObj spid="_x0000_s7325" name="文書" r:id="rId5" imgW="4495800" imgH="2260600" progId="Word.Document.12">
+                <p:oleObj spid="_x0000_s5284" name="文書" r:id="rId4" imgW="4495800" imgH="2032000" progId="Word.Document.12">
                   <p:embed/>
                 </p:oleObj>
               </mc:Choice>
               <mc:Fallback>
-                <p:oleObj name="文書" r:id="rId5" imgW="4495800" imgH="2260600" progId="Word.Document.12">
+                <p:oleObj name="文書" r:id="rId4" imgW="4495800" imgH="2032000" progId="Word.Document.12">
                   <p:embed/>
                   <p:pic>
                     <p:nvPicPr>
@@ -12503,15 +12495,15 @@
                       <p:nvPr/>
                     </p:nvPicPr>
                     <p:blipFill>
-                      <a:blip r:embed="rId6"/>
+                      <a:blip r:embed="rId5"/>
                       <a:stretch>
                         <a:fillRect/>
                       </a:stretch>
                     </p:blipFill>
                     <p:spPr>
                       <a:xfrm>
-                        <a:off x="479425" y="849313"/>
-                        <a:ext cx="11239500" cy="5651500"/>
+                        <a:off x="473075" y="1301328"/>
+                        <a:ext cx="11239500" cy="5080000"/>
                       </a:xfrm>
                       <a:prstGeom prst="rect">
                         <a:avLst/>
@@ -12550,6 +12542,40 @@
           </a:p>
         </p:txBody>
       </p:sp>
+      <p:sp>
+        <p:nvSpPr>
+          <p:cNvPr id="4" name="テキスト ボックス 3"/>
+          <p:cNvSpPr txBox="1"/>
+          <p:nvPr/>
+        </p:nvSpPr>
+        <p:spPr>
+          <a:xfrm>
+            <a:off x="3319341" y="940658"/>
+            <a:ext cx="5546968" cy="400110"/>
+          </a:xfrm>
+          <a:prstGeom prst="rect">
+            <a:avLst/>
+          </a:prstGeom>
+          <a:noFill/>
+        </p:spPr>
+        <p:txBody>
+          <a:bodyPr wrap="none" rtlCol="0">
+            <a:spAutoFit/>
+          </a:bodyPr>
+          <a:lstStyle/>
+          <a:p>
+            <a:r>
+              <a:rPr kumimoji="1" lang="en-US" altLang="ja-JP" sz="2000" smtClean="0"/>
+              <a:t>Supplemental note for the derivation </a:t>
+            </a:r>
+            <a:r>
+              <a:rPr kumimoji="1" lang="en-US" altLang="ja-JP" sz="2000" dirty="0" smtClean="0"/>
+              <a:t>of Eq. (11)</a:t>
+            </a:r>
+            <a:endParaRPr kumimoji="1" lang="ja-JP" altLang="en-US" sz="2000" dirty="0"/>
+          </a:p>
+        </p:txBody>
+      </p:sp>
     </p:spTree>
     <p:extLst>
       <p:ext uri="{BB962C8B-B14F-4D97-AF65-F5344CB8AC3E}">
@@ -12560,10 +12586,18 @@
   <p:clrMapOvr>
     <a:masterClrMapping/>
   </p:clrMapOvr>
+  <mc:AlternateContent xmlns:mc="http://schemas.openxmlformats.org/markup-compatibility/2006" xmlns:p14="http://schemas.microsoft.com/office/powerpoint/2010/main">
+    <mc:Choice Requires="p14">
+      <p:transition spd="slow" p14:dur="2000"/>
+    </mc:Choice>
+    <mc:Fallback xmlns="">
+      <p:transition xmlns:p14="http://schemas.microsoft.com/office/powerpoint/2010/main" spd="slow"/>
+    </mc:Fallback>
+  </mc:AlternateContent>
   <p:timing>
     <p:tnLst>
       <p:par>
-        <p:cTn xmlns:p14="http://schemas.microsoft.com/office/powerpoint/2010/main" id="1" dur="indefinite" restart="never" nodeType="tmRoot"/>
+        <p:cTn id="1" dur="indefinite" restart="never" nodeType="tmRoot"/>
       </p:par>
     </p:tnLst>
   </p:timing>
@@ -12691,12 +12725,12 @@
           <a:graphicData uri="http://schemas.openxmlformats.org/presentationml/2006/ole">
             <mc:AlternateContent xmlns:mc="http://schemas.openxmlformats.org/markup-compatibility/2006">
               <mc:Choice xmlns:v="urn:schemas-microsoft-com:vml" Requires="v">
-                <p:oleObj spid="_x0000_s1533" name="文書" r:id="rId5" imgW="4495800" imgH="457200" progId="Word.Document.12">
+                <p:oleObj spid="_x0000_s1546" name="文書" r:id="rId4" imgW="4495800" imgH="457200" progId="Word.Document.12">
                   <p:embed/>
                 </p:oleObj>
               </mc:Choice>
               <mc:Fallback>
-                <p:oleObj name="文書" r:id="rId5" imgW="4495800" imgH="457200" progId="Word.Document.12">
+                <p:oleObj name="文書" r:id="rId4" imgW="4495800" imgH="457200" progId="Word.Document.12">
                   <p:embed/>
                   <p:pic>
                     <p:nvPicPr>
@@ -12705,7 +12739,7 @@
                       <p:nvPr/>
                     </p:nvPicPr>
                     <p:blipFill>
-                      <a:blip r:embed="rId6"/>
+                      <a:blip r:embed="rId5"/>
                       <a:stretch>
                         <a:fillRect/>
                       </a:stretch>
@@ -13019,12 +13053,12 @@
           <a:graphicData uri="http://schemas.openxmlformats.org/presentationml/2006/ole">
             <mc:AlternateContent xmlns:mc="http://schemas.openxmlformats.org/markup-compatibility/2006">
               <mc:Choice xmlns:v="urn:schemas-microsoft-com:vml" Requires="v">
-                <p:oleObj spid="_x0000_s1534" name="Equation" r:id="rId7" imgW="177800" imgH="152400" progId="Equation.DSMT4">
+                <p:oleObj spid="_x0000_s1547" name="Equation" r:id="rId6" imgW="177800" imgH="152400" progId="Equation.DSMT4">
                   <p:embed/>
                 </p:oleObj>
               </mc:Choice>
               <mc:Fallback>
-                <p:oleObj name="Equation" r:id="rId7" imgW="177800" imgH="152400" progId="Equation.DSMT4">
+                <p:oleObj name="Equation" r:id="rId6" imgW="177800" imgH="152400" progId="Equation.DSMT4">
                   <p:embed/>
                   <p:pic>
                     <p:nvPicPr>
@@ -13033,7 +13067,7 @@
                       <p:nvPr/>
                     </p:nvPicPr>
                     <p:blipFill>
-                      <a:blip r:embed="rId8"/>
+                      <a:blip r:embed="rId7"/>
                       <a:stretch>
                         <a:fillRect/>
                       </a:stretch>
@@ -13076,12 +13110,12 @@
           <a:graphicData uri="http://schemas.openxmlformats.org/presentationml/2006/ole">
             <mc:AlternateContent xmlns:mc="http://schemas.openxmlformats.org/markup-compatibility/2006">
               <mc:Choice xmlns:v="urn:schemas-microsoft-com:vml" Requires="v">
-                <p:oleObj spid="_x0000_s1535" name="Equation" r:id="rId9" imgW="88900" imgH="139700" progId="Equation.DSMT4">
+                <p:oleObj spid="_x0000_s1548" name="Equation" r:id="rId8" imgW="88900" imgH="139700" progId="Equation.DSMT4">
                   <p:embed/>
                 </p:oleObj>
               </mc:Choice>
               <mc:Fallback>
-                <p:oleObj name="Equation" r:id="rId9" imgW="88900" imgH="139700" progId="Equation.DSMT4">
+                <p:oleObj name="Equation" r:id="rId8" imgW="88900" imgH="139700" progId="Equation.DSMT4">
                   <p:embed/>
                   <p:pic>
                     <p:nvPicPr>
@@ -13090,7 +13124,7 @@
                       <p:nvPr/>
                     </p:nvPicPr>
                     <p:blipFill>
-                      <a:blip r:embed="rId10"/>
+                      <a:blip r:embed="rId9"/>
                       <a:stretch>
                         <a:fillRect/>
                       </a:stretch>
@@ -13133,12 +13167,12 @@
           <a:graphicData uri="http://schemas.openxmlformats.org/presentationml/2006/ole">
             <mc:AlternateContent xmlns:mc="http://schemas.openxmlformats.org/markup-compatibility/2006">
               <mc:Choice xmlns:v="urn:schemas-microsoft-com:vml" Requires="v">
-                <p:oleObj spid="_x0000_s1536" name="Equation" r:id="rId11" imgW="165100" imgH="241300" progId="Equation.DSMT4">
+                <p:oleObj spid="_x0000_s1549" name="Equation" r:id="rId10" imgW="165100" imgH="241300" progId="Equation.DSMT4">
                   <p:embed/>
                 </p:oleObj>
               </mc:Choice>
               <mc:Fallback>
-                <p:oleObj name="Equation" r:id="rId11" imgW="165100" imgH="241300" progId="Equation.DSMT4">
+                <p:oleObj name="Equation" r:id="rId10" imgW="165100" imgH="241300" progId="Equation.DSMT4">
                   <p:embed/>
                   <p:pic>
                     <p:nvPicPr>
@@ -13147,7 +13181,7 @@
                       <p:nvPr/>
                     </p:nvPicPr>
                     <p:blipFill>
-                      <a:blip r:embed="rId12"/>
+                      <a:blip r:embed="rId11"/>
                       <a:stretch>
                         <a:fillRect/>
                       </a:stretch>
@@ -13190,12 +13224,12 @@
           <a:graphicData uri="http://schemas.openxmlformats.org/presentationml/2006/ole">
             <mc:AlternateContent xmlns:mc="http://schemas.openxmlformats.org/markup-compatibility/2006">
               <mc:Choice xmlns:v="urn:schemas-microsoft-com:vml" Requires="v">
-                <p:oleObj spid="_x0000_s1537" name="Equation" r:id="rId13" imgW="127000" imgH="241300" progId="Equation.DSMT4">
+                <p:oleObj spid="_x0000_s1550" name="Equation" r:id="rId12" imgW="127000" imgH="241300" progId="Equation.DSMT4">
                   <p:embed/>
                 </p:oleObj>
               </mc:Choice>
               <mc:Fallback>
-                <p:oleObj name="Equation" r:id="rId13" imgW="127000" imgH="241300" progId="Equation.DSMT4">
+                <p:oleObj name="Equation" r:id="rId12" imgW="127000" imgH="241300" progId="Equation.DSMT4">
                   <p:embed/>
                   <p:pic>
                     <p:nvPicPr>
@@ -13204,7 +13238,7 @@
                       <p:nvPr/>
                     </p:nvPicPr>
                     <p:blipFill>
-                      <a:blip r:embed="rId14"/>
+                      <a:blip r:embed="rId13"/>
                       <a:stretch>
                         <a:fillRect/>
                       </a:stretch>
@@ -13247,12 +13281,12 @@
           <a:graphicData uri="http://schemas.openxmlformats.org/presentationml/2006/ole">
             <mc:AlternateContent xmlns:mc="http://schemas.openxmlformats.org/markup-compatibility/2006">
               <mc:Choice xmlns:v="urn:schemas-microsoft-com:vml" Requires="v">
-                <p:oleObj spid="_x0000_s1538" name="Equation" r:id="rId15" imgW="965200" imgH="203200" progId="Equation.DSMT4">
+                <p:oleObj spid="_x0000_s1551" name="Equation" r:id="rId14" imgW="965200" imgH="203200" progId="Equation.DSMT4">
                   <p:embed/>
                 </p:oleObj>
               </mc:Choice>
               <mc:Fallback>
-                <p:oleObj name="Equation" r:id="rId15" imgW="965200" imgH="203200" progId="Equation.DSMT4">
+                <p:oleObj name="Equation" r:id="rId14" imgW="965200" imgH="203200" progId="Equation.DSMT4">
                   <p:embed/>
                   <p:pic>
                     <p:nvPicPr>
@@ -13261,7 +13295,7 @@
                       <p:nvPr/>
                     </p:nvPicPr>
                     <p:blipFill>
-                      <a:blip r:embed="rId16"/>
+                      <a:blip r:embed="rId15"/>
                       <a:stretch>
                         <a:fillRect/>
                       </a:stretch>
@@ -13295,7 +13329,7 @@
   <p:timing>
     <p:tnLst>
       <p:par>
-        <p:cTn xmlns:p14="http://schemas.microsoft.com/office/powerpoint/2010/main" id="1" dur="indefinite" restart="never" nodeType="tmRoot"/>
+        <p:cTn id="1" dur="indefinite" restart="never" nodeType="tmRoot"/>
       </p:par>
     </p:tnLst>
   </p:timing>
@@ -13423,12 +13457,12 @@
           <a:graphicData uri="http://schemas.openxmlformats.org/presentationml/2006/ole">
             <mc:AlternateContent xmlns:mc="http://schemas.openxmlformats.org/markup-compatibility/2006">
               <mc:Choice xmlns:v="urn:schemas-microsoft-com:vml" Requires="v">
-                <p:oleObj spid="_x0000_s2652" name="文書" r:id="rId5" imgW="4495800" imgH="419100" progId="Word.Document.12">
+                <p:oleObj spid="_x0000_s2667" name="文書" r:id="rId4" imgW="4495800" imgH="419100" progId="Word.Document.12">
                   <p:embed/>
                 </p:oleObj>
               </mc:Choice>
               <mc:Fallback>
-                <p:oleObj name="文書" r:id="rId5" imgW="4495800" imgH="419100" progId="Word.Document.12">
+                <p:oleObj name="文書" r:id="rId4" imgW="4495800" imgH="419100" progId="Word.Document.12">
                   <p:embed/>
                   <p:pic>
                     <p:nvPicPr>
@@ -13437,7 +13471,7 @@
                       <p:nvPr/>
                     </p:nvPicPr>
                     <p:blipFill>
-                      <a:blip r:embed="rId6"/>
+                      <a:blip r:embed="rId5"/>
                       <a:stretch>
                         <a:fillRect/>
                       </a:stretch>
@@ -13711,12 +13745,12 @@
           <a:graphicData uri="http://schemas.openxmlformats.org/presentationml/2006/ole">
             <mc:AlternateContent xmlns:mc="http://schemas.openxmlformats.org/markup-compatibility/2006">
               <mc:Choice xmlns:v="urn:schemas-microsoft-com:vml" Requires="v">
-                <p:oleObj spid="_x0000_s2653" name="Equation" r:id="rId7" imgW="139700" imgH="152400" progId="Equation.DSMT4">
+                <p:oleObj spid="_x0000_s2668" name="Equation" r:id="rId6" imgW="139700" imgH="152400" progId="Equation.DSMT4">
                   <p:embed/>
                 </p:oleObj>
               </mc:Choice>
               <mc:Fallback>
-                <p:oleObj name="Equation" r:id="rId7" imgW="139700" imgH="152400" progId="Equation.DSMT4">
+                <p:oleObj name="Equation" r:id="rId6" imgW="139700" imgH="152400" progId="Equation.DSMT4">
                   <p:embed/>
                   <p:pic>
                     <p:nvPicPr>
@@ -13725,7 +13759,7 @@
                       <p:nvPr/>
                     </p:nvPicPr>
                     <p:blipFill>
-                      <a:blip r:embed="rId8"/>
+                      <a:blip r:embed="rId7"/>
                       <a:stretch>
                         <a:fillRect/>
                       </a:stretch>
@@ -13768,12 +13802,12 @@
           <a:graphicData uri="http://schemas.openxmlformats.org/presentationml/2006/ole">
             <mc:AlternateContent xmlns:mc="http://schemas.openxmlformats.org/markup-compatibility/2006">
               <mc:Choice xmlns:v="urn:schemas-microsoft-com:vml" Requires="v">
-                <p:oleObj spid="_x0000_s2654" name="Equation" r:id="rId9" imgW="177800" imgH="241300" progId="Equation.DSMT4">
+                <p:oleObj spid="_x0000_s2669" name="Equation" r:id="rId8" imgW="177800" imgH="241300" progId="Equation.DSMT4">
                   <p:embed/>
                 </p:oleObj>
               </mc:Choice>
               <mc:Fallback>
-                <p:oleObj name="Equation" r:id="rId9" imgW="177800" imgH="241300" progId="Equation.DSMT4">
+                <p:oleObj name="Equation" r:id="rId8" imgW="177800" imgH="241300" progId="Equation.DSMT4">
                   <p:embed/>
                   <p:pic>
                     <p:nvPicPr>
@@ -13782,7 +13816,7 @@
                       <p:nvPr/>
                     </p:nvPicPr>
                     <p:blipFill>
-                      <a:blip r:embed="rId10"/>
+                      <a:blip r:embed="rId9"/>
                       <a:stretch>
                         <a:fillRect/>
                       </a:stretch>
@@ -13825,12 +13859,12 @@
           <a:graphicData uri="http://schemas.openxmlformats.org/presentationml/2006/ole">
             <mc:AlternateContent xmlns:mc="http://schemas.openxmlformats.org/markup-compatibility/2006">
               <mc:Choice xmlns:v="urn:schemas-microsoft-com:vml" Requires="v">
-                <p:oleObj spid="_x0000_s2655" name="Equation" r:id="rId11" imgW="127000" imgH="241300" progId="Equation.DSMT4">
+                <p:oleObj spid="_x0000_s2670" name="Equation" r:id="rId10" imgW="127000" imgH="241300" progId="Equation.DSMT4">
                   <p:embed/>
                 </p:oleObj>
               </mc:Choice>
               <mc:Fallback>
-                <p:oleObj name="Equation" r:id="rId11" imgW="127000" imgH="241300" progId="Equation.DSMT4">
+                <p:oleObj name="Equation" r:id="rId10" imgW="127000" imgH="241300" progId="Equation.DSMT4">
                   <p:embed/>
                   <p:pic>
                     <p:nvPicPr>
@@ -13839,7 +13873,7 @@
                       <p:nvPr/>
                     </p:nvPicPr>
                     <p:blipFill>
-                      <a:blip r:embed="rId12"/>
+                      <a:blip r:embed="rId11"/>
                       <a:stretch>
                         <a:fillRect/>
                       </a:stretch>
@@ -14219,12 +14253,12 @@
           <a:graphicData uri="http://schemas.openxmlformats.org/presentationml/2006/ole">
             <mc:AlternateContent xmlns:mc="http://schemas.openxmlformats.org/markup-compatibility/2006">
               <mc:Choice xmlns:v="urn:schemas-microsoft-com:vml" Requires="v">
-                <p:oleObj spid="_x0000_s2656" name="Equation" r:id="rId13" imgW="1003300" imgH="241300" progId="Equation.DSMT4">
+                <p:oleObj spid="_x0000_s2671" name="Equation" r:id="rId12" imgW="1003300" imgH="241300" progId="Equation.DSMT4">
                   <p:embed/>
                 </p:oleObj>
               </mc:Choice>
               <mc:Fallback>
-                <p:oleObj name="Equation" r:id="rId13" imgW="1003300" imgH="241300" progId="Equation.DSMT4">
+                <p:oleObj name="Equation" r:id="rId12" imgW="1003300" imgH="241300" progId="Equation.DSMT4">
                   <p:embed/>
                   <p:pic>
                     <p:nvPicPr>
@@ -14233,7 +14267,7 @@
                       <p:nvPr/>
                     </p:nvPicPr>
                     <p:blipFill>
-                      <a:blip r:embed="rId14"/>
+                      <a:blip r:embed="rId13"/>
                       <a:stretch>
                         <a:fillRect/>
                       </a:stretch>
@@ -14317,7 +14351,7 @@
             <p:nvPr/>
           </p:nvPicPr>
           <p:blipFill rotWithShape="1">
-            <a:blip r:embed="rId15"/>
+            <a:blip r:embed="rId14"/>
             <a:srcRect l="12179" t="28805" r="36465" b="11280"/>
             <a:stretch/>
           </p:blipFill>
@@ -14343,7 +14377,7 @@
             <p:nvPr/>
           </p:nvPicPr>
           <p:blipFill rotWithShape="1">
-            <a:blip r:embed="rId15"/>
+            <a:blip r:embed="rId14"/>
             <a:srcRect l="12179" t="28805" r="36465" b="11280"/>
             <a:stretch/>
           </p:blipFill>
@@ -14422,12 +14456,12 @@
           <a:graphicData uri="http://schemas.openxmlformats.org/presentationml/2006/ole">
             <mc:AlternateContent xmlns:mc="http://schemas.openxmlformats.org/markup-compatibility/2006">
               <mc:Choice xmlns:v="urn:schemas-microsoft-com:vml" Requires="v">
-                <p:oleObj spid="_x0000_s2657" name="Equation" r:id="rId16" imgW="139700" imgH="165100" progId="Equation.DSMT4">
+                <p:oleObj spid="_x0000_s2672" name="Equation" r:id="rId15" imgW="139700" imgH="165100" progId="Equation.DSMT4">
                   <p:embed/>
                 </p:oleObj>
               </mc:Choice>
               <mc:Fallback>
-                <p:oleObj name="Equation" r:id="rId16" imgW="139700" imgH="165100" progId="Equation.DSMT4">
+                <p:oleObj name="Equation" r:id="rId15" imgW="139700" imgH="165100" progId="Equation.DSMT4">
                   <p:embed/>
                   <p:pic>
                     <p:nvPicPr>
@@ -14436,7 +14470,7 @@
                       <p:nvPr/>
                     </p:nvPicPr>
                     <p:blipFill>
-                      <a:blip r:embed="rId17"/>
+                      <a:blip r:embed="rId16"/>
                       <a:stretch>
                         <a:fillRect/>
                       </a:stretch>
@@ -14479,12 +14513,12 @@
           <a:graphicData uri="http://schemas.openxmlformats.org/presentationml/2006/ole">
             <mc:AlternateContent xmlns:mc="http://schemas.openxmlformats.org/markup-compatibility/2006">
               <mc:Choice xmlns:v="urn:schemas-microsoft-com:vml" Requires="v">
-                <p:oleObj spid="_x0000_s2658" name="Equation" r:id="rId18" imgW="88900" imgH="139700" progId="Equation.DSMT4">
+                <p:oleObj spid="_x0000_s2673" name="Equation" r:id="rId17" imgW="88900" imgH="139700" progId="Equation.DSMT4">
                   <p:embed/>
                 </p:oleObj>
               </mc:Choice>
               <mc:Fallback>
-                <p:oleObj name="Equation" r:id="rId18" imgW="88900" imgH="139700" progId="Equation.DSMT4">
+                <p:oleObj name="Equation" r:id="rId17" imgW="88900" imgH="139700" progId="Equation.DSMT4">
                   <p:embed/>
                   <p:pic>
                     <p:nvPicPr>
@@ -14493,7 +14527,7 @@
                       <p:nvPr/>
                     </p:nvPicPr>
                     <p:blipFill>
-                      <a:blip r:embed="rId19"/>
+                      <a:blip r:embed="rId18"/>
                       <a:stretch>
                         <a:fillRect/>
                       </a:stretch>
@@ -14527,7 +14561,7 @@
   <p:timing>
     <p:tnLst>
       <p:par>
-        <p:cTn xmlns:p14="http://schemas.microsoft.com/office/powerpoint/2010/main" id="1" dur="indefinite" restart="never" nodeType="tmRoot"/>
+        <p:cTn id="1" dur="indefinite" restart="never" nodeType="tmRoot"/>
       </p:par>
     </p:tnLst>
   </p:timing>
@@ -14651,12 +14685,12 @@
           <a:graphicData uri="http://schemas.openxmlformats.org/presentationml/2006/ole">
             <mc:AlternateContent xmlns:mc="http://schemas.openxmlformats.org/markup-compatibility/2006">
               <mc:Choice xmlns:v="urn:schemas-microsoft-com:vml" Requires="v">
-                <p:oleObj spid="_x0000_s32180" name="文書" r:id="rId5" imgW="4495800" imgH="419100" progId="Word.Document.12">
+                <p:oleObj spid="_x0000_s32197" name="文書" r:id="rId4" imgW="4495800" imgH="419100" progId="Word.Document.12">
                   <p:embed/>
                 </p:oleObj>
               </mc:Choice>
               <mc:Fallback>
-                <p:oleObj name="文書" r:id="rId5" imgW="4495800" imgH="419100" progId="Word.Document.12">
+                <p:oleObj name="文書" r:id="rId4" imgW="4495800" imgH="419100" progId="Word.Document.12">
                   <p:embed/>
                   <p:pic>
                     <p:nvPicPr>
@@ -14665,7 +14699,7 @@
                       <p:nvPr/>
                     </p:nvPicPr>
                     <p:blipFill>
-                      <a:blip r:embed="rId6"/>
+                      <a:blip r:embed="rId5"/>
                       <a:stretch>
                         <a:fillRect/>
                       </a:stretch>
@@ -14708,12 +14742,12 @@
           <a:graphicData uri="http://schemas.openxmlformats.org/presentationml/2006/ole">
             <mc:AlternateContent xmlns:mc="http://schemas.openxmlformats.org/markup-compatibility/2006">
               <mc:Choice xmlns:v="urn:schemas-microsoft-com:vml" Requires="v">
-                <p:oleObj spid="_x0000_s32181" name="文書" r:id="rId8" imgW="4495800" imgH="419100" progId="Word.Document.12">
+                <p:oleObj spid="_x0000_s32198" name="文書" r:id="rId6" imgW="4495800" imgH="419100" progId="Word.Document.12">
                   <p:embed/>
                 </p:oleObj>
               </mc:Choice>
               <mc:Fallback>
-                <p:oleObj name="文書" r:id="rId8" imgW="4495800" imgH="419100" progId="Word.Document.12">
+                <p:oleObj name="文書" r:id="rId6" imgW="4495800" imgH="419100" progId="Word.Document.12">
                   <p:embed/>
                   <p:pic>
                     <p:nvPicPr>
@@ -14722,7 +14756,7 @@
                       <p:nvPr/>
                     </p:nvPicPr>
                     <p:blipFill>
-                      <a:blip r:embed="rId9"/>
+                      <a:blip r:embed="rId7"/>
                       <a:stretch>
                         <a:fillRect/>
                       </a:stretch>
@@ -14992,12 +15026,12 @@
           <a:graphicData uri="http://schemas.openxmlformats.org/presentationml/2006/ole">
             <mc:AlternateContent xmlns:mc="http://schemas.openxmlformats.org/markup-compatibility/2006">
               <mc:Choice xmlns:v="urn:schemas-microsoft-com:vml" Requires="v">
-                <p:oleObj spid="_x0000_s32182" name="Equation" r:id="rId10" imgW="139700" imgH="152400" progId="Equation.DSMT4">
+                <p:oleObj spid="_x0000_s32199" name="Equation" r:id="rId8" imgW="139700" imgH="152400" progId="Equation.DSMT4">
                   <p:embed/>
                 </p:oleObj>
               </mc:Choice>
               <mc:Fallback>
-                <p:oleObj name="Equation" r:id="rId10" imgW="139700" imgH="152400" progId="Equation.DSMT4">
+                <p:oleObj name="Equation" r:id="rId8" imgW="139700" imgH="152400" progId="Equation.DSMT4">
                   <p:embed/>
                   <p:pic>
                     <p:nvPicPr>
@@ -15006,7 +15040,7 @@
                       <p:nvPr/>
                     </p:nvPicPr>
                     <p:blipFill>
-                      <a:blip r:embed="rId11"/>
+                      <a:blip r:embed="rId9"/>
                       <a:stretch>
                         <a:fillRect/>
                       </a:stretch>
@@ -15045,12 +15079,12 @@
           <a:graphicData uri="http://schemas.openxmlformats.org/presentationml/2006/ole">
             <mc:AlternateContent xmlns:mc="http://schemas.openxmlformats.org/markup-compatibility/2006">
               <mc:Choice xmlns:v="urn:schemas-microsoft-com:vml" Requires="v">
-                <p:oleObj spid="_x0000_s32183" name="Equation" r:id="rId12" imgW="177800" imgH="241300" progId="Equation.DSMT4">
+                <p:oleObj spid="_x0000_s32200" name="Equation" r:id="rId10" imgW="177800" imgH="241300" progId="Equation.DSMT4">
                   <p:embed/>
                 </p:oleObj>
               </mc:Choice>
               <mc:Fallback>
-                <p:oleObj name="Equation" r:id="rId12" imgW="177800" imgH="241300" progId="Equation.DSMT4">
+                <p:oleObj name="Equation" r:id="rId10" imgW="177800" imgH="241300" progId="Equation.DSMT4">
                   <p:embed/>
                   <p:pic>
                     <p:nvPicPr>
@@ -15059,7 +15093,7 @@
                       <p:nvPr/>
                     </p:nvPicPr>
                     <p:blipFill>
-                      <a:blip r:embed="rId13"/>
+                      <a:blip r:embed="rId11"/>
                       <a:stretch>
                         <a:fillRect/>
                       </a:stretch>
@@ -15102,12 +15136,12 @@
           <a:graphicData uri="http://schemas.openxmlformats.org/presentationml/2006/ole">
             <mc:AlternateContent xmlns:mc="http://schemas.openxmlformats.org/markup-compatibility/2006">
               <mc:Choice xmlns:v="urn:schemas-microsoft-com:vml" Requires="v">
-                <p:oleObj spid="_x0000_s32184" name="Equation" r:id="rId14" imgW="355600" imgH="241300" progId="Equation.DSMT4">
+                <p:oleObj spid="_x0000_s32201" name="Equation" r:id="rId12" imgW="355600" imgH="241300" progId="Equation.DSMT4">
                   <p:embed/>
                 </p:oleObj>
               </mc:Choice>
               <mc:Fallback>
-                <p:oleObj name="Equation" r:id="rId14" imgW="355600" imgH="241300" progId="Equation.DSMT4">
+                <p:oleObj name="Equation" r:id="rId12" imgW="355600" imgH="241300" progId="Equation.DSMT4">
                   <p:embed/>
                   <p:pic>
                     <p:nvPicPr>
@@ -15116,7 +15150,7 @@
                       <p:nvPr/>
                     </p:nvPicPr>
                     <p:blipFill>
-                      <a:blip r:embed="rId15"/>
+                      <a:blip r:embed="rId13"/>
                       <a:stretch>
                         <a:fillRect/>
                       </a:stretch>
@@ -15159,12 +15193,12 @@
           <a:graphicData uri="http://schemas.openxmlformats.org/presentationml/2006/ole">
             <mc:AlternateContent xmlns:mc="http://schemas.openxmlformats.org/markup-compatibility/2006">
               <mc:Choice xmlns:v="urn:schemas-microsoft-com:vml" Requires="v">
-                <p:oleObj spid="_x0000_s32185" name="Equation" r:id="rId16" imgW="1435100" imgH="241300" progId="Equation.DSMT4">
+                <p:oleObj spid="_x0000_s32202" name="Equation" r:id="rId14" imgW="1435100" imgH="241300" progId="Equation.DSMT4">
                   <p:embed/>
                 </p:oleObj>
               </mc:Choice>
               <mc:Fallback>
-                <p:oleObj name="Equation" r:id="rId16" imgW="1435100" imgH="241300" progId="Equation.DSMT4">
+                <p:oleObj name="Equation" r:id="rId14" imgW="1435100" imgH="241300" progId="Equation.DSMT4">
                   <p:embed/>
                   <p:pic>
                     <p:nvPicPr>
@@ -15173,7 +15207,7 @@
                       <p:nvPr/>
                     </p:nvPicPr>
                     <p:blipFill>
-                      <a:blip r:embed="rId17"/>
+                      <a:blip r:embed="rId15"/>
                       <a:stretch>
                         <a:fillRect/>
                       </a:stretch>
@@ -15594,7 +15628,7 @@
             <p:nvPr/>
           </p:nvPicPr>
           <p:blipFill rotWithShape="1">
-            <a:blip r:embed="rId18"/>
+            <a:blip r:embed="rId16"/>
             <a:srcRect l="12179" t="28805" r="36465" b="11280"/>
             <a:stretch/>
           </p:blipFill>
@@ -15620,7 +15654,7 @@
             <p:nvPr/>
           </p:nvPicPr>
           <p:blipFill rotWithShape="1">
-            <a:blip r:embed="rId18"/>
+            <a:blip r:embed="rId16"/>
             <a:srcRect l="12179" t="28805" r="36465" b="11280"/>
             <a:stretch/>
           </p:blipFill>
@@ -15699,12 +15733,12 @@
           <a:graphicData uri="http://schemas.openxmlformats.org/presentationml/2006/ole">
             <mc:AlternateContent xmlns:mc="http://schemas.openxmlformats.org/markup-compatibility/2006">
               <mc:Choice xmlns:v="urn:schemas-microsoft-com:vml" Requires="v">
-                <p:oleObj spid="_x0000_s32186" name="Equation" r:id="rId19" imgW="139700" imgH="165100" progId="Equation.DSMT4">
+                <p:oleObj spid="_x0000_s32203" name="Equation" r:id="rId17" imgW="139700" imgH="165100" progId="Equation.DSMT4">
                   <p:embed/>
                 </p:oleObj>
               </mc:Choice>
               <mc:Fallback>
-                <p:oleObj name="Equation" r:id="rId19" imgW="139700" imgH="165100" progId="Equation.DSMT4">
+                <p:oleObj name="Equation" r:id="rId17" imgW="139700" imgH="165100" progId="Equation.DSMT4">
                   <p:embed/>
                   <p:pic>
                     <p:nvPicPr>
@@ -15713,7 +15747,7 @@
                       <p:nvPr/>
                     </p:nvPicPr>
                     <p:blipFill>
-                      <a:blip r:embed="rId20"/>
+                      <a:blip r:embed="rId18"/>
                       <a:stretch>
                         <a:fillRect/>
                       </a:stretch>
@@ -15756,12 +15790,12 @@
           <a:graphicData uri="http://schemas.openxmlformats.org/presentationml/2006/ole">
             <mc:AlternateContent xmlns:mc="http://schemas.openxmlformats.org/markup-compatibility/2006">
               <mc:Choice xmlns:v="urn:schemas-microsoft-com:vml" Requires="v">
-                <p:oleObj spid="_x0000_s32187" name="Equation" r:id="rId21" imgW="88900" imgH="139700" progId="Equation.DSMT4">
+                <p:oleObj spid="_x0000_s32204" name="Equation" r:id="rId19" imgW="88900" imgH="139700" progId="Equation.DSMT4">
                   <p:embed/>
                 </p:oleObj>
               </mc:Choice>
               <mc:Fallback>
-                <p:oleObj name="Equation" r:id="rId21" imgW="88900" imgH="139700" progId="Equation.DSMT4">
+                <p:oleObj name="Equation" r:id="rId19" imgW="88900" imgH="139700" progId="Equation.DSMT4">
                   <p:embed/>
                   <p:pic>
                     <p:nvPicPr>
@@ -15770,7 +15804,7 @@
                       <p:nvPr/>
                     </p:nvPicPr>
                     <p:blipFill>
-                      <a:blip r:embed="rId22"/>
+                      <a:blip r:embed="rId20"/>
                       <a:stretch>
                         <a:fillRect/>
                       </a:stretch>
@@ -15804,7 +15838,7 @@
   <p:timing>
     <p:tnLst>
       <p:par>
-        <p:cTn xmlns:p14="http://schemas.microsoft.com/office/powerpoint/2010/main" id="1" dur="indefinite" restart="never" nodeType="tmRoot"/>
+        <p:cTn id="1" dur="indefinite" restart="never" nodeType="tmRoot"/>
       </p:par>
     </p:tnLst>
   </p:timing>
@@ -15932,12 +15966,12 @@
           <a:graphicData uri="http://schemas.openxmlformats.org/presentationml/2006/ole">
             <mc:AlternateContent xmlns:mc="http://schemas.openxmlformats.org/markup-compatibility/2006">
               <mc:Choice xmlns:v="urn:schemas-microsoft-com:vml" Requires="v">
-                <p:oleObj spid="_x0000_s3229" name="文書" r:id="rId5" imgW="4495800" imgH="2197100" progId="Word.Document.12">
+                <p:oleObj spid="_x0000_s3232" name="文書" r:id="rId4" imgW="4495800" imgH="2197100" progId="Word.Document.12">
                   <p:embed/>
                 </p:oleObj>
               </mc:Choice>
               <mc:Fallback>
-                <p:oleObj name="文書" r:id="rId5" imgW="4495800" imgH="2197100" progId="Word.Document.12">
+                <p:oleObj name="文書" r:id="rId4" imgW="4495800" imgH="2197100" progId="Word.Document.12">
                   <p:embed/>
                   <p:pic>
                     <p:nvPicPr>
@@ -15946,7 +15980,7 @@
                       <p:nvPr/>
                     </p:nvPicPr>
                     <p:blipFill>
-                      <a:blip r:embed="rId6"/>
+                      <a:blip r:embed="rId5"/>
                       <a:stretch>
                         <a:fillRect/>
                       </a:stretch>
@@ -16006,7 +16040,7 @@
   <p:timing>
     <p:tnLst>
       <p:par>
-        <p:cTn xmlns:p14="http://schemas.microsoft.com/office/powerpoint/2010/main" id="1" dur="indefinite" restart="never" nodeType="tmRoot"/>
+        <p:cTn id="1" dur="indefinite" restart="never" nodeType="tmRoot"/>
       </p:par>
     </p:tnLst>
   </p:timing>
@@ -16134,12 +16168,12 @@
           <a:graphicData uri="http://schemas.openxmlformats.org/presentationml/2006/ole">
             <mc:AlternateContent xmlns:mc="http://schemas.openxmlformats.org/markup-compatibility/2006">
               <mc:Choice xmlns:v="urn:schemas-microsoft-com:vml" Requires="v">
-                <p:oleObj spid="_x0000_s4379" name="文書" r:id="rId5" imgW="4495800" imgH="596900" progId="Word.Document.12">
+                <p:oleObj spid="_x0000_s4386" name="文書" r:id="rId4" imgW="4495800" imgH="596900" progId="Word.Document.12">
                   <p:embed/>
                 </p:oleObj>
               </mc:Choice>
               <mc:Fallback>
-                <p:oleObj name="文書" r:id="rId5" imgW="4495800" imgH="596900" progId="Word.Document.12">
+                <p:oleObj name="文書" r:id="rId4" imgW="4495800" imgH="596900" progId="Word.Document.12">
                   <p:embed/>
                   <p:pic>
                     <p:nvPicPr>
@@ -16148,7 +16182,7 @@
                       <p:nvPr/>
                     </p:nvPicPr>
                     <p:blipFill>
-                      <a:blip r:embed="rId6"/>
+                      <a:blip r:embed="rId5"/>
                       <a:stretch>
                         <a:fillRect/>
                       </a:stretch>
@@ -16257,12 +16291,12 @@
           <a:graphicData uri="http://schemas.openxmlformats.org/presentationml/2006/ole">
             <mc:AlternateContent xmlns:mc="http://schemas.openxmlformats.org/markup-compatibility/2006">
               <mc:Choice xmlns:v="urn:schemas-microsoft-com:vml" Requires="v">
-                <p:oleObj spid="_x0000_s4380" name="Equation" r:id="rId7" imgW="190500" imgH="241300" progId="Equation.DSMT4">
+                <p:oleObj spid="_x0000_s4387" name="Equation" r:id="rId6" imgW="190500" imgH="241300" progId="Equation.DSMT4">
                   <p:embed/>
                 </p:oleObj>
               </mc:Choice>
               <mc:Fallback>
-                <p:oleObj name="Equation" r:id="rId7" imgW="190500" imgH="241300" progId="Equation.DSMT4">
+                <p:oleObj name="Equation" r:id="rId6" imgW="190500" imgH="241300" progId="Equation.DSMT4">
                   <p:embed/>
                   <p:pic>
                     <p:nvPicPr>
@@ -16271,7 +16305,7 @@
                       <p:nvPr/>
                     </p:nvPicPr>
                     <p:blipFill>
-                      <a:blip r:embed="rId8"/>
+                      <a:blip r:embed="rId7"/>
                       <a:stretch>
                         <a:fillRect/>
                       </a:stretch>
@@ -16314,12 +16348,12 @@
           <a:graphicData uri="http://schemas.openxmlformats.org/presentationml/2006/ole">
             <mc:AlternateContent xmlns:mc="http://schemas.openxmlformats.org/markup-compatibility/2006">
               <mc:Choice xmlns:v="urn:schemas-microsoft-com:vml" Requires="v">
-                <p:oleObj spid="_x0000_s4381" name="Equation" r:id="rId9" imgW="165100" imgH="139700" progId="Equation.DSMT4">
+                <p:oleObj spid="_x0000_s4388" name="Equation" r:id="rId8" imgW="165100" imgH="139700" progId="Equation.DSMT4">
                   <p:embed/>
                 </p:oleObj>
               </mc:Choice>
               <mc:Fallback>
-                <p:oleObj name="Equation" r:id="rId9" imgW="165100" imgH="139700" progId="Equation.DSMT4">
+                <p:oleObj name="Equation" r:id="rId8" imgW="165100" imgH="139700" progId="Equation.DSMT4">
                   <p:embed/>
                   <p:pic>
                     <p:nvPicPr>
@@ -16328,7 +16362,7 @@
                       <p:nvPr/>
                     </p:nvPicPr>
                     <p:blipFill>
-                      <a:blip r:embed="rId10"/>
+                      <a:blip r:embed="rId9"/>
                       <a:stretch>
                         <a:fillRect/>
                       </a:stretch>
@@ -16550,7 +16584,7 @@
   <p:timing>
     <p:tnLst>
       <p:par>
-        <p:cTn xmlns:p14="http://schemas.microsoft.com/office/powerpoint/2010/main" id="1" dur="indefinite" restart="never" nodeType="tmRoot"/>
+        <p:cTn id="1" dur="indefinite" restart="never" nodeType="tmRoot"/>
       </p:par>
     </p:tnLst>
   </p:timing>
@@ -16678,12 +16712,12 @@
           <a:graphicData uri="http://schemas.openxmlformats.org/presentationml/2006/ole">
             <mc:AlternateContent xmlns:mc="http://schemas.openxmlformats.org/markup-compatibility/2006">
               <mc:Choice xmlns:v="urn:schemas-microsoft-com:vml" Requires="v">
-                <p:oleObj spid="_x0000_s22100" name="文書" r:id="rId5" imgW="4495800" imgH="1905000" progId="Word.Document.12">
+                <p:oleObj spid="_x0000_s22115" name="文書" r:id="rId4" imgW="4495800" imgH="1905000" progId="Word.Document.12">
                   <p:embed/>
                 </p:oleObj>
               </mc:Choice>
               <mc:Fallback>
-                <p:oleObj name="文書" r:id="rId5" imgW="4495800" imgH="1905000" progId="Word.Document.12">
+                <p:oleObj name="文書" r:id="rId4" imgW="4495800" imgH="1905000" progId="Word.Document.12">
                   <p:embed/>
                   <p:pic>
                     <p:nvPicPr>
@@ -16692,7 +16726,7 @@
                       <p:nvPr/>
                     </p:nvPicPr>
                     <p:blipFill>
-                      <a:blip r:embed="rId6"/>
+                      <a:blip r:embed="rId5"/>
                       <a:stretch>
                         <a:fillRect/>
                       </a:stretch>
@@ -16869,12 +16903,12 @@
           <a:graphicData uri="http://schemas.openxmlformats.org/presentationml/2006/ole">
             <mc:AlternateContent xmlns:mc="http://schemas.openxmlformats.org/markup-compatibility/2006">
               <mc:Choice xmlns:v="urn:schemas-microsoft-com:vml" Requires="v">
-                <p:oleObj spid="_x0000_s22101" name="Equation" r:id="rId7" imgW="215900" imgH="254000" progId="Equation.DSMT4">
+                <p:oleObj spid="_x0000_s22116" name="Equation" r:id="rId6" imgW="215900" imgH="254000" progId="Equation.DSMT4">
                   <p:embed/>
                 </p:oleObj>
               </mc:Choice>
               <mc:Fallback>
-                <p:oleObj name="Equation" r:id="rId7" imgW="215900" imgH="254000" progId="Equation.DSMT4">
+                <p:oleObj name="Equation" r:id="rId6" imgW="215900" imgH="254000" progId="Equation.DSMT4">
                   <p:embed/>
                   <p:pic>
                     <p:nvPicPr>
@@ -16883,7 +16917,7 @@
                       <p:nvPr/>
                     </p:nvPicPr>
                     <p:blipFill>
-                      <a:blip r:embed="rId8"/>
+                      <a:blip r:embed="rId7"/>
                       <a:stretch>
                         <a:fillRect/>
                       </a:stretch>
@@ -16913,7 +16947,7 @@
           <p:nvPr/>
         </p:nvPicPr>
         <p:blipFill>
-          <a:blip r:embed="rId9"/>
+          <a:blip r:embed="rId8"/>
           <a:stretch>
             <a:fillRect/>
           </a:stretch>
@@ -16950,12 +16984,12 @@
           <a:graphicData uri="http://schemas.openxmlformats.org/presentationml/2006/ole">
             <mc:AlternateContent xmlns:mc="http://schemas.openxmlformats.org/markup-compatibility/2006">
               <mc:Choice xmlns:v="urn:schemas-microsoft-com:vml" Requires="v">
-                <p:oleObj spid="_x0000_s22102" name="Equation" r:id="rId10" imgW="165100" imgH="139700" progId="Equation.DSMT4">
+                <p:oleObj spid="_x0000_s22117" name="Equation" r:id="rId9" imgW="165100" imgH="139700" progId="Equation.DSMT4">
                   <p:embed/>
                 </p:oleObj>
               </mc:Choice>
               <mc:Fallback>
-                <p:oleObj name="Equation" r:id="rId10" imgW="165100" imgH="139700" progId="Equation.DSMT4">
+                <p:oleObj name="Equation" r:id="rId9" imgW="165100" imgH="139700" progId="Equation.DSMT4">
                   <p:embed/>
                   <p:pic>
                     <p:nvPicPr>
@@ -16964,7 +16998,7 @@
                       <p:nvPr/>
                     </p:nvPicPr>
                     <p:blipFill>
-                      <a:blip r:embed="rId11"/>
+                      <a:blip r:embed="rId10"/>
                       <a:stretch>
                         <a:fillRect/>
                       </a:stretch>
@@ -17043,12 +17077,12 @@
           <a:graphicData uri="http://schemas.openxmlformats.org/presentationml/2006/ole">
             <mc:AlternateContent xmlns:mc="http://schemas.openxmlformats.org/markup-compatibility/2006">
               <mc:Choice xmlns:v="urn:schemas-microsoft-com:vml" Requires="v">
-                <p:oleObj spid="_x0000_s22103" name="Equation" r:id="rId12" imgW="88900" imgH="139700" progId="Equation.DSMT4">
+                <p:oleObj spid="_x0000_s22118" name="Equation" r:id="rId11" imgW="88900" imgH="139700" progId="Equation.DSMT4">
                   <p:embed/>
                 </p:oleObj>
               </mc:Choice>
               <mc:Fallback>
-                <p:oleObj name="Equation" r:id="rId12" imgW="88900" imgH="139700" progId="Equation.DSMT4">
+                <p:oleObj name="Equation" r:id="rId11" imgW="88900" imgH="139700" progId="Equation.DSMT4">
                   <p:embed/>
                   <p:pic>
                     <p:nvPicPr>
@@ -17057,7 +17091,7 @@
                       <p:nvPr/>
                     </p:nvPicPr>
                     <p:blipFill>
-                      <a:blip r:embed="rId13"/>
+                      <a:blip r:embed="rId12"/>
                       <a:stretch>
                         <a:fillRect/>
                       </a:stretch>
@@ -17136,12 +17170,12 @@
           <a:graphicData uri="http://schemas.openxmlformats.org/presentationml/2006/ole">
             <mc:AlternateContent xmlns:mc="http://schemas.openxmlformats.org/markup-compatibility/2006">
               <mc:Choice xmlns:v="urn:schemas-microsoft-com:vml" Requires="v">
-                <p:oleObj spid="_x0000_s22104" name="Equation" r:id="rId14" imgW="241300" imgH="165100" progId="Equation.DSMT4">
+                <p:oleObj spid="_x0000_s22119" name="Equation" r:id="rId13" imgW="241300" imgH="165100" progId="Equation.DSMT4">
                   <p:embed/>
                 </p:oleObj>
               </mc:Choice>
               <mc:Fallback>
-                <p:oleObj name="Equation" r:id="rId14" imgW="241300" imgH="165100" progId="Equation.DSMT4">
+                <p:oleObj name="Equation" r:id="rId13" imgW="241300" imgH="165100" progId="Equation.DSMT4">
                   <p:embed/>
                   <p:pic>
                     <p:nvPicPr>
@@ -17150,7 +17184,7 @@
                       <p:nvPr/>
                     </p:nvPicPr>
                     <p:blipFill>
-                      <a:blip r:embed="rId15"/>
+                      <a:blip r:embed="rId14"/>
                       <a:stretch>
                         <a:fillRect/>
                       </a:stretch>
@@ -17193,12 +17227,12 @@
           <a:graphicData uri="http://schemas.openxmlformats.org/presentationml/2006/ole">
             <mc:AlternateContent xmlns:mc="http://schemas.openxmlformats.org/markup-compatibility/2006">
               <mc:Choice xmlns:v="urn:schemas-microsoft-com:vml" Requires="v">
-                <p:oleObj spid="_x0000_s22105" name="Equation" r:id="rId16" imgW="241300" imgH="165100" progId="Equation.DSMT4">
+                <p:oleObj spid="_x0000_s22120" name="Equation" r:id="rId15" imgW="241300" imgH="165100" progId="Equation.DSMT4">
                   <p:embed/>
                 </p:oleObj>
               </mc:Choice>
               <mc:Fallback>
-                <p:oleObj name="Equation" r:id="rId16" imgW="241300" imgH="165100" progId="Equation.DSMT4">
+                <p:oleObj name="Equation" r:id="rId15" imgW="241300" imgH="165100" progId="Equation.DSMT4">
                   <p:embed/>
                   <p:pic>
                     <p:nvPicPr>
@@ -17207,7 +17241,7 @@
                       <p:nvPr/>
                     </p:nvPicPr>
                     <p:blipFill>
-                      <a:blip r:embed="rId17"/>
+                      <a:blip r:embed="rId16"/>
                       <a:stretch>
                         <a:fillRect/>
                       </a:stretch>
@@ -17250,12 +17284,12 @@
           <a:graphicData uri="http://schemas.openxmlformats.org/presentationml/2006/ole">
             <mc:AlternateContent xmlns:mc="http://schemas.openxmlformats.org/markup-compatibility/2006">
               <mc:Choice xmlns:v="urn:schemas-microsoft-com:vml" Requires="v">
-                <p:oleObj spid="_x0000_s22106" name="Equation" r:id="rId18" imgW="190500" imgH="241300" progId="Equation.DSMT4">
+                <p:oleObj spid="_x0000_s22121" name="Equation" r:id="rId17" imgW="190500" imgH="241300" progId="Equation.DSMT4">
                   <p:embed/>
                 </p:oleObj>
               </mc:Choice>
               <mc:Fallback>
-                <p:oleObj name="Equation" r:id="rId18" imgW="190500" imgH="241300" progId="Equation.DSMT4">
+                <p:oleObj name="Equation" r:id="rId17" imgW="190500" imgH="241300" progId="Equation.DSMT4">
                   <p:embed/>
                   <p:pic>
                     <p:nvPicPr>
@@ -17264,7 +17298,7 @@
                       <p:nvPr/>
                     </p:nvPicPr>
                     <p:blipFill>
-                      <a:blip r:embed="rId19"/>
+                      <a:blip r:embed="rId18"/>
                       <a:stretch>
                         <a:fillRect/>
                       </a:stretch>
@@ -17298,7 +17332,7 @@
   <p:timing>
     <p:tnLst>
       <p:par>
-        <p:cTn xmlns:p14="http://schemas.microsoft.com/office/powerpoint/2010/main" id="1" dur="indefinite" restart="never" nodeType="tmRoot"/>
+        <p:cTn id="1" dur="indefinite" restart="never" nodeType="tmRoot"/>
       </p:par>
     </p:tnLst>
   </p:timing>
@@ -17426,12 +17460,12 @@
           <a:graphicData uri="http://schemas.openxmlformats.org/presentationml/2006/ole">
             <mc:AlternateContent xmlns:mc="http://schemas.openxmlformats.org/markup-compatibility/2006">
               <mc:Choice xmlns:v="urn:schemas-microsoft-com:vml" Requires="v">
-                <p:oleObj spid="_x0000_s26182" name="文書" r:id="rId5" imgW="4495800" imgH="1905000" progId="Word.Document.12">
+                <p:oleObj spid="_x0000_s26197" name="文書" r:id="rId4" imgW="4495800" imgH="1905000" progId="Word.Document.12">
                   <p:embed/>
                 </p:oleObj>
               </mc:Choice>
               <mc:Fallback>
-                <p:oleObj name="文書" r:id="rId5" imgW="4495800" imgH="1905000" progId="Word.Document.12">
+                <p:oleObj name="文書" r:id="rId4" imgW="4495800" imgH="1905000" progId="Word.Document.12">
                   <p:embed/>
                   <p:pic>
                     <p:nvPicPr>
@@ -17440,7 +17474,7 @@
                       <p:nvPr/>
                     </p:nvPicPr>
                     <p:blipFill>
-                      <a:blip r:embed="rId6"/>
+                      <a:blip r:embed="rId5"/>
                       <a:stretch>
                         <a:fillRect/>
                       </a:stretch>
@@ -17496,7 +17530,7 @@
           <p:nvPr/>
         </p:nvPicPr>
         <p:blipFill rotWithShape="1">
-          <a:blip r:embed="rId7"/>
+          <a:blip r:embed="rId6"/>
           <a:srcRect l="9410" t="7762" r="8487" b="9850"/>
           <a:stretch/>
         </p:blipFill>
@@ -17640,12 +17674,12 @@
           <a:graphicData uri="http://schemas.openxmlformats.org/presentationml/2006/ole">
             <mc:AlternateContent xmlns:mc="http://schemas.openxmlformats.org/markup-compatibility/2006">
               <mc:Choice xmlns:v="urn:schemas-microsoft-com:vml" Requires="v">
-                <p:oleObj spid="_x0000_s26183" name="Equation" r:id="rId8" imgW="203200" imgH="254000" progId="Equation.DSMT4">
+                <p:oleObj spid="_x0000_s26198" name="Equation" r:id="rId7" imgW="203200" imgH="254000" progId="Equation.DSMT4">
                   <p:embed/>
                 </p:oleObj>
               </mc:Choice>
               <mc:Fallback>
-                <p:oleObj name="Equation" r:id="rId8" imgW="203200" imgH="254000" progId="Equation.DSMT4">
+                <p:oleObj name="Equation" r:id="rId7" imgW="203200" imgH="254000" progId="Equation.DSMT4">
                   <p:embed/>
                   <p:pic>
                     <p:nvPicPr>
@@ -17654,7 +17688,7 @@
                       <p:nvPr/>
                     </p:nvPicPr>
                     <p:blipFill>
-                      <a:blip r:embed="rId9"/>
+                      <a:blip r:embed="rId8"/>
                       <a:stretch>
                         <a:fillRect/>
                       </a:stretch>
@@ -17697,12 +17731,12 @@
           <a:graphicData uri="http://schemas.openxmlformats.org/presentationml/2006/ole">
             <mc:AlternateContent xmlns:mc="http://schemas.openxmlformats.org/markup-compatibility/2006">
               <mc:Choice xmlns:v="urn:schemas-microsoft-com:vml" Requires="v">
-                <p:oleObj spid="_x0000_s26184" name="Equation" r:id="rId10" imgW="165100" imgH="139700" progId="Equation.DSMT4">
+                <p:oleObj spid="_x0000_s26199" name="Equation" r:id="rId9" imgW="165100" imgH="139700" progId="Equation.DSMT4">
                   <p:embed/>
                 </p:oleObj>
               </mc:Choice>
               <mc:Fallback>
-                <p:oleObj name="Equation" r:id="rId10" imgW="165100" imgH="139700" progId="Equation.DSMT4">
+                <p:oleObj name="Equation" r:id="rId9" imgW="165100" imgH="139700" progId="Equation.DSMT4">
                   <p:embed/>
                   <p:pic>
                     <p:nvPicPr>
@@ -17711,7 +17745,7 @@
                       <p:nvPr/>
                     </p:nvPicPr>
                     <p:blipFill>
-                      <a:blip r:embed="rId11"/>
+                      <a:blip r:embed="rId10"/>
                       <a:stretch>
                         <a:fillRect/>
                       </a:stretch>
@@ -17790,12 +17824,12 @@
           <a:graphicData uri="http://schemas.openxmlformats.org/presentationml/2006/ole">
             <mc:AlternateContent xmlns:mc="http://schemas.openxmlformats.org/markup-compatibility/2006">
               <mc:Choice xmlns:v="urn:schemas-microsoft-com:vml" Requires="v">
-                <p:oleObj spid="_x0000_s26185" name="Equation" r:id="rId12" imgW="88900" imgH="139700" progId="Equation.DSMT4">
+                <p:oleObj spid="_x0000_s26200" name="Equation" r:id="rId11" imgW="88900" imgH="139700" progId="Equation.DSMT4">
                   <p:embed/>
                 </p:oleObj>
               </mc:Choice>
               <mc:Fallback>
-                <p:oleObj name="Equation" r:id="rId12" imgW="88900" imgH="139700" progId="Equation.DSMT4">
+                <p:oleObj name="Equation" r:id="rId11" imgW="88900" imgH="139700" progId="Equation.DSMT4">
                   <p:embed/>
                   <p:pic>
                     <p:nvPicPr>
@@ -17804,7 +17838,7 @@
                       <p:nvPr/>
                     </p:nvPicPr>
                     <p:blipFill>
-                      <a:blip r:embed="rId13"/>
+                      <a:blip r:embed="rId12"/>
                       <a:stretch>
                         <a:fillRect/>
                       </a:stretch>
@@ -17847,12 +17881,12 @@
           <a:graphicData uri="http://schemas.openxmlformats.org/presentationml/2006/ole">
             <mc:AlternateContent xmlns:mc="http://schemas.openxmlformats.org/markup-compatibility/2006">
               <mc:Choice xmlns:v="urn:schemas-microsoft-com:vml" Requires="v">
-                <p:oleObj spid="_x0000_s26186" name="Equation" r:id="rId14" imgW="241300" imgH="165100" progId="Equation.DSMT4">
+                <p:oleObj spid="_x0000_s26201" name="Equation" r:id="rId13" imgW="241300" imgH="165100" progId="Equation.DSMT4">
                   <p:embed/>
                 </p:oleObj>
               </mc:Choice>
               <mc:Fallback>
-                <p:oleObj name="Equation" r:id="rId14" imgW="241300" imgH="165100" progId="Equation.DSMT4">
+                <p:oleObj name="Equation" r:id="rId13" imgW="241300" imgH="165100" progId="Equation.DSMT4">
                   <p:embed/>
                   <p:pic>
                     <p:nvPicPr>
@@ -17861,7 +17895,7 @@
                       <p:nvPr/>
                     </p:nvPicPr>
                     <p:blipFill>
-                      <a:blip r:embed="rId15"/>
+                      <a:blip r:embed="rId14"/>
                       <a:stretch>
                         <a:fillRect/>
                       </a:stretch>
@@ -17904,12 +17938,12 @@
           <a:graphicData uri="http://schemas.openxmlformats.org/presentationml/2006/ole">
             <mc:AlternateContent xmlns:mc="http://schemas.openxmlformats.org/markup-compatibility/2006">
               <mc:Choice xmlns:v="urn:schemas-microsoft-com:vml" Requires="v">
-                <p:oleObj spid="_x0000_s26187" name="Equation" r:id="rId16" imgW="241300" imgH="165100" progId="Equation.DSMT4">
+                <p:oleObj spid="_x0000_s26202" name="Equation" r:id="rId15" imgW="241300" imgH="165100" progId="Equation.DSMT4">
                   <p:embed/>
                 </p:oleObj>
               </mc:Choice>
               <mc:Fallback>
-                <p:oleObj name="Equation" r:id="rId16" imgW="241300" imgH="165100" progId="Equation.DSMT4">
+                <p:oleObj name="Equation" r:id="rId15" imgW="241300" imgH="165100" progId="Equation.DSMT4">
                   <p:embed/>
                   <p:pic>
                     <p:nvPicPr>
@@ -17918,7 +17952,7 @@
                       <p:nvPr/>
                     </p:nvPicPr>
                     <p:blipFill>
-                      <a:blip r:embed="rId17"/>
+                      <a:blip r:embed="rId16"/>
                       <a:stretch>
                         <a:fillRect/>
                       </a:stretch>
@@ -17961,12 +17995,12 @@
           <a:graphicData uri="http://schemas.openxmlformats.org/presentationml/2006/ole">
             <mc:AlternateContent xmlns:mc="http://schemas.openxmlformats.org/markup-compatibility/2006">
               <mc:Choice xmlns:v="urn:schemas-microsoft-com:vml" Requires="v">
-                <p:oleObj spid="_x0000_s26188" name="Equation" r:id="rId18" imgW="190500" imgH="241300" progId="Equation.DSMT4">
+                <p:oleObj spid="_x0000_s26203" name="Equation" r:id="rId17" imgW="190500" imgH="241300" progId="Equation.DSMT4">
                   <p:embed/>
                 </p:oleObj>
               </mc:Choice>
               <mc:Fallback>
-                <p:oleObj name="Equation" r:id="rId18" imgW="190500" imgH="241300" progId="Equation.DSMT4">
+                <p:oleObj name="Equation" r:id="rId17" imgW="190500" imgH="241300" progId="Equation.DSMT4">
                   <p:embed/>
                   <p:pic>
                     <p:nvPicPr>
@@ -17975,7 +18009,7 @@
                       <p:nvPr/>
                     </p:nvPicPr>
                     <p:blipFill>
-                      <a:blip r:embed="rId19"/>
+                      <a:blip r:embed="rId18"/>
                       <a:stretch>
                         <a:fillRect/>
                       </a:stretch>
@@ -18009,7 +18043,7 @@
   <p:timing>
     <p:tnLst>
       <p:par>
-        <p:cTn xmlns:p14="http://schemas.microsoft.com/office/powerpoint/2010/main" id="1" dur="indefinite" restart="never" nodeType="tmRoot"/>
+        <p:cTn id="1" dur="indefinite" restart="never" nodeType="tmRoot"/>
       </p:par>
     </p:tnLst>
   </p:timing>
@@ -18137,12 +18171,12 @@
           <a:graphicData uri="http://schemas.openxmlformats.org/presentationml/2006/ole">
             <mc:AlternateContent xmlns:mc="http://schemas.openxmlformats.org/markup-compatibility/2006">
               <mc:Choice xmlns:v="urn:schemas-microsoft-com:vml" Requires="v">
-                <p:oleObj spid="_x0000_s14890" name="文書" r:id="rId5" imgW="4495800" imgH="596900" progId="Word.Document.12">
+                <p:oleObj spid="_x0000_s14905" name="文書" r:id="rId4" imgW="4495800" imgH="596900" progId="Word.Document.12">
                   <p:embed/>
                 </p:oleObj>
               </mc:Choice>
               <mc:Fallback>
-                <p:oleObj name="文書" r:id="rId5" imgW="4495800" imgH="596900" progId="Word.Document.12">
+                <p:oleObj name="文書" r:id="rId4" imgW="4495800" imgH="596900" progId="Word.Document.12">
                   <p:embed/>
                   <p:pic>
                     <p:nvPicPr>
@@ -18151,7 +18185,7 @@
                       <p:nvPr/>
                     </p:nvPicPr>
                     <p:blipFill>
-                      <a:blip r:embed="rId6"/>
+                      <a:blip r:embed="rId5"/>
                       <a:stretch>
                         <a:fillRect/>
                       </a:stretch>
@@ -18418,12 +18452,12 @@
           <a:graphicData uri="http://schemas.openxmlformats.org/presentationml/2006/ole">
             <mc:AlternateContent xmlns:mc="http://schemas.openxmlformats.org/markup-compatibility/2006">
               <mc:Choice xmlns:v="urn:schemas-microsoft-com:vml" Requires="v">
-                <p:oleObj spid="_x0000_s14891" name="Equation" r:id="rId7" imgW="139700" imgH="152400" progId="Equation.DSMT4">
+                <p:oleObj spid="_x0000_s14906" name="Equation" r:id="rId6" imgW="139700" imgH="152400" progId="Equation.DSMT4">
                   <p:embed/>
                 </p:oleObj>
               </mc:Choice>
               <mc:Fallback>
-                <p:oleObj name="Equation" r:id="rId7" imgW="139700" imgH="152400" progId="Equation.DSMT4">
+                <p:oleObj name="Equation" r:id="rId6" imgW="139700" imgH="152400" progId="Equation.DSMT4">
                   <p:embed/>
                   <p:pic>
                     <p:nvPicPr>
@@ -18432,7 +18466,7 @@
                       <p:nvPr/>
                     </p:nvPicPr>
                     <p:blipFill>
-                      <a:blip r:embed="rId8"/>
+                      <a:blip r:embed="rId7"/>
                       <a:stretch>
                         <a:fillRect/>
                       </a:stretch>
@@ -18475,12 +18509,12 @@
           <a:graphicData uri="http://schemas.openxmlformats.org/presentationml/2006/ole">
             <mc:AlternateContent xmlns:mc="http://schemas.openxmlformats.org/markup-compatibility/2006">
               <mc:Choice xmlns:v="urn:schemas-microsoft-com:vml" Requires="v">
-                <p:oleObj spid="_x0000_s14892" name="Equation" r:id="rId9" imgW="304800" imgH="152400" progId="Equation.DSMT4">
+                <p:oleObj spid="_x0000_s14907" name="Equation" r:id="rId8" imgW="304800" imgH="152400" progId="Equation.DSMT4">
                   <p:embed/>
                 </p:oleObj>
               </mc:Choice>
               <mc:Fallback>
-                <p:oleObj name="Equation" r:id="rId9" imgW="304800" imgH="152400" progId="Equation.DSMT4">
+                <p:oleObj name="Equation" r:id="rId8" imgW="304800" imgH="152400" progId="Equation.DSMT4">
                   <p:embed/>
                   <p:pic>
                     <p:nvPicPr>
@@ -18489,7 +18523,7 @@
                       <p:nvPr/>
                     </p:nvPicPr>
                     <p:blipFill>
-                      <a:blip r:embed="rId10"/>
+                      <a:blip r:embed="rId9"/>
                       <a:stretch>
                         <a:fillRect/>
                       </a:stretch>
@@ -18532,12 +18566,12 @@
           <a:graphicData uri="http://schemas.openxmlformats.org/presentationml/2006/ole">
             <mc:AlternateContent xmlns:mc="http://schemas.openxmlformats.org/markup-compatibility/2006">
               <mc:Choice xmlns:v="urn:schemas-microsoft-com:vml" Requires="v">
-                <p:oleObj spid="_x0000_s14893" name="Equation" r:id="rId11" imgW="368300" imgH="241300" progId="Equation.DSMT4">
+                <p:oleObj spid="_x0000_s14908" name="Equation" r:id="rId10" imgW="368300" imgH="241300" progId="Equation.DSMT4">
                   <p:embed/>
                 </p:oleObj>
               </mc:Choice>
               <mc:Fallback>
-                <p:oleObj name="Equation" r:id="rId11" imgW="368300" imgH="241300" progId="Equation.DSMT4">
+                <p:oleObj name="Equation" r:id="rId10" imgW="368300" imgH="241300" progId="Equation.DSMT4">
                   <p:embed/>
                   <p:pic>
                     <p:nvPicPr>
@@ -18546,7 +18580,7 @@
                       <p:nvPr/>
                     </p:nvPicPr>
                     <p:blipFill>
-                      <a:blip r:embed="rId12"/>
+                      <a:blip r:embed="rId11"/>
                       <a:stretch>
                         <a:fillRect/>
                       </a:stretch>
@@ -18589,12 +18623,12 @@
           <a:graphicData uri="http://schemas.openxmlformats.org/presentationml/2006/ole">
             <mc:AlternateContent xmlns:mc="http://schemas.openxmlformats.org/markup-compatibility/2006">
               <mc:Choice xmlns:v="urn:schemas-microsoft-com:vml" Requires="v">
-                <p:oleObj spid="_x0000_s14894" name="Equation" r:id="rId13" imgW="127000" imgH="139700" progId="Equation.DSMT4">
+                <p:oleObj spid="_x0000_s14909" name="Equation" r:id="rId12" imgW="127000" imgH="139700" progId="Equation.DSMT4">
                   <p:embed/>
                 </p:oleObj>
               </mc:Choice>
               <mc:Fallback>
-                <p:oleObj name="Equation" r:id="rId13" imgW="127000" imgH="139700" progId="Equation.DSMT4">
+                <p:oleObj name="Equation" r:id="rId12" imgW="127000" imgH="139700" progId="Equation.DSMT4">
                   <p:embed/>
                   <p:pic>
                     <p:nvPicPr>
@@ -18603,7 +18637,7 @@
                       <p:nvPr/>
                     </p:nvPicPr>
                     <p:blipFill>
-                      <a:blip r:embed="rId14"/>
+                      <a:blip r:embed="rId13"/>
                       <a:stretch>
                         <a:fillRect/>
                       </a:stretch>
@@ -18646,12 +18680,12 @@
           <a:graphicData uri="http://schemas.openxmlformats.org/presentationml/2006/ole">
             <mc:AlternateContent xmlns:mc="http://schemas.openxmlformats.org/markup-compatibility/2006">
               <mc:Choice xmlns:v="urn:schemas-microsoft-com:vml" Requires="v">
-                <p:oleObj spid="_x0000_s14895" name="Equation" r:id="rId15" imgW="558800" imgH="241300" progId="Equation.DSMT4">
+                <p:oleObj spid="_x0000_s14910" name="Equation" r:id="rId14" imgW="558800" imgH="241300" progId="Equation.DSMT4">
                   <p:embed/>
                 </p:oleObj>
               </mc:Choice>
               <mc:Fallback>
-                <p:oleObj name="Equation" r:id="rId15" imgW="558800" imgH="241300" progId="Equation.DSMT4">
+                <p:oleObj name="Equation" r:id="rId14" imgW="558800" imgH="241300" progId="Equation.DSMT4">
                   <p:embed/>
                   <p:pic>
                     <p:nvPicPr>
@@ -18660,7 +18694,7 @@
                       <p:nvPr/>
                     </p:nvPicPr>
                     <p:blipFill>
-                      <a:blip r:embed="rId16"/>
+                      <a:blip r:embed="rId15"/>
                       <a:stretch>
                         <a:fillRect/>
                       </a:stretch>
@@ -19109,12 +19143,12 @@
           <a:graphicData uri="http://schemas.openxmlformats.org/presentationml/2006/ole">
             <mc:AlternateContent xmlns:mc="http://schemas.openxmlformats.org/markup-compatibility/2006">
               <mc:Choice xmlns:v="urn:schemas-microsoft-com:vml" Requires="v">
-                <p:oleObj spid="_x0000_s14896" name="Equation" r:id="rId17" imgW="88900" imgH="139700" progId="Equation.DSMT4">
+                <p:oleObj spid="_x0000_s14911" name="Equation" r:id="rId16" imgW="88900" imgH="139700" progId="Equation.DSMT4">
                   <p:embed/>
                 </p:oleObj>
               </mc:Choice>
               <mc:Fallback>
-                <p:oleObj name="Equation" r:id="rId17" imgW="88900" imgH="139700" progId="Equation.DSMT4">
+                <p:oleObj name="Equation" r:id="rId16" imgW="88900" imgH="139700" progId="Equation.DSMT4">
                   <p:embed/>
                   <p:pic>
                     <p:nvPicPr>
@@ -19123,7 +19157,7 @@
                       <p:nvPr/>
                     </p:nvPicPr>
                     <p:blipFill>
-                      <a:blip r:embed="rId18"/>
+                      <a:blip r:embed="rId17"/>
                       <a:stretch>
                         <a:fillRect/>
                       </a:stretch>
@@ -19197,7 +19231,7 @@
   <p:timing>
     <p:tnLst>
       <p:par>
-        <p:cTn xmlns:p14="http://schemas.microsoft.com/office/powerpoint/2010/main" id="1" dur="indefinite" restart="never" nodeType="tmRoot"/>
+        <p:cTn id="1" dur="indefinite" restart="never" nodeType="tmRoot"/>
       </p:par>
     </p:tnLst>
   </p:timing>
@@ -19486,7 +19520,7 @@
   <a:extraClrSchemeLst/>
   <a:extLst>
     <a:ext uri="{05A4C25C-085E-4340-85A3-A5531E510DB2}">
-      <thm15:themeFamily xmlns="" xmlns:thm15="http://schemas.microsoft.com/office/thememl/2012/main" name="プレゼンテーション7" id="{423002E4-7FD9-6640-9BE1-02790D05BA1E}" vid="{82099355-738F-7B4C-8B1D-DB529BAB30B7}"/>
+      <thm15:themeFamily xmlns:thm15="http://schemas.microsoft.com/office/thememl/2012/main" name="プレゼンテーション7" id="{423002E4-7FD9-6640-9BE1-02790D05BA1E}" vid="{82099355-738F-7B4C-8B1D-DB529BAB30B7}"/>
     </a:ext>
   </a:extLst>
 </a:theme>

--- a/03/009x_31.pptx
+++ b/03/009x_31.pptx
@@ -156,7 +156,7 @@
   </p:defaultTextStyle>
   <p:extLst>
     <p:ext uri="{EFAFB233-063F-42B5-8137-9DF3F51BA10A}">
-      <p15:sldGuideLst xmlns:p15="http://schemas.microsoft.com/office/powerpoint/2012/main">
+      <p15:sldGuideLst xmlns="" xmlns:p15="http://schemas.microsoft.com/office/powerpoint/2012/main">
         <p15:guide id="1" orient="horz" pos="2160" userDrawn="1">
           <p15:clr>
             <a:srgbClr val="A4A3A4"/>
@@ -170,7 +170,7 @@
       </p15:sldGuideLst>
     </p:ext>
     <p:ext uri="{2D200454-40CA-4A62-9FC3-DE9A4176ACB9}">
-      <p15:notesGuideLst xmlns:p15="http://schemas.microsoft.com/office/powerpoint/2012/main">
+      <p15:notesGuideLst xmlns="" xmlns:p15="http://schemas.microsoft.com/office/powerpoint/2012/main">
         <p15:guide id="1" orient="horz" pos="2880">
           <p15:clr>
             <a:srgbClr val="A4A3A4"/>
@@ -269,7 +269,7 @@
           <a:p>
             <a:fld id="{0412B963-281D-0642-81B7-06A60C2985AD}" type="datetime1">
               <a:rPr kumimoji="1" lang="ja-JP" altLang="en-US" smtClean="0"/>
-              <a:t>2017/5/24</a:t>
+              <a:t>17/09/29</a:t>
             </a:fld>
             <a:endParaRPr kumimoji="1" lang="ja-JP" altLang="en-US"/>
           </a:p>
@@ -459,7 +459,7 @@
             </a:pPr>
             <a:fld id="{0EE9D497-FB4E-3041-93C1-90E0C07422CD}" type="datetime1">
               <a:rPr lang="ja-JP" altLang="en-US" smtClean="0"/>
-              <a:t>2017/5/24</a:t>
+              <a:t>17/09/29</a:t>
             </a:fld>
             <a:endParaRPr lang="en-US"/>
           </a:p>
@@ -3754,7 +3754,7 @@
             </a:pPr>
             <a:fld id="{A023B52E-C3FC-A848-B8A7-4DBA8B1017FE}" type="datetime1">
               <a:rPr lang="ja-JP" altLang="en-US" smtClean="0"/>
-              <a:t>2017/5/24</a:t>
+              <a:t>17/09/29</a:t>
             </a:fld>
             <a:endParaRPr lang="en-US"/>
           </a:p>
@@ -4011,7 +4011,7 @@
             </a:pPr>
             <a:fld id="{2DE75801-1A6B-394A-B005-5786EC074A9B}" type="datetime1">
               <a:rPr lang="ja-JP" altLang="en-US" smtClean="0"/>
-              <a:t>2017/5/24</a:t>
+              <a:t>17/09/29</a:t>
             </a:fld>
             <a:endParaRPr lang="en-US"/>
           </a:p>
@@ -4246,7 +4246,7 @@
             </a:pPr>
             <a:fld id="{073DB193-1D39-D94F-8E40-C5EC80DBC0CC}" type="datetime1">
               <a:rPr lang="ja-JP" altLang="en-US" smtClean="0"/>
-              <a:t>2017/5/24</a:t>
+              <a:t>17/09/29</a:t>
             </a:fld>
             <a:endParaRPr lang="en-US"/>
           </a:p>
@@ -4751,7 +4751,7 @@
             </a:pPr>
             <a:fld id="{7D58C5EB-780A-E642-8BB9-48AF6B9A0C93}" type="datetime1">
               <a:rPr lang="ja-JP" altLang="en-US" smtClean="0"/>
-              <a:t>2017/5/24</a:t>
+              <a:t>17/09/29</a:t>
             </a:fld>
             <a:endParaRPr lang="en-US"/>
           </a:p>
@@ -4860,7 +4860,7 @@
   <p:timing>
     <p:tnLst>
       <p:par>
-        <p:cTn id="1" dur="indefinite" restart="never" nodeType="tmRoot"/>
+        <p:cTn xmlns:p14="http://schemas.microsoft.com/office/powerpoint/2010/main" id="1" dur="indefinite" restart="never" nodeType="tmRoot"/>
       </p:par>
     </p:tnLst>
   </p:timing>
@@ -5059,7 +5059,7 @@
             </a:pPr>
             <a:fld id="{EC559CBC-7087-6D41-8C71-6B6BCC6E0EE3}" type="datetime1">
               <a:rPr lang="ja-JP" altLang="en-US" smtClean="0"/>
-              <a:t>2017/5/24</a:t>
+              <a:t>17/09/29</a:t>
             </a:fld>
             <a:endParaRPr lang="en-US"/>
           </a:p>
@@ -5721,7 +5721,7 @@
             </a:pPr>
             <a:fld id="{342E31EE-E339-0841-B520-05F3A10B4FBF}" type="datetime1">
               <a:rPr lang="ja-JP" altLang="en-US" smtClean="0"/>
-              <a:t>2017/5/24</a:t>
+              <a:t>17/09/29</a:t>
             </a:fld>
             <a:endParaRPr lang="en-US"/>
           </a:p>
@@ -6513,7 +6513,7 @@
             </a:pPr>
             <a:fld id="{9C45F164-7935-224C-A922-3217B740A4E7}" type="datetime1">
               <a:rPr lang="ja-JP" altLang="en-US" smtClean="0"/>
-              <a:t>2017/5/24</a:t>
+              <a:t>17/09/29</a:t>
             </a:fld>
             <a:endParaRPr lang="en-US"/>
           </a:p>
@@ -6950,7 +6950,7 @@
             </a:pPr>
             <a:fld id="{84905C6B-2FEB-1741-BBF6-BD111E1D4EA0}" type="datetime1">
               <a:rPr lang="ja-JP" altLang="en-US" smtClean="0"/>
-              <a:t>2017/5/24</a:t>
+              <a:t>17/09/29</a:t>
             </a:fld>
             <a:endParaRPr lang="en-US"/>
           </a:p>
@@ -7281,7 +7281,7 @@
             </a:pPr>
             <a:fld id="{331FF03F-3229-1D47-9BC7-23D3C122EEFB}" type="datetime1">
               <a:rPr lang="ja-JP" altLang="en-US" smtClean="0"/>
-              <a:t>2017/5/24</a:t>
+              <a:t>17/09/29</a:t>
             </a:fld>
             <a:endParaRPr lang="en-US"/>
           </a:p>
@@ -7631,7 +7631,7 @@
             </a:pPr>
             <a:fld id="{9B242E05-CAC7-5E43-8B86-8A3E0256E9A3}" type="datetime1">
               <a:rPr lang="ja-JP" altLang="en-US" smtClean="0"/>
-              <a:t>2017/5/24</a:t>
+              <a:t>17/09/29</a:t>
             </a:fld>
             <a:endParaRPr lang="en-US"/>
           </a:p>
@@ -7914,7 +7914,7 @@
             </a:pPr>
             <a:fld id="{60626716-BD6C-D348-A5AA-41DF31DB35E1}" type="datetime1">
               <a:rPr lang="ja-JP" altLang="en-US" smtClean="0"/>
-              <a:t>2017/5/24</a:t>
+              <a:t>17/09/29</a:t>
             </a:fld>
             <a:endParaRPr lang="en-US"/>
           </a:p>
@@ -8205,7 +8205,7 @@
             </a:pPr>
             <a:fld id="{2062BAB6-2670-A84E-B27B-9C88D5D27877}" type="datetime1">
               <a:rPr lang="ja-JP" altLang="en-US" smtClean="0"/>
-              <a:t>2017/5/24</a:t>
+              <a:t>17/09/29</a:t>
             </a:fld>
             <a:endParaRPr lang="en-US"/>
           </a:p>
@@ -8887,7 +8887,7 @@
   <p:timing>
     <p:tnLst>
       <p:par>
-        <p:cTn id="1" dur="indefinite" restart="never" nodeType="tmRoot"/>
+        <p:cTn xmlns:p14="http://schemas.microsoft.com/office/powerpoint/2010/main" id="1" dur="indefinite" restart="never" nodeType="tmRoot"/>
       </p:par>
     </p:tnLst>
   </p:timing>
@@ -9154,12 +9154,12 @@
           <a:graphicData uri="http://schemas.openxmlformats.org/presentationml/2006/ole">
             <mc:AlternateContent xmlns:mc="http://schemas.openxmlformats.org/markup-compatibility/2006">
               <mc:Choice xmlns:v="urn:schemas-microsoft-com:vml" Requires="v">
-                <p:oleObj spid="_x0000_s33352" name="文書" r:id="rId4" imgW="4495800" imgH="596900" progId="Word.Document.12">
+                <p:oleObj spid="_x0000_s33374" name="文書" r:id="rId5" imgW="4495800" imgH="596900" progId="Word.Document.12">
                   <p:embed/>
                 </p:oleObj>
               </mc:Choice>
               <mc:Fallback>
-                <p:oleObj name="文書" r:id="rId4" imgW="4495800" imgH="596900" progId="Word.Document.12">
+                <p:oleObj name="文書" r:id="rId5" imgW="4495800" imgH="596900" progId="Word.Document.12">
                   <p:embed/>
                   <p:pic>
                     <p:nvPicPr>
@@ -9168,7 +9168,7 @@
                       <p:nvPr/>
                     </p:nvPicPr>
                     <p:blipFill>
-                      <a:blip r:embed="rId5"/>
+                      <a:blip r:embed="rId6"/>
                       <a:stretch>
                         <a:fillRect/>
                       </a:stretch>
@@ -9303,12 +9303,12 @@
           <a:graphicData uri="http://schemas.openxmlformats.org/presentationml/2006/ole">
             <mc:AlternateContent xmlns:mc="http://schemas.openxmlformats.org/markup-compatibility/2006">
               <mc:Choice xmlns:v="urn:schemas-microsoft-com:vml" Requires="v">
-                <p:oleObj spid="_x0000_s33353" name="Equation" r:id="rId6" imgW="190500" imgH="241300" progId="Equation.DSMT4">
+                <p:oleObj spid="_x0000_s33375" name="Equation" r:id="rId7" imgW="190500" imgH="241300" progId="Equation.DSMT4">
                   <p:embed/>
                 </p:oleObj>
               </mc:Choice>
               <mc:Fallback>
-                <p:oleObj name="Equation" r:id="rId6" imgW="190500" imgH="241300" progId="Equation.DSMT4">
+                <p:oleObj name="Equation" r:id="rId7" imgW="190500" imgH="241300" progId="Equation.DSMT4">
                   <p:embed/>
                   <p:pic>
                     <p:nvPicPr>
@@ -9317,7 +9317,7 @@
                       <p:nvPr/>
                     </p:nvPicPr>
                     <p:blipFill>
-                      <a:blip r:embed="rId7"/>
+                      <a:blip r:embed="rId8"/>
                       <a:stretch>
                         <a:fillRect/>
                       </a:stretch>
@@ -9360,12 +9360,12 @@
           <a:graphicData uri="http://schemas.openxmlformats.org/presentationml/2006/ole">
             <mc:AlternateContent xmlns:mc="http://schemas.openxmlformats.org/markup-compatibility/2006">
               <mc:Choice xmlns:v="urn:schemas-microsoft-com:vml" Requires="v">
-                <p:oleObj spid="_x0000_s33354" name="Equation" r:id="rId8" imgW="88900" imgH="139700" progId="Equation.DSMT4">
+                <p:oleObj spid="_x0000_s33376" name="Equation" r:id="rId9" imgW="88900" imgH="139700" progId="Equation.DSMT4">
                   <p:embed/>
                 </p:oleObj>
               </mc:Choice>
               <mc:Fallback>
-                <p:oleObj name="Equation" r:id="rId8" imgW="88900" imgH="139700" progId="Equation.DSMT4">
+                <p:oleObj name="Equation" r:id="rId9" imgW="88900" imgH="139700" progId="Equation.DSMT4">
                   <p:embed/>
                   <p:pic>
                     <p:nvPicPr>
@@ -9374,7 +9374,7 @@
                       <p:nvPr/>
                     </p:nvPicPr>
                     <p:blipFill>
-                      <a:blip r:embed="rId9"/>
+                      <a:blip r:embed="rId10"/>
                       <a:stretch>
                         <a:fillRect/>
                       </a:stretch>
@@ -9511,12 +9511,12 @@
           <a:graphicData uri="http://schemas.openxmlformats.org/presentationml/2006/ole">
             <mc:AlternateContent xmlns:mc="http://schemas.openxmlformats.org/markup-compatibility/2006">
               <mc:Choice xmlns:v="urn:schemas-microsoft-com:vml" Requires="v">
-                <p:oleObj spid="_x0000_s33355" name="Equation" r:id="rId10" imgW="812800" imgH="292100" progId="Equation.DSMT4">
+                <p:oleObj spid="_x0000_s33377" name="Equation" r:id="rId11" imgW="812800" imgH="292100" progId="Equation.DSMT4">
                   <p:embed/>
                 </p:oleObj>
               </mc:Choice>
               <mc:Fallback>
-                <p:oleObj name="Equation" r:id="rId10" imgW="812800" imgH="292100" progId="Equation.DSMT4">
+                <p:oleObj name="Equation" r:id="rId11" imgW="812800" imgH="292100" progId="Equation.DSMT4">
                   <p:embed/>
                   <p:pic>
                     <p:nvPicPr>
@@ -9525,7 +9525,7 @@
                       <p:nvPr/>
                     </p:nvPicPr>
                     <p:blipFill>
-                      <a:blip r:embed="rId11"/>
+                      <a:blip r:embed="rId12"/>
                       <a:stretch>
                         <a:fillRect/>
                       </a:stretch>
@@ -9762,12 +9762,12 @@
           <a:graphicData uri="http://schemas.openxmlformats.org/presentationml/2006/ole">
             <mc:AlternateContent xmlns:mc="http://schemas.openxmlformats.org/markup-compatibility/2006">
               <mc:Choice xmlns:v="urn:schemas-microsoft-com:vml" Requires="v">
-                <p:oleObj spid="_x0000_s33356" name="Equation" r:id="rId12" imgW="139700" imgH="152400" progId="Equation.DSMT4">
+                <p:oleObj spid="_x0000_s33378" name="Equation" r:id="rId13" imgW="139700" imgH="152400" progId="Equation.DSMT4">
                   <p:embed/>
                 </p:oleObj>
               </mc:Choice>
               <mc:Fallback>
-                <p:oleObj name="Equation" r:id="rId12" imgW="139700" imgH="152400" progId="Equation.DSMT4">
+                <p:oleObj name="Equation" r:id="rId13" imgW="139700" imgH="152400" progId="Equation.DSMT4">
                   <p:embed/>
                   <p:pic>
                     <p:nvPicPr>
@@ -9776,7 +9776,7 @@
                       <p:nvPr/>
                     </p:nvPicPr>
                     <p:blipFill>
-                      <a:blip r:embed="rId13"/>
+                      <a:blip r:embed="rId14"/>
                       <a:stretch>
                         <a:fillRect/>
                       </a:stretch>
@@ -9815,12 +9815,12 @@
           <a:graphicData uri="http://schemas.openxmlformats.org/presentationml/2006/ole">
             <mc:AlternateContent xmlns:mc="http://schemas.openxmlformats.org/markup-compatibility/2006">
               <mc:Choice xmlns:v="urn:schemas-microsoft-com:vml" Requires="v">
-                <p:oleObj spid="_x0000_s33357" name="Equation" r:id="rId14" imgW="304800" imgH="152400" progId="Equation.DSMT4">
+                <p:oleObj spid="_x0000_s33379" name="Equation" r:id="rId15" imgW="304800" imgH="152400" progId="Equation.DSMT4">
                   <p:embed/>
                 </p:oleObj>
               </mc:Choice>
               <mc:Fallback>
-                <p:oleObj name="Equation" r:id="rId14" imgW="304800" imgH="152400" progId="Equation.DSMT4">
+                <p:oleObj name="Equation" r:id="rId15" imgW="304800" imgH="152400" progId="Equation.DSMT4">
                   <p:embed/>
                   <p:pic>
                     <p:nvPicPr>
@@ -9829,7 +9829,7 @@
                       <p:nvPr/>
                     </p:nvPicPr>
                     <p:blipFill>
-                      <a:blip r:embed="rId15"/>
+                      <a:blip r:embed="rId16"/>
                       <a:stretch>
                         <a:fillRect/>
                       </a:stretch>
@@ -9868,12 +9868,12 @@
           <a:graphicData uri="http://schemas.openxmlformats.org/presentationml/2006/ole">
             <mc:AlternateContent xmlns:mc="http://schemas.openxmlformats.org/markup-compatibility/2006">
               <mc:Choice xmlns:v="urn:schemas-microsoft-com:vml" Requires="v">
-                <p:oleObj spid="_x0000_s33358" name="Equation" r:id="rId16" imgW="368300" imgH="241300" progId="Equation.DSMT4">
+                <p:oleObj spid="_x0000_s33380" name="Equation" r:id="rId17" imgW="368300" imgH="241300" progId="Equation.DSMT4">
                   <p:embed/>
                 </p:oleObj>
               </mc:Choice>
               <mc:Fallback>
-                <p:oleObj name="Equation" r:id="rId16" imgW="368300" imgH="241300" progId="Equation.DSMT4">
+                <p:oleObj name="Equation" r:id="rId17" imgW="368300" imgH="241300" progId="Equation.DSMT4">
                   <p:embed/>
                   <p:pic>
                     <p:nvPicPr>
@@ -9882,7 +9882,7 @@
                       <p:nvPr/>
                     </p:nvPicPr>
                     <p:blipFill>
-                      <a:blip r:embed="rId17"/>
+                      <a:blip r:embed="rId18"/>
                       <a:stretch>
                         <a:fillRect/>
                       </a:stretch>
@@ -9921,12 +9921,12 @@
           <a:graphicData uri="http://schemas.openxmlformats.org/presentationml/2006/ole">
             <mc:AlternateContent xmlns:mc="http://schemas.openxmlformats.org/markup-compatibility/2006">
               <mc:Choice xmlns:v="urn:schemas-microsoft-com:vml" Requires="v">
-                <p:oleObj spid="_x0000_s33359" name="Equation" r:id="rId18" imgW="127000" imgH="139700" progId="Equation.DSMT4">
+                <p:oleObj spid="_x0000_s33381" name="Equation" r:id="rId19" imgW="127000" imgH="139700" progId="Equation.DSMT4">
                   <p:embed/>
                 </p:oleObj>
               </mc:Choice>
               <mc:Fallback>
-                <p:oleObj name="Equation" r:id="rId18" imgW="127000" imgH="139700" progId="Equation.DSMT4">
+                <p:oleObj name="Equation" r:id="rId19" imgW="127000" imgH="139700" progId="Equation.DSMT4">
                   <p:embed/>
                   <p:pic>
                     <p:nvPicPr>
@@ -9935,7 +9935,7 @@
                       <p:nvPr/>
                     </p:nvPicPr>
                     <p:blipFill>
-                      <a:blip r:embed="rId19"/>
+                      <a:blip r:embed="rId20"/>
                       <a:stretch>
                         <a:fillRect/>
                       </a:stretch>
@@ -9974,12 +9974,12 @@
           <a:graphicData uri="http://schemas.openxmlformats.org/presentationml/2006/ole">
             <mc:AlternateContent xmlns:mc="http://schemas.openxmlformats.org/markup-compatibility/2006">
               <mc:Choice xmlns:v="urn:schemas-microsoft-com:vml" Requires="v">
-                <p:oleObj spid="_x0000_s33360" name="Equation" r:id="rId20" imgW="558800" imgH="241300" progId="Equation.DSMT4">
+                <p:oleObj spid="_x0000_s33382" name="Equation" r:id="rId21" imgW="558800" imgH="241300" progId="Equation.DSMT4">
                   <p:embed/>
                 </p:oleObj>
               </mc:Choice>
               <mc:Fallback>
-                <p:oleObj name="Equation" r:id="rId20" imgW="558800" imgH="241300" progId="Equation.DSMT4">
+                <p:oleObj name="Equation" r:id="rId21" imgW="558800" imgH="241300" progId="Equation.DSMT4">
                   <p:embed/>
                   <p:pic>
                     <p:nvPicPr>
@@ -9988,7 +9988,7 @@
                       <p:nvPr/>
                     </p:nvPicPr>
                     <p:blipFill>
-                      <a:blip r:embed="rId21"/>
+                      <a:blip r:embed="rId22"/>
                       <a:stretch>
                         <a:fillRect/>
                       </a:stretch>
@@ -10433,12 +10433,12 @@
           <a:graphicData uri="http://schemas.openxmlformats.org/presentationml/2006/ole">
             <mc:AlternateContent xmlns:mc="http://schemas.openxmlformats.org/markup-compatibility/2006">
               <mc:Choice xmlns:v="urn:schemas-microsoft-com:vml" Requires="v">
-                <p:oleObj spid="_x0000_s33361" name="Equation" r:id="rId22" imgW="88900" imgH="139700" progId="Equation.DSMT4">
+                <p:oleObj spid="_x0000_s33383" name="Equation" r:id="rId23" imgW="88900" imgH="139700" progId="Equation.DSMT4">
                   <p:embed/>
                 </p:oleObj>
               </mc:Choice>
               <mc:Fallback>
-                <p:oleObj name="Equation" r:id="rId22" imgW="88900" imgH="139700" progId="Equation.DSMT4">
+                <p:oleObj name="Equation" r:id="rId23" imgW="88900" imgH="139700" progId="Equation.DSMT4">
                   <p:embed/>
                   <p:pic>
                     <p:nvPicPr>
@@ -10447,7 +10447,7 @@
                       <p:nvPr/>
                     </p:nvPicPr>
                     <p:blipFill>
-                      <a:blip r:embed="rId23"/>
+                      <a:blip r:embed="rId24"/>
                       <a:stretch>
                         <a:fillRect/>
                       </a:stretch>
@@ -10521,7 +10521,7 @@
   <p:timing>
     <p:tnLst>
       <p:par>
-        <p:cTn id="1" dur="indefinite" restart="never" nodeType="tmRoot"/>
+        <p:cTn xmlns:p14="http://schemas.microsoft.com/office/powerpoint/2010/main" id="1" dur="indefinite" restart="never" nodeType="tmRoot"/>
       </p:par>
     </p:tnLst>
   </p:timing>
@@ -10567,12 +10567,12 @@
           <a:graphicData uri="http://schemas.openxmlformats.org/presentationml/2006/ole">
             <mc:AlternateContent xmlns:mc="http://schemas.openxmlformats.org/markup-compatibility/2006">
               <mc:Choice xmlns:v="urn:schemas-microsoft-com:vml" Requires="v">
-                <p:oleObj spid="_x0000_s27149" name="文書" r:id="rId4" imgW="4495800" imgH="2082800" progId="Word.Document.12">
+                <p:oleObj spid="_x0000_s27165" name="文書" r:id="rId5" imgW="4495800" imgH="2082800" progId="Word.Document.12">
                   <p:embed/>
                 </p:oleObj>
               </mc:Choice>
               <mc:Fallback>
-                <p:oleObj name="文書" r:id="rId4" imgW="4495800" imgH="2082800" progId="Word.Document.12">
+                <p:oleObj name="文書" r:id="rId5" imgW="4495800" imgH="2082800" progId="Word.Document.12">
                   <p:embed/>
                   <p:pic>
                     <p:nvPicPr>
@@ -10581,7 +10581,7 @@
                       <p:nvPr/>
                     </p:nvPicPr>
                     <p:blipFill>
-                      <a:blip r:embed="rId5"/>
+                      <a:blip r:embed="rId6"/>
                       <a:stretch>
                         <a:fillRect/>
                       </a:stretch>
@@ -10611,7 +10611,7 @@
           <p:nvPr/>
         </p:nvPicPr>
         <p:blipFill rotWithShape="1">
-          <a:blip r:embed="rId6">
+          <a:blip r:embed="rId7">
             <a:extLst>
               <a:ext uri="{28A0092B-C50C-407E-A947-70E740481C1C}">
                 <a14:useLocalDpi xmlns:a14="http://schemas.microsoft.com/office/drawing/2010/main" val="0"/>
@@ -10748,7 +10748,7 @@
           <p:nvPr/>
         </p:nvPicPr>
         <p:blipFill>
-          <a:blip r:embed="rId7"/>
+          <a:blip r:embed="rId8"/>
           <a:stretch>
             <a:fillRect/>
           </a:stretch>
@@ -10821,12 +10821,12 @@
           <a:graphicData uri="http://schemas.openxmlformats.org/presentationml/2006/ole">
             <mc:AlternateContent xmlns:mc="http://schemas.openxmlformats.org/markup-compatibility/2006">
               <mc:Choice xmlns:v="urn:schemas-microsoft-com:vml" Requires="v">
-                <p:oleObj spid="_x0000_s27150" name="Equation" r:id="rId8" imgW="88900" imgH="139700" progId="Equation.DSMT4">
+                <p:oleObj spid="_x0000_s27166" name="Equation" r:id="rId9" imgW="88900" imgH="139700" progId="Equation.DSMT4">
                   <p:embed/>
                 </p:oleObj>
               </mc:Choice>
               <mc:Fallback>
-                <p:oleObj name="Equation" r:id="rId8" imgW="88900" imgH="139700" progId="Equation.DSMT4">
+                <p:oleObj name="Equation" r:id="rId9" imgW="88900" imgH="139700" progId="Equation.DSMT4">
                   <p:embed/>
                   <p:pic>
                     <p:nvPicPr>
@@ -10835,7 +10835,7 @@
                       <p:nvPr/>
                     </p:nvPicPr>
                     <p:blipFill>
-                      <a:blip r:embed="rId9"/>
+                      <a:blip r:embed="rId10"/>
                       <a:stretch>
                         <a:fillRect/>
                       </a:stretch>
@@ -10950,12 +10950,12 @@
           <a:graphicData uri="http://schemas.openxmlformats.org/presentationml/2006/ole">
             <mc:AlternateContent xmlns:mc="http://schemas.openxmlformats.org/markup-compatibility/2006">
               <mc:Choice xmlns:v="urn:schemas-microsoft-com:vml" Requires="v">
-                <p:oleObj spid="_x0000_s27151" name="Equation" r:id="rId10" imgW="457200" imgH="254000" progId="Equation.DSMT4">
+                <p:oleObj spid="_x0000_s27167" name="Equation" r:id="rId11" imgW="457200" imgH="254000" progId="Equation.DSMT4">
                   <p:embed/>
                 </p:oleObj>
               </mc:Choice>
               <mc:Fallback>
-                <p:oleObj name="Equation" r:id="rId10" imgW="457200" imgH="254000" progId="Equation.DSMT4">
+                <p:oleObj name="Equation" r:id="rId11" imgW="457200" imgH="254000" progId="Equation.DSMT4">
                   <p:embed/>
                   <p:pic>
                     <p:nvPicPr>
@@ -10964,7 +10964,7 @@
                       <p:nvPr/>
                     </p:nvPicPr>
                     <p:blipFill>
-                      <a:blip r:embed="rId11"/>
+                      <a:blip r:embed="rId12"/>
                       <a:stretch>
                         <a:fillRect/>
                       </a:stretch>
@@ -11007,12 +11007,12 @@
           <a:graphicData uri="http://schemas.openxmlformats.org/presentationml/2006/ole">
             <mc:AlternateContent xmlns:mc="http://schemas.openxmlformats.org/markup-compatibility/2006">
               <mc:Choice xmlns:v="urn:schemas-microsoft-com:vml" Requires="v">
-                <p:oleObj spid="_x0000_s27152" name="Equation" r:id="rId12" imgW="88900" imgH="139700" progId="Equation.DSMT4">
+                <p:oleObj spid="_x0000_s27168" name="Equation" r:id="rId13" imgW="88900" imgH="139700" progId="Equation.DSMT4">
                   <p:embed/>
                 </p:oleObj>
               </mc:Choice>
               <mc:Fallback>
-                <p:oleObj name="Equation" r:id="rId12" imgW="88900" imgH="139700" progId="Equation.DSMT4">
+                <p:oleObj name="Equation" r:id="rId13" imgW="88900" imgH="139700" progId="Equation.DSMT4">
                   <p:embed/>
                   <p:pic>
                     <p:nvPicPr>
@@ -11021,7 +11021,7 @@
                       <p:nvPr/>
                     </p:nvPicPr>
                     <p:blipFill>
-                      <a:blip r:embed="rId13"/>
+                      <a:blip r:embed="rId14"/>
                       <a:stretch>
                         <a:fillRect/>
                       </a:stretch>
@@ -11064,12 +11064,12 @@
           <a:graphicData uri="http://schemas.openxmlformats.org/presentationml/2006/ole">
             <mc:AlternateContent xmlns:mc="http://schemas.openxmlformats.org/markup-compatibility/2006">
               <mc:Choice xmlns:v="urn:schemas-microsoft-com:vml" Requires="v">
-                <p:oleObj spid="_x0000_s27153" name="Equation" r:id="rId14" imgW="241300" imgH="165100" progId="Equation.DSMT4">
+                <p:oleObj spid="_x0000_s27169" name="Equation" r:id="rId15" imgW="241300" imgH="165100" progId="Equation.DSMT4">
                   <p:embed/>
                 </p:oleObj>
               </mc:Choice>
               <mc:Fallback>
-                <p:oleObj name="Equation" r:id="rId14" imgW="241300" imgH="165100" progId="Equation.DSMT4">
+                <p:oleObj name="Equation" r:id="rId15" imgW="241300" imgH="165100" progId="Equation.DSMT4">
                   <p:embed/>
                   <p:pic>
                     <p:nvPicPr>
@@ -11078,7 +11078,7 @@
                       <p:nvPr/>
                     </p:nvPicPr>
                     <p:blipFill>
-                      <a:blip r:embed="rId15"/>
+                      <a:blip r:embed="rId16"/>
                       <a:stretch>
                         <a:fillRect/>
                       </a:stretch>
@@ -11121,12 +11121,12 @@
           <a:graphicData uri="http://schemas.openxmlformats.org/presentationml/2006/ole">
             <mc:AlternateContent xmlns:mc="http://schemas.openxmlformats.org/markup-compatibility/2006">
               <mc:Choice xmlns:v="urn:schemas-microsoft-com:vml" Requires="v">
-                <p:oleObj spid="_x0000_s27154" name="Equation" r:id="rId16" imgW="241300" imgH="165100" progId="Equation.DSMT4">
+                <p:oleObj spid="_x0000_s27170" name="Equation" r:id="rId17" imgW="241300" imgH="165100" progId="Equation.DSMT4">
                   <p:embed/>
                 </p:oleObj>
               </mc:Choice>
               <mc:Fallback>
-                <p:oleObj name="Equation" r:id="rId16" imgW="241300" imgH="165100" progId="Equation.DSMT4">
+                <p:oleObj name="Equation" r:id="rId17" imgW="241300" imgH="165100" progId="Equation.DSMT4">
                   <p:embed/>
                   <p:pic>
                     <p:nvPicPr>
@@ -11135,7 +11135,7 @@
                       <p:nvPr/>
                     </p:nvPicPr>
                     <p:blipFill>
-                      <a:blip r:embed="rId17"/>
+                      <a:blip r:embed="rId18"/>
                       <a:stretch>
                         <a:fillRect/>
                       </a:stretch>
@@ -11260,12 +11260,12 @@
           <a:graphicData uri="http://schemas.openxmlformats.org/presentationml/2006/ole">
             <mc:AlternateContent xmlns:mc="http://schemas.openxmlformats.org/markup-compatibility/2006">
               <mc:Choice xmlns:v="urn:schemas-microsoft-com:vml" Requires="v">
-                <p:oleObj spid="_x0000_s27155" name="Equation" r:id="rId18" imgW="457200" imgH="254000" progId="Equation.DSMT4">
+                <p:oleObj spid="_x0000_s27171" name="Equation" r:id="rId19" imgW="457200" imgH="254000" progId="Equation.DSMT4">
                   <p:embed/>
                 </p:oleObj>
               </mc:Choice>
               <mc:Fallback>
-                <p:oleObj name="Equation" r:id="rId18" imgW="457200" imgH="254000" progId="Equation.DSMT4">
+                <p:oleObj name="Equation" r:id="rId19" imgW="457200" imgH="254000" progId="Equation.DSMT4">
                   <p:embed/>
                   <p:pic>
                     <p:nvPicPr>
@@ -11274,7 +11274,7 @@
                       <p:nvPr/>
                     </p:nvPicPr>
                     <p:blipFill>
-                      <a:blip r:embed="rId19"/>
+                      <a:blip r:embed="rId20"/>
                       <a:stretch>
                         <a:fillRect/>
                       </a:stretch>
@@ -11316,7 +11316,7 @@
   <p:timing>
     <p:tnLst>
       <p:par>
-        <p:cTn id="1" dur="indefinite" restart="never" nodeType="tmRoot"/>
+        <p:cTn xmlns:p14="http://schemas.microsoft.com/office/powerpoint/2010/main" id="1" dur="indefinite" restart="never" nodeType="tmRoot"/>
       </p:par>
     </p:tnLst>
   </p:timing>
@@ -11444,12 +11444,12 @@
           <a:graphicData uri="http://schemas.openxmlformats.org/presentationml/2006/ole">
             <mc:AlternateContent xmlns:mc="http://schemas.openxmlformats.org/markup-compatibility/2006">
               <mc:Choice xmlns:v="urn:schemas-microsoft-com:vml" Requires="v">
-                <p:oleObj spid="_x0000_s28082" name="文書" r:id="rId4" imgW="4495800" imgH="1905000" progId="Word.Document.12">
+                <p:oleObj spid="_x0000_s28094" name="文書" r:id="rId5" imgW="4495800" imgH="1905000" progId="Word.Document.12">
                   <p:embed/>
                 </p:oleObj>
               </mc:Choice>
               <mc:Fallback>
-                <p:oleObj name="文書" r:id="rId4" imgW="4495800" imgH="1905000" progId="Word.Document.12">
+                <p:oleObj name="文書" r:id="rId5" imgW="4495800" imgH="1905000" progId="Word.Document.12">
                   <p:embed/>
                   <p:pic>
                     <p:nvPicPr>
@@ -11458,7 +11458,7 @@
                       <p:nvPr/>
                     </p:nvPicPr>
                     <p:blipFill>
-                      <a:blip r:embed="rId5"/>
+                      <a:blip r:embed="rId6"/>
                       <a:stretch>
                         <a:fillRect/>
                       </a:stretch>
@@ -11514,7 +11514,7 @@
           <p:nvPr/>
         </p:nvPicPr>
         <p:blipFill rotWithShape="1">
-          <a:blip r:embed="rId6"/>
+          <a:blip r:embed="rId7"/>
           <a:srcRect l="9410" t="7762" r="8487" b="9850"/>
           <a:stretch/>
         </p:blipFill>
@@ -11586,12 +11586,12 @@
           <a:graphicData uri="http://schemas.openxmlformats.org/presentationml/2006/ole">
             <mc:AlternateContent xmlns:mc="http://schemas.openxmlformats.org/markup-compatibility/2006">
               <mc:Choice xmlns:v="urn:schemas-microsoft-com:vml" Requires="v">
-                <p:oleObj spid="_x0000_s28083" name="Equation" r:id="rId7" imgW="88900" imgH="139700" progId="Equation.DSMT4">
+                <p:oleObj spid="_x0000_s28095" name="Equation" r:id="rId8" imgW="88900" imgH="139700" progId="Equation.DSMT4">
                   <p:embed/>
                 </p:oleObj>
               </mc:Choice>
               <mc:Fallback>
-                <p:oleObj name="Equation" r:id="rId7" imgW="88900" imgH="139700" progId="Equation.DSMT4">
+                <p:oleObj name="Equation" r:id="rId8" imgW="88900" imgH="139700" progId="Equation.DSMT4">
                   <p:embed/>
                   <p:pic>
                     <p:nvPicPr>
@@ -11600,7 +11600,7 @@
                       <p:nvPr/>
                     </p:nvPicPr>
                     <p:blipFill>
-                      <a:blip r:embed="rId8"/>
+                      <a:blip r:embed="rId9"/>
                       <a:stretch>
                         <a:fillRect/>
                       </a:stretch>
@@ -11751,12 +11751,12 @@
           <a:graphicData uri="http://schemas.openxmlformats.org/presentationml/2006/ole">
             <mc:AlternateContent xmlns:mc="http://schemas.openxmlformats.org/markup-compatibility/2006">
               <mc:Choice xmlns:v="urn:schemas-microsoft-com:vml" Requires="v">
-                <p:oleObj spid="_x0000_s28084" name="Equation" r:id="rId9" imgW="88900" imgH="139700" progId="Equation.DSMT4">
+                <p:oleObj spid="_x0000_s28096" name="Equation" r:id="rId10" imgW="88900" imgH="139700" progId="Equation.DSMT4">
                   <p:embed/>
                 </p:oleObj>
               </mc:Choice>
               <mc:Fallback>
-                <p:oleObj name="Equation" r:id="rId9" imgW="88900" imgH="139700" progId="Equation.DSMT4">
+                <p:oleObj name="Equation" r:id="rId10" imgW="88900" imgH="139700" progId="Equation.DSMT4">
                   <p:embed/>
                   <p:pic>
                     <p:nvPicPr>
@@ -11765,7 +11765,7 @@
                       <p:nvPr/>
                     </p:nvPicPr>
                     <p:blipFill>
-                      <a:blip r:embed="rId10"/>
+                      <a:blip r:embed="rId11"/>
                       <a:stretch>
                         <a:fillRect/>
                       </a:stretch>
@@ -11844,12 +11844,12 @@
           <a:graphicData uri="http://schemas.openxmlformats.org/presentationml/2006/ole">
             <mc:AlternateContent xmlns:mc="http://schemas.openxmlformats.org/markup-compatibility/2006">
               <mc:Choice xmlns:v="urn:schemas-microsoft-com:vml" Requires="v">
-                <p:oleObj spid="_x0000_s28085" name="Equation" r:id="rId11" imgW="241300" imgH="165100" progId="Equation.DSMT4">
+                <p:oleObj spid="_x0000_s28097" name="Equation" r:id="rId12" imgW="241300" imgH="165100" progId="Equation.DSMT4">
                   <p:embed/>
                 </p:oleObj>
               </mc:Choice>
               <mc:Fallback>
-                <p:oleObj name="Equation" r:id="rId11" imgW="241300" imgH="165100" progId="Equation.DSMT4">
+                <p:oleObj name="Equation" r:id="rId12" imgW="241300" imgH="165100" progId="Equation.DSMT4">
                   <p:embed/>
                   <p:pic>
                     <p:nvPicPr>
@@ -11858,7 +11858,7 @@
                       <p:nvPr/>
                     </p:nvPicPr>
                     <p:blipFill>
-                      <a:blip r:embed="rId12"/>
+                      <a:blip r:embed="rId13"/>
                       <a:stretch>
                         <a:fillRect/>
                       </a:stretch>
@@ -11901,12 +11901,12 @@
           <a:graphicData uri="http://schemas.openxmlformats.org/presentationml/2006/ole">
             <mc:AlternateContent xmlns:mc="http://schemas.openxmlformats.org/markup-compatibility/2006">
               <mc:Choice xmlns:v="urn:schemas-microsoft-com:vml" Requires="v">
-                <p:oleObj spid="_x0000_s28086" name="Equation" r:id="rId13" imgW="241300" imgH="165100" progId="Equation.DSMT4">
+                <p:oleObj spid="_x0000_s28098" name="Equation" r:id="rId14" imgW="241300" imgH="165100" progId="Equation.DSMT4">
                   <p:embed/>
                 </p:oleObj>
               </mc:Choice>
               <mc:Fallback>
-                <p:oleObj name="Equation" r:id="rId13" imgW="241300" imgH="165100" progId="Equation.DSMT4">
+                <p:oleObj name="Equation" r:id="rId14" imgW="241300" imgH="165100" progId="Equation.DSMT4">
                   <p:embed/>
                   <p:pic>
                     <p:nvPicPr>
@@ -11915,7 +11915,7 @@
                       <p:nvPr/>
                     </p:nvPicPr>
                     <p:blipFill>
-                      <a:blip r:embed="rId14"/>
+                      <a:blip r:embed="rId15"/>
                       <a:stretch>
                         <a:fillRect/>
                       </a:stretch>
@@ -11949,7 +11949,7 @@
   <p:timing>
     <p:tnLst>
       <p:par>
-        <p:cTn id="1" dur="indefinite" restart="never" nodeType="tmRoot"/>
+        <p:cTn xmlns:p14="http://schemas.microsoft.com/office/powerpoint/2010/main" id="1" dur="indefinite" restart="never" nodeType="tmRoot"/>
       </p:par>
     </p:tnLst>
   </p:timing>
@@ -12077,12 +12077,12 @@
           <a:graphicData uri="http://schemas.openxmlformats.org/presentationml/2006/ole">
             <mc:AlternateContent xmlns:mc="http://schemas.openxmlformats.org/markup-compatibility/2006">
               <mc:Choice xmlns:v="urn:schemas-microsoft-com:vml" Requires="v">
-                <p:oleObj spid="_x0000_s43017" name="文書" r:id="rId4" imgW="4495800" imgH="1981200" progId="Word.Document.12">
+                <p:oleObj spid="_x0000_s43021" name="文書" r:id="rId5" imgW="4495800" imgH="1981200" progId="Word.Document.12">
                   <p:embed/>
                 </p:oleObj>
               </mc:Choice>
               <mc:Fallback>
-                <p:oleObj name="文書" r:id="rId4" imgW="4495800" imgH="1981200" progId="Word.Document.12">
+                <p:oleObj name="文書" r:id="rId5" imgW="4495800" imgH="1981200" progId="Word.Document.12">
                   <p:embed/>
                   <p:pic>
                     <p:nvPicPr>
@@ -12091,7 +12091,7 @@
                       <p:nvPr/>
                     </p:nvPicPr>
                     <p:blipFill>
-                      <a:blip r:embed="rId5"/>
+                      <a:blip r:embed="rId6"/>
                       <a:stretch>
                         <a:fillRect/>
                       </a:stretch>
@@ -12151,7 +12151,7 @@
   <p:timing>
     <p:tnLst>
       <p:par>
-        <p:cTn id="1" dur="indefinite" restart="never" nodeType="tmRoot"/>
+        <p:cTn xmlns:p14="http://schemas.microsoft.com/office/powerpoint/2010/main" id="1" dur="indefinite" restart="never" nodeType="tmRoot"/>
       </p:par>
     </p:tnLst>
   </p:timing>
@@ -12266,7 +12266,7 @@
           <p:nvPr>
             <p:extLst>
               <p:ext uri="{D42A27DB-BD31-4B8C-83A1-F6EECF244321}">
-                <p14:modId xmlns:p14="http://schemas.microsoft.com/office/powerpoint/2010/main" val="3361920713"/>
+                <p14:modId xmlns:p14="http://schemas.microsoft.com/office/powerpoint/2010/main" val="855334639"/>
               </p:ext>
             </p:extLst>
           </p:nvPr>
@@ -12279,7 +12279,7 @@
           <a:graphicData uri="http://schemas.openxmlformats.org/presentationml/2006/ole">
             <mc:AlternateContent xmlns:mc="http://schemas.openxmlformats.org/markup-compatibility/2006">
               <mc:Choice xmlns:v="urn:schemas-microsoft-com:vml" Requires="v">
-                <p:oleObj spid="_x0000_s7328" name="文書" r:id="rId4" imgW="4495800" imgH="2260600" progId="Word.Document.12">
+                <p:oleObj spid="_x0000_s7332" name="文書" r:id="rId4" imgW="4495800" imgH="2260600" progId="Word.Document.12">
                   <p:embed/>
                 </p:oleObj>
               </mc:Choice>
@@ -12353,7 +12353,7 @@
   <p:timing>
     <p:tnLst>
       <p:par>
-        <p:cTn id="1" dur="indefinite" restart="never" nodeType="tmRoot"/>
+        <p:cTn xmlns:p14="http://schemas.microsoft.com/office/powerpoint/2010/main" id="1" dur="indefinite" restart="never" nodeType="tmRoot"/>
       </p:par>
     </p:tnLst>
   </p:timing>
@@ -12481,12 +12481,12 @@
           <a:graphicData uri="http://schemas.openxmlformats.org/presentationml/2006/ole">
             <mc:AlternateContent xmlns:mc="http://schemas.openxmlformats.org/markup-compatibility/2006">
               <mc:Choice xmlns:v="urn:schemas-microsoft-com:vml" Requires="v">
-                <p:oleObj spid="_x0000_s5284" name="文書" r:id="rId4" imgW="4495800" imgH="2032000" progId="Word.Document.12">
+                <p:oleObj spid="_x0000_s5288" name="文書" r:id="rId5" imgW="4495800" imgH="2032000" progId="Word.Document.12">
                   <p:embed/>
                 </p:oleObj>
               </mc:Choice>
               <mc:Fallback>
-                <p:oleObj name="文書" r:id="rId4" imgW="4495800" imgH="2032000" progId="Word.Document.12">
+                <p:oleObj name="文書" r:id="rId5" imgW="4495800" imgH="2032000" progId="Word.Document.12">
                   <p:embed/>
                   <p:pic>
                     <p:nvPicPr>
@@ -12495,7 +12495,7 @@
                       <p:nvPr/>
                     </p:nvPicPr>
                     <p:blipFill>
-                      <a:blip r:embed="rId5"/>
+                      <a:blip r:embed="rId6"/>
                       <a:stretch>
                         <a:fillRect/>
                       </a:stretch>
@@ -12597,7 +12597,7 @@
   <p:timing>
     <p:tnLst>
       <p:par>
-        <p:cTn id="1" dur="indefinite" restart="never" nodeType="tmRoot"/>
+        <p:cTn xmlns:p14="http://schemas.microsoft.com/office/powerpoint/2010/main" id="1" dur="indefinite" restart="never" nodeType="tmRoot"/>
       </p:par>
     </p:tnLst>
   </p:timing>
@@ -12725,12 +12725,12 @@
           <a:graphicData uri="http://schemas.openxmlformats.org/presentationml/2006/ole">
             <mc:AlternateContent xmlns:mc="http://schemas.openxmlformats.org/markup-compatibility/2006">
               <mc:Choice xmlns:v="urn:schemas-microsoft-com:vml" Requires="v">
-                <p:oleObj spid="_x0000_s1546" name="文書" r:id="rId4" imgW="4495800" imgH="457200" progId="Word.Document.12">
+                <p:oleObj spid="_x0000_s1560" name="文書" r:id="rId5" imgW="4495800" imgH="457200" progId="Word.Document.12">
                   <p:embed/>
                 </p:oleObj>
               </mc:Choice>
               <mc:Fallback>
-                <p:oleObj name="文書" r:id="rId4" imgW="4495800" imgH="457200" progId="Word.Document.12">
+                <p:oleObj name="文書" r:id="rId5" imgW="4495800" imgH="457200" progId="Word.Document.12">
                   <p:embed/>
                   <p:pic>
                     <p:nvPicPr>
@@ -12739,7 +12739,7 @@
                       <p:nvPr/>
                     </p:nvPicPr>
                     <p:blipFill>
-                      <a:blip r:embed="rId5"/>
+                      <a:blip r:embed="rId6"/>
                       <a:stretch>
                         <a:fillRect/>
                       </a:stretch>
@@ -13053,12 +13053,12 @@
           <a:graphicData uri="http://schemas.openxmlformats.org/presentationml/2006/ole">
             <mc:AlternateContent xmlns:mc="http://schemas.openxmlformats.org/markup-compatibility/2006">
               <mc:Choice xmlns:v="urn:schemas-microsoft-com:vml" Requires="v">
-                <p:oleObj spid="_x0000_s1547" name="Equation" r:id="rId6" imgW="177800" imgH="152400" progId="Equation.DSMT4">
+                <p:oleObj spid="_x0000_s1561" name="Equation" r:id="rId7" imgW="177800" imgH="152400" progId="Equation.DSMT4">
                   <p:embed/>
                 </p:oleObj>
               </mc:Choice>
               <mc:Fallback>
-                <p:oleObj name="Equation" r:id="rId6" imgW="177800" imgH="152400" progId="Equation.DSMT4">
+                <p:oleObj name="Equation" r:id="rId7" imgW="177800" imgH="152400" progId="Equation.DSMT4">
                   <p:embed/>
                   <p:pic>
                     <p:nvPicPr>
@@ -13067,7 +13067,7 @@
                       <p:nvPr/>
                     </p:nvPicPr>
                     <p:blipFill>
-                      <a:blip r:embed="rId7"/>
+                      <a:blip r:embed="rId8"/>
                       <a:stretch>
                         <a:fillRect/>
                       </a:stretch>
@@ -13110,12 +13110,12 @@
           <a:graphicData uri="http://schemas.openxmlformats.org/presentationml/2006/ole">
             <mc:AlternateContent xmlns:mc="http://schemas.openxmlformats.org/markup-compatibility/2006">
               <mc:Choice xmlns:v="urn:schemas-microsoft-com:vml" Requires="v">
-                <p:oleObj spid="_x0000_s1548" name="Equation" r:id="rId8" imgW="88900" imgH="139700" progId="Equation.DSMT4">
+                <p:oleObj spid="_x0000_s1562" name="Equation" r:id="rId9" imgW="88900" imgH="139700" progId="Equation.DSMT4">
                   <p:embed/>
                 </p:oleObj>
               </mc:Choice>
               <mc:Fallback>
-                <p:oleObj name="Equation" r:id="rId8" imgW="88900" imgH="139700" progId="Equation.DSMT4">
+                <p:oleObj name="Equation" r:id="rId9" imgW="88900" imgH="139700" progId="Equation.DSMT4">
                   <p:embed/>
                   <p:pic>
                     <p:nvPicPr>
@@ -13124,7 +13124,7 @@
                       <p:nvPr/>
                     </p:nvPicPr>
                     <p:blipFill>
-                      <a:blip r:embed="rId9"/>
+                      <a:blip r:embed="rId10"/>
                       <a:stretch>
                         <a:fillRect/>
                       </a:stretch>
@@ -13167,12 +13167,12 @@
           <a:graphicData uri="http://schemas.openxmlformats.org/presentationml/2006/ole">
             <mc:AlternateContent xmlns:mc="http://schemas.openxmlformats.org/markup-compatibility/2006">
               <mc:Choice xmlns:v="urn:schemas-microsoft-com:vml" Requires="v">
-                <p:oleObj spid="_x0000_s1549" name="Equation" r:id="rId10" imgW="165100" imgH="241300" progId="Equation.DSMT4">
+                <p:oleObj spid="_x0000_s1563" name="Equation" r:id="rId11" imgW="165100" imgH="241300" progId="Equation.DSMT4">
                   <p:embed/>
                 </p:oleObj>
               </mc:Choice>
               <mc:Fallback>
-                <p:oleObj name="Equation" r:id="rId10" imgW="165100" imgH="241300" progId="Equation.DSMT4">
+                <p:oleObj name="Equation" r:id="rId11" imgW="165100" imgH="241300" progId="Equation.DSMT4">
                   <p:embed/>
                   <p:pic>
                     <p:nvPicPr>
@@ -13181,7 +13181,7 @@
                       <p:nvPr/>
                     </p:nvPicPr>
                     <p:blipFill>
-                      <a:blip r:embed="rId11"/>
+                      <a:blip r:embed="rId12"/>
                       <a:stretch>
                         <a:fillRect/>
                       </a:stretch>
@@ -13224,12 +13224,12 @@
           <a:graphicData uri="http://schemas.openxmlformats.org/presentationml/2006/ole">
             <mc:AlternateContent xmlns:mc="http://schemas.openxmlformats.org/markup-compatibility/2006">
               <mc:Choice xmlns:v="urn:schemas-microsoft-com:vml" Requires="v">
-                <p:oleObj spid="_x0000_s1550" name="Equation" r:id="rId12" imgW="127000" imgH="241300" progId="Equation.DSMT4">
+                <p:oleObj spid="_x0000_s1564" name="Equation" r:id="rId13" imgW="127000" imgH="241300" progId="Equation.DSMT4">
                   <p:embed/>
                 </p:oleObj>
               </mc:Choice>
               <mc:Fallback>
-                <p:oleObj name="Equation" r:id="rId12" imgW="127000" imgH="241300" progId="Equation.DSMT4">
+                <p:oleObj name="Equation" r:id="rId13" imgW="127000" imgH="241300" progId="Equation.DSMT4">
                   <p:embed/>
                   <p:pic>
                     <p:nvPicPr>
@@ -13238,7 +13238,7 @@
                       <p:nvPr/>
                     </p:nvPicPr>
                     <p:blipFill>
-                      <a:blip r:embed="rId13"/>
+                      <a:blip r:embed="rId14"/>
                       <a:stretch>
                         <a:fillRect/>
                       </a:stretch>
@@ -13281,12 +13281,12 @@
           <a:graphicData uri="http://schemas.openxmlformats.org/presentationml/2006/ole">
             <mc:AlternateContent xmlns:mc="http://schemas.openxmlformats.org/markup-compatibility/2006">
               <mc:Choice xmlns:v="urn:schemas-microsoft-com:vml" Requires="v">
-                <p:oleObj spid="_x0000_s1551" name="Equation" r:id="rId14" imgW="965200" imgH="203200" progId="Equation.DSMT4">
+                <p:oleObj spid="_x0000_s1565" name="Equation" r:id="rId15" imgW="965200" imgH="203200" progId="Equation.DSMT4">
                   <p:embed/>
                 </p:oleObj>
               </mc:Choice>
               <mc:Fallback>
-                <p:oleObj name="Equation" r:id="rId14" imgW="965200" imgH="203200" progId="Equation.DSMT4">
+                <p:oleObj name="Equation" r:id="rId15" imgW="965200" imgH="203200" progId="Equation.DSMT4">
                   <p:embed/>
                   <p:pic>
                     <p:nvPicPr>
@@ -13295,7 +13295,7 @@
                       <p:nvPr/>
                     </p:nvPicPr>
                     <p:blipFill>
-                      <a:blip r:embed="rId15"/>
+                      <a:blip r:embed="rId16"/>
                       <a:stretch>
                         <a:fillRect/>
                       </a:stretch>
@@ -13329,7 +13329,7 @@
   <p:timing>
     <p:tnLst>
       <p:par>
-        <p:cTn id="1" dur="indefinite" restart="never" nodeType="tmRoot"/>
+        <p:cTn xmlns:p14="http://schemas.microsoft.com/office/powerpoint/2010/main" id="1" dur="indefinite" restart="never" nodeType="tmRoot"/>
       </p:par>
     </p:tnLst>
   </p:timing>
@@ -13457,12 +13457,12 @@
           <a:graphicData uri="http://schemas.openxmlformats.org/presentationml/2006/ole">
             <mc:AlternateContent xmlns:mc="http://schemas.openxmlformats.org/markup-compatibility/2006">
               <mc:Choice xmlns:v="urn:schemas-microsoft-com:vml" Requires="v">
-                <p:oleObj spid="_x0000_s2667" name="文書" r:id="rId4" imgW="4495800" imgH="419100" progId="Word.Document.12">
+                <p:oleObj spid="_x0000_s2683" name="文書" r:id="rId5" imgW="4495800" imgH="419100" progId="Word.Document.12">
                   <p:embed/>
                 </p:oleObj>
               </mc:Choice>
               <mc:Fallback>
-                <p:oleObj name="文書" r:id="rId4" imgW="4495800" imgH="419100" progId="Word.Document.12">
+                <p:oleObj name="文書" r:id="rId5" imgW="4495800" imgH="419100" progId="Word.Document.12">
                   <p:embed/>
                   <p:pic>
                     <p:nvPicPr>
@@ -13471,7 +13471,7 @@
                       <p:nvPr/>
                     </p:nvPicPr>
                     <p:blipFill>
-                      <a:blip r:embed="rId5"/>
+                      <a:blip r:embed="rId6"/>
                       <a:stretch>
                         <a:fillRect/>
                       </a:stretch>
@@ -13745,12 +13745,12 @@
           <a:graphicData uri="http://schemas.openxmlformats.org/presentationml/2006/ole">
             <mc:AlternateContent xmlns:mc="http://schemas.openxmlformats.org/markup-compatibility/2006">
               <mc:Choice xmlns:v="urn:schemas-microsoft-com:vml" Requires="v">
-                <p:oleObj spid="_x0000_s2668" name="Equation" r:id="rId6" imgW="139700" imgH="152400" progId="Equation.DSMT4">
+                <p:oleObj spid="_x0000_s2684" name="Equation" r:id="rId7" imgW="139700" imgH="152400" progId="Equation.DSMT4">
                   <p:embed/>
                 </p:oleObj>
               </mc:Choice>
               <mc:Fallback>
-                <p:oleObj name="Equation" r:id="rId6" imgW="139700" imgH="152400" progId="Equation.DSMT4">
+                <p:oleObj name="Equation" r:id="rId7" imgW="139700" imgH="152400" progId="Equation.DSMT4">
                   <p:embed/>
                   <p:pic>
                     <p:nvPicPr>
@@ -13759,7 +13759,7 @@
                       <p:nvPr/>
                     </p:nvPicPr>
                     <p:blipFill>
-                      <a:blip r:embed="rId7"/>
+                      <a:blip r:embed="rId8"/>
                       <a:stretch>
                         <a:fillRect/>
                       </a:stretch>
@@ -13802,12 +13802,12 @@
           <a:graphicData uri="http://schemas.openxmlformats.org/presentationml/2006/ole">
             <mc:AlternateContent xmlns:mc="http://schemas.openxmlformats.org/markup-compatibility/2006">
               <mc:Choice xmlns:v="urn:schemas-microsoft-com:vml" Requires="v">
-                <p:oleObj spid="_x0000_s2669" name="Equation" r:id="rId8" imgW="177800" imgH="241300" progId="Equation.DSMT4">
+                <p:oleObj spid="_x0000_s2685" name="Equation" r:id="rId9" imgW="177800" imgH="241300" progId="Equation.DSMT4">
                   <p:embed/>
                 </p:oleObj>
               </mc:Choice>
               <mc:Fallback>
-                <p:oleObj name="Equation" r:id="rId8" imgW="177800" imgH="241300" progId="Equation.DSMT4">
+                <p:oleObj name="Equation" r:id="rId9" imgW="177800" imgH="241300" progId="Equation.DSMT4">
                   <p:embed/>
                   <p:pic>
                     <p:nvPicPr>
@@ -13816,7 +13816,7 @@
                       <p:nvPr/>
                     </p:nvPicPr>
                     <p:blipFill>
-                      <a:blip r:embed="rId9"/>
+                      <a:blip r:embed="rId10"/>
                       <a:stretch>
                         <a:fillRect/>
                       </a:stretch>
@@ -13859,12 +13859,12 @@
           <a:graphicData uri="http://schemas.openxmlformats.org/presentationml/2006/ole">
             <mc:AlternateContent xmlns:mc="http://schemas.openxmlformats.org/markup-compatibility/2006">
               <mc:Choice xmlns:v="urn:schemas-microsoft-com:vml" Requires="v">
-                <p:oleObj spid="_x0000_s2670" name="Equation" r:id="rId10" imgW="127000" imgH="241300" progId="Equation.DSMT4">
+                <p:oleObj spid="_x0000_s2686" name="Equation" r:id="rId11" imgW="127000" imgH="241300" progId="Equation.DSMT4">
                   <p:embed/>
                 </p:oleObj>
               </mc:Choice>
               <mc:Fallback>
-                <p:oleObj name="Equation" r:id="rId10" imgW="127000" imgH="241300" progId="Equation.DSMT4">
+                <p:oleObj name="Equation" r:id="rId11" imgW="127000" imgH="241300" progId="Equation.DSMT4">
                   <p:embed/>
                   <p:pic>
                     <p:nvPicPr>
@@ -13873,7 +13873,7 @@
                       <p:nvPr/>
                     </p:nvPicPr>
                     <p:blipFill>
-                      <a:blip r:embed="rId11"/>
+                      <a:blip r:embed="rId12"/>
                       <a:stretch>
                         <a:fillRect/>
                       </a:stretch>
@@ -14253,12 +14253,12 @@
           <a:graphicData uri="http://schemas.openxmlformats.org/presentationml/2006/ole">
             <mc:AlternateContent xmlns:mc="http://schemas.openxmlformats.org/markup-compatibility/2006">
               <mc:Choice xmlns:v="urn:schemas-microsoft-com:vml" Requires="v">
-                <p:oleObj spid="_x0000_s2671" name="Equation" r:id="rId12" imgW="1003300" imgH="241300" progId="Equation.DSMT4">
+                <p:oleObj spid="_x0000_s2687" name="Equation" r:id="rId13" imgW="1003300" imgH="241300" progId="Equation.DSMT4">
                   <p:embed/>
                 </p:oleObj>
               </mc:Choice>
               <mc:Fallback>
-                <p:oleObj name="Equation" r:id="rId12" imgW="1003300" imgH="241300" progId="Equation.DSMT4">
+                <p:oleObj name="Equation" r:id="rId13" imgW="1003300" imgH="241300" progId="Equation.DSMT4">
                   <p:embed/>
                   <p:pic>
                     <p:nvPicPr>
@@ -14267,7 +14267,7 @@
                       <p:nvPr/>
                     </p:nvPicPr>
                     <p:blipFill>
-                      <a:blip r:embed="rId13"/>
+                      <a:blip r:embed="rId14"/>
                       <a:stretch>
                         <a:fillRect/>
                       </a:stretch>
@@ -14351,7 +14351,7 @@
             <p:nvPr/>
           </p:nvPicPr>
           <p:blipFill rotWithShape="1">
-            <a:blip r:embed="rId14"/>
+            <a:blip r:embed="rId15"/>
             <a:srcRect l="12179" t="28805" r="36465" b="11280"/>
             <a:stretch/>
           </p:blipFill>
@@ -14377,7 +14377,7 @@
             <p:nvPr/>
           </p:nvPicPr>
           <p:blipFill rotWithShape="1">
-            <a:blip r:embed="rId14"/>
+            <a:blip r:embed="rId15"/>
             <a:srcRect l="12179" t="28805" r="36465" b="11280"/>
             <a:stretch/>
           </p:blipFill>
@@ -14456,12 +14456,12 @@
           <a:graphicData uri="http://schemas.openxmlformats.org/presentationml/2006/ole">
             <mc:AlternateContent xmlns:mc="http://schemas.openxmlformats.org/markup-compatibility/2006">
               <mc:Choice xmlns:v="urn:schemas-microsoft-com:vml" Requires="v">
-                <p:oleObj spid="_x0000_s2672" name="Equation" r:id="rId15" imgW="139700" imgH="165100" progId="Equation.DSMT4">
+                <p:oleObj spid="_x0000_s2688" name="Equation" r:id="rId16" imgW="139700" imgH="165100" progId="Equation.DSMT4">
                   <p:embed/>
                 </p:oleObj>
               </mc:Choice>
               <mc:Fallback>
-                <p:oleObj name="Equation" r:id="rId15" imgW="139700" imgH="165100" progId="Equation.DSMT4">
+                <p:oleObj name="Equation" r:id="rId16" imgW="139700" imgH="165100" progId="Equation.DSMT4">
                   <p:embed/>
                   <p:pic>
                     <p:nvPicPr>
@@ -14470,7 +14470,7 @@
                       <p:nvPr/>
                     </p:nvPicPr>
                     <p:blipFill>
-                      <a:blip r:embed="rId16"/>
+                      <a:blip r:embed="rId17"/>
                       <a:stretch>
                         <a:fillRect/>
                       </a:stretch>
@@ -14513,12 +14513,12 @@
           <a:graphicData uri="http://schemas.openxmlformats.org/presentationml/2006/ole">
             <mc:AlternateContent xmlns:mc="http://schemas.openxmlformats.org/markup-compatibility/2006">
               <mc:Choice xmlns:v="urn:schemas-microsoft-com:vml" Requires="v">
-                <p:oleObj spid="_x0000_s2673" name="Equation" r:id="rId17" imgW="88900" imgH="139700" progId="Equation.DSMT4">
+                <p:oleObj spid="_x0000_s2689" name="Equation" r:id="rId18" imgW="88900" imgH="139700" progId="Equation.DSMT4">
                   <p:embed/>
                 </p:oleObj>
               </mc:Choice>
               <mc:Fallback>
-                <p:oleObj name="Equation" r:id="rId17" imgW="88900" imgH="139700" progId="Equation.DSMT4">
+                <p:oleObj name="Equation" r:id="rId18" imgW="88900" imgH="139700" progId="Equation.DSMT4">
                   <p:embed/>
                   <p:pic>
                     <p:nvPicPr>
@@ -14527,7 +14527,7 @@
                       <p:nvPr/>
                     </p:nvPicPr>
                     <p:blipFill>
-                      <a:blip r:embed="rId18"/>
+                      <a:blip r:embed="rId19"/>
                       <a:stretch>
                         <a:fillRect/>
                       </a:stretch>
@@ -14561,7 +14561,7 @@
   <p:timing>
     <p:tnLst>
       <p:par>
-        <p:cTn id="1" dur="indefinite" restart="never" nodeType="tmRoot"/>
+        <p:cTn xmlns:p14="http://schemas.microsoft.com/office/powerpoint/2010/main" id="1" dur="indefinite" restart="never" nodeType="tmRoot"/>
       </p:par>
     </p:tnLst>
   </p:timing>
@@ -14685,12 +14685,12 @@
           <a:graphicData uri="http://schemas.openxmlformats.org/presentationml/2006/ole">
             <mc:AlternateContent xmlns:mc="http://schemas.openxmlformats.org/markup-compatibility/2006">
               <mc:Choice xmlns:v="urn:schemas-microsoft-com:vml" Requires="v">
-                <p:oleObj spid="_x0000_s32197" name="文書" r:id="rId4" imgW="4495800" imgH="419100" progId="Word.Document.12">
+                <p:oleObj spid="_x0000_s32215" name="文書" r:id="rId5" imgW="4495800" imgH="419100" progId="Word.Document.12">
                   <p:embed/>
                 </p:oleObj>
               </mc:Choice>
               <mc:Fallback>
-                <p:oleObj name="文書" r:id="rId4" imgW="4495800" imgH="419100" progId="Word.Document.12">
+                <p:oleObj name="文書" r:id="rId5" imgW="4495800" imgH="419100" progId="Word.Document.12">
                   <p:embed/>
                   <p:pic>
                     <p:nvPicPr>
@@ -14699,7 +14699,7 @@
                       <p:nvPr/>
                     </p:nvPicPr>
                     <p:blipFill>
-                      <a:blip r:embed="rId5"/>
+                      <a:blip r:embed="rId6"/>
                       <a:stretch>
                         <a:fillRect/>
                       </a:stretch>
@@ -14742,12 +14742,12 @@
           <a:graphicData uri="http://schemas.openxmlformats.org/presentationml/2006/ole">
             <mc:AlternateContent xmlns:mc="http://schemas.openxmlformats.org/markup-compatibility/2006">
               <mc:Choice xmlns:v="urn:schemas-microsoft-com:vml" Requires="v">
-                <p:oleObj spid="_x0000_s32198" name="文書" r:id="rId6" imgW="4495800" imgH="419100" progId="Word.Document.12">
+                <p:oleObj spid="_x0000_s32216" name="文書" r:id="rId8" imgW="4495800" imgH="419100" progId="Word.Document.12">
                   <p:embed/>
                 </p:oleObj>
               </mc:Choice>
               <mc:Fallback>
-                <p:oleObj name="文書" r:id="rId6" imgW="4495800" imgH="419100" progId="Word.Document.12">
+                <p:oleObj name="文書" r:id="rId8" imgW="4495800" imgH="419100" progId="Word.Document.12">
                   <p:embed/>
                   <p:pic>
                     <p:nvPicPr>
@@ -14756,7 +14756,7 @@
                       <p:nvPr/>
                     </p:nvPicPr>
                     <p:blipFill>
-                      <a:blip r:embed="rId7"/>
+                      <a:blip r:embed="rId9"/>
                       <a:stretch>
                         <a:fillRect/>
                       </a:stretch>
@@ -15026,12 +15026,12 @@
           <a:graphicData uri="http://schemas.openxmlformats.org/presentationml/2006/ole">
             <mc:AlternateContent xmlns:mc="http://schemas.openxmlformats.org/markup-compatibility/2006">
               <mc:Choice xmlns:v="urn:schemas-microsoft-com:vml" Requires="v">
-                <p:oleObj spid="_x0000_s32199" name="Equation" r:id="rId8" imgW="139700" imgH="152400" progId="Equation.DSMT4">
+                <p:oleObj spid="_x0000_s32217" name="Equation" r:id="rId10" imgW="139700" imgH="152400" progId="Equation.DSMT4">
                   <p:embed/>
                 </p:oleObj>
               </mc:Choice>
               <mc:Fallback>
-                <p:oleObj name="Equation" r:id="rId8" imgW="139700" imgH="152400" progId="Equation.DSMT4">
+                <p:oleObj name="Equation" r:id="rId10" imgW="139700" imgH="152400" progId="Equation.DSMT4">
                   <p:embed/>
                   <p:pic>
                     <p:nvPicPr>
@@ -15040,7 +15040,7 @@
                       <p:nvPr/>
                     </p:nvPicPr>
                     <p:blipFill>
-                      <a:blip r:embed="rId9"/>
+                      <a:blip r:embed="rId11"/>
                       <a:stretch>
                         <a:fillRect/>
                       </a:stretch>
@@ -15079,12 +15079,12 @@
           <a:graphicData uri="http://schemas.openxmlformats.org/presentationml/2006/ole">
             <mc:AlternateContent xmlns:mc="http://schemas.openxmlformats.org/markup-compatibility/2006">
               <mc:Choice xmlns:v="urn:schemas-microsoft-com:vml" Requires="v">
-                <p:oleObj spid="_x0000_s32200" name="Equation" r:id="rId10" imgW="177800" imgH="241300" progId="Equation.DSMT4">
+                <p:oleObj spid="_x0000_s32218" name="Equation" r:id="rId12" imgW="177800" imgH="241300" progId="Equation.DSMT4">
                   <p:embed/>
                 </p:oleObj>
               </mc:Choice>
               <mc:Fallback>
-                <p:oleObj name="Equation" r:id="rId10" imgW="177800" imgH="241300" progId="Equation.DSMT4">
+                <p:oleObj name="Equation" r:id="rId12" imgW="177800" imgH="241300" progId="Equation.DSMT4">
                   <p:embed/>
                   <p:pic>
                     <p:nvPicPr>
@@ -15093,7 +15093,7 @@
                       <p:nvPr/>
                     </p:nvPicPr>
                     <p:blipFill>
-                      <a:blip r:embed="rId11"/>
+                      <a:blip r:embed="rId13"/>
                       <a:stretch>
                         <a:fillRect/>
                       </a:stretch>
@@ -15136,12 +15136,12 @@
           <a:graphicData uri="http://schemas.openxmlformats.org/presentationml/2006/ole">
             <mc:AlternateContent xmlns:mc="http://schemas.openxmlformats.org/markup-compatibility/2006">
               <mc:Choice xmlns:v="urn:schemas-microsoft-com:vml" Requires="v">
-                <p:oleObj spid="_x0000_s32201" name="Equation" r:id="rId12" imgW="355600" imgH="241300" progId="Equation.DSMT4">
+                <p:oleObj spid="_x0000_s32219" name="Equation" r:id="rId14" imgW="355600" imgH="241300" progId="Equation.DSMT4">
                   <p:embed/>
                 </p:oleObj>
               </mc:Choice>
               <mc:Fallback>
-                <p:oleObj name="Equation" r:id="rId12" imgW="355600" imgH="241300" progId="Equation.DSMT4">
+                <p:oleObj name="Equation" r:id="rId14" imgW="355600" imgH="241300" progId="Equation.DSMT4">
                   <p:embed/>
                   <p:pic>
                     <p:nvPicPr>
@@ -15150,7 +15150,7 @@
                       <p:nvPr/>
                     </p:nvPicPr>
                     <p:blipFill>
-                      <a:blip r:embed="rId13"/>
+                      <a:blip r:embed="rId15"/>
                       <a:stretch>
                         <a:fillRect/>
                       </a:stretch>
@@ -15193,12 +15193,12 @@
           <a:graphicData uri="http://schemas.openxmlformats.org/presentationml/2006/ole">
             <mc:AlternateContent xmlns:mc="http://schemas.openxmlformats.org/markup-compatibility/2006">
               <mc:Choice xmlns:v="urn:schemas-microsoft-com:vml" Requires="v">
-                <p:oleObj spid="_x0000_s32202" name="Equation" r:id="rId14" imgW="1435100" imgH="241300" progId="Equation.DSMT4">
+                <p:oleObj spid="_x0000_s32220" name="Equation" r:id="rId16" imgW="1435100" imgH="241300" progId="Equation.DSMT4">
                   <p:embed/>
                 </p:oleObj>
               </mc:Choice>
               <mc:Fallback>
-                <p:oleObj name="Equation" r:id="rId14" imgW="1435100" imgH="241300" progId="Equation.DSMT4">
+                <p:oleObj name="Equation" r:id="rId16" imgW="1435100" imgH="241300" progId="Equation.DSMT4">
                   <p:embed/>
                   <p:pic>
                     <p:nvPicPr>
@@ -15207,7 +15207,7 @@
                       <p:nvPr/>
                     </p:nvPicPr>
                     <p:blipFill>
-                      <a:blip r:embed="rId15"/>
+                      <a:blip r:embed="rId17"/>
                       <a:stretch>
                         <a:fillRect/>
                       </a:stretch>
@@ -15628,7 +15628,7 @@
             <p:nvPr/>
           </p:nvPicPr>
           <p:blipFill rotWithShape="1">
-            <a:blip r:embed="rId16"/>
+            <a:blip r:embed="rId18"/>
             <a:srcRect l="12179" t="28805" r="36465" b="11280"/>
             <a:stretch/>
           </p:blipFill>
@@ -15654,7 +15654,7 @@
             <p:nvPr/>
           </p:nvPicPr>
           <p:blipFill rotWithShape="1">
-            <a:blip r:embed="rId16"/>
+            <a:blip r:embed="rId18"/>
             <a:srcRect l="12179" t="28805" r="36465" b="11280"/>
             <a:stretch/>
           </p:blipFill>
@@ -15733,12 +15733,12 @@
           <a:graphicData uri="http://schemas.openxmlformats.org/presentationml/2006/ole">
             <mc:AlternateContent xmlns:mc="http://schemas.openxmlformats.org/markup-compatibility/2006">
               <mc:Choice xmlns:v="urn:schemas-microsoft-com:vml" Requires="v">
-                <p:oleObj spid="_x0000_s32203" name="Equation" r:id="rId17" imgW="139700" imgH="165100" progId="Equation.DSMT4">
+                <p:oleObj spid="_x0000_s32221" name="Equation" r:id="rId19" imgW="139700" imgH="165100" progId="Equation.DSMT4">
                   <p:embed/>
                 </p:oleObj>
               </mc:Choice>
               <mc:Fallback>
-                <p:oleObj name="Equation" r:id="rId17" imgW="139700" imgH="165100" progId="Equation.DSMT4">
+                <p:oleObj name="Equation" r:id="rId19" imgW="139700" imgH="165100" progId="Equation.DSMT4">
                   <p:embed/>
                   <p:pic>
                     <p:nvPicPr>
@@ -15747,7 +15747,7 @@
                       <p:nvPr/>
                     </p:nvPicPr>
                     <p:blipFill>
-                      <a:blip r:embed="rId18"/>
+                      <a:blip r:embed="rId20"/>
                       <a:stretch>
                         <a:fillRect/>
                       </a:stretch>
@@ -15790,12 +15790,12 @@
           <a:graphicData uri="http://schemas.openxmlformats.org/presentationml/2006/ole">
             <mc:AlternateContent xmlns:mc="http://schemas.openxmlformats.org/markup-compatibility/2006">
               <mc:Choice xmlns:v="urn:schemas-microsoft-com:vml" Requires="v">
-                <p:oleObj spid="_x0000_s32204" name="Equation" r:id="rId19" imgW="88900" imgH="139700" progId="Equation.DSMT4">
+                <p:oleObj spid="_x0000_s32222" name="Equation" r:id="rId21" imgW="88900" imgH="139700" progId="Equation.DSMT4">
                   <p:embed/>
                 </p:oleObj>
               </mc:Choice>
               <mc:Fallback>
-                <p:oleObj name="Equation" r:id="rId19" imgW="88900" imgH="139700" progId="Equation.DSMT4">
+                <p:oleObj name="Equation" r:id="rId21" imgW="88900" imgH="139700" progId="Equation.DSMT4">
                   <p:embed/>
                   <p:pic>
                     <p:nvPicPr>
@@ -15804,7 +15804,7 @@
                       <p:nvPr/>
                     </p:nvPicPr>
                     <p:blipFill>
-                      <a:blip r:embed="rId20"/>
+                      <a:blip r:embed="rId22"/>
                       <a:stretch>
                         <a:fillRect/>
                       </a:stretch>
@@ -15838,7 +15838,7 @@
   <p:timing>
     <p:tnLst>
       <p:par>
-        <p:cTn id="1" dur="indefinite" restart="never" nodeType="tmRoot"/>
+        <p:cTn xmlns:p14="http://schemas.microsoft.com/office/powerpoint/2010/main" id="1" dur="indefinite" restart="never" nodeType="tmRoot"/>
       </p:par>
     </p:tnLst>
   </p:timing>
@@ -15966,12 +15966,12 @@
           <a:graphicData uri="http://schemas.openxmlformats.org/presentationml/2006/ole">
             <mc:AlternateContent xmlns:mc="http://schemas.openxmlformats.org/markup-compatibility/2006">
               <mc:Choice xmlns:v="urn:schemas-microsoft-com:vml" Requires="v">
-                <p:oleObj spid="_x0000_s3232" name="文書" r:id="rId4" imgW="4495800" imgH="2197100" progId="Word.Document.12">
+                <p:oleObj spid="_x0000_s3236" name="文書" r:id="rId5" imgW="4495800" imgH="2197100" progId="Word.Document.12">
                   <p:embed/>
                 </p:oleObj>
               </mc:Choice>
               <mc:Fallback>
-                <p:oleObj name="文書" r:id="rId4" imgW="4495800" imgH="2197100" progId="Word.Document.12">
+                <p:oleObj name="文書" r:id="rId5" imgW="4495800" imgH="2197100" progId="Word.Document.12">
                   <p:embed/>
                   <p:pic>
                     <p:nvPicPr>
@@ -15980,7 +15980,7 @@
                       <p:nvPr/>
                     </p:nvPicPr>
                     <p:blipFill>
-                      <a:blip r:embed="rId5"/>
+                      <a:blip r:embed="rId6"/>
                       <a:stretch>
                         <a:fillRect/>
                       </a:stretch>
@@ -16040,7 +16040,7 @@
   <p:timing>
     <p:tnLst>
       <p:par>
-        <p:cTn id="1" dur="indefinite" restart="never" nodeType="tmRoot"/>
+        <p:cTn xmlns:p14="http://schemas.microsoft.com/office/powerpoint/2010/main" id="1" dur="indefinite" restart="never" nodeType="tmRoot"/>
       </p:par>
     </p:tnLst>
   </p:timing>
@@ -16168,12 +16168,12 @@
           <a:graphicData uri="http://schemas.openxmlformats.org/presentationml/2006/ole">
             <mc:AlternateContent xmlns:mc="http://schemas.openxmlformats.org/markup-compatibility/2006">
               <mc:Choice xmlns:v="urn:schemas-microsoft-com:vml" Requires="v">
-                <p:oleObj spid="_x0000_s4386" name="文書" r:id="rId4" imgW="4495800" imgH="596900" progId="Word.Document.12">
+                <p:oleObj spid="_x0000_s4394" name="文書" r:id="rId5" imgW="4495800" imgH="596900" progId="Word.Document.12">
                   <p:embed/>
                 </p:oleObj>
               </mc:Choice>
               <mc:Fallback>
-                <p:oleObj name="文書" r:id="rId4" imgW="4495800" imgH="596900" progId="Word.Document.12">
+                <p:oleObj name="文書" r:id="rId5" imgW="4495800" imgH="596900" progId="Word.Document.12">
                   <p:embed/>
                   <p:pic>
                     <p:nvPicPr>
@@ -16182,7 +16182,7 @@
                       <p:nvPr/>
                     </p:nvPicPr>
                     <p:blipFill>
-                      <a:blip r:embed="rId5"/>
+                      <a:blip r:embed="rId6"/>
                       <a:stretch>
                         <a:fillRect/>
                       </a:stretch>
@@ -16291,12 +16291,12 @@
           <a:graphicData uri="http://schemas.openxmlformats.org/presentationml/2006/ole">
             <mc:AlternateContent xmlns:mc="http://schemas.openxmlformats.org/markup-compatibility/2006">
               <mc:Choice xmlns:v="urn:schemas-microsoft-com:vml" Requires="v">
-                <p:oleObj spid="_x0000_s4387" name="Equation" r:id="rId6" imgW="190500" imgH="241300" progId="Equation.DSMT4">
+                <p:oleObj spid="_x0000_s4395" name="Equation" r:id="rId7" imgW="190500" imgH="241300" progId="Equation.DSMT4">
                   <p:embed/>
                 </p:oleObj>
               </mc:Choice>
               <mc:Fallback>
-                <p:oleObj name="Equation" r:id="rId6" imgW="190500" imgH="241300" progId="Equation.DSMT4">
+                <p:oleObj name="Equation" r:id="rId7" imgW="190500" imgH="241300" progId="Equation.DSMT4">
                   <p:embed/>
                   <p:pic>
                     <p:nvPicPr>
@@ -16305,7 +16305,7 @@
                       <p:nvPr/>
                     </p:nvPicPr>
                     <p:blipFill>
-                      <a:blip r:embed="rId7"/>
+                      <a:blip r:embed="rId8"/>
                       <a:stretch>
                         <a:fillRect/>
                       </a:stretch>
@@ -16348,12 +16348,12 @@
           <a:graphicData uri="http://schemas.openxmlformats.org/presentationml/2006/ole">
             <mc:AlternateContent xmlns:mc="http://schemas.openxmlformats.org/markup-compatibility/2006">
               <mc:Choice xmlns:v="urn:schemas-microsoft-com:vml" Requires="v">
-                <p:oleObj spid="_x0000_s4388" name="Equation" r:id="rId8" imgW="165100" imgH="139700" progId="Equation.DSMT4">
+                <p:oleObj spid="_x0000_s4396" name="Equation" r:id="rId9" imgW="165100" imgH="139700" progId="Equation.DSMT4">
                   <p:embed/>
                 </p:oleObj>
               </mc:Choice>
               <mc:Fallback>
-                <p:oleObj name="Equation" r:id="rId8" imgW="165100" imgH="139700" progId="Equation.DSMT4">
+                <p:oleObj name="Equation" r:id="rId9" imgW="165100" imgH="139700" progId="Equation.DSMT4">
                   <p:embed/>
                   <p:pic>
                     <p:nvPicPr>
@@ -16362,7 +16362,7 @@
                       <p:nvPr/>
                     </p:nvPicPr>
                     <p:blipFill>
-                      <a:blip r:embed="rId9"/>
+                      <a:blip r:embed="rId10"/>
                       <a:stretch>
                         <a:fillRect/>
                       </a:stretch>
@@ -16584,7 +16584,7 @@
   <p:timing>
     <p:tnLst>
       <p:par>
-        <p:cTn id="1" dur="indefinite" restart="never" nodeType="tmRoot"/>
+        <p:cTn xmlns:p14="http://schemas.microsoft.com/office/powerpoint/2010/main" id="1" dur="indefinite" restart="never" nodeType="tmRoot"/>
       </p:par>
     </p:tnLst>
   </p:timing>
@@ -16712,12 +16712,12 @@
           <a:graphicData uri="http://schemas.openxmlformats.org/presentationml/2006/ole">
             <mc:AlternateContent xmlns:mc="http://schemas.openxmlformats.org/markup-compatibility/2006">
               <mc:Choice xmlns:v="urn:schemas-microsoft-com:vml" Requires="v">
-                <p:oleObj spid="_x0000_s22115" name="文書" r:id="rId4" imgW="4495800" imgH="1905000" progId="Word.Document.12">
+                <p:oleObj spid="_x0000_s22131" name="文書" r:id="rId5" imgW="4495800" imgH="1905000" progId="Word.Document.12">
                   <p:embed/>
                 </p:oleObj>
               </mc:Choice>
               <mc:Fallback>
-                <p:oleObj name="文書" r:id="rId4" imgW="4495800" imgH="1905000" progId="Word.Document.12">
+                <p:oleObj name="文書" r:id="rId5" imgW="4495800" imgH="1905000" progId="Word.Document.12">
                   <p:embed/>
                   <p:pic>
                     <p:nvPicPr>
@@ -16726,7 +16726,7 @@
                       <p:nvPr/>
                     </p:nvPicPr>
                     <p:blipFill>
-                      <a:blip r:embed="rId5"/>
+                      <a:blip r:embed="rId6"/>
                       <a:stretch>
                         <a:fillRect/>
                       </a:stretch>
@@ -16903,12 +16903,12 @@
           <a:graphicData uri="http://schemas.openxmlformats.org/presentationml/2006/ole">
             <mc:AlternateContent xmlns:mc="http://schemas.openxmlformats.org/markup-compatibility/2006">
               <mc:Choice xmlns:v="urn:schemas-microsoft-com:vml" Requires="v">
-                <p:oleObj spid="_x0000_s22116" name="Equation" r:id="rId6" imgW="215900" imgH="254000" progId="Equation.DSMT4">
+                <p:oleObj spid="_x0000_s22132" name="Equation" r:id="rId7" imgW="215900" imgH="254000" progId="Equation.DSMT4">
                   <p:embed/>
                 </p:oleObj>
               </mc:Choice>
               <mc:Fallback>
-                <p:oleObj name="Equation" r:id="rId6" imgW="215900" imgH="254000" progId="Equation.DSMT4">
+                <p:oleObj name="Equation" r:id="rId7" imgW="215900" imgH="254000" progId="Equation.DSMT4">
                   <p:embed/>
                   <p:pic>
                     <p:nvPicPr>
@@ -16917,7 +16917,7 @@
                       <p:nvPr/>
                     </p:nvPicPr>
                     <p:blipFill>
-                      <a:blip r:embed="rId7"/>
+                      <a:blip r:embed="rId8"/>
                       <a:stretch>
                         <a:fillRect/>
                       </a:stretch>
@@ -16947,7 +16947,7 @@
           <p:nvPr/>
         </p:nvPicPr>
         <p:blipFill>
-          <a:blip r:embed="rId8"/>
+          <a:blip r:embed="rId9"/>
           <a:stretch>
             <a:fillRect/>
           </a:stretch>
@@ -16984,12 +16984,12 @@
           <a:graphicData uri="http://schemas.openxmlformats.org/presentationml/2006/ole">
             <mc:AlternateContent xmlns:mc="http://schemas.openxmlformats.org/markup-compatibility/2006">
               <mc:Choice xmlns:v="urn:schemas-microsoft-com:vml" Requires="v">
-                <p:oleObj spid="_x0000_s22117" name="Equation" r:id="rId9" imgW="165100" imgH="139700" progId="Equation.DSMT4">
+                <p:oleObj spid="_x0000_s22133" name="Equation" r:id="rId10" imgW="165100" imgH="139700" progId="Equation.DSMT4">
                   <p:embed/>
                 </p:oleObj>
               </mc:Choice>
               <mc:Fallback>
-                <p:oleObj name="Equation" r:id="rId9" imgW="165100" imgH="139700" progId="Equation.DSMT4">
+                <p:oleObj name="Equation" r:id="rId10" imgW="165100" imgH="139700" progId="Equation.DSMT4">
                   <p:embed/>
                   <p:pic>
                     <p:nvPicPr>
@@ -16998,7 +16998,7 @@
                       <p:nvPr/>
                     </p:nvPicPr>
                     <p:blipFill>
-                      <a:blip r:embed="rId10"/>
+                      <a:blip r:embed="rId11"/>
                       <a:stretch>
                         <a:fillRect/>
                       </a:stretch>
@@ -17077,12 +17077,12 @@
           <a:graphicData uri="http://schemas.openxmlformats.org/presentationml/2006/ole">
             <mc:AlternateContent xmlns:mc="http://schemas.openxmlformats.org/markup-compatibility/2006">
               <mc:Choice xmlns:v="urn:schemas-microsoft-com:vml" Requires="v">
-                <p:oleObj spid="_x0000_s22118" name="Equation" r:id="rId11" imgW="88900" imgH="139700" progId="Equation.DSMT4">
+                <p:oleObj spid="_x0000_s22134" name="Equation" r:id="rId12" imgW="88900" imgH="139700" progId="Equation.DSMT4">
                   <p:embed/>
                 </p:oleObj>
               </mc:Choice>
               <mc:Fallback>
-                <p:oleObj name="Equation" r:id="rId11" imgW="88900" imgH="139700" progId="Equation.DSMT4">
+                <p:oleObj name="Equation" r:id="rId12" imgW="88900" imgH="139700" progId="Equation.DSMT4">
                   <p:embed/>
                   <p:pic>
                     <p:nvPicPr>
@@ -17091,7 +17091,7 @@
                       <p:nvPr/>
                     </p:nvPicPr>
                     <p:blipFill>
-                      <a:blip r:embed="rId12"/>
+                      <a:blip r:embed="rId13"/>
                       <a:stretch>
                         <a:fillRect/>
                       </a:stretch>
@@ -17170,12 +17170,12 @@
           <a:graphicData uri="http://schemas.openxmlformats.org/presentationml/2006/ole">
             <mc:AlternateContent xmlns:mc="http://schemas.openxmlformats.org/markup-compatibility/2006">
               <mc:Choice xmlns:v="urn:schemas-microsoft-com:vml" Requires="v">
-                <p:oleObj spid="_x0000_s22119" name="Equation" r:id="rId13" imgW="241300" imgH="165100" progId="Equation.DSMT4">
+                <p:oleObj spid="_x0000_s22135" name="Equation" r:id="rId14" imgW="241300" imgH="165100" progId="Equation.DSMT4">
                   <p:embed/>
                 </p:oleObj>
               </mc:Choice>
               <mc:Fallback>
-                <p:oleObj name="Equation" r:id="rId13" imgW="241300" imgH="165100" progId="Equation.DSMT4">
+                <p:oleObj name="Equation" r:id="rId14" imgW="241300" imgH="165100" progId="Equation.DSMT4">
                   <p:embed/>
                   <p:pic>
                     <p:nvPicPr>
@@ -17184,7 +17184,7 @@
                       <p:nvPr/>
                     </p:nvPicPr>
                     <p:blipFill>
-                      <a:blip r:embed="rId14"/>
+                      <a:blip r:embed="rId15"/>
                       <a:stretch>
                         <a:fillRect/>
                       </a:stretch>
@@ -17227,12 +17227,12 @@
           <a:graphicData uri="http://schemas.openxmlformats.org/presentationml/2006/ole">
             <mc:AlternateContent xmlns:mc="http://schemas.openxmlformats.org/markup-compatibility/2006">
               <mc:Choice xmlns:v="urn:schemas-microsoft-com:vml" Requires="v">
-                <p:oleObj spid="_x0000_s22120" name="Equation" r:id="rId15" imgW="241300" imgH="165100" progId="Equation.DSMT4">
+                <p:oleObj spid="_x0000_s22136" name="Equation" r:id="rId16" imgW="241300" imgH="165100" progId="Equation.DSMT4">
                   <p:embed/>
                 </p:oleObj>
               </mc:Choice>
               <mc:Fallback>
-                <p:oleObj name="Equation" r:id="rId15" imgW="241300" imgH="165100" progId="Equation.DSMT4">
+                <p:oleObj name="Equation" r:id="rId16" imgW="241300" imgH="165100" progId="Equation.DSMT4">
                   <p:embed/>
                   <p:pic>
                     <p:nvPicPr>
@@ -17241,7 +17241,7 @@
                       <p:nvPr/>
                     </p:nvPicPr>
                     <p:blipFill>
-                      <a:blip r:embed="rId16"/>
+                      <a:blip r:embed="rId17"/>
                       <a:stretch>
                         <a:fillRect/>
                       </a:stretch>
@@ -17284,12 +17284,12 @@
           <a:graphicData uri="http://schemas.openxmlformats.org/presentationml/2006/ole">
             <mc:AlternateContent xmlns:mc="http://schemas.openxmlformats.org/markup-compatibility/2006">
               <mc:Choice xmlns:v="urn:schemas-microsoft-com:vml" Requires="v">
-                <p:oleObj spid="_x0000_s22121" name="Equation" r:id="rId17" imgW="190500" imgH="241300" progId="Equation.DSMT4">
+                <p:oleObj spid="_x0000_s22137" name="Equation" r:id="rId18" imgW="190500" imgH="241300" progId="Equation.DSMT4">
                   <p:embed/>
                 </p:oleObj>
               </mc:Choice>
               <mc:Fallback>
-                <p:oleObj name="Equation" r:id="rId17" imgW="190500" imgH="241300" progId="Equation.DSMT4">
+                <p:oleObj name="Equation" r:id="rId18" imgW="190500" imgH="241300" progId="Equation.DSMT4">
                   <p:embed/>
                   <p:pic>
                     <p:nvPicPr>
@@ -17298,7 +17298,7 @@
                       <p:nvPr/>
                     </p:nvPicPr>
                     <p:blipFill>
-                      <a:blip r:embed="rId18"/>
+                      <a:blip r:embed="rId19"/>
                       <a:stretch>
                         <a:fillRect/>
                       </a:stretch>
@@ -17332,7 +17332,7 @@
   <p:timing>
     <p:tnLst>
       <p:par>
-        <p:cTn id="1" dur="indefinite" restart="never" nodeType="tmRoot"/>
+        <p:cTn xmlns:p14="http://schemas.microsoft.com/office/powerpoint/2010/main" id="1" dur="indefinite" restart="never" nodeType="tmRoot"/>
       </p:par>
     </p:tnLst>
   </p:timing>
@@ -17460,12 +17460,12 @@
           <a:graphicData uri="http://schemas.openxmlformats.org/presentationml/2006/ole">
             <mc:AlternateContent xmlns:mc="http://schemas.openxmlformats.org/markup-compatibility/2006">
               <mc:Choice xmlns:v="urn:schemas-microsoft-com:vml" Requires="v">
-                <p:oleObj spid="_x0000_s26197" name="文書" r:id="rId4" imgW="4495800" imgH="1905000" progId="Word.Document.12">
+                <p:oleObj spid="_x0000_s26213" name="文書" r:id="rId5" imgW="4495800" imgH="1905000" progId="Word.Document.12">
                   <p:embed/>
                 </p:oleObj>
               </mc:Choice>
               <mc:Fallback>
-                <p:oleObj name="文書" r:id="rId4" imgW="4495800" imgH="1905000" progId="Word.Document.12">
+                <p:oleObj name="文書" r:id="rId5" imgW="4495800" imgH="1905000" progId="Word.Document.12">
                   <p:embed/>
                   <p:pic>
                     <p:nvPicPr>
@@ -17474,7 +17474,7 @@
                       <p:nvPr/>
                     </p:nvPicPr>
                     <p:blipFill>
-                      <a:blip r:embed="rId5"/>
+                      <a:blip r:embed="rId6"/>
                       <a:stretch>
                         <a:fillRect/>
                       </a:stretch>
@@ -17530,7 +17530,7 @@
           <p:nvPr/>
         </p:nvPicPr>
         <p:blipFill rotWithShape="1">
-          <a:blip r:embed="rId6"/>
+          <a:blip r:embed="rId7"/>
           <a:srcRect l="9410" t="7762" r="8487" b="9850"/>
           <a:stretch/>
         </p:blipFill>
@@ -17674,12 +17674,12 @@
           <a:graphicData uri="http://schemas.openxmlformats.org/presentationml/2006/ole">
             <mc:AlternateContent xmlns:mc="http://schemas.openxmlformats.org/markup-compatibility/2006">
               <mc:Choice xmlns:v="urn:schemas-microsoft-com:vml" Requires="v">
-                <p:oleObj spid="_x0000_s26198" name="Equation" r:id="rId7" imgW="203200" imgH="254000" progId="Equation.DSMT4">
+                <p:oleObj spid="_x0000_s26214" name="Equation" r:id="rId8" imgW="203200" imgH="254000" progId="Equation.DSMT4">
                   <p:embed/>
                 </p:oleObj>
               </mc:Choice>
               <mc:Fallback>
-                <p:oleObj name="Equation" r:id="rId7" imgW="203200" imgH="254000" progId="Equation.DSMT4">
+                <p:oleObj name="Equation" r:id="rId8" imgW="203200" imgH="254000" progId="Equation.DSMT4">
                   <p:embed/>
                   <p:pic>
                     <p:nvPicPr>
@@ -17688,7 +17688,7 @@
                       <p:nvPr/>
                     </p:nvPicPr>
                     <p:blipFill>
-                      <a:blip r:embed="rId8"/>
+                      <a:blip r:embed="rId9"/>
                       <a:stretch>
                         <a:fillRect/>
                       </a:stretch>
@@ -17731,12 +17731,12 @@
           <a:graphicData uri="http://schemas.openxmlformats.org/presentationml/2006/ole">
             <mc:AlternateContent xmlns:mc="http://schemas.openxmlformats.org/markup-compatibility/2006">
               <mc:Choice xmlns:v="urn:schemas-microsoft-com:vml" Requires="v">
-                <p:oleObj spid="_x0000_s26199" name="Equation" r:id="rId9" imgW="165100" imgH="139700" progId="Equation.DSMT4">
+                <p:oleObj spid="_x0000_s26215" name="Equation" r:id="rId10" imgW="165100" imgH="139700" progId="Equation.DSMT4">
                   <p:embed/>
                 </p:oleObj>
               </mc:Choice>
               <mc:Fallback>
-                <p:oleObj name="Equation" r:id="rId9" imgW="165100" imgH="139700" progId="Equation.DSMT4">
+                <p:oleObj name="Equation" r:id="rId10" imgW="165100" imgH="139700" progId="Equation.DSMT4">
                   <p:embed/>
                   <p:pic>
                     <p:nvPicPr>
@@ -17745,7 +17745,7 @@
                       <p:nvPr/>
                     </p:nvPicPr>
                     <p:blipFill>
-                      <a:blip r:embed="rId10"/>
+                      <a:blip r:embed="rId11"/>
                       <a:stretch>
                         <a:fillRect/>
                       </a:stretch>
@@ -17824,12 +17824,12 @@
           <a:graphicData uri="http://schemas.openxmlformats.org/presentationml/2006/ole">
             <mc:AlternateContent xmlns:mc="http://schemas.openxmlformats.org/markup-compatibility/2006">
               <mc:Choice xmlns:v="urn:schemas-microsoft-com:vml" Requires="v">
-                <p:oleObj spid="_x0000_s26200" name="Equation" r:id="rId11" imgW="88900" imgH="139700" progId="Equation.DSMT4">
+                <p:oleObj spid="_x0000_s26216" name="Equation" r:id="rId12" imgW="88900" imgH="139700" progId="Equation.DSMT4">
                   <p:embed/>
                 </p:oleObj>
               </mc:Choice>
               <mc:Fallback>
-                <p:oleObj name="Equation" r:id="rId11" imgW="88900" imgH="139700" progId="Equation.DSMT4">
+                <p:oleObj name="Equation" r:id="rId12" imgW="88900" imgH="139700" progId="Equation.DSMT4">
                   <p:embed/>
                   <p:pic>
                     <p:nvPicPr>
@@ -17838,7 +17838,7 @@
                       <p:nvPr/>
                     </p:nvPicPr>
                     <p:blipFill>
-                      <a:blip r:embed="rId12"/>
+                      <a:blip r:embed="rId13"/>
                       <a:stretch>
                         <a:fillRect/>
                       </a:stretch>
@@ -17881,12 +17881,12 @@
           <a:graphicData uri="http://schemas.openxmlformats.org/presentationml/2006/ole">
             <mc:AlternateContent xmlns:mc="http://schemas.openxmlformats.org/markup-compatibility/2006">
               <mc:Choice xmlns:v="urn:schemas-microsoft-com:vml" Requires="v">
-                <p:oleObj spid="_x0000_s26201" name="Equation" r:id="rId13" imgW="241300" imgH="165100" progId="Equation.DSMT4">
+                <p:oleObj spid="_x0000_s26217" name="Equation" r:id="rId14" imgW="241300" imgH="165100" progId="Equation.DSMT4">
                   <p:embed/>
                 </p:oleObj>
               </mc:Choice>
               <mc:Fallback>
-                <p:oleObj name="Equation" r:id="rId13" imgW="241300" imgH="165100" progId="Equation.DSMT4">
+                <p:oleObj name="Equation" r:id="rId14" imgW="241300" imgH="165100" progId="Equation.DSMT4">
                   <p:embed/>
                   <p:pic>
                     <p:nvPicPr>
@@ -17895,7 +17895,7 @@
                       <p:nvPr/>
                     </p:nvPicPr>
                     <p:blipFill>
-                      <a:blip r:embed="rId14"/>
+                      <a:blip r:embed="rId15"/>
                       <a:stretch>
                         <a:fillRect/>
                       </a:stretch>
@@ -17938,12 +17938,12 @@
           <a:graphicData uri="http://schemas.openxmlformats.org/presentationml/2006/ole">
             <mc:AlternateContent xmlns:mc="http://schemas.openxmlformats.org/markup-compatibility/2006">
               <mc:Choice xmlns:v="urn:schemas-microsoft-com:vml" Requires="v">
-                <p:oleObj spid="_x0000_s26202" name="Equation" r:id="rId15" imgW="241300" imgH="165100" progId="Equation.DSMT4">
+                <p:oleObj spid="_x0000_s26218" name="Equation" r:id="rId16" imgW="241300" imgH="165100" progId="Equation.DSMT4">
                   <p:embed/>
                 </p:oleObj>
               </mc:Choice>
               <mc:Fallback>
-                <p:oleObj name="Equation" r:id="rId15" imgW="241300" imgH="165100" progId="Equation.DSMT4">
+                <p:oleObj name="Equation" r:id="rId16" imgW="241300" imgH="165100" progId="Equation.DSMT4">
                   <p:embed/>
                   <p:pic>
                     <p:nvPicPr>
@@ -17952,7 +17952,7 @@
                       <p:nvPr/>
                     </p:nvPicPr>
                     <p:blipFill>
-                      <a:blip r:embed="rId16"/>
+                      <a:blip r:embed="rId17"/>
                       <a:stretch>
                         <a:fillRect/>
                       </a:stretch>
@@ -17995,12 +17995,12 @@
           <a:graphicData uri="http://schemas.openxmlformats.org/presentationml/2006/ole">
             <mc:AlternateContent xmlns:mc="http://schemas.openxmlformats.org/markup-compatibility/2006">
               <mc:Choice xmlns:v="urn:schemas-microsoft-com:vml" Requires="v">
-                <p:oleObj spid="_x0000_s26203" name="Equation" r:id="rId17" imgW="190500" imgH="241300" progId="Equation.DSMT4">
+                <p:oleObj spid="_x0000_s26219" name="Equation" r:id="rId18" imgW="190500" imgH="241300" progId="Equation.DSMT4">
                   <p:embed/>
                 </p:oleObj>
               </mc:Choice>
               <mc:Fallback>
-                <p:oleObj name="Equation" r:id="rId17" imgW="190500" imgH="241300" progId="Equation.DSMT4">
+                <p:oleObj name="Equation" r:id="rId18" imgW="190500" imgH="241300" progId="Equation.DSMT4">
                   <p:embed/>
                   <p:pic>
                     <p:nvPicPr>
@@ -18009,7 +18009,7 @@
                       <p:nvPr/>
                     </p:nvPicPr>
                     <p:blipFill>
-                      <a:blip r:embed="rId18"/>
+                      <a:blip r:embed="rId19"/>
                       <a:stretch>
                         <a:fillRect/>
                       </a:stretch>
@@ -18043,7 +18043,7 @@
   <p:timing>
     <p:tnLst>
       <p:par>
-        <p:cTn id="1" dur="indefinite" restart="never" nodeType="tmRoot"/>
+        <p:cTn xmlns:p14="http://schemas.microsoft.com/office/powerpoint/2010/main" id="1" dur="indefinite" restart="never" nodeType="tmRoot"/>
       </p:par>
     </p:tnLst>
   </p:timing>
@@ -18171,12 +18171,12 @@
           <a:graphicData uri="http://schemas.openxmlformats.org/presentationml/2006/ole">
             <mc:AlternateContent xmlns:mc="http://schemas.openxmlformats.org/markup-compatibility/2006">
               <mc:Choice xmlns:v="urn:schemas-microsoft-com:vml" Requires="v">
-                <p:oleObj spid="_x0000_s14905" name="文書" r:id="rId4" imgW="4495800" imgH="596900" progId="Word.Document.12">
+                <p:oleObj spid="_x0000_s14921" name="文書" r:id="rId5" imgW="4495800" imgH="596900" progId="Word.Document.12">
                   <p:embed/>
                 </p:oleObj>
               </mc:Choice>
               <mc:Fallback>
-                <p:oleObj name="文書" r:id="rId4" imgW="4495800" imgH="596900" progId="Word.Document.12">
+                <p:oleObj name="文書" r:id="rId5" imgW="4495800" imgH="596900" progId="Word.Document.12">
                   <p:embed/>
                   <p:pic>
                     <p:nvPicPr>
@@ -18185,7 +18185,7 @@
                       <p:nvPr/>
                     </p:nvPicPr>
                     <p:blipFill>
-                      <a:blip r:embed="rId5"/>
+                      <a:blip r:embed="rId6"/>
                       <a:stretch>
                         <a:fillRect/>
                       </a:stretch>
@@ -18452,12 +18452,12 @@
           <a:graphicData uri="http://schemas.openxmlformats.org/presentationml/2006/ole">
             <mc:AlternateContent xmlns:mc="http://schemas.openxmlformats.org/markup-compatibility/2006">
               <mc:Choice xmlns:v="urn:schemas-microsoft-com:vml" Requires="v">
-                <p:oleObj spid="_x0000_s14906" name="Equation" r:id="rId6" imgW="139700" imgH="152400" progId="Equation.DSMT4">
+                <p:oleObj spid="_x0000_s14922" name="Equation" r:id="rId7" imgW="139700" imgH="152400" progId="Equation.DSMT4">
                   <p:embed/>
                 </p:oleObj>
               </mc:Choice>
               <mc:Fallback>
-                <p:oleObj name="Equation" r:id="rId6" imgW="139700" imgH="152400" progId="Equation.DSMT4">
+                <p:oleObj name="Equation" r:id="rId7" imgW="139700" imgH="152400" progId="Equation.DSMT4">
                   <p:embed/>
                   <p:pic>
                     <p:nvPicPr>
@@ -18466,7 +18466,7 @@
                       <p:nvPr/>
                     </p:nvPicPr>
                     <p:blipFill>
-                      <a:blip r:embed="rId7"/>
+                      <a:blip r:embed="rId8"/>
                       <a:stretch>
                         <a:fillRect/>
                       </a:stretch>
@@ -18509,12 +18509,12 @@
           <a:graphicData uri="http://schemas.openxmlformats.org/presentationml/2006/ole">
             <mc:AlternateContent xmlns:mc="http://schemas.openxmlformats.org/markup-compatibility/2006">
               <mc:Choice xmlns:v="urn:schemas-microsoft-com:vml" Requires="v">
-                <p:oleObj spid="_x0000_s14907" name="Equation" r:id="rId8" imgW="304800" imgH="152400" progId="Equation.DSMT4">
+                <p:oleObj spid="_x0000_s14923" name="Equation" r:id="rId9" imgW="304800" imgH="152400" progId="Equation.DSMT4">
                   <p:embed/>
                 </p:oleObj>
               </mc:Choice>
               <mc:Fallback>
-                <p:oleObj name="Equation" r:id="rId8" imgW="304800" imgH="152400" progId="Equation.DSMT4">
+                <p:oleObj name="Equation" r:id="rId9" imgW="304800" imgH="152400" progId="Equation.DSMT4">
                   <p:embed/>
                   <p:pic>
                     <p:nvPicPr>
@@ -18523,7 +18523,7 @@
                       <p:nvPr/>
                     </p:nvPicPr>
                     <p:blipFill>
-                      <a:blip r:embed="rId9"/>
+                      <a:blip r:embed="rId10"/>
                       <a:stretch>
                         <a:fillRect/>
                       </a:stretch>
@@ -18566,12 +18566,12 @@
           <a:graphicData uri="http://schemas.openxmlformats.org/presentationml/2006/ole">
             <mc:AlternateContent xmlns:mc="http://schemas.openxmlformats.org/markup-compatibility/2006">
               <mc:Choice xmlns:v="urn:schemas-microsoft-com:vml" Requires="v">
-                <p:oleObj spid="_x0000_s14908" name="Equation" r:id="rId10" imgW="368300" imgH="241300" progId="Equation.DSMT4">
+                <p:oleObj spid="_x0000_s14924" name="Equation" r:id="rId11" imgW="368300" imgH="241300" progId="Equation.DSMT4">
                   <p:embed/>
                 </p:oleObj>
               </mc:Choice>
               <mc:Fallback>
-                <p:oleObj name="Equation" r:id="rId10" imgW="368300" imgH="241300" progId="Equation.DSMT4">
+                <p:oleObj name="Equation" r:id="rId11" imgW="368300" imgH="241300" progId="Equation.DSMT4">
                   <p:embed/>
                   <p:pic>
                     <p:nvPicPr>
@@ -18580,7 +18580,7 @@
                       <p:nvPr/>
                     </p:nvPicPr>
                     <p:blipFill>
-                      <a:blip r:embed="rId11"/>
+                      <a:blip r:embed="rId12"/>
                       <a:stretch>
                         <a:fillRect/>
                       </a:stretch>
@@ -18623,12 +18623,12 @@
           <a:graphicData uri="http://schemas.openxmlformats.org/presentationml/2006/ole">
             <mc:AlternateContent xmlns:mc="http://schemas.openxmlformats.org/markup-compatibility/2006">
               <mc:Choice xmlns:v="urn:schemas-microsoft-com:vml" Requires="v">
-                <p:oleObj spid="_x0000_s14909" name="Equation" r:id="rId12" imgW="127000" imgH="139700" progId="Equation.DSMT4">
+                <p:oleObj spid="_x0000_s14925" name="Equation" r:id="rId13" imgW="127000" imgH="139700" progId="Equation.DSMT4">
                   <p:embed/>
                 </p:oleObj>
               </mc:Choice>
               <mc:Fallback>
-                <p:oleObj name="Equation" r:id="rId12" imgW="127000" imgH="139700" progId="Equation.DSMT4">
+                <p:oleObj name="Equation" r:id="rId13" imgW="127000" imgH="139700" progId="Equation.DSMT4">
                   <p:embed/>
                   <p:pic>
                     <p:nvPicPr>
@@ -18637,7 +18637,7 @@
                       <p:nvPr/>
                     </p:nvPicPr>
                     <p:blipFill>
-                      <a:blip r:embed="rId13"/>
+                      <a:blip r:embed="rId14"/>
                       <a:stretch>
                         <a:fillRect/>
                       </a:stretch>
@@ -18680,12 +18680,12 @@
           <a:graphicData uri="http://schemas.openxmlformats.org/presentationml/2006/ole">
             <mc:AlternateContent xmlns:mc="http://schemas.openxmlformats.org/markup-compatibility/2006">
               <mc:Choice xmlns:v="urn:schemas-microsoft-com:vml" Requires="v">
-                <p:oleObj spid="_x0000_s14910" name="Equation" r:id="rId14" imgW="558800" imgH="241300" progId="Equation.DSMT4">
+                <p:oleObj spid="_x0000_s14926" name="Equation" r:id="rId15" imgW="558800" imgH="241300" progId="Equation.DSMT4">
                   <p:embed/>
                 </p:oleObj>
               </mc:Choice>
               <mc:Fallback>
-                <p:oleObj name="Equation" r:id="rId14" imgW="558800" imgH="241300" progId="Equation.DSMT4">
+                <p:oleObj name="Equation" r:id="rId15" imgW="558800" imgH="241300" progId="Equation.DSMT4">
                   <p:embed/>
                   <p:pic>
                     <p:nvPicPr>
@@ -18694,7 +18694,7 @@
                       <p:nvPr/>
                     </p:nvPicPr>
                     <p:blipFill>
-                      <a:blip r:embed="rId15"/>
+                      <a:blip r:embed="rId16"/>
                       <a:stretch>
                         <a:fillRect/>
                       </a:stretch>
@@ -19143,12 +19143,12 @@
           <a:graphicData uri="http://schemas.openxmlformats.org/presentationml/2006/ole">
             <mc:AlternateContent xmlns:mc="http://schemas.openxmlformats.org/markup-compatibility/2006">
               <mc:Choice xmlns:v="urn:schemas-microsoft-com:vml" Requires="v">
-                <p:oleObj spid="_x0000_s14911" name="Equation" r:id="rId16" imgW="88900" imgH="139700" progId="Equation.DSMT4">
+                <p:oleObj spid="_x0000_s14927" name="Equation" r:id="rId17" imgW="88900" imgH="139700" progId="Equation.DSMT4">
                   <p:embed/>
                 </p:oleObj>
               </mc:Choice>
               <mc:Fallback>
-                <p:oleObj name="Equation" r:id="rId16" imgW="88900" imgH="139700" progId="Equation.DSMT4">
+                <p:oleObj name="Equation" r:id="rId17" imgW="88900" imgH="139700" progId="Equation.DSMT4">
                   <p:embed/>
                   <p:pic>
                     <p:nvPicPr>
@@ -19157,7 +19157,7 @@
                       <p:nvPr/>
                     </p:nvPicPr>
                     <p:blipFill>
-                      <a:blip r:embed="rId17"/>
+                      <a:blip r:embed="rId18"/>
                       <a:stretch>
                         <a:fillRect/>
                       </a:stretch>
@@ -19231,7 +19231,7 @@
   <p:timing>
     <p:tnLst>
       <p:par>
-        <p:cTn id="1" dur="indefinite" restart="never" nodeType="tmRoot"/>
+        <p:cTn xmlns:p14="http://schemas.microsoft.com/office/powerpoint/2010/main" id="1" dur="indefinite" restart="never" nodeType="tmRoot"/>
       </p:par>
     </p:tnLst>
   </p:timing>
@@ -19520,7 +19520,7 @@
   <a:extraClrSchemeLst/>
   <a:extLst>
     <a:ext uri="{05A4C25C-085E-4340-85A3-A5531E510DB2}">
-      <thm15:themeFamily xmlns:thm15="http://schemas.microsoft.com/office/thememl/2012/main" name="プレゼンテーション7" id="{423002E4-7FD9-6640-9BE1-02790D05BA1E}" vid="{82099355-738F-7B4C-8B1D-DB529BAB30B7}"/>
+      <thm15:themeFamily xmlns="" xmlns:thm15="http://schemas.microsoft.com/office/thememl/2012/main" name="プレゼンテーション7" id="{423002E4-7FD9-6640-9BE1-02790D05BA1E}" vid="{82099355-738F-7B4C-8B1D-DB529BAB30B7}"/>
     </a:ext>
   </a:extLst>
 </a:theme>
